--- a/doc/Payroll Web UI.pptx
+++ b/doc/Payroll Web UI.pptx
@@ -9,7 +9,10 @@
     <p:sldId id="257" r:id="rId3"/>
     <p:sldId id="258" r:id="rId4"/>
     <p:sldId id="259" r:id="rId5"/>
-    <p:sldId id="260" r:id="rId6"/>
+    <p:sldId id="263" r:id="rId6"/>
+    <p:sldId id="260" r:id="rId7"/>
+    <p:sldId id="261" r:id="rId8"/>
+    <p:sldId id="262" r:id="rId9"/>
   </p:sldIdLst>
   <p:sldSz cx="12192000" cy="6858000"/>
   <p:notesSz cx="6858000" cy="9144000"/>
@@ -108,6 +111,11 @@
       </a:defRPr>
     </a:lvl9pPr>
   </p:defaultTextStyle>
+  <p:extLst>
+    <p:ext uri="{EFAFB233-063F-42B5-8137-9DF3F51BA10A}">
+      <p15:sldGuideLst xmlns:p15="http://schemas.microsoft.com/office/powerpoint/2012/main"/>
+    </p:ext>
+  </p:extLst>
 </p:presentation>
 </file>
 
@@ -6985,7 +6993,9 @@
         </p:nvSpPr>
         <p:spPr/>
         <p:txBody>
-          <a:bodyPr/>
+          <a:bodyPr>
+            <a:normAutofit fontScale="92500" lnSpcReduction="20000"/>
+          </a:bodyPr>
           <a:lstStyle/>
           <a:p>
             <a:r>
@@ -6996,58 +7006,105 @@
           </a:p>
           <a:p>
             <a:r>
-              <a:rPr lang="zh-CN" altLang="en-US"/>
-              <a:t>页面颜色无</a:t>
-            </a:r>
-            <a:r>
               <a:rPr lang="zh-CN" altLang="en-US" dirty="0"/>
-              <a:t>要求</a:t>
+              <a:t>页面颜色无要求</a:t>
             </a:r>
             <a:endParaRPr lang="en-US" altLang="zh-CN" dirty="0"/>
           </a:p>
           <a:p>
             <a:r>
+              <a:rPr lang="zh-CN" altLang="en-US" dirty="0"/>
+              <a:t>测试</a:t>
+            </a:r>
+            <a:r>
               <a:rPr lang="en-US" altLang="zh-CN" dirty="0"/>
-              <a:t>API</a:t>
-            </a:r>
-            <a:r>
-              <a:rPr lang="zh-CN" altLang="en-US" dirty="0"/>
-              <a:t>服务器</a:t>
-            </a:r>
-            <a:r>
-              <a:rPr lang="en-US" altLang="zh-CN" dirty="0"/>
-              <a:t>IP</a:t>
-            </a:r>
-            <a:r>
-              <a:rPr lang="zh-CN" altLang="en-US" dirty="0"/>
-              <a:t>需要配置在统一的地方</a:t>
-            </a:r>
-            <a:endParaRPr lang="en-US" altLang="zh-CN" dirty="0"/>
-          </a:p>
-          <a:p>
-            <a:r>
-              <a:rPr lang="en-US" dirty="0"/>
-              <a:t>API</a:t>
-            </a:r>
-            <a:r>
-              <a:rPr lang="zh-CN" altLang="en-US" dirty="0"/>
-              <a:t>文档 </a:t>
+              <a:t>Url: </a:t>
             </a:r>
             <a:r>
               <a:rPr lang="en-US" altLang="zh-CN" dirty="0">
                 <a:hlinkClick r:id="rId2"/>
               </a:rPr>
-              <a:t>https://13.76.46.204/swagger</a:t>
+              <a:t>https://payrolls.github.io/test.html</a:t>
             </a:r>
             <a:endParaRPr lang="en-US" altLang="zh-CN" dirty="0"/>
           </a:p>
           <a:p>
+            <a:r>
+              <a:rPr lang="zh-CN" altLang="en-US" dirty="0"/>
+              <a:t>访问</a:t>
+            </a:r>
             <a:r>
               <a:rPr lang="en-US" altLang="zh-CN" dirty="0"/>
               <a:t>API</a:t>
             </a:r>
             <a:r>
               <a:rPr lang="zh-CN" altLang="en-US" dirty="0"/>
+              <a:t>的按钮，单击完成</a:t>
+            </a:r>
+            <a:r>
+              <a:rPr lang="en-US" altLang="zh-CN" dirty="0"/>
+              <a:t>disable</a:t>
+            </a:r>
+            <a:r>
+              <a:rPr lang="zh-CN" altLang="en-US" dirty="0"/>
+              <a:t>，收到</a:t>
+            </a:r>
+            <a:r>
+              <a:rPr lang="en-US" altLang="zh-CN" dirty="0"/>
+              <a:t>response</a:t>
+            </a:r>
+            <a:r>
+              <a:rPr lang="zh-CN" altLang="en-US" dirty="0"/>
+              <a:t>之后再</a:t>
+            </a:r>
+            <a:r>
+              <a:rPr lang="en-US" altLang="zh-CN" dirty="0"/>
+              <a:t>enable</a:t>
+            </a:r>
+          </a:p>
+          <a:p>
+            <a:r>
+              <a:rPr lang="en-US" altLang="zh-CN" dirty="0"/>
+              <a:t>API</a:t>
+            </a:r>
+            <a:r>
+              <a:rPr lang="zh-CN" altLang="en-US" dirty="0"/>
+              <a:t>服务器</a:t>
+            </a:r>
+            <a:r>
+              <a:rPr lang="en-US" altLang="zh-CN" dirty="0"/>
+              <a:t>IP</a:t>
+            </a:r>
+            <a:r>
+              <a:rPr lang="zh-CN" altLang="en-US" dirty="0"/>
+              <a:t>需要配置在统一的地方</a:t>
+            </a:r>
+            <a:endParaRPr lang="en-US" altLang="zh-CN" dirty="0"/>
+          </a:p>
+          <a:p>
+            <a:r>
+              <a:rPr lang="en-US" dirty="0"/>
+              <a:t>API</a:t>
+            </a:r>
+            <a:r>
+              <a:rPr lang="zh-CN" altLang="en-US" dirty="0"/>
+              <a:t>文档 </a:t>
+            </a:r>
+            <a:r>
+              <a:rPr lang="en-US" altLang="zh-CN" dirty="0">
+                <a:hlinkClick r:id="rId3"/>
+              </a:rPr>
+              <a:t>https://13.76.46.204/swagger</a:t>
+            </a:r>
+            <a:endParaRPr lang="en-US" altLang="zh-CN" dirty="0"/>
+          </a:p>
+          <a:p>
+            <a:r>
+              <a:rPr lang="en-US" altLang="zh-CN" dirty="0"/>
+              <a:t>API</a:t>
+            </a:r>
+            <a:r>
+              <a:rPr lang="zh-CN" altLang="en-US" dirty="0"/>
               <a:t>返回值中的</a:t>
             </a:r>
             <a:r>
@@ -7082,6 +7139,43 @@
               <a:rPr lang="zh-CN" altLang="en-US" dirty="0"/>
               <a:t>为错误信息。</a:t>
             </a:r>
+            <a:endParaRPr lang="en-US" altLang="zh-CN" dirty="0"/>
+          </a:p>
+          <a:p>
+            <a:r>
+              <a:rPr lang="en-US" dirty="0">
+                <a:hlinkClick r:id="rId4"/>
+              </a:rPr>
+              <a:t>https://13.76.46.204/h/all</a:t>
+            </a:r>
+            <a:r>
+              <a:rPr lang="en-US" dirty="0"/>
+              <a:t> </a:t>
+            </a:r>
+            <a:r>
+              <a:rPr lang="zh-CN" altLang="en-US" dirty="0"/>
+              <a:t>列出所有表所有数据</a:t>
+            </a:r>
+            <a:endParaRPr lang="en-US" altLang="zh-CN" dirty="0"/>
+          </a:p>
+          <a:p>
+            <a:r>
+              <a:rPr lang="en-US" dirty="0">
+                <a:hlinkClick r:id="rId5"/>
+              </a:rPr>
+              <a:t>https://13.76.46.204/p/select?c=PayItemTemplate.*&amp;w=PayItemTemplate.Amount%20EQ%2030000</a:t>
+            </a:r>
+            <a:r>
+              <a:rPr lang="en-US" dirty="0"/>
+              <a:t> </a:t>
+            </a:r>
+            <a:r>
+              <a:rPr lang="zh-CN" altLang="en-US" dirty="0"/>
+              <a:t>数据查询</a:t>
+            </a:r>
+            <a:endParaRPr lang="en-US" dirty="0"/>
+          </a:p>
+          <a:p>
             <a:endParaRPr lang="en-US" dirty="0"/>
           </a:p>
         </p:txBody>
@@ -7399,6 +7493,102 @@
           <p:cNvPr id="2" name="Title 1">
             <a:extLst>
               <a:ext uri="{FF2B5EF4-FFF2-40B4-BE49-F238E27FC236}">
+                <a16:creationId xmlns:a16="http://schemas.microsoft.com/office/drawing/2014/main" id="{486A398A-C6A0-4141-92A4-A80960772E7F}"/>
+              </a:ext>
+            </a:extLst>
+          </p:cNvPr>
+          <p:cNvSpPr>
+            <a:spLocks noGrp="1"/>
+          </p:cNvSpPr>
+          <p:nvPr>
+            <p:ph type="title"/>
+          </p:nvPr>
+        </p:nvSpPr>
+        <p:spPr/>
+        <p:txBody>
+          <a:bodyPr/>
+          <a:lstStyle/>
+          <a:p>
+            <a:r>
+              <a:rPr lang="zh-CN" altLang="en-US" dirty="0"/>
+              <a:t>数据导入</a:t>
+            </a:r>
+            <a:r>
+              <a:rPr lang="en-US" altLang="zh-CN" dirty="0"/>
+              <a:t>/</a:t>
+            </a:r>
+            <a:r>
+              <a:rPr lang="zh-CN" altLang="en-US" dirty="0"/>
+              <a:t>导出</a:t>
+            </a:r>
+            <a:r>
+              <a:rPr lang="en-US" altLang="zh-CN" dirty="0"/>
+              <a:t> Data import / export</a:t>
+            </a:r>
+            <a:endParaRPr lang="en-US" dirty="0"/>
+          </a:p>
+        </p:txBody>
+      </p:sp>
+      <p:sp>
+        <p:nvSpPr>
+          <p:cNvPr id="3" name="Content Placeholder 2">
+            <a:extLst>
+              <a:ext uri="{FF2B5EF4-FFF2-40B4-BE49-F238E27FC236}">
+                <a16:creationId xmlns:a16="http://schemas.microsoft.com/office/drawing/2014/main" id="{6C2F7A26-8AC0-40E7-A395-9AB392ED80BA}"/>
+              </a:ext>
+            </a:extLst>
+          </p:cNvPr>
+          <p:cNvSpPr>
+            <a:spLocks noGrp="1"/>
+          </p:cNvSpPr>
+          <p:nvPr>
+            <p:ph idx="1"/>
+          </p:nvPr>
+        </p:nvSpPr>
+        <p:spPr/>
+        <p:txBody>
+          <a:bodyPr/>
+          <a:lstStyle/>
+          <a:p>
+            <a:endParaRPr lang="en-US" dirty="0"/>
+          </a:p>
+        </p:txBody>
+      </p:sp>
+    </p:spTree>
+    <p:extLst>
+      <p:ext uri="{BB962C8B-B14F-4D97-AF65-F5344CB8AC3E}">
+        <p14:creationId xmlns:p14="http://schemas.microsoft.com/office/powerpoint/2010/main" val="2810455361"/>
+      </p:ext>
+    </p:extLst>
+  </p:cSld>
+  <p:clrMapOvr>
+    <a:masterClrMapping/>
+  </p:clrMapOvr>
+</p:sld>
+</file>
+
+<file path=ppt/slides/slide6.xml><?xml version="1.0" encoding="utf-8"?>
+<p:sld xmlns:a="http://schemas.openxmlformats.org/drawingml/2006/main" xmlns:r="http://schemas.openxmlformats.org/officeDocument/2006/relationships" xmlns:p="http://schemas.openxmlformats.org/presentationml/2006/main">
+  <p:cSld>
+    <p:spTree>
+      <p:nvGrpSpPr>
+        <p:cNvPr id="1" name=""/>
+        <p:cNvGrpSpPr/>
+        <p:nvPr/>
+      </p:nvGrpSpPr>
+      <p:grpSpPr>
+        <a:xfrm>
+          <a:off x="0" y="0"/>
+          <a:ext cx="0" cy="0"/>
+          <a:chOff x="0" y="0"/>
+          <a:chExt cx="0" cy="0"/>
+        </a:xfrm>
+      </p:grpSpPr>
+      <p:sp>
+        <p:nvSpPr>
+          <p:cNvPr id="2" name="Title 1">
+            <a:extLst>
+              <a:ext uri="{FF2B5EF4-FFF2-40B4-BE49-F238E27FC236}">
                 <a16:creationId xmlns:a16="http://schemas.microsoft.com/office/drawing/2014/main" id="{9A00D3BB-EBEC-49E7-8730-4DA34AF0760F}"/>
               </a:ext>
             </a:extLst>
@@ -7415,7 +7605,15 @@
           <a:bodyPr/>
           <a:lstStyle/>
           <a:p>
-            <a:endParaRPr lang="en-US"/>
+            <a:r>
+              <a:rPr lang="zh-CN" altLang="en-US" dirty="0"/>
+              <a:t>公司管理</a:t>
+            </a:r>
+            <a:r>
+              <a:rPr lang="en-US" altLang="zh-CN" dirty="0"/>
+              <a:t>Company management</a:t>
+            </a:r>
+            <a:endParaRPr lang="en-US" dirty="0"/>
           </a:p>
         </p:txBody>
       </p:sp>
@@ -7440,7 +7638,58 @@
           <a:bodyPr/>
           <a:lstStyle/>
           <a:p>
-            <a:endParaRPr lang="en-US"/>
+            <a:r>
+              <a:rPr lang="en-US" dirty="0" err="1"/>
+              <a:t>CompanyCode</a:t>
+            </a:r>
+            <a:r>
+              <a:rPr lang="en-US" dirty="0"/>
+              <a:t> / </a:t>
+            </a:r>
+            <a:r>
+              <a:rPr lang="en-US" dirty="0" err="1"/>
+              <a:t>CompanyName</a:t>
+            </a:r>
+            <a:r>
+              <a:rPr lang="en-US" dirty="0"/>
+              <a:t> / Employees Count / Edit / Manage / Payroll</a:t>
+            </a:r>
+          </a:p>
+          <a:p>
+            <a:endParaRPr lang="en-US" dirty="0"/>
+          </a:p>
+          <a:p>
+            <a:r>
+              <a:rPr lang="en-US" dirty="0"/>
+              <a:t>Edit: </a:t>
+            </a:r>
+            <a:r>
+              <a:rPr lang="zh-CN" altLang="en-US" dirty="0"/>
+              <a:t>公司（增删改查）</a:t>
+            </a:r>
+            <a:endParaRPr lang="en-US" altLang="zh-CN" dirty="0"/>
+          </a:p>
+          <a:p>
+            <a:r>
+              <a:rPr lang="en-US" dirty="0"/>
+              <a:t>Manage: </a:t>
+            </a:r>
+            <a:r>
+              <a:rPr lang="zh-CN" altLang="en-US" dirty="0"/>
+              <a:t>跳转员工列表页（增删改查）</a:t>
+            </a:r>
+            <a:endParaRPr lang="en-US" altLang="zh-CN" dirty="0"/>
+          </a:p>
+          <a:p>
+            <a:r>
+              <a:rPr lang="en-US" dirty="0"/>
+              <a:t>Payroll: </a:t>
+            </a:r>
+            <a:r>
+              <a:rPr lang="zh-CN" altLang="en-US" dirty="0"/>
+              <a:t>跳转工资计算页（不能跳步）</a:t>
+            </a:r>
+            <a:endParaRPr lang="en-US" dirty="0"/>
           </a:p>
         </p:txBody>
       </p:sp>
@@ -7448,6 +7697,284 @@
     <p:extLst>
       <p:ext uri="{BB962C8B-B14F-4D97-AF65-F5344CB8AC3E}">
         <p14:creationId xmlns:p14="http://schemas.microsoft.com/office/powerpoint/2010/main" val="1247487436"/>
+      </p:ext>
+    </p:extLst>
+  </p:cSld>
+  <p:clrMapOvr>
+    <a:masterClrMapping/>
+  </p:clrMapOvr>
+</p:sld>
+</file>
+
+<file path=ppt/slides/slide7.xml><?xml version="1.0" encoding="utf-8"?>
+<p:sld xmlns:a="http://schemas.openxmlformats.org/drawingml/2006/main" xmlns:r="http://schemas.openxmlformats.org/officeDocument/2006/relationships" xmlns:p="http://schemas.openxmlformats.org/presentationml/2006/main">
+  <p:cSld>
+    <p:spTree>
+      <p:nvGrpSpPr>
+        <p:cNvPr id="1" name=""/>
+        <p:cNvGrpSpPr/>
+        <p:nvPr/>
+      </p:nvGrpSpPr>
+      <p:grpSpPr>
+        <a:xfrm>
+          <a:off x="0" y="0"/>
+          <a:ext cx="0" cy="0"/>
+          <a:chOff x="0" y="0"/>
+          <a:chExt cx="0" cy="0"/>
+        </a:xfrm>
+      </p:grpSpPr>
+      <p:sp>
+        <p:nvSpPr>
+          <p:cNvPr id="2" name="Title 1">
+            <a:extLst>
+              <a:ext uri="{FF2B5EF4-FFF2-40B4-BE49-F238E27FC236}">
+                <a16:creationId xmlns:a16="http://schemas.microsoft.com/office/drawing/2014/main" id="{434C5FAF-F4C7-4A2F-A589-60FC58452C0B}"/>
+              </a:ext>
+            </a:extLst>
+          </p:cNvPr>
+          <p:cNvSpPr>
+            <a:spLocks noGrp="1"/>
+          </p:cNvSpPr>
+          <p:nvPr>
+            <p:ph type="title"/>
+          </p:nvPr>
+        </p:nvSpPr>
+        <p:spPr/>
+        <p:txBody>
+          <a:bodyPr/>
+          <a:lstStyle/>
+          <a:p>
+            <a:r>
+              <a:rPr lang="zh-CN" altLang="en-US" dirty="0"/>
+              <a:t>员工管理</a:t>
+            </a:r>
+            <a:r>
+              <a:rPr lang="en-US" altLang="zh-CN" dirty="0"/>
+              <a:t>Employee management</a:t>
+            </a:r>
+            <a:endParaRPr lang="en-US" dirty="0"/>
+          </a:p>
+        </p:txBody>
+      </p:sp>
+      <p:sp>
+        <p:nvSpPr>
+          <p:cNvPr id="3" name="Content Placeholder 2">
+            <a:extLst>
+              <a:ext uri="{FF2B5EF4-FFF2-40B4-BE49-F238E27FC236}">
+                <a16:creationId xmlns:a16="http://schemas.microsoft.com/office/drawing/2014/main" id="{08961FB3-729E-4EF5-A19D-0EE91B83D493}"/>
+              </a:ext>
+            </a:extLst>
+          </p:cNvPr>
+          <p:cNvSpPr>
+            <a:spLocks noGrp="1"/>
+          </p:cNvSpPr>
+          <p:nvPr>
+            <p:ph idx="1"/>
+          </p:nvPr>
+        </p:nvSpPr>
+        <p:spPr/>
+        <p:txBody>
+          <a:bodyPr/>
+          <a:lstStyle/>
+          <a:p>
+            <a:r>
+              <a:rPr lang="zh-CN" altLang="en-US" dirty="0"/>
+              <a:t>操作放左边</a:t>
+            </a:r>
+            <a:endParaRPr lang="en-US" dirty="0"/>
+          </a:p>
+        </p:txBody>
+      </p:sp>
+    </p:spTree>
+    <p:extLst>
+      <p:ext uri="{BB962C8B-B14F-4D97-AF65-F5344CB8AC3E}">
+        <p14:creationId xmlns:p14="http://schemas.microsoft.com/office/powerpoint/2010/main" val="96601646"/>
+      </p:ext>
+    </p:extLst>
+  </p:cSld>
+  <p:clrMapOvr>
+    <a:masterClrMapping/>
+  </p:clrMapOvr>
+</p:sld>
+</file>
+
+<file path=ppt/slides/slide8.xml><?xml version="1.0" encoding="utf-8"?>
+<p:sld xmlns:a="http://schemas.openxmlformats.org/drawingml/2006/main" xmlns:r="http://schemas.openxmlformats.org/officeDocument/2006/relationships" xmlns:p="http://schemas.openxmlformats.org/presentationml/2006/main">
+  <p:cSld>
+    <p:spTree>
+      <p:nvGrpSpPr>
+        <p:cNvPr id="1" name=""/>
+        <p:cNvGrpSpPr/>
+        <p:nvPr/>
+      </p:nvGrpSpPr>
+      <p:grpSpPr>
+        <a:xfrm>
+          <a:off x="0" y="0"/>
+          <a:ext cx="0" cy="0"/>
+          <a:chOff x="0" y="0"/>
+          <a:chExt cx="0" cy="0"/>
+        </a:xfrm>
+      </p:grpSpPr>
+      <p:sp>
+        <p:nvSpPr>
+          <p:cNvPr id="2" name="Title 1">
+            <a:extLst>
+              <a:ext uri="{FF2B5EF4-FFF2-40B4-BE49-F238E27FC236}">
+                <a16:creationId xmlns:a16="http://schemas.microsoft.com/office/drawing/2014/main" id="{751CC575-CAB5-47E1-A576-18EE767B90C2}"/>
+              </a:ext>
+            </a:extLst>
+          </p:cNvPr>
+          <p:cNvSpPr>
+            <a:spLocks noGrp="1"/>
+          </p:cNvSpPr>
+          <p:nvPr>
+            <p:ph type="title"/>
+          </p:nvPr>
+        </p:nvSpPr>
+        <p:spPr/>
+        <p:txBody>
+          <a:bodyPr/>
+          <a:lstStyle/>
+          <a:p>
+            <a:r>
+              <a:rPr lang="zh-CN" altLang="en-US" dirty="0"/>
+              <a:t>工资结算</a:t>
+            </a:r>
+            <a:r>
+              <a:rPr lang="en-US" altLang="zh-CN" dirty="0"/>
+              <a:t>Payroll calculation</a:t>
+            </a:r>
+            <a:endParaRPr lang="en-US" dirty="0"/>
+          </a:p>
+        </p:txBody>
+      </p:sp>
+      <p:sp>
+        <p:nvSpPr>
+          <p:cNvPr id="3" name="Content Placeholder 2">
+            <a:extLst>
+              <a:ext uri="{FF2B5EF4-FFF2-40B4-BE49-F238E27FC236}">
+                <a16:creationId xmlns:a16="http://schemas.microsoft.com/office/drawing/2014/main" id="{DBEB0881-329A-4A6D-A103-101F20A953CE}"/>
+              </a:ext>
+            </a:extLst>
+          </p:cNvPr>
+          <p:cNvSpPr>
+            <a:spLocks noGrp="1"/>
+          </p:cNvSpPr>
+          <p:nvPr>
+            <p:ph idx="1"/>
+          </p:nvPr>
+        </p:nvSpPr>
+        <p:spPr/>
+        <p:txBody>
+          <a:bodyPr/>
+          <a:lstStyle/>
+          <a:p>
+            <a:r>
+              <a:rPr lang="zh-CN" altLang="en-US" dirty="0"/>
+              <a:t>第一步</a:t>
+            </a:r>
+            <a:r>
+              <a:rPr lang="en-US" altLang="zh-CN" dirty="0"/>
+              <a:t>: </a:t>
+            </a:r>
+            <a:r>
+              <a:rPr lang="zh-CN" altLang="en-US" dirty="0"/>
+              <a:t>根据</a:t>
+            </a:r>
+            <a:r>
+              <a:rPr lang="en-US" altLang="zh-CN" dirty="0" err="1"/>
+              <a:t>CompanyCode</a:t>
+            </a:r>
+            <a:r>
+              <a:rPr lang="zh-CN" altLang="en-US" dirty="0"/>
+              <a:t>查询现有</a:t>
+            </a:r>
+            <a:r>
+              <a:rPr lang="en-US" altLang="zh-CN" dirty="0"/>
+              <a:t>Period </a:t>
+            </a:r>
+            <a:br>
+              <a:rPr lang="en-US" altLang="zh-CN" dirty="0"/>
+            </a:br>
+            <a:r>
+              <a:rPr lang="en-US" altLang="zh-CN" dirty="0"/>
+              <a:t>[Next Step]</a:t>
+            </a:r>
+            <a:br>
+              <a:rPr lang="en-US" altLang="zh-CN" dirty="0"/>
+            </a:br>
+            <a:r>
+              <a:rPr lang="en-US" altLang="zh-CN" dirty="0"/>
+              <a:t>/p/</a:t>
+            </a:r>
+            <a:r>
+              <a:rPr lang="en-US" altLang="zh-CN" dirty="0" err="1"/>
+              <a:t>select?c</a:t>
+            </a:r>
+            <a:r>
+              <a:rPr lang="en-US" altLang="zh-CN" dirty="0"/>
+              <a:t>=period.PeriodCode,period.PeriodType,period.CompanyCode,period.StartDate,period.EndDate&amp;w=Period.CompanyCode%20EQ%20cmp1&amp;o=_</a:t>
+            </a:r>
+            <a:r>
+              <a:rPr lang="en-US" altLang="zh-CN" dirty="0" err="1"/>
+              <a:t>period.StartDate</a:t>
+            </a:r>
+            <a:endParaRPr lang="en-US" altLang="zh-CN" dirty="0"/>
+          </a:p>
+          <a:p>
+            <a:r>
+              <a:rPr lang="zh-CN" altLang="en-US" dirty="0"/>
+              <a:t>第二步</a:t>
+            </a:r>
+            <a:r>
+              <a:rPr lang="en-US" altLang="zh-CN" dirty="0"/>
+              <a:t>: </a:t>
+            </a:r>
+            <a:r>
+              <a:rPr lang="zh-CN" altLang="en-US" dirty="0"/>
+              <a:t>缓存选中的区间，列出该公司所有员工</a:t>
+            </a:r>
+            <a:br>
+              <a:rPr lang="en-US" altLang="zh-CN" dirty="0"/>
+            </a:br>
+            <a:r>
+              <a:rPr lang="en-US" altLang="zh-CN" dirty="0"/>
+              <a:t>[Start]</a:t>
+            </a:r>
+            <a:br>
+              <a:rPr lang="en-US" altLang="zh-CN" dirty="0"/>
+            </a:br>
+            <a:r>
+              <a:rPr lang="en-US" altLang="zh-CN" dirty="0"/>
+              <a:t>/p/select?c=employee.empcode,employee.FullChineseName,employee.gender&amp;w=employee.companycode%20EQ%20cmp1&amp;o=</a:t>
+            </a:r>
+            <a:r>
+              <a:rPr lang="en-US" altLang="zh-CN" dirty="0" err="1"/>
+              <a:t>employee.empcode</a:t>
+            </a:r>
+            <a:endParaRPr lang="en-US" altLang="zh-CN" dirty="0"/>
+          </a:p>
+          <a:p>
+            <a:r>
+              <a:rPr lang="zh-CN" altLang="en-US" dirty="0"/>
+              <a:t>第三步</a:t>
+            </a:r>
+            <a:r>
+              <a:rPr lang="en-US" altLang="zh-CN" dirty="0"/>
+              <a:t>: </a:t>
+            </a:r>
+            <a:r>
+              <a:rPr lang="zh-CN" altLang="en-US" dirty="0"/>
+              <a:t>生成报表</a:t>
+            </a:r>
+            <a:endParaRPr lang="en-US" dirty="0"/>
+          </a:p>
+        </p:txBody>
+      </p:sp>
+    </p:spTree>
+    <p:extLst>
+      <p:ext uri="{BB962C8B-B14F-4D97-AF65-F5344CB8AC3E}">
+        <p14:creationId xmlns:p14="http://schemas.microsoft.com/office/powerpoint/2010/main" val="2896626945"/>
       </p:ext>
     </p:extLst>
   </p:cSld>

--- a/doc/Payroll Web UI.pptx
+++ b/doc/Payroll Web UI.pptx
@@ -6994,7 +6994,7 @@
         <p:spPr/>
         <p:txBody>
           <a:bodyPr>
-            <a:normAutofit fontScale="92500" lnSpcReduction="20000"/>
+            <a:normAutofit fontScale="85000" lnSpcReduction="10000"/>
           </a:bodyPr>
           <a:lstStyle/>
           <a:p>
@@ -7047,7 +7047,15 @@
             </a:r>
             <a:r>
               <a:rPr lang="zh-CN" altLang="en-US" dirty="0"/>
-              <a:t>，收到</a:t>
+              <a:t>或者用</a:t>
+            </a:r>
+            <a:r>
+              <a:rPr lang="en-US" altLang="zh-CN" dirty="0"/>
+              <a:t>overlay</a:t>
+            </a:r>
+            <a:r>
+              <a:rPr lang="zh-CN" altLang="en-US" dirty="0"/>
+              <a:t>盖住，收到</a:t>
             </a:r>
             <a:r>
               <a:rPr lang="en-US" altLang="zh-CN" dirty="0"/>
@@ -7055,12 +7063,9 @@
             </a:r>
             <a:r>
               <a:rPr lang="zh-CN" altLang="en-US" dirty="0"/>
-              <a:t>之后再</a:t>
-            </a:r>
-            <a:r>
-              <a:rPr lang="en-US" altLang="zh-CN" dirty="0"/>
-              <a:t>enable</a:t>
-            </a:r>
+              <a:t>之后再恢复</a:t>
+            </a:r>
+            <a:endParaRPr lang="en-US" altLang="zh-CN" dirty="0"/>
           </a:p>
           <a:p>
             <a:r>
@@ -7138,6 +7143,29 @@
             <a:r>
               <a:rPr lang="zh-CN" altLang="en-US" dirty="0"/>
               <a:t>为错误信息。</a:t>
+            </a:r>
+            <a:endParaRPr lang="en-US" altLang="zh-CN" dirty="0"/>
+          </a:p>
+          <a:p>
+            <a:r>
+              <a:rPr lang="zh-CN" altLang="en-US" dirty="0"/>
+              <a:t>调用删除</a:t>
+            </a:r>
+            <a:r>
+              <a:rPr lang="en-US" altLang="zh-CN" dirty="0"/>
+              <a:t>API</a:t>
+            </a:r>
+            <a:r>
+              <a:rPr lang="zh-CN" altLang="en-US" dirty="0"/>
+              <a:t>之前</a:t>
+            </a:r>
+            <a:r>
+              <a:rPr lang="en-US" altLang="zh-CN" dirty="0"/>
+              <a:t>popup</a:t>
+            </a:r>
+            <a:r>
+              <a:rPr lang="zh-CN" altLang="en-US" dirty="0"/>
+              <a:t>警告</a:t>
             </a:r>
             <a:endParaRPr lang="en-US" altLang="zh-CN" dirty="0"/>
           </a:p>
@@ -7550,6 +7578,33 @@
           <a:bodyPr/>
           <a:lstStyle/>
           <a:p>
+            <a:r>
+              <a:rPr lang="zh-CN" altLang="en-US" dirty="0"/>
+              <a:t>下载</a:t>
+            </a:r>
+            <a:r>
+              <a:rPr lang="en-US" altLang="zh-CN" dirty="0"/>
+              <a:t>csv</a:t>
+            </a:r>
+            <a:r>
+              <a:rPr lang="zh-CN" altLang="en-US" dirty="0"/>
+              <a:t>模板</a:t>
+            </a:r>
+            <a:endParaRPr lang="en-US" altLang="zh-CN" dirty="0"/>
+          </a:p>
+          <a:p>
+            <a:r>
+              <a:rPr lang="zh-CN" altLang="en-US" dirty="0"/>
+              <a:t>上传</a:t>
+            </a:r>
+            <a:r>
+              <a:rPr lang="en-US" altLang="zh-CN" dirty="0"/>
+              <a:t>csv</a:t>
+            </a:r>
+            <a:r>
+              <a:rPr lang="zh-CN" altLang="en-US" dirty="0"/>
+              <a:t>文件</a:t>
+            </a:r>
             <a:endParaRPr lang="en-US" dirty="0"/>
           </a:p>
         </p:txBody>
@@ -7652,7 +7707,7 @@
             </a:r>
             <a:r>
               <a:rPr lang="en-US" dirty="0"/>
-              <a:t> / Employees Count / Edit / Manage / Payroll</a:t>
+              <a:t> / Employees Count / Edit / Employee / Payroll</a:t>
             </a:r>
           </a:p>
           <a:p>
@@ -7672,7 +7727,7 @@
           <a:p>
             <a:r>
               <a:rPr lang="en-US" dirty="0"/>
-              <a:t>Manage: </a:t>
+              <a:t>Employee: </a:t>
             </a:r>
             <a:r>
               <a:rPr lang="zh-CN" altLang="en-US" dirty="0"/>
@@ -7779,9 +7834,69 @@
           <a:p>
             <a:r>
               <a:rPr lang="zh-CN" altLang="en-US" dirty="0"/>
-              <a:t>操作放左边</a:t>
-            </a:r>
-            <a:endParaRPr lang="en-US" dirty="0"/>
+              <a:t>显示所有</a:t>
+            </a:r>
+            <a:r>
+              <a:rPr lang="en-US" altLang="zh-CN" dirty="0"/>
+              <a:t>Employee</a:t>
+            </a:r>
+            <a:r>
+              <a:rPr lang="zh-CN" altLang="en-US" dirty="0"/>
+              <a:t>表的列</a:t>
+            </a:r>
+            <a:endParaRPr lang="en-US" altLang="zh-CN" dirty="0"/>
+          </a:p>
+          <a:p>
+            <a:r>
+              <a:rPr lang="zh-CN" altLang="en-US" dirty="0"/>
+              <a:t>操作放左边 </a:t>
+            </a:r>
+            <a:r>
+              <a:rPr lang="en-US" altLang="zh-CN" dirty="0"/>
+              <a:t>(Edit / Package / Workload)</a:t>
+            </a:r>
+            <a:br>
+              <a:rPr lang="en-US" altLang="zh-CN" dirty="0"/>
+            </a:br>
+            <a:r>
+              <a:rPr lang="en-US" altLang="zh-CN" dirty="0"/>
+              <a:t>Edit: Popup </a:t>
+            </a:r>
+            <a:r>
+              <a:rPr lang="zh-CN" altLang="en-US" dirty="0"/>
+              <a:t>修改员工基本信息</a:t>
+            </a:r>
+            <a:br>
+              <a:rPr lang="en-US" altLang="zh-CN" dirty="0"/>
+            </a:br>
+            <a:r>
+              <a:rPr lang="en-US" altLang="zh-CN" dirty="0"/>
+              <a:t>Package: </a:t>
+            </a:r>
+            <a:r>
+              <a:rPr lang="zh-CN" altLang="en-US" dirty="0"/>
+              <a:t>跳转员工薪资包管理页面</a:t>
+            </a:r>
+            <a:br>
+              <a:rPr lang="en-US" altLang="zh-CN" dirty="0"/>
+            </a:br>
+            <a:r>
+              <a:rPr lang="en-US" altLang="zh-CN" dirty="0"/>
+              <a:t>Workload: </a:t>
+            </a:r>
+            <a:r>
+              <a:rPr lang="zh-CN" altLang="en-US" dirty="0"/>
+              <a:t>跳转员工加班 </a:t>
+            </a:r>
+            <a:r>
+              <a:rPr lang="en-US" altLang="zh-CN" dirty="0"/>
+              <a:t>/ </a:t>
+            </a:r>
+            <a:r>
+              <a:rPr lang="zh-CN" altLang="en-US" dirty="0"/>
+              <a:t>请假管理页面</a:t>
+            </a:r>
+            <a:endParaRPr lang="en-US" altLang="zh-CN" dirty="0"/>
           </a:p>
         </p:txBody>
       </p:sp>
@@ -7866,7 +7981,9 @@
         </p:nvSpPr>
         <p:spPr/>
         <p:txBody>
-          <a:bodyPr/>
+          <a:bodyPr>
+            <a:normAutofit fontScale="92500" lnSpcReduction="10000"/>
+          </a:bodyPr>
           <a:lstStyle/>
           <a:p>
             <a:r>
@@ -7932,14 +8049,37 @@
             </a:r>
             <a:r>
               <a:rPr lang="zh-CN" altLang="en-US" dirty="0"/>
-              <a:t>缓存选中的区间，列出该公司所有员工</a:t>
+              <a:t>缓存选中的</a:t>
+            </a:r>
+            <a:r>
+              <a:rPr lang="en-US" altLang="zh-CN" dirty="0"/>
+              <a:t>Period</a:t>
+            </a:r>
+            <a:r>
+              <a:rPr lang="zh-CN" altLang="en-US" dirty="0"/>
+              <a:t>区间，列出该公司所有员工</a:t>
             </a:r>
             <a:br>
               <a:rPr lang="en-US" altLang="zh-CN" dirty="0"/>
             </a:br>
             <a:r>
               <a:rPr lang="en-US" altLang="zh-CN" dirty="0"/>
-              <a:t>[Start]</a:t>
+              <a:t>/p/select?c=payrolltrans.empcode,employee.fullchinesename,payrolltrans.payrollstatus&amp;g=payrolltrans.payrollstatus,payrolltrans.empcode,employee.fullchinesename</a:t>
+            </a:r>
+            <a:br>
+              <a:rPr lang="en-US" altLang="zh-CN" dirty="0"/>
+            </a:br>
+            <a:r>
+              <a:rPr lang="zh-CN" altLang="en-US" dirty="0"/>
+              <a:t>点 </a:t>
+            </a:r>
+            <a:r>
+              <a:rPr lang="en-US" altLang="zh-CN" dirty="0"/>
+              <a:t>[Start] </a:t>
+            </a:r>
+            <a:r>
+              <a:rPr lang="zh-CN" altLang="en-US"/>
+              <a:t>按钮</a:t>
             </a:r>
             <a:br>
               <a:rPr lang="en-US" altLang="zh-CN" dirty="0"/>

--- a/doc/Payroll Web UI.pptx
+++ b/doc/Payroll Web UI.pptx
@@ -7,12 +7,17 @@
   <p:sldIdLst>
     <p:sldId id="256" r:id="rId2"/>
     <p:sldId id="257" r:id="rId3"/>
-    <p:sldId id="258" r:id="rId4"/>
-    <p:sldId id="259" r:id="rId5"/>
-    <p:sldId id="263" r:id="rId6"/>
-    <p:sldId id="260" r:id="rId7"/>
-    <p:sldId id="261" r:id="rId8"/>
-    <p:sldId id="262" r:id="rId9"/>
+    <p:sldId id="267" r:id="rId4"/>
+    <p:sldId id="264" r:id="rId5"/>
+    <p:sldId id="258" r:id="rId6"/>
+    <p:sldId id="259" r:id="rId7"/>
+    <p:sldId id="263" r:id="rId8"/>
+    <p:sldId id="260" r:id="rId9"/>
+    <p:sldId id="261" r:id="rId10"/>
+    <p:sldId id="262" r:id="rId11"/>
+    <p:sldId id="265" r:id="rId12"/>
+    <p:sldId id="266" r:id="rId13"/>
+    <p:sldId id="269" r:id="rId14"/>
   </p:sldIdLst>
   <p:sldSz cx="12192000" cy="6858000"/>
   <p:notesSz cx="6858000" cy="9144000"/>
@@ -1334,7 +1339,7 @@
           <a:p>
             <a:fld id="{DA6193BC-4F03-4D50-9CD1-8060DE3917E8}" type="datetimeFigureOut">
               <a:rPr lang="en-US" smtClean="0"/>
-              <a:t>10/14/2017</a:t>
+              <a:t>10/21/2017</a:t>
             </a:fld>
             <a:endParaRPr lang="en-US"/>
           </a:p>
@@ -1572,7 +1577,7 @@
           <a:p>
             <a:fld id="{DA6193BC-4F03-4D50-9CD1-8060DE3917E8}" type="datetimeFigureOut">
               <a:rPr lang="en-US" smtClean="0"/>
-              <a:t>10/14/2017</a:t>
+              <a:t>10/21/2017</a:t>
             </a:fld>
             <a:endParaRPr lang="en-US"/>
           </a:p>
@@ -1752,7 +1757,7 @@
           <a:p>
             <a:fld id="{DA6193BC-4F03-4D50-9CD1-8060DE3917E8}" type="datetimeFigureOut">
               <a:rPr lang="en-US" smtClean="0"/>
-              <a:t>10/14/2017</a:t>
+              <a:t>10/21/2017</a:t>
             </a:fld>
             <a:endParaRPr lang="en-US"/>
           </a:p>
@@ -1922,7 +1927,7 @@
           <a:p>
             <a:fld id="{DA6193BC-4F03-4D50-9CD1-8060DE3917E8}" type="datetimeFigureOut">
               <a:rPr lang="en-US" smtClean="0"/>
-              <a:t>10/14/2017</a:t>
+              <a:t>10/21/2017</a:t>
             </a:fld>
             <a:endParaRPr lang="en-US"/>
           </a:p>
@@ -2198,7 +2203,7 @@
           <a:p>
             <a:fld id="{DA6193BC-4F03-4D50-9CD1-8060DE3917E8}" type="datetimeFigureOut">
               <a:rPr lang="en-US" smtClean="0"/>
-              <a:t>10/14/2017</a:t>
+              <a:t>10/21/2017</a:t>
             </a:fld>
             <a:endParaRPr lang="en-US"/>
           </a:p>
@@ -3399,7 +3404,7 @@
           <a:p>
             <a:fld id="{DA6193BC-4F03-4D50-9CD1-8060DE3917E8}" type="datetimeFigureOut">
               <a:rPr lang="en-US" smtClean="0"/>
-              <a:t>10/14/2017</a:t>
+              <a:t>10/21/2017</a:t>
             </a:fld>
             <a:endParaRPr lang="en-US"/>
           </a:p>
@@ -3789,7 +3794,7 @@
           <a:p>
             <a:fld id="{DA6193BC-4F03-4D50-9CD1-8060DE3917E8}" type="datetimeFigureOut">
               <a:rPr lang="en-US" smtClean="0"/>
-              <a:t>10/14/2017</a:t>
+              <a:t>10/21/2017</a:t>
             </a:fld>
             <a:endParaRPr lang="en-US"/>
           </a:p>
@@ -3912,7 +3917,7 @@
           <a:p>
             <a:fld id="{DA6193BC-4F03-4D50-9CD1-8060DE3917E8}" type="datetimeFigureOut">
               <a:rPr lang="en-US" smtClean="0"/>
-              <a:t>10/14/2017</a:t>
+              <a:t>10/21/2017</a:t>
             </a:fld>
             <a:endParaRPr lang="en-US"/>
           </a:p>
@@ -4007,7 +4012,7 @@
           <a:p>
             <a:fld id="{DA6193BC-4F03-4D50-9CD1-8060DE3917E8}" type="datetimeFigureOut">
               <a:rPr lang="en-US" smtClean="0"/>
-              <a:t>10/14/2017</a:t>
+              <a:t>10/21/2017</a:t>
             </a:fld>
             <a:endParaRPr lang="en-US"/>
           </a:p>
@@ -4770,7 +4775,7 @@
           <a:p>
             <a:fld id="{DA6193BC-4F03-4D50-9CD1-8060DE3917E8}" type="datetimeFigureOut">
               <a:rPr lang="en-US" smtClean="0"/>
-              <a:t>10/14/2017</a:t>
+              <a:t>10/21/2017</a:t>
             </a:fld>
             <a:endParaRPr lang="en-US"/>
           </a:p>
@@ -5610,7 +5615,7 @@
           <a:p>
             <a:fld id="{DA6193BC-4F03-4D50-9CD1-8060DE3917E8}" type="datetimeFigureOut">
               <a:rPr lang="en-US" smtClean="0"/>
-              <a:t>10/14/2017</a:t>
+              <a:t>10/21/2017</a:t>
             </a:fld>
             <a:endParaRPr lang="en-US"/>
           </a:p>
@@ -5837,7 +5842,7 @@
           <a:p>
             <a:fld id="{DA6193BC-4F03-4D50-9CD1-8060DE3917E8}" type="datetimeFigureOut">
               <a:rPr lang="en-US" smtClean="0"/>
-              <a:t>10/14/2017</a:t>
+              <a:t>10/21/2017</a:t>
             </a:fld>
             <a:endParaRPr lang="en-US"/>
           </a:p>
@@ -6894,20 +6899,66 @@
               <a:rPr lang="zh-CN" altLang="en-US" dirty="0"/>
               <a:t>注意事项</a:t>
             </a:r>
+            <a:r>
+              <a:rPr lang="en-US" altLang="zh-CN" dirty="0"/>
+              <a:t>	</a:t>
+            </a:r>
+            <a:r>
+              <a:rPr lang="zh-CN" altLang="en-US" dirty="0"/>
+              <a:t>左侧菜单</a:t>
+            </a:r>
             <a:endParaRPr lang="en-US" altLang="zh-CN" dirty="0"/>
           </a:p>
           <a:p>
             <a:r>
               <a:rPr lang="zh-CN" altLang="en-US" dirty="0"/>
-              <a:t>登录 </a:t>
-            </a:r>
-            <a:r>
-              <a:rPr lang="en-US" altLang="zh-CN" dirty="0"/>
-              <a:t>/ </a:t>
+              <a:t>登录</a:t>
+            </a:r>
+            <a:r>
+              <a:rPr lang="en-US" altLang="zh-CN" dirty="0"/>
+              <a:t>/</a:t>
             </a:r>
             <a:r>
               <a:rPr lang="zh-CN" altLang="en-US" dirty="0"/>
               <a:t>注销</a:t>
+            </a:r>
+            <a:r>
+              <a:rPr lang="en-US" altLang="zh-CN" dirty="0"/>
+              <a:t>	</a:t>
+            </a:r>
+            <a:r>
+              <a:rPr lang="zh-CN" altLang="en-US" dirty="0"/>
+              <a:t>导入</a:t>
+            </a:r>
+            <a:r>
+              <a:rPr lang="en-US" altLang="zh-CN" dirty="0"/>
+              <a:t>/</a:t>
+            </a:r>
+            <a:r>
+              <a:rPr lang="zh-CN" altLang="en-US" dirty="0"/>
+              <a:t>导出</a:t>
+            </a:r>
+            <a:endParaRPr lang="en-US" altLang="zh-CN" dirty="0"/>
+          </a:p>
+          <a:p>
+            <a:r>
+              <a:rPr lang="zh-CN" altLang="en-US" dirty="0"/>
+              <a:t>公司管理</a:t>
+            </a:r>
+            <a:r>
+              <a:rPr lang="en-US" altLang="zh-CN" dirty="0"/>
+              <a:t>	</a:t>
+            </a:r>
+            <a:r>
+              <a:rPr lang="zh-CN" altLang="en-US" dirty="0"/>
+              <a:t>员工管理</a:t>
+            </a:r>
+            <a:endParaRPr lang="en-US" altLang="zh-CN" dirty="0"/>
+          </a:p>
+          <a:p>
+            <a:r>
+              <a:rPr lang="zh-CN" altLang="en-US" dirty="0"/>
+              <a:t>工资结算</a:t>
             </a:r>
             <a:endParaRPr lang="en-US" altLang="zh-CN" dirty="0"/>
           </a:p>
@@ -6920,6 +6971,1510 @@
     <p:extLst>
       <p:ext uri="{BB962C8B-B14F-4D97-AF65-F5344CB8AC3E}">
         <p14:creationId xmlns:p14="http://schemas.microsoft.com/office/powerpoint/2010/main" val="2914952479"/>
+      </p:ext>
+    </p:extLst>
+  </p:cSld>
+  <p:clrMapOvr>
+    <a:masterClrMapping/>
+  </p:clrMapOvr>
+</p:sld>
+</file>
+
+<file path=ppt/slides/slide10.xml><?xml version="1.0" encoding="utf-8"?>
+<p:sld xmlns:a="http://schemas.openxmlformats.org/drawingml/2006/main" xmlns:r="http://schemas.openxmlformats.org/officeDocument/2006/relationships" xmlns:p="http://schemas.openxmlformats.org/presentationml/2006/main">
+  <p:cSld>
+    <p:spTree>
+      <p:nvGrpSpPr>
+        <p:cNvPr id="1" name=""/>
+        <p:cNvGrpSpPr/>
+        <p:nvPr/>
+      </p:nvGrpSpPr>
+      <p:grpSpPr>
+        <a:xfrm>
+          <a:off x="0" y="0"/>
+          <a:ext cx="0" cy="0"/>
+          <a:chOff x="0" y="0"/>
+          <a:chExt cx="0" cy="0"/>
+        </a:xfrm>
+      </p:grpSpPr>
+      <p:sp>
+        <p:nvSpPr>
+          <p:cNvPr id="2" name="Title 1">
+            <a:extLst>
+              <a:ext uri="{FF2B5EF4-FFF2-40B4-BE49-F238E27FC236}">
+                <a16:creationId xmlns:a16="http://schemas.microsoft.com/office/drawing/2014/main" id="{751CC575-CAB5-47E1-A576-18EE767B90C2}"/>
+              </a:ext>
+            </a:extLst>
+          </p:cNvPr>
+          <p:cNvSpPr>
+            <a:spLocks noGrp="1"/>
+          </p:cNvSpPr>
+          <p:nvPr>
+            <p:ph type="title"/>
+          </p:nvPr>
+        </p:nvSpPr>
+        <p:spPr/>
+        <p:txBody>
+          <a:bodyPr/>
+          <a:lstStyle/>
+          <a:p>
+            <a:r>
+              <a:rPr lang="zh-CN" altLang="en-US" dirty="0"/>
+              <a:t>工资结算</a:t>
+            </a:r>
+            <a:r>
+              <a:rPr lang="en-US" altLang="zh-CN" dirty="0"/>
+              <a:t>Payroll calculation</a:t>
+            </a:r>
+            <a:br>
+              <a:rPr lang="en-US" altLang="zh-CN" dirty="0"/>
+            </a:br>
+            <a:r>
+              <a:rPr lang="en-US" altLang="zh-CN" dirty="0"/>
+              <a:t>Step 1 –Period</a:t>
+            </a:r>
+            <a:endParaRPr lang="en-US" dirty="0"/>
+          </a:p>
+        </p:txBody>
+      </p:sp>
+      <p:sp>
+        <p:nvSpPr>
+          <p:cNvPr id="3" name="Content Placeholder 2">
+            <a:extLst>
+              <a:ext uri="{FF2B5EF4-FFF2-40B4-BE49-F238E27FC236}">
+                <a16:creationId xmlns:a16="http://schemas.microsoft.com/office/drawing/2014/main" id="{DBEB0881-329A-4A6D-A103-101F20A953CE}"/>
+              </a:ext>
+            </a:extLst>
+          </p:cNvPr>
+          <p:cNvSpPr>
+            <a:spLocks noGrp="1"/>
+          </p:cNvSpPr>
+          <p:nvPr>
+            <p:ph idx="1"/>
+          </p:nvPr>
+        </p:nvSpPr>
+        <p:spPr>
+          <a:xfrm>
+            <a:off x="1251678" y="2286001"/>
+            <a:ext cx="10178322" cy="4423143"/>
+          </a:xfrm>
+        </p:spPr>
+        <p:txBody>
+          <a:bodyPr>
+            <a:normAutofit fontScale="92500" lnSpcReduction="20000"/>
+          </a:bodyPr>
+          <a:lstStyle/>
+          <a:p>
+            <a:r>
+              <a:rPr lang="zh-CN" altLang="en-US" dirty="0"/>
+              <a:t>提供一个</a:t>
+            </a:r>
+            <a:r>
+              <a:rPr lang="en-US" altLang="zh-CN" dirty="0"/>
+              <a:t>Textbox</a:t>
+            </a:r>
+            <a:r>
+              <a:rPr lang="zh-CN" altLang="en-US" dirty="0"/>
+              <a:t>和</a:t>
+            </a:r>
+            <a:r>
+              <a:rPr lang="en-US" altLang="zh-CN" dirty="0"/>
+              <a:t>Search</a:t>
+            </a:r>
+            <a:r>
+              <a:rPr lang="zh-CN" altLang="en-US" dirty="0"/>
+              <a:t>按钮让用户查询</a:t>
+            </a:r>
+            <a:r>
+              <a:rPr lang="en-US" altLang="zh-CN" dirty="0" err="1"/>
+              <a:t>PeriodCode</a:t>
+            </a:r>
+            <a:br>
+              <a:rPr lang="en-US" altLang="zh-CN" dirty="0"/>
+            </a:br>
+            <a:r>
+              <a:rPr lang="zh-CN" altLang="en-US" dirty="0"/>
+              <a:t>输入的关键字替换下面蓝色部分</a:t>
+            </a:r>
+            <a:br>
+              <a:rPr lang="en-US" altLang="zh-CN" dirty="0"/>
+            </a:br>
+            <a:r>
+              <a:rPr lang="zh-CN" altLang="en-US" dirty="0"/>
+              <a:t>不输入任何内容则去除</a:t>
+            </a:r>
+            <a:r>
+              <a:rPr lang="en-US" altLang="zh-CN" dirty="0"/>
+              <a:t>Period.PeriodCode%20LK%keyword</a:t>
+            </a:r>
+            <a:r>
+              <a:rPr lang="zh-CN" altLang="en-US" dirty="0"/>
+              <a:t>部分</a:t>
+            </a:r>
+            <a:br>
+              <a:rPr lang="en-US" altLang="zh-CN" dirty="0"/>
+            </a:br>
+            <a:r>
+              <a:rPr lang="en-US" altLang="zh-CN" dirty="0"/>
+              <a:t>keyword</a:t>
+            </a:r>
+            <a:r>
+              <a:rPr lang="zh-CN" altLang="en-US" dirty="0"/>
+              <a:t>为查询关键字（</a:t>
+            </a:r>
+            <a:r>
+              <a:rPr lang="en-US" altLang="zh-CN" dirty="0"/>
+              <a:t>%</a:t>
+            </a:r>
+            <a:r>
+              <a:rPr lang="zh-CN" altLang="en-US" dirty="0"/>
+              <a:t>：代表任意个数任意数字符，</a:t>
+            </a:r>
+            <a:r>
+              <a:rPr lang="en-US" altLang="zh-CN" dirty="0"/>
+              <a:t>_</a:t>
+            </a:r>
+            <a:r>
+              <a:rPr lang="zh-CN" altLang="en-US" dirty="0"/>
+              <a:t>：代表单个任意字符）</a:t>
+            </a:r>
+            <a:endParaRPr lang="en-US" altLang="zh-CN" dirty="0"/>
+          </a:p>
+          <a:p>
+            <a:r>
+              <a:rPr lang="zh-CN" altLang="en-US" dirty="0"/>
+              <a:t>根据</a:t>
+            </a:r>
+            <a:r>
+              <a:rPr lang="en-US" altLang="zh-CN" dirty="0" err="1"/>
+              <a:t>CompanyCode</a:t>
+            </a:r>
+            <a:r>
+              <a:rPr lang="zh-CN" altLang="en-US" dirty="0"/>
+              <a:t>查询现有</a:t>
+            </a:r>
+            <a:r>
+              <a:rPr lang="en-US" altLang="zh-CN" dirty="0"/>
+              <a:t>Period (</a:t>
+            </a:r>
+            <a:r>
+              <a:rPr lang="zh-CN" altLang="en-US" dirty="0"/>
+              <a:t>红色部分为</a:t>
+            </a:r>
+            <a:r>
+              <a:rPr lang="en-US" altLang="zh-CN" dirty="0" err="1"/>
+              <a:t>companyCode</a:t>
+            </a:r>
+            <a:r>
+              <a:rPr lang="en-US" altLang="zh-CN" dirty="0"/>
+              <a:t>)</a:t>
+            </a:r>
+            <a:br>
+              <a:rPr lang="en-US" altLang="zh-CN" dirty="0"/>
+            </a:br>
+            <a:r>
+              <a:rPr lang="en-US" altLang="zh-CN" dirty="0"/>
+              <a:t>/p/</a:t>
+            </a:r>
+            <a:r>
+              <a:rPr lang="en-US" altLang="zh-CN" dirty="0" err="1"/>
+              <a:t>select?c</a:t>
+            </a:r>
+            <a:r>
+              <a:rPr lang="en-US" altLang="zh-CN" dirty="0"/>
+              <a:t>=top 15,payrolltrans.PeriodCode,period.PeriodType,period.CompanyCode,period.StartDate,period.EndDate,$count(1)%20as%20Transactions&amp;o=_period.StartDate&amp;g=payrolltrans.periodcode,period.periodtype,period.companycode,period.startdate,period.enddate&amp;w=</a:t>
+            </a:r>
+            <a:r>
+              <a:rPr lang="en-US" altLang="zh-CN" b="1" dirty="0"/>
+              <a:t>Period.CompanyCode%20EQ%20</a:t>
+            </a:r>
+            <a:r>
+              <a:rPr lang="en-US" altLang="zh-CN" b="1" dirty="0">
+                <a:solidFill>
+                  <a:srgbClr val="FF0000"/>
+                </a:solidFill>
+              </a:rPr>
+              <a:t>Ltd</a:t>
+            </a:r>
+            <a:r>
+              <a:rPr lang="zh-CN" altLang="en-US" b="1" dirty="0">
+                <a:solidFill>
+                  <a:schemeClr val="tx1"/>
+                </a:solidFill>
+              </a:rPr>
+              <a:t>，</a:t>
+            </a:r>
+            <a:r>
+              <a:rPr lang="en-US" altLang="zh-CN" b="1" dirty="0">
+                <a:solidFill>
+                  <a:schemeClr val="tx1"/>
+                </a:solidFill>
+              </a:rPr>
+              <a:t>Period.PeriodCode%20LK%20</a:t>
+            </a:r>
+            <a:r>
+              <a:rPr lang="en-US" altLang="zh-CN" b="1" dirty="0">
+                <a:solidFill>
+                  <a:schemeClr val="accent3">
+                    <a:lumMod val="75000"/>
+                  </a:schemeClr>
+                </a:solidFill>
+              </a:rPr>
+              <a:t>%keyword%</a:t>
+            </a:r>
+          </a:p>
+          <a:p>
+            <a:r>
+              <a:rPr lang="zh-CN" altLang="en-US" dirty="0"/>
+              <a:t>行操作按钮：（</a:t>
+            </a:r>
+            <a:r>
+              <a:rPr lang="en-US" altLang="zh-CN" dirty="0"/>
+              <a:t>period</a:t>
+            </a:r>
+            <a:r>
+              <a:rPr lang="zh-CN" altLang="en-US" dirty="0"/>
+              <a:t>不提供编辑功能）</a:t>
+            </a:r>
+            <a:br>
+              <a:rPr lang="en-US" altLang="zh-CN" dirty="0"/>
+            </a:br>
+            <a:r>
+              <a:rPr lang="en-US" altLang="zh-CN" dirty="0"/>
+              <a:t>Details: </a:t>
+            </a:r>
+            <a:r>
+              <a:rPr lang="zh-CN" altLang="en-US" dirty="0"/>
+              <a:t>缓存</a:t>
+            </a:r>
+            <a:r>
+              <a:rPr lang="en-US" altLang="zh-CN" dirty="0" err="1"/>
+              <a:t>PeriodCode</a:t>
+            </a:r>
+            <a:r>
+              <a:rPr lang="zh-CN" altLang="en-US" dirty="0"/>
+              <a:t>，跳转第二步页面</a:t>
+            </a:r>
+            <a:br>
+              <a:rPr lang="en-US" altLang="zh-CN" dirty="0"/>
+            </a:br>
+            <a:r>
+              <a:rPr lang="en-US" altLang="zh-CN" dirty="0"/>
+              <a:t>Delete: </a:t>
+            </a:r>
+            <a:r>
+              <a:rPr lang="zh-CN" altLang="en-US" dirty="0"/>
+              <a:t>删除当前</a:t>
+            </a:r>
+            <a:r>
+              <a:rPr lang="en-US" altLang="zh-CN" dirty="0"/>
+              <a:t>Period</a:t>
+            </a:r>
+            <a:r>
+              <a:rPr lang="zh-CN" altLang="en-US" dirty="0"/>
+              <a:t>（如果</a:t>
+            </a:r>
+            <a:r>
+              <a:rPr lang="en-US" altLang="zh-CN" dirty="0"/>
+              <a:t>Transactions</a:t>
+            </a:r>
+            <a:r>
+              <a:rPr lang="zh-CN" altLang="en-US" dirty="0"/>
+              <a:t>列大于</a:t>
+            </a:r>
+            <a:r>
+              <a:rPr lang="en-US" altLang="zh-CN" dirty="0"/>
+              <a:t>0</a:t>
+            </a:r>
+            <a:r>
+              <a:rPr lang="zh-CN" altLang="en-US" dirty="0"/>
+              <a:t>，隐藏该按钮，删除</a:t>
+            </a:r>
+            <a:r>
+              <a:rPr lang="en-US" altLang="zh-CN" dirty="0"/>
+              <a:t>API</a:t>
+            </a:r>
+            <a:r>
+              <a:rPr lang="zh-CN" altLang="en-US" dirty="0"/>
+              <a:t>正在开发中</a:t>
+            </a:r>
+            <a:r>
+              <a:rPr lang="en-US" altLang="zh-CN" dirty="0"/>
+              <a:t>…</a:t>
+            </a:r>
+            <a:r>
+              <a:rPr lang="zh-CN" altLang="en-US" dirty="0"/>
+              <a:t>）</a:t>
+            </a:r>
+            <a:endParaRPr lang="en-US" altLang="zh-CN" dirty="0"/>
+          </a:p>
+          <a:p>
+            <a:r>
+              <a:rPr lang="zh-CN" altLang="en-US" dirty="0"/>
+              <a:t>页操作按钮：</a:t>
+            </a:r>
+            <a:br>
+              <a:rPr lang="en-US" altLang="zh-CN" dirty="0"/>
+            </a:br>
+            <a:r>
+              <a:rPr lang="en-US" altLang="zh-CN" dirty="0"/>
+              <a:t>Add: </a:t>
+            </a:r>
+            <a:r>
+              <a:rPr lang="zh-CN" altLang="en-US" dirty="0"/>
+              <a:t>添加新</a:t>
+            </a:r>
+            <a:r>
+              <a:rPr lang="en-US" altLang="zh-CN" dirty="0"/>
+              <a:t>Period</a:t>
+            </a:r>
+            <a:r>
+              <a:rPr lang="zh-CN" altLang="en-US" dirty="0"/>
+              <a:t>（弹出</a:t>
+            </a:r>
+            <a:r>
+              <a:rPr lang="en-US" altLang="zh-CN" dirty="0"/>
+              <a:t>Popup / </a:t>
+            </a:r>
+            <a:r>
+              <a:rPr lang="zh-CN" altLang="en-US" dirty="0"/>
+              <a:t>新窗口</a:t>
+            </a:r>
+            <a:r>
+              <a:rPr lang="en-US" altLang="zh-CN" dirty="0"/>
+              <a:t>, </a:t>
+            </a:r>
+            <a:r>
+              <a:rPr lang="zh-CN" altLang="en-US" dirty="0"/>
+              <a:t>保存</a:t>
+            </a:r>
+            <a:r>
+              <a:rPr lang="en-US" altLang="zh-CN" dirty="0"/>
+              <a:t>API</a:t>
+            </a:r>
+            <a:r>
+              <a:rPr lang="zh-CN" altLang="en-US" dirty="0"/>
+              <a:t>正在开发中）</a:t>
+            </a:r>
+            <a:endParaRPr lang="en-US" altLang="zh-CN" dirty="0"/>
+          </a:p>
+        </p:txBody>
+      </p:sp>
+    </p:spTree>
+    <p:extLst>
+      <p:ext uri="{BB962C8B-B14F-4D97-AF65-F5344CB8AC3E}">
+        <p14:creationId xmlns:p14="http://schemas.microsoft.com/office/powerpoint/2010/main" val="2896626945"/>
+      </p:ext>
+    </p:extLst>
+  </p:cSld>
+  <p:clrMapOvr>
+    <a:masterClrMapping/>
+  </p:clrMapOvr>
+</p:sld>
+</file>
+
+<file path=ppt/slides/slide11.xml><?xml version="1.0" encoding="utf-8"?>
+<p:sld xmlns:a="http://schemas.openxmlformats.org/drawingml/2006/main" xmlns:r="http://schemas.openxmlformats.org/officeDocument/2006/relationships" xmlns:p="http://schemas.openxmlformats.org/presentationml/2006/main">
+  <p:cSld>
+    <p:spTree>
+      <p:nvGrpSpPr>
+        <p:cNvPr id="1" name=""/>
+        <p:cNvGrpSpPr/>
+        <p:nvPr/>
+      </p:nvGrpSpPr>
+      <p:grpSpPr>
+        <a:xfrm>
+          <a:off x="0" y="0"/>
+          <a:ext cx="0" cy="0"/>
+          <a:chOff x="0" y="0"/>
+          <a:chExt cx="0" cy="0"/>
+        </a:xfrm>
+      </p:grpSpPr>
+      <p:sp>
+        <p:nvSpPr>
+          <p:cNvPr id="2" name="Title 1">
+            <a:extLst>
+              <a:ext uri="{FF2B5EF4-FFF2-40B4-BE49-F238E27FC236}">
+                <a16:creationId xmlns:a16="http://schemas.microsoft.com/office/drawing/2014/main" id="{751CC575-CAB5-47E1-A576-18EE767B90C2}"/>
+              </a:ext>
+            </a:extLst>
+          </p:cNvPr>
+          <p:cNvSpPr>
+            <a:spLocks noGrp="1"/>
+          </p:cNvSpPr>
+          <p:nvPr>
+            <p:ph type="title"/>
+          </p:nvPr>
+        </p:nvSpPr>
+        <p:spPr/>
+        <p:txBody>
+          <a:bodyPr/>
+          <a:lstStyle/>
+          <a:p>
+            <a:r>
+              <a:rPr lang="zh-CN" altLang="en-US" dirty="0"/>
+              <a:t>工资结算</a:t>
+            </a:r>
+            <a:r>
+              <a:rPr lang="en-US" altLang="zh-CN" dirty="0"/>
+              <a:t>Payroll calculation</a:t>
+            </a:r>
+            <a:br>
+              <a:rPr lang="en-US" altLang="zh-CN" dirty="0"/>
+            </a:br>
+            <a:r>
+              <a:rPr lang="en-US" altLang="zh-CN" dirty="0"/>
+              <a:t>Step 2 – transaction</a:t>
+            </a:r>
+            <a:endParaRPr lang="en-US" dirty="0"/>
+          </a:p>
+        </p:txBody>
+      </p:sp>
+      <p:sp>
+        <p:nvSpPr>
+          <p:cNvPr id="3" name="Content Placeholder 2">
+            <a:extLst>
+              <a:ext uri="{FF2B5EF4-FFF2-40B4-BE49-F238E27FC236}">
+                <a16:creationId xmlns:a16="http://schemas.microsoft.com/office/drawing/2014/main" id="{DBEB0881-329A-4A6D-A103-101F20A953CE}"/>
+              </a:ext>
+            </a:extLst>
+          </p:cNvPr>
+          <p:cNvSpPr>
+            <a:spLocks noGrp="1"/>
+          </p:cNvSpPr>
+          <p:nvPr>
+            <p:ph idx="1"/>
+          </p:nvPr>
+        </p:nvSpPr>
+        <p:spPr>
+          <a:xfrm>
+            <a:off x="1251678" y="1874517"/>
+            <a:ext cx="10178322" cy="4877157"/>
+          </a:xfrm>
+        </p:spPr>
+        <p:txBody>
+          <a:bodyPr>
+            <a:normAutofit fontScale="70000" lnSpcReduction="20000"/>
+          </a:bodyPr>
+          <a:lstStyle/>
+          <a:p>
+            <a:r>
+              <a:rPr lang="en-US" altLang="zh-CN" dirty="0" err="1"/>
+              <a:t>PayrollStatus</a:t>
+            </a:r>
+            <a:br>
+              <a:rPr lang="en-US" altLang="zh-CN" dirty="0"/>
+            </a:br>
+            <a:r>
+              <a:rPr lang="en-US" altLang="zh-CN" dirty="0"/>
+              <a:t>0: Initial</a:t>
+            </a:r>
+            <a:br>
+              <a:rPr lang="en-US" altLang="zh-CN" dirty="0"/>
+            </a:br>
+            <a:r>
+              <a:rPr lang="en-US" altLang="zh-CN" dirty="0"/>
+              <a:t>1: Done</a:t>
+            </a:r>
+            <a:br>
+              <a:rPr lang="en-US" altLang="zh-CN" dirty="0"/>
+            </a:br>
+            <a:r>
+              <a:rPr lang="en-US" altLang="zh-CN" dirty="0"/>
+              <a:t>2: Committed</a:t>
+            </a:r>
+            <a:br>
+              <a:rPr lang="en-US" altLang="zh-CN" dirty="0"/>
+            </a:br>
+            <a:r>
+              <a:rPr lang="en-US" altLang="zh-CN" dirty="0"/>
+              <a:t>3: Error</a:t>
+            </a:r>
+            <a:br>
+              <a:rPr lang="en-US" altLang="zh-CN" dirty="0"/>
+            </a:br>
+            <a:r>
+              <a:rPr lang="zh-CN" altLang="en-US" dirty="0"/>
+              <a:t>（若发现同一个</a:t>
+            </a:r>
+            <a:r>
+              <a:rPr lang="en-US" altLang="zh-CN" dirty="0" err="1"/>
+              <a:t>EmpCode</a:t>
+            </a:r>
+            <a:r>
+              <a:rPr lang="zh-CN" altLang="en-US" dirty="0"/>
+              <a:t>对应多条</a:t>
+            </a:r>
+            <a:r>
+              <a:rPr lang="en-US" altLang="zh-CN" dirty="0" err="1"/>
+              <a:t>PayrollStatus</a:t>
+            </a:r>
+            <a:r>
+              <a:rPr lang="zh-CN" altLang="en-US" dirty="0"/>
+              <a:t>，取第一条记录并且将该条记录</a:t>
+            </a:r>
+            <a:r>
+              <a:rPr lang="en-US" altLang="zh-CN" dirty="0" err="1"/>
+              <a:t>PayrollStatus</a:t>
+            </a:r>
+            <a:r>
+              <a:rPr lang="zh-CN" altLang="en-US" dirty="0"/>
+              <a:t>设为</a:t>
+            </a:r>
+            <a:r>
+              <a:rPr lang="en-US" altLang="zh-CN" dirty="0"/>
+              <a:t>Error</a:t>
+            </a:r>
+            <a:r>
+              <a:rPr lang="zh-CN" altLang="en-US" dirty="0"/>
+              <a:t>）</a:t>
+            </a:r>
+            <a:endParaRPr lang="en-US" altLang="zh-CN" dirty="0"/>
+          </a:p>
+          <a:p>
+            <a:r>
+              <a:rPr lang="zh-CN" altLang="en-US" dirty="0"/>
+              <a:t>列出该公司该</a:t>
+            </a:r>
+            <a:r>
+              <a:rPr lang="en-US" altLang="zh-CN" dirty="0"/>
+              <a:t>Period</a:t>
+            </a:r>
+            <a:r>
+              <a:rPr lang="zh-CN" altLang="en-US" dirty="0"/>
+              <a:t>内所有员工</a:t>
+            </a:r>
+            <a:r>
+              <a:rPr lang="en-US" altLang="zh-CN" dirty="0"/>
+              <a:t>/p/</a:t>
+            </a:r>
+            <a:r>
+              <a:rPr lang="en-US" altLang="zh-CN" dirty="0" err="1"/>
+              <a:t>select?c</a:t>
+            </a:r>
+            <a:r>
+              <a:rPr lang="en-US" altLang="zh-CN" dirty="0"/>
+              <a:t>=payrolltrans.empcode,employee.fullchinesename,payrolltrans.payrollstatus,employee.companycode,payrolltrans.periodcode&amp;g=payrolltrans.payrollstatus,payrolltrans.empcode,employee.fullchinesename,employee.companycode,payrolltrans.periodcode&amp;w=</a:t>
+            </a:r>
+            <a:r>
+              <a:rPr lang="en-US" altLang="zh-CN" dirty="0" err="1"/>
+              <a:t>employee.companycode</a:t>
+            </a:r>
+            <a:r>
+              <a:rPr lang="en-US" altLang="zh-CN" dirty="0"/>
+              <a:t> LK </a:t>
+            </a:r>
+            <a:r>
+              <a:rPr lang="en-US" altLang="zh-CN" dirty="0" err="1">
+                <a:solidFill>
+                  <a:schemeClr val="accent5">
+                    <a:lumMod val="75000"/>
+                  </a:schemeClr>
+                </a:solidFill>
+              </a:rPr>
+              <a:t>TFHK</a:t>
+            </a:r>
+            <a:r>
+              <a:rPr lang="en-US" altLang="zh-CN" dirty="0" err="1"/>
+              <a:t>,payrolltrans.periodcode</a:t>
+            </a:r>
+            <a:r>
+              <a:rPr lang="en-US" altLang="zh-CN" dirty="0"/>
+              <a:t> LK </a:t>
+            </a:r>
+            <a:r>
+              <a:rPr lang="en-US" altLang="zh-CN" dirty="0">
+                <a:solidFill>
+                  <a:schemeClr val="accent5">
+                    <a:lumMod val="75000"/>
+                  </a:schemeClr>
+                </a:solidFill>
+              </a:rPr>
+              <a:t>ltdpd1</a:t>
+            </a:r>
+            <a:endParaRPr lang="en-US" altLang="zh-CN" dirty="0"/>
+          </a:p>
+          <a:p>
+            <a:r>
+              <a:rPr lang="zh-CN" altLang="en-US" dirty="0"/>
+              <a:t>若上面查询返回数据为空，则使用下面查询得到该公司所有员工的相同信息并增加</a:t>
+            </a:r>
+            <a:r>
+              <a:rPr lang="en-US" altLang="zh-CN" dirty="0" err="1"/>
+              <a:t>payrollstatus</a:t>
+            </a:r>
+            <a:r>
+              <a:rPr lang="zh-CN" altLang="en-US" dirty="0"/>
+              <a:t>列并显示初始状态 </a:t>
+            </a:r>
+            <a:r>
+              <a:rPr lang="en-US" altLang="zh-CN" dirty="0"/>
+              <a:t>Initial</a:t>
+            </a:r>
+            <a:br>
+              <a:rPr lang="en-US" altLang="zh-CN" dirty="0"/>
+            </a:br>
+            <a:r>
+              <a:rPr lang="en-US" altLang="zh-CN" dirty="0"/>
+              <a:t>/p/</a:t>
+            </a:r>
+            <a:r>
+              <a:rPr lang="en-US" altLang="zh-CN" dirty="0" err="1"/>
+              <a:t>select?c</a:t>
+            </a:r>
+            <a:r>
+              <a:rPr lang="en-US" altLang="zh-CN" dirty="0"/>
+              <a:t>= </a:t>
+            </a:r>
+            <a:r>
+              <a:rPr lang="en-US" altLang="zh-CN" dirty="0" err="1"/>
+              <a:t>employee.empcode,employee.fullchinesename&amp;w</a:t>
+            </a:r>
+            <a:r>
+              <a:rPr lang="en-US" altLang="zh-CN" dirty="0"/>
+              <a:t>=employee.companycode%20LK%20</a:t>
+            </a:r>
+            <a:r>
+              <a:rPr lang="en-US" altLang="zh-CN" dirty="0">
+                <a:solidFill>
+                  <a:schemeClr val="accent5">
+                    <a:lumMod val="75000"/>
+                  </a:schemeClr>
+                </a:solidFill>
+              </a:rPr>
+              <a:t>Ltd</a:t>
+            </a:r>
+          </a:p>
+          <a:p>
+            <a:r>
+              <a:rPr lang="zh-CN" altLang="en-US" dirty="0"/>
+              <a:t>行操作按钮</a:t>
+            </a:r>
+            <a:br>
+              <a:rPr lang="en-US" altLang="zh-CN" dirty="0"/>
+            </a:br>
+            <a:r>
+              <a:rPr lang="en-US" altLang="zh-CN" dirty="0"/>
+              <a:t>Start: </a:t>
+            </a:r>
+            <a:r>
+              <a:rPr lang="zh-CN" altLang="en-US" dirty="0"/>
+              <a:t>调用</a:t>
+            </a:r>
+            <a:r>
+              <a:rPr lang="en-US" altLang="zh-CN" dirty="0" err="1"/>
+              <a:t>AddTrans</a:t>
+            </a:r>
+            <a:r>
+              <a:rPr lang="en-US" altLang="zh-CN" dirty="0"/>
+              <a:t> &amp; </a:t>
+            </a:r>
+            <a:r>
+              <a:rPr lang="en-US" altLang="zh-CN" dirty="0" err="1"/>
+              <a:t>CalcTrans</a:t>
+            </a:r>
+            <a:r>
+              <a:rPr lang="en-US" altLang="zh-CN" dirty="0"/>
+              <a:t> API</a:t>
+            </a:r>
+            <a:r>
+              <a:rPr lang="zh-CN" altLang="en-US" dirty="0"/>
+              <a:t>并设置状态为</a:t>
+            </a:r>
+            <a:r>
+              <a:rPr lang="en-US" altLang="zh-CN" dirty="0"/>
+              <a:t>In Progress</a:t>
+            </a:r>
+            <a:r>
+              <a:rPr lang="zh-CN" altLang="en-US" dirty="0"/>
+              <a:t>直到</a:t>
+            </a:r>
+            <a:r>
+              <a:rPr lang="en-US" altLang="zh-CN" dirty="0" err="1"/>
+              <a:t>CalcTrans</a:t>
+            </a:r>
+            <a:r>
+              <a:rPr lang="zh-CN" altLang="en-US" dirty="0"/>
+              <a:t>返回结果后设为</a:t>
+            </a:r>
+            <a:r>
+              <a:rPr lang="en-US" altLang="zh-CN" dirty="0"/>
+              <a:t>Done</a:t>
+            </a:r>
+            <a:r>
+              <a:rPr lang="zh-CN" altLang="en-US" dirty="0"/>
+              <a:t>状态，若</a:t>
+            </a:r>
+            <a:r>
+              <a:rPr lang="en-US" altLang="zh-CN" dirty="0"/>
+              <a:t>	</a:t>
+            </a:r>
+            <a:r>
+              <a:rPr lang="zh-CN" altLang="en-US" dirty="0"/>
+              <a:t>任意</a:t>
+            </a:r>
+            <a:r>
+              <a:rPr lang="en-US" altLang="zh-CN" dirty="0"/>
+              <a:t>API</a:t>
+            </a:r>
+            <a:r>
+              <a:rPr lang="zh-CN" altLang="en-US" dirty="0"/>
+              <a:t>返回</a:t>
+            </a:r>
+            <a:r>
+              <a:rPr lang="en-US" altLang="zh-CN" dirty="0"/>
+              <a:t>Code</a:t>
+            </a:r>
+            <a:r>
+              <a:rPr lang="zh-CN" altLang="en-US" dirty="0"/>
+              <a:t>不为</a:t>
+            </a:r>
+            <a:r>
+              <a:rPr lang="en-US" altLang="zh-CN" dirty="0"/>
+              <a:t>0</a:t>
+            </a:r>
+            <a:r>
+              <a:rPr lang="zh-CN" altLang="en-US" dirty="0"/>
+              <a:t>，显示状态</a:t>
+            </a:r>
+            <a:r>
+              <a:rPr lang="en-US" altLang="zh-CN" dirty="0"/>
+              <a:t>Error</a:t>
+            </a:r>
+            <a:r>
+              <a:rPr lang="zh-CN" altLang="en-US" dirty="0"/>
+              <a:t>（用户单击</a:t>
+            </a:r>
+            <a:r>
+              <a:rPr lang="en-US" altLang="zh-CN" dirty="0"/>
+              <a:t>Error</a:t>
+            </a:r>
+            <a:r>
+              <a:rPr lang="zh-CN" altLang="en-US" dirty="0"/>
+              <a:t>能看到服务器返回的错误信息）</a:t>
+            </a:r>
+            <a:br>
+              <a:rPr lang="en-US" altLang="zh-CN" dirty="0"/>
+            </a:br>
+            <a:r>
+              <a:rPr lang="en-US" altLang="zh-CN" dirty="0"/>
+              <a:t>	</a:t>
+            </a:r>
+            <a:r>
+              <a:rPr lang="zh-CN" altLang="en-US" dirty="0"/>
+              <a:t>用户再次单击</a:t>
+            </a:r>
+            <a:r>
+              <a:rPr lang="en-US" altLang="zh-CN" dirty="0"/>
+              <a:t>Start</a:t>
+            </a:r>
+            <a:r>
+              <a:rPr lang="zh-CN" altLang="en-US" dirty="0"/>
+              <a:t>则重新开始该用户的计算</a:t>
+            </a:r>
+            <a:br>
+              <a:rPr lang="en-US" altLang="zh-CN" dirty="0"/>
+            </a:br>
+            <a:r>
+              <a:rPr lang="en-US" altLang="zh-CN" dirty="0"/>
+              <a:t>Report: </a:t>
+            </a:r>
+            <a:r>
+              <a:rPr lang="zh-CN" altLang="en-US" dirty="0"/>
+              <a:t>只在</a:t>
+            </a:r>
+            <a:r>
+              <a:rPr lang="en-US" altLang="zh-CN" dirty="0"/>
+              <a:t>Committed</a:t>
+            </a:r>
+            <a:r>
+              <a:rPr lang="zh-CN" altLang="en-US" dirty="0"/>
+              <a:t>状态时显示，跳转报表详情页面</a:t>
+            </a:r>
+            <a:endParaRPr lang="en-US" altLang="zh-CN" dirty="0"/>
+          </a:p>
+          <a:p>
+            <a:r>
+              <a:rPr lang="zh-CN" altLang="en-US" dirty="0"/>
+              <a:t>页操作按钮</a:t>
+            </a:r>
+            <a:br>
+              <a:rPr lang="en-US" altLang="zh-CN" dirty="0"/>
+            </a:br>
+            <a:r>
+              <a:rPr lang="en-US" altLang="zh-CN" dirty="0"/>
+              <a:t>Start All: </a:t>
+            </a:r>
+            <a:r>
+              <a:rPr lang="zh-CN" altLang="en-US" dirty="0"/>
+              <a:t>循环遍历每一个员工依次调用</a:t>
+            </a:r>
+            <a:r>
+              <a:rPr lang="en-US" altLang="zh-CN" dirty="0" err="1"/>
+              <a:t>AddTrans</a:t>
+            </a:r>
+            <a:r>
+              <a:rPr lang="en-US" altLang="zh-CN" dirty="0"/>
+              <a:t> / </a:t>
+            </a:r>
+            <a:r>
+              <a:rPr lang="en-US" altLang="zh-CN" dirty="0" err="1"/>
+              <a:t>CalcTrans</a:t>
+            </a:r>
+            <a:r>
+              <a:rPr lang="zh-CN" altLang="en-US" dirty="0"/>
+              <a:t>（单击完后隐藏，显示</a:t>
+            </a:r>
+            <a:r>
+              <a:rPr lang="en-US" altLang="zh-CN" dirty="0"/>
+              <a:t>Stop All</a:t>
+            </a:r>
+            <a:r>
+              <a:rPr lang="zh-CN" altLang="en-US" dirty="0"/>
+              <a:t>）</a:t>
+            </a:r>
+            <a:br>
+              <a:rPr lang="en-US" altLang="zh-CN" dirty="0"/>
+            </a:br>
+            <a:r>
+              <a:rPr lang="en-US" altLang="zh-CN" dirty="0"/>
+              <a:t>	</a:t>
+            </a:r>
+            <a:r>
+              <a:rPr lang="zh-CN" altLang="en-US" dirty="0"/>
+              <a:t>若某员工计算出错（状态为</a:t>
+            </a:r>
+            <a:r>
+              <a:rPr lang="en-US" altLang="zh-CN" dirty="0"/>
+              <a:t>Error</a:t>
+            </a:r>
+            <a:r>
+              <a:rPr lang="zh-CN" altLang="en-US" dirty="0"/>
+              <a:t>），不影响其他员工计算，循环继续</a:t>
+            </a:r>
+            <a:br>
+              <a:rPr lang="en-US" altLang="zh-CN" dirty="0"/>
+            </a:br>
+            <a:r>
+              <a:rPr lang="en-US" altLang="zh-CN" dirty="0"/>
+              <a:t>	</a:t>
+            </a:r>
+            <a:r>
+              <a:rPr lang="zh-CN" altLang="en-US" dirty="0"/>
+              <a:t>若所有员工</a:t>
+            </a:r>
+            <a:br>
+              <a:rPr lang="en-US" altLang="zh-CN" dirty="0"/>
+            </a:br>
+            <a:r>
+              <a:rPr lang="en-US" altLang="zh-CN" dirty="0"/>
+              <a:t>Stop All: </a:t>
+            </a:r>
+            <a:r>
+              <a:rPr lang="zh-CN" altLang="en-US" dirty="0"/>
+              <a:t>当前员工计算完成后终止循环（单击后隐藏，显示</a:t>
+            </a:r>
+            <a:r>
+              <a:rPr lang="en-US" altLang="zh-CN" dirty="0"/>
+              <a:t>Start All</a:t>
+            </a:r>
+            <a:r>
+              <a:rPr lang="zh-CN" altLang="en-US" dirty="0"/>
+              <a:t>）</a:t>
+            </a:r>
+            <a:br>
+              <a:rPr lang="en-US" altLang="zh-CN" dirty="0"/>
+            </a:br>
+            <a:r>
+              <a:rPr lang="en-US" altLang="zh-CN" dirty="0"/>
+              <a:t>Generate Report: </a:t>
+            </a:r>
+            <a:r>
+              <a:rPr lang="zh-CN" altLang="en-US" dirty="0"/>
+              <a:t>所有员工状态为</a:t>
+            </a:r>
+            <a:r>
+              <a:rPr lang="en-US" altLang="zh-CN" dirty="0"/>
+              <a:t>Done</a:t>
+            </a:r>
+            <a:r>
+              <a:rPr lang="zh-CN" altLang="en-US" dirty="0"/>
+              <a:t>或</a:t>
+            </a:r>
+            <a:r>
+              <a:rPr lang="en-US" altLang="zh-CN" dirty="0"/>
+              <a:t>Committed</a:t>
+            </a:r>
+            <a:r>
+              <a:rPr lang="zh-CN" altLang="en-US" dirty="0"/>
+              <a:t>时显示，跳转</a:t>
+            </a:r>
+            <a:r>
+              <a:rPr lang="en-US" altLang="zh-CN" dirty="0"/>
+              <a:t>Step 3</a:t>
+            </a:r>
+            <a:r>
+              <a:rPr lang="zh-CN" altLang="en-US" dirty="0"/>
+              <a:t>准备生成报表</a:t>
+            </a:r>
+            <a:endParaRPr lang="en-US" altLang="zh-CN" dirty="0"/>
+          </a:p>
+        </p:txBody>
+      </p:sp>
+    </p:spTree>
+    <p:extLst>
+      <p:ext uri="{BB962C8B-B14F-4D97-AF65-F5344CB8AC3E}">
+        <p14:creationId xmlns:p14="http://schemas.microsoft.com/office/powerpoint/2010/main" val="1889258840"/>
+      </p:ext>
+    </p:extLst>
+  </p:cSld>
+  <p:clrMapOvr>
+    <a:masterClrMapping/>
+  </p:clrMapOvr>
+</p:sld>
+</file>
+
+<file path=ppt/slides/slide12.xml><?xml version="1.0" encoding="utf-8"?>
+<p:sld xmlns:a="http://schemas.openxmlformats.org/drawingml/2006/main" xmlns:r="http://schemas.openxmlformats.org/officeDocument/2006/relationships" xmlns:p="http://schemas.openxmlformats.org/presentationml/2006/main">
+  <p:cSld>
+    <p:spTree>
+      <p:nvGrpSpPr>
+        <p:cNvPr id="1" name=""/>
+        <p:cNvGrpSpPr/>
+        <p:nvPr/>
+      </p:nvGrpSpPr>
+      <p:grpSpPr>
+        <a:xfrm>
+          <a:off x="0" y="0"/>
+          <a:ext cx="0" cy="0"/>
+          <a:chOff x="0" y="0"/>
+          <a:chExt cx="0" cy="0"/>
+        </a:xfrm>
+      </p:grpSpPr>
+      <p:sp>
+        <p:nvSpPr>
+          <p:cNvPr id="2" name="Title 1">
+            <a:extLst>
+              <a:ext uri="{FF2B5EF4-FFF2-40B4-BE49-F238E27FC236}">
+                <a16:creationId xmlns:a16="http://schemas.microsoft.com/office/drawing/2014/main" id="{751CC575-CAB5-47E1-A576-18EE767B90C2}"/>
+              </a:ext>
+            </a:extLst>
+          </p:cNvPr>
+          <p:cNvSpPr>
+            <a:spLocks noGrp="1"/>
+          </p:cNvSpPr>
+          <p:nvPr>
+            <p:ph type="title"/>
+          </p:nvPr>
+        </p:nvSpPr>
+        <p:spPr/>
+        <p:txBody>
+          <a:bodyPr/>
+          <a:lstStyle/>
+          <a:p>
+            <a:r>
+              <a:rPr lang="zh-CN" altLang="en-US" dirty="0"/>
+              <a:t>工资结算</a:t>
+            </a:r>
+            <a:r>
+              <a:rPr lang="en-US" altLang="zh-CN" dirty="0"/>
+              <a:t>Payroll calculation</a:t>
+            </a:r>
+            <a:br>
+              <a:rPr lang="en-US" altLang="zh-CN" dirty="0"/>
+            </a:br>
+            <a:r>
+              <a:rPr lang="en-US" altLang="zh-CN" dirty="0"/>
+              <a:t>Step 3 – Report</a:t>
+            </a:r>
+            <a:endParaRPr lang="en-US" dirty="0"/>
+          </a:p>
+        </p:txBody>
+      </p:sp>
+      <p:sp>
+        <p:nvSpPr>
+          <p:cNvPr id="3" name="Content Placeholder 2">
+            <a:extLst>
+              <a:ext uri="{FF2B5EF4-FFF2-40B4-BE49-F238E27FC236}">
+                <a16:creationId xmlns:a16="http://schemas.microsoft.com/office/drawing/2014/main" id="{DBEB0881-329A-4A6D-A103-101F20A953CE}"/>
+              </a:ext>
+            </a:extLst>
+          </p:cNvPr>
+          <p:cNvSpPr>
+            <a:spLocks noGrp="1"/>
+          </p:cNvSpPr>
+          <p:nvPr>
+            <p:ph idx="1"/>
+          </p:nvPr>
+        </p:nvSpPr>
+        <p:spPr>
+          <a:xfrm>
+            <a:off x="1251678" y="1874517"/>
+            <a:ext cx="10178322" cy="4877157"/>
+          </a:xfrm>
+        </p:spPr>
+        <p:txBody>
+          <a:bodyPr>
+            <a:normAutofit fontScale="92500" lnSpcReduction="20000"/>
+          </a:bodyPr>
+          <a:lstStyle/>
+          <a:p>
+            <a:r>
+              <a:rPr lang="zh-CN" altLang="en-US" dirty="0"/>
+              <a:t>列出该公司该</a:t>
+            </a:r>
+            <a:r>
+              <a:rPr lang="en-US" altLang="zh-CN" dirty="0"/>
+              <a:t>Period</a:t>
+            </a:r>
+            <a:r>
+              <a:rPr lang="zh-CN" altLang="en-US" dirty="0"/>
+              <a:t>内所有员工</a:t>
+            </a:r>
+            <a:r>
+              <a:rPr lang="en-US" altLang="zh-CN" dirty="0"/>
+              <a:t>/p/select?c=payrolltrans.empcode,employee.fullchinesename,payrolltrans.payrollstatus,employee.companycode,payrolltrans.periodcode&amp;g=payrolltrans.payrollstatus,payrolltrans.empcode,employee.fullchinesename,employee.companycode,payrolltrans.periodcode&amp;w=employee.companycode LK </a:t>
+            </a:r>
+            <a:r>
+              <a:rPr lang="en-US" altLang="zh-CN" dirty="0" err="1">
+                <a:solidFill>
+                  <a:schemeClr val="accent5">
+                    <a:lumMod val="75000"/>
+                  </a:schemeClr>
+                </a:solidFill>
+              </a:rPr>
+              <a:t>TFHK</a:t>
+            </a:r>
+            <a:r>
+              <a:rPr lang="en-US" altLang="zh-CN" dirty="0" err="1"/>
+              <a:t>,payrolltrans.periodcode</a:t>
+            </a:r>
+            <a:r>
+              <a:rPr lang="en-US" altLang="zh-CN" dirty="0"/>
+              <a:t> LK </a:t>
+            </a:r>
+            <a:r>
+              <a:rPr lang="en-US" altLang="zh-CN" dirty="0">
+                <a:solidFill>
+                  <a:schemeClr val="accent5">
+                    <a:lumMod val="75000"/>
+                  </a:schemeClr>
+                </a:solidFill>
+              </a:rPr>
+              <a:t>ltdpd1</a:t>
+            </a:r>
+            <a:r>
+              <a:rPr lang="en-US" altLang="zh-CN" dirty="0"/>
+              <a:t>,payrolltrans.payrollstatus EQ </a:t>
+            </a:r>
+            <a:r>
+              <a:rPr lang="en-US" altLang="zh-CN" dirty="0">
+                <a:solidFill>
+                  <a:schemeClr val="accent5">
+                    <a:lumMod val="75000"/>
+                  </a:schemeClr>
+                </a:solidFill>
+              </a:rPr>
+              <a:t>2</a:t>
+            </a:r>
+            <a:endParaRPr lang="en-US" altLang="zh-CN" b="1" dirty="0">
+              <a:solidFill>
+                <a:schemeClr val="accent5">
+                  <a:lumMod val="75000"/>
+                </a:schemeClr>
+              </a:solidFill>
+            </a:endParaRPr>
+          </a:p>
+          <a:p>
+            <a:r>
+              <a:rPr lang="zh-CN" altLang="en-US" dirty="0"/>
+              <a:t>若上面查询返回数据为空，提示错误信息：</a:t>
+            </a:r>
+            <a:r>
+              <a:rPr lang="en-US" altLang="zh-CN" dirty="0"/>
+              <a:t>Invalid transaction status, cannot generate report.</a:t>
+            </a:r>
+            <a:br>
+              <a:rPr lang="en-US" altLang="zh-CN" dirty="0"/>
+            </a:br>
+            <a:r>
+              <a:rPr lang="zh-CN" altLang="en-US" dirty="0"/>
+              <a:t>并显示按钮</a:t>
+            </a:r>
+            <a:r>
+              <a:rPr lang="en-US" altLang="zh-CN" dirty="0"/>
+              <a:t>Go Back</a:t>
+            </a:r>
+            <a:r>
+              <a:rPr lang="zh-CN" altLang="en-US" dirty="0"/>
+              <a:t>单击后跳转</a:t>
+            </a:r>
+            <a:r>
+              <a:rPr lang="en-US" altLang="zh-CN" dirty="0"/>
+              <a:t>Step 2</a:t>
+            </a:r>
+            <a:r>
+              <a:rPr lang="zh-CN" altLang="en-US" dirty="0"/>
+              <a:t>重新计算</a:t>
+            </a:r>
+            <a:r>
+              <a:rPr lang="en-US" altLang="zh-CN" dirty="0"/>
+              <a:t>Transaction</a:t>
+            </a:r>
+            <a:endParaRPr lang="en-US" altLang="zh-CN" dirty="0">
+              <a:solidFill>
+                <a:schemeClr val="accent5">
+                  <a:lumMod val="75000"/>
+                </a:schemeClr>
+              </a:solidFill>
+            </a:endParaRPr>
+          </a:p>
+          <a:p>
+            <a:r>
+              <a:rPr lang="zh-CN" altLang="en-US" dirty="0"/>
+              <a:t>行操作按钮</a:t>
+            </a:r>
+            <a:br>
+              <a:rPr lang="en-US" altLang="zh-CN" dirty="0"/>
+            </a:br>
+            <a:r>
+              <a:rPr lang="en-US" altLang="zh-CN" dirty="0"/>
+              <a:t>Start: </a:t>
+            </a:r>
+            <a:r>
+              <a:rPr lang="zh-CN" altLang="en-US" dirty="0"/>
+              <a:t>调用</a:t>
+            </a:r>
+            <a:r>
+              <a:rPr lang="en-US" altLang="zh-CN" dirty="0" err="1"/>
+              <a:t>NewReport</a:t>
+            </a:r>
+            <a:r>
+              <a:rPr lang="en-US" altLang="zh-CN" dirty="0"/>
+              <a:t> API</a:t>
+            </a:r>
+            <a:r>
+              <a:rPr lang="zh-CN" altLang="en-US" dirty="0"/>
+              <a:t>并设置状态为</a:t>
+            </a:r>
+            <a:r>
+              <a:rPr lang="en-US" altLang="zh-CN" dirty="0"/>
+              <a:t>In Progress</a:t>
+            </a:r>
+            <a:r>
+              <a:rPr lang="zh-CN" altLang="en-US" dirty="0"/>
+              <a:t>直到</a:t>
+            </a:r>
+            <a:r>
+              <a:rPr lang="en-US" altLang="zh-CN" dirty="0" err="1"/>
+              <a:t>NewReport</a:t>
+            </a:r>
+            <a:r>
+              <a:rPr lang="zh-CN" altLang="en-US" dirty="0"/>
+              <a:t>返回结果后设为</a:t>
+            </a:r>
+            <a:r>
+              <a:rPr lang="en-US" altLang="zh-CN" dirty="0"/>
+              <a:t>Done</a:t>
+            </a:r>
+            <a:r>
+              <a:rPr lang="zh-CN" altLang="en-US" dirty="0"/>
+              <a:t>状态，</a:t>
+            </a:r>
+            <a:r>
+              <a:rPr lang="en-US" altLang="zh-CN" dirty="0"/>
+              <a:t>	</a:t>
+            </a:r>
+            <a:r>
+              <a:rPr lang="zh-CN" altLang="en-US" dirty="0"/>
+              <a:t>若</a:t>
+            </a:r>
+            <a:r>
+              <a:rPr lang="en-US" altLang="zh-CN" dirty="0"/>
+              <a:t>API</a:t>
+            </a:r>
+            <a:r>
+              <a:rPr lang="zh-CN" altLang="en-US" dirty="0"/>
+              <a:t>返回</a:t>
+            </a:r>
+            <a:r>
+              <a:rPr lang="en-US" altLang="zh-CN" dirty="0"/>
+              <a:t>Code</a:t>
+            </a:r>
+            <a:r>
+              <a:rPr lang="zh-CN" altLang="en-US" dirty="0"/>
+              <a:t>不为</a:t>
+            </a:r>
+            <a:r>
+              <a:rPr lang="en-US" altLang="zh-CN" dirty="0"/>
+              <a:t>0</a:t>
+            </a:r>
+            <a:r>
+              <a:rPr lang="zh-CN" altLang="en-US" dirty="0"/>
+              <a:t>，显示状态</a:t>
+            </a:r>
+            <a:r>
+              <a:rPr lang="en-US" altLang="zh-CN" dirty="0"/>
+              <a:t>Error</a:t>
+            </a:r>
+            <a:r>
+              <a:rPr lang="zh-CN" altLang="en-US" dirty="0"/>
+              <a:t>（用户单击</a:t>
+            </a:r>
+            <a:r>
+              <a:rPr lang="en-US" altLang="zh-CN" dirty="0"/>
+              <a:t>Error</a:t>
+            </a:r>
+            <a:r>
+              <a:rPr lang="zh-CN" altLang="en-US" dirty="0"/>
+              <a:t>能看到服务器返回的错误信息）</a:t>
+            </a:r>
+            <a:br>
+              <a:rPr lang="en-US" altLang="zh-CN" dirty="0"/>
+            </a:br>
+            <a:r>
+              <a:rPr lang="en-US" altLang="zh-CN" dirty="0"/>
+              <a:t>	</a:t>
+            </a:r>
+            <a:r>
+              <a:rPr lang="zh-CN" altLang="en-US" dirty="0"/>
+              <a:t>用户再次单击</a:t>
+            </a:r>
+            <a:r>
+              <a:rPr lang="en-US" altLang="zh-CN" dirty="0"/>
+              <a:t>Start</a:t>
+            </a:r>
+            <a:r>
+              <a:rPr lang="zh-CN" altLang="en-US" dirty="0"/>
+              <a:t>则重新开始生成该用户的报表</a:t>
+            </a:r>
+            <a:br>
+              <a:rPr lang="en-US" altLang="zh-CN" dirty="0"/>
+            </a:br>
+            <a:r>
+              <a:rPr lang="en-US" altLang="zh-CN" dirty="0"/>
+              <a:t>Report: </a:t>
+            </a:r>
+            <a:r>
+              <a:rPr lang="zh-CN" altLang="en-US" dirty="0"/>
+              <a:t>只在</a:t>
+            </a:r>
+            <a:r>
+              <a:rPr lang="en-US" altLang="zh-CN" dirty="0"/>
+              <a:t>Done</a:t>
+            </a:r>
+            <a:r>
+              <a:rPr lang="zh-CN" altLang="en-US" dirty="0"/>
+              <a:t>状态时显示，跳转报表详情页面</a:t>
+            </a:r>
+            <a:endParaRPr lang="en-US" altLang="zh-CN" dirty="0"/>
+          </a:p>
+          <a:p>
+            <a:r>
+              <a:rPr lang="zh-CN" altLang="en-US" dirty="0"/>
+              <a:t>页操作按钮</a:t>
+            </a:r>
+            <a:br>
+              <a:rPr lang="en-US" altLang="zh-CN" dirty="0"/>
+            </a:br>
+            <a:r>
+              <a:rPr lang="en-US" altLang="zh-CN" dirty="0"/>
+              <a:t>Start All: </a:t>
+            </a:r>
+            <a:r>
+              <a:rPr lang="zh-CN" altLang="en-US" dirty="0"/>
+              <a:t>循环遍历每一个员工依次调用</a:t>
+            </a:r>
+            <a:r>
+              <a:rPr lang="en-US" altLang="zh-CN" dirty="0"/>
+              <a:t>New Report</a:t>
+            </a:r>
+            <a:r>
+              <a:rPr lang="zh-CN" altLang="en-US" dirty="0"/>
+              <a:t>（单击完后隐藏，显示</a:t>
+            </a:r>
+            <a:r>
+              <a:rPr lang="en-US" altLang="zh-CN" dirty="0"/>
+              <a:t>Stop All</a:t>
+            </a:r>
+            <a:r>
+              <a:rPr lang="zh-CN" altLang="en-US" dirty="0"/>
+              <a:t>）</a:t>
+            </a:r>
+            <a:br>
+              <a:rPr lang="en-US" altLang="zh-CN" dirty="0"/>
+            </a:br>
+            <a:r>
+              <a:rPr lang="en-US" altLang="zh-CN" dirty="0"/>
+              <a:t>	</a:t>
+            </a:r>
+            <a:r>
+              <a:rPr lang="zh-CN" altLang="en-US" dirty="0"/>
+              <a:t>若某员工报表出错（状态为</a:t>
+            </a:r>
+            <a:r>
+              <a:rPr lang="en-US" altLang="zh-CN" dirty="0"/>
+              <a:t>Error</a:t>
+            </a:r>
+            <a:r>
+              <a:rPr lang="zh-CN" altLang="en-US" dirty="0"/>
+              <a:t>），不影响其他员工计算，循环继续</a:t>
+            </a:r>
+            <a:br>
+              <a:rPr lang="en-US" altLang="zh-CN" dirty="0"/>
+            </a:br>
+            <a:r>
+              <a:rPr lang="en-US" altLang="zh-CN" dirty="0"/>
+              <a:t>Stop All: </a:t>
+            </a:r>
+            <a:r>
+              <a:rPr lang="zh-CN" altLang="en-US" dirty="0"/>
+              <a:t>当前员工完成后终止循环（单击后隐藏，显示</a:t>
+            </a:r>
+            <a:r>
+              <a:rPr lang="en-US" altLang="zh-CN" dirty="0"/>
+              <a:t>Start All</a:t>
+            </a:r>
+            <a:r>
+              <a:rPr lang="zh-CN" altLang="en-US" dirty="0"/>
+              <a:t>）</a:t>
+            </a:r>
+            <a:br>
+              <a:rPr lang="en-US" altLang="zh-CN" dirty="0"/>
+            </a:br>
+            <a:r>
+              <a:rPr lang="en-US" altLang="zh-CN" dirty="0"/>
+              <a:t>View Report: </a:t>
+            </a:r>
+            <a:r>
+              <a:rPr lang="zh-CN" altLang="en-US" dirty="0"/>
+              <a:t>所有员工状态为</a:t>
+            </a:r>
+            <a:r>
+              <a:rPr lang="en-US" altLang="zh-CN" dirty="0"/>
+              <a:t>Done</a:t>
+            </a:r>
+            <a:r>
+              <a:rPr lang="zh-CN" altLang="en-US" dirty="0"/>
+              <a:t>时显示，跳转报表详情页面</a:t>
+            </a:r>
+            <a:endParaRPr lang="en-US" altLang="zh-CN" dirty="0"/>
+          </a:p>
+        </p:txBody>
+      </p:sp>
+    </p:spTree>
+    <p:extLst>
+      <p:ext uri="{BB962C8B-B14F-4D97-AF65-F5344CB8AC3E}">
+        <p14:creationId xmlns:p14="http://schemas.microsoft.com/office/powerpoint/2010/main" val="2566509248"/>
+      </p:ext>
+    </p:extLst>
+  </p:cSld>
+  <p:clrMapOvr>
+    <a:masterClrMapping/>
+  </p:clrMapOvr>
+</p:sld>
+</file>
+
+<file path=ppt/slides/slide13.xml><?xml version="1.0" encoding="utf-8"?>
+<p:sld xmlns:a="http://schemas.openxmlformats.org/drawingml/2006/main" xmlns:r="http://schemas.openxmlformats.org/officeDocument/2006/relationships" xmlns:p="http://schemas.openxmlformats.org/presentationml/2006/main">
+  <p:cSld>
+    <p:spTree>
+      <p:nvGrpSpPr>
+        <p:cNvPr id="1" name=""/>
+        <p:cNvGrpSpPr/>
+        <p:nvPr/>
+      </p:nvGrpSpPr>
+      <p:grpSpPr>
+        <a:xfrm>
+          <a:off x="0" y="0"/>
+          <a:ext cx="0" cy="0"/>
+          <a:chOff x="0" y="0"/>
+          <a:chExt cx="0" cy="0"/>
+        </a:xfrm>
+      </p:grpSpPr>
+      <p:sp>
+        <p:nvSpPr>
+          <p:cNvPr id="2" name="Title 1">
+            <a:extLst>
+              <a:ext uri="{FF2B5EF4-FFF2-40B4-BE49-F238E27FC236}">
+                <a16:creationId xmlns:a16="http://schemas.microsoft.com/office/drawing/2014/main" id="{751CC575-CAB5-47E1-A576-18EE767B90C2}"/>
+              </a:ext>
+            </a:extLst>
+          </p:cNvPr>
+          <p:cNvSpPr>
+            <a:spLocks noGrp="1"/>
+          </p:cNvSpPr>
+          <p:nvPr>
+            <p:ph type="title"/>
+          </p:nvPr>
+        </p:nvSpPr>
+        <p:spPr/>
+        <p:txBody>
+          <a:bodyPr/>
+          <a:lstStyle/>
+          <a:p>
+            <a:r>
+              <a:rPr lang="zh-CN" altLang="en-US" dirty="0"/>
+              <a:t>工资结算</a:t>
+            </a:r>
+            <a:r>
+              <a:rPr lang="en-US" altLang="zh-CN" dirty="0"/>
+              <a:t>Payroll calculation</a:t>
+            </a:r>
+            <a:br>
+              <a:rPr lang="en-US" altLang="zh-CN" dirty="0"/>
+            </a:br>
+            <a:r>
+              <a:rPr lang="en-US" altLang="zh-CN" dirty="0"/>
+              <a:t>Step 4 – summary</a:t>
+            </a:r>
+            <a:endParaRPr lang="en-US" dirty="0"/>
+          </a:p>
+        </p:txBody>
+      </p:sp>
+      <p:sp>
+        <p:nvSpPr>
+          <p:cNvPr id="3" name="Content Placeholder 2">
+            <a:extLst>
+              <a:ext uri="{FF2B5EF4-FFF2-40B4-BE49-F238E27FC236}">
+                <a16:creationId xmlns:a16="http://schemas.microsoft.com/office/drawing/2014/main" id="{DBEB0881-329A-4A6D-A103-101F20A953CE}"/>
+              </a:ext>
+            </a:extLst>
+          </p:cNvPr>
+          <p:cNvSpPr>
+            <a:spLocks noGrp="1"/>
+          </p:cNvSpPr>
+          <p:nvPr>
+            <p:ph idx="1"/>
+          </p:nvPr>
+        </p:nvSpPr>
+        <p:spPr>
+          <a:xfrm>
+            <a:off x="1251678" y="1874517"/>
+            <a:ext cx="10178322" cy="4877157"/>
+          </a:xfrm>
+        </p:spPr>
+        <p:txBody>
+          <a:bodyPr>
+            <a:normAutofit/>
+          </a:bodyPr>
+          <a:lstStyle/>
+          <a:p>
+            <a:r>
+              <a:rPr lang="zh-CN" altLang="en-US"/>
+              <a:t>构思中</a:t>
+            </a:r>
+            <a:r>
+              <a:rPr lang="en-US" altLang="zh-CN" dirty="0"/>
+              <a:t>…</a:t>
+            </a:r>
+          </a:p>
+        </p:txBody>
+      </p:sp>
+    </p:spTree>
+    <p:extLst>
+      <p:ext uri="{BB962C8B-B14F-4D97-AF65-F5344CB8AC3E}">
+        <p14:creationId xmlns:p14="http://schemas.microsoft.com/office/powerpoint/2010/main" val="1599971499"/>
       </p:ext>
     </p:extLst>
   </p:cSld>
@@ -6994,7 +8549,7 @@
         <p:spPr/>
         <p:txBody>
           <a:bodyPr>
-            <a:normAutofit fontScale="85000" lnSpcReduction="10000"/>
+            <a:normAutofit fontScale="85000" lnSpcReduction="20000"/>
           </a:bodyPr>
           <a:lstStyle/>
           <a:p>
@@ -7008,6 +8563,17 @@
             <a:r>
               <a:rPr lang="zh-CN" altLang="en-US" dirty="0"/>
               <a:t>页面颜色无要求</a:t>
+            </a:r>
+            <a:endParaRPr lang="en-US" altLang="zh-CN" dirty="0"/>
+          </a:p>
+          <a:p>
+            <a:r>
+              <a:rPr lang="en-US" altLang="zh-CN" dirty="0"/>
+              <a:t>Dashboard</a:t>
+            </a:r>
+            <a:r>
+              <a:rPr lang="zh-CN" altLang="en-US" dirty="0"/>
+              <a:t>页面隐藏左侧菜单栏</a:t>
             </a:r>
             <a:endParaRPr lang="en-US" altLang="zh-CN" dirty="0"/>
           </a:p>
@@ -7243,6 +8809,340 @@
           <p:cNvPr id="2" name="Title 1">
             <a:extLst>
               <a:ext uri="{FF2B5EF4-FFF2-40B4-BE49-F238E27FC236}">
+                <a16:creationId xmlns:a16="http://schemas.microsoft.com/office/drawing/2014/main" id="{D5F158E3-3104-447E-9208-69C1F38DB31C}"/>
+              </a:ext>
+            </a:extLst>
+          </p:cNvPr>
+          <p:cNvSpPr>
+            <a:spLocks noGrp="1"/>
+          </p:cNvSpPr>
+          <p:nvPr>
+            <p:ph type="title"/>
+          </p:nvPr>
+        </p:nvSpPr>
+        <p:spPr/>
+        <p:txBody>
+          <a:bodyPr/>
+          <a:lstStyle/>
+          <a:p>
+            <a:r>
+              <a:rPr lang="en-US" dirty="0"/>
+              <a:t>Where </a:t>
+            </a:r>
+            <a:r>
+              <a:rPr lang="zh-CN" altLang="en-US" dirty="0"/>
+              <a:t>条件</a:t>
+            </a:r>
+            <a:endParaRPr lang="en-US" dirty="0"/>
+          </a:p>
+        </p:txBody>
+      </p:sp>
+      <p:sp>
+        <p:nvSpPr>
+          <p:cNvPr id="3" name="Content Placeholder 2">
+            <a:extLst>
+              <a:ext uri="{FF2B5EF4-FFF2-40B4-BE49-F238E27FC236}">
+                <a16:creationId xmlns:a16="http://schemas.microsoft.com/office/drawing/2014/main" id="{2CF1EAF8-962E-429A-8B60-9DA6AFF49823}"/>
+              </a:ext>
+            </a:extLst>
+          </p:cNvPr>
+          <p:cNvSpPr>
+            <a:spLocks noGrp="1"/>
+          </p:cNvSpPr>
+          <p:nvPr>
+            <p:ph idx="1"/>
+          </p:nvPr>
+        </p:nvSpPr>
+        <p:spPr/>
+        <p:txBody>
+          <a:bodyPr>
+            <a:normAutofit fontScale="85000" lnSpcReduction="10000"/>
+          </a:bodyPr>
+          <a:lstStyle/>
+          <a:p>
+            <a:r>
+              <a:rPr lang="en-US" dirty="0"/>
+              <a:t>=        		EQ</a:t>
+            </a:r>
+          </a:p>
+          <a:p>
+            <a:r>
+              <a:rPr lang="en-US" dirty="0"/>
+              <a:t>&gt;        		GT,</a:t>
+            </a:r>
+          </a:p>
+          <a:p>
+            <a:r>
+              <a:rPr lang="en-US" dirty="0"/>
+              <a:t>&lt;        		LT,</a:t>
+            </a:r>
+          </a:p>
+          <a:p>
+            <a:r>
+              <a:rPr lang="en-US" dirty="0"/>
+              <a:t>&gt;=        	GEQ,</a:t>
+            </a:r>
+          </a:p>
+          <a:p>
+            <a:r>
+              <a:rPr lang="en-US" dirty="0"/>
+              <a:t>&lt;=        	LEQ,</a:t>
+            </a:r>
+          </a:p>
+          <a:p>
+            <a:r>
+              <a:rPr lang="en-US" dirty="0"/>
+              <a:t>&lt;&gt;        	NEQ,</a:t>
+            </a:r>
+          </a:p>
+          <a:p>
+            <a:r>
+              <a:rPr lang="en-US" dirty="0"/>
+              <a:t>Like        	LK,</a:t>
+            </a:r>
+          </a:p>
+          <a:p>
+            <a:r>
+              <a:rPr lang="en-US" dirty="0"/>
+              <a:t>Is	        	IS,</a:t>
+            </a:r>
+          </a:p>
+          <a:p>
+            <a:r>
+              <a:rPr lang="en-US" dirty="0"/>
+              <a:t>In        		IN,</a:t>
+            </a:r>
+          </a:p>
+          <a:p>
+            <a:r>
+              <a:rPr lang="en-US" dirty="0"/>
+              <a:t>Between        	BT (</a:t>
+            </a:r>
+            <a:r>
+              <a:rPr lang="en-US" dirty="0" err="1"/>
+              <a:t>eg</a:t>
+            </a:r>
+            <a:r>
+              <a:rPr lang="en-US" dirty="0"/>
+              <a:t>. Birthday BT 1986/1/1,1990/1/1</a:t>
+            </a:r>
+            <a:r>
+              <a:rPr lang="zh-CN" altLang="en-US" dirty="0"/>
+              <a:t>等价于</a:t>
+            </a:r>
+            <a:r>
+              <a:rPr lang="en-US" altLang="zh-CN" dirty="0" err="1"/>
+              <a:t>sql</a:t>
+            </a:r>
+            <a:r>
+              <a:rPr lang="en-US" altLang="zh-CN" dirty="0"/>
+              <a:t> Birthday between 1986/1/1 and 1990/1/1</a:t>
+            </a:r>
+            <a:r>
+              <a:rPr lang="en-US" dirty="0"/>
+              <a:t>)</a:t>
+            </a:r>
+          </a:p>
+        </p:txBody>
+      </p:sp>
+    </p:spTree>
+    <p:extLst>
+      <p:ext uri="{BB962C8B-B14F-4D97-AF65-F5344CB8AC3E}">
+        <p14:creationId xmlns:p14="http://schemas.microsoft.com/office/powerpoint/2010/main" val="601637812"/>
+      </p:ext>
+    </p:extLst>
+  </p:cSld>
+  <p:clrMapOvr>
+    <a:masterClrMapping/>
+  </p:clrMapOvr>
+</p:sld>
+</file>
+
+<file path=ppt/slides/slide4.xml><?xml version="1.0" encoding="utf-8"?>
+<p:sld xmlns:a="http://schemas.openxmlformats.org/drawingml/2006/main" xmlns:r="http://schemas.openxmlformats.org/officeDocument/2006/relationships" xmlns:p="http://schemas.openxmlformats.org/presentationml/2006/main">
+  <p:cSld>
+    <p:spTree>
+      <p:nvGrpSpPr>
+        <p:cNvPr id="1" name=""/>
+        <p:cNvGrpSpPr/>
+        <p:nvPr/>
+      </p:nvGrpSpPr>
+      <p:grpSpPr>
+        <a:xfrm>
+          <a:off x="0" y="0"/>
+          <a:ext cx="0" cy="0"/>
+          <a:chOff x="0" y="0"/>
+          <a:chExt cx="0" cy="0"/>
+        </a:xfrm>
+      </p:grpSpPr>
+      <p:sp>
+        <p:nvSpPr>
+          <p:cNvPr id="2" name="Title 1">
+            <a:extLst>
+              <a:ext uri="{FF2B5EF4-FFF2-40B4-BE49-F238E27FC236}">
+                <a16:creationId xmlns:a16="http://schemas.microsoft.com/office/drawing/2014/main" id="{2445A22B-387A-4FFB-A2DD-A25431D0D122}"/>
+              </a:ext>
+            </a:extLst>
+          </p:cNvPr>
+          <p:cNvSpPr>
+            <a:spLocks noGrp="1"/>
+          </p:cNvSpPr>
+          <p:nvPr>
+            <p:ph type="title"/>
+          </p:nvPr>
+        </p:nvSpPr>
+        <p:spPr/>
+        <p:txBody>
+          <a:bodyPr/>
+          <a:lstStyle/>
+          <a:p>
+            <a:r>
+              <a:rPr lang="zh-CN" altLang="en-US" dirty="0"/>
+              <a:t>左侧菜单</a:t>
+            </a:r>
+            <a:r>
+              <a:rPr lang="en-US" altLang="zh-CN" dirty="0"/>
+              <a:t>(</a:t>
+            </a:r>
+            <a:r>
+              <a:rPr lang="zh-CN" altLang="en-US" dirty="0"/>
+              <a:t>默认展开</a:t>
+            </a:r>
+            <a:r>
+              <a:rPr lang="en-US" altLang="zh-CN" dirty="0"/>
+              <a:t>)</a:t>
+            </a:r>
+            <a:endParaRPr lang="en-US" dirty="0"/>
+          </a:p>
+        </p:txBody>
+      </p:sp>
+      <p:sp>
+        <p:nvSpPr>
+          <p:cNvPr id="3" name="Content Placeholder 2">
+            <a:extLst>
+              <a:ext uri="{FF2B5EF4-FFF2-40B4-BE49-F238E27FC236}">
+                <a16:creationId xmlns:a16="http://schemas.microsoft.com/office/drawing/2014/main" id="{BF02140A-3B28-4250-BC4F-769D468E2922}"/>
+              </a:ext>
+            </a:extLst>
+          </p:cNvPr>
+          <p:cNvSpPr>
+            <a:spLocks noGrp="1"/>
+          </p:cNvSpPr>
+          <p:nvPr>
+            <p:ph idx="1"/>
+          </p:nvPr>
+        </p:nvSpPr>
+        <p:spPr/>
+        <p:txBody>
+          <a:bodyPr>
+            <a:normAutofit/>
+          </a:bodyPr>
+          <a:lstStyle/>
+          <a:p>
+            <a:r>
+              <a:rPr lang="en-US" dirty="0"/>
+              <a:t>Company</a:t>
+            </a:r>
+            <a:br>
+              <a:rPr lang="en-US" dirty="0"/>
+            </a:br>
+            <a:r>
+              <a:rPr lang="en-US" dirty="0"/>
+              <a:t>Basic Info (</a:t>
+            </a:r>
+            <a:r>
+              <a:rPr lang="zh-CN" altLang="en-US" dirty="0"/>
+              <a:t>公司基本信息</a:t>
+            </a:r>
+            <a:r>
+              <a:rPr lang="en-US" dirty="0"/>
+              <a:t>)</a:t>
+            </a:r>
+            <a:br>
+              <a:rPr lang="en-US" dirty="0"/>
+            </a:br>
+            <a:r>
+              <a:rPr lang="en-US" dirty="0"/>
+              <a:t>Payroll Template</a:t>
+            </a:r>
+          </a:p>
+          <a:p>
+            <a:r>
+              <a:rPr lang="en-US" dirty="0"/>
+              <a:t>Employee</a:t>
+            </a:r>
+            <a:br>
+              <a:rPr lang="en-US" dirty="0"/>
+            </a:br>
+            <a:r>
+              <a:rPr lang="en-US" dirty="0"/>
+              <a:t>Basic Info</a:t>
+            </a:r>
+            <a:br>
+              <a:rPr lang="en-US" dirty="0"/>
+            </a:br>
+            <a:r>
+              <a:rPr lang="en-US" dirty="0"/>
+              <a:t>Package</a:t>
+            </a:r>
+            <a:br>
+              <a:rPr lang="en-US" dirty="0"/>
+            </a:br>
+            <a:r>
+              <a:rPr lang="en-US" dirty="0"/>
+              <a:t>Pay Item</a:t>
+            </a:r>
+          </a:p>
+          <a:p>
+            <a:r>
+              <a:rPr lang="en-US" dirty="0"/>
+              <a:t>Advanced</a:t>
+            </a:r>
+            <a:br>
+              <a:rPr lang="en-US" dirty="0"/>
+            </a:br>
+            <a:r>
+              <a:rPr lang="en-US" dirty="0"/>
+              <a:t>Import / Export</a:t>
+            </a:r>
+          </a:p>
+        </p:txBody>
+      </p:sp>
+    </p:spTree>
+    <p:extLst>
+      <p:ext uri="{BB962C8B-B14F-4D97-AF65-F5344CB8AC3E}">
+        <p14:creationId xmlns:p14="http://schemas.microsoft.com/office/powerpoint/2010/main" val="4255364278"/>
+      </p:ext>
+    </p:extLst>
+  </p:cSld>
+  <p:clrMapOvr>
+    <a:masterClrMapping/>
+  </p:clrMapOvr>
+</p:sld>
+</file>
+
+<file path=ppt/slides/slide5.xml><?xml version="1.0" encoding="utf-8"?>
+<p:sld xmlns:a="http://schemas.openxmlformats.org/drawingml/2006/main" xmlns:r="http://schemas.openxmlformats.org/officeDocument/2006/relationships" xmlns:p="http://schemas.openxmlformats.org/presentationml/2006/main">
+  <p:cSld>
+    <p:spTree>
+      <p:nvGrpSpPr>
+        <p:cNvPr id="1" name=""/>
+        <p:cNvGrpSpPr/>
+        <p:nvPr/>
+      </p:nvGrpSpPr>
+      <p:grpSpPr>
+        <a:xfrm>
+          <a:off x="0" y="0"/>
+          <a:ext cx="0" cy="0"/>
+          <a:chOff x="0" y="0"/>
+          <a:chExt cx="0" cy="0"/>
+        </a:xfrm>
+      </p:grpSpPr>
+      <p:sp>
+        <p:nvSpPr>
+          <p:cNvPr id="2" name="Title 1">
+            <a:extLst>
+              <a:ext uri="{FF2B5EF4-FFF2-40B4-BE49-F238E27FC236}">
                 <a16:creationId xmlns:a16="http://schemas.microsoft.com/office/drawing/2014/main" id="{FEDF16A2-3F5B-493E-B1BC-35E045AB366E}"/>
               </a:ext>
             </a:extLst>
@@ -7408,7 +9308,7 @@
 </p:sld>
 </file>
 
-<file path=ppt/slides/slide4.xml><?xml version="1.0" encoding="utf-8"?>
+<file path=ppt/slides/slide6.xml><?xml version="1.0" encoding="utf-8"?>
 <p:sld xmlns:a="http://schemas.openxmlformats.org/drawingml/2006/main" xmlns:r="http://schemas.openxmlformats.org/officeDocument/2006/relationships" xmlns:p="http://schemas.openxmlformats.org/presentationml/2006/main">
   <p:cSld>
     <p:spTree>
@@ -7484,6 +9384,13 @@
               <a:t>/u/logout</a:t>
             </a:r>
           </a:p>
+          <a:p>
+            <a:r>
+              <a:rPr lang="zh-CN" altLang="en-US" dirty="0"/>
+              <a:t>调用完后跳转登录页面</a:t>
+            </a:r>
+            <a:endParaRPr lang="en-US" altLang="zh-CN" dirty="0"/>
+          </a:p>
         </p:txBody>
       </p:sp>
     </p:spTree>
@@ -7499,7 +9406,7 @@
 </p:sld>
 </file>
 
-<file path=ppt/slides/slide5.xml><?xml version="1.0" encoding="utf-8"?>
+<file path=ppt/slides/slide7.xml><?xml version="1.0" encoding="utf-8"?>
 <p:sld xmlns:a="http://schemas.openxmlformats.org/drawingml/2006/main" xmlns:r="http://schemas.openxmlformats.org/officeDocument/2006/relationships" xmlns:p="http://schemas.openxmlformats.org/presentationml/2006/main">
   <p:cSld>
     <p:spTree>
@@ -7622,7 +9529,7 @@
 </p:sld>
 </file>
 
-<file path=ppt/slides/slide6.xml><?xml version="1.0" encoding="utf-8"?>
+<file path=ppt/slides/slide8.xml><?xml version="1.0" encoding="utf-8"?>
 <p:sld xmlns:a="http://schemas.openxmlformats.org/drawingml/2006/main" xmlns:r="http://schemas.openxmlformats.org/officeDocument/2006/relationships" xmlns:p="http://schemas.openxmlformats.org/presentationml/2006/main">
   <p:cSld>
     <p:spTree>
@@ -7666,7 +9573,7 @@
             </a:r>
             <a:r>
               <a:rPr lang="en-US" altLang="zh-CN" dirty="0"/>
-              <a:t>Company management</a:t>
+              <a:t>Company / Basic info</a:t>
             </a:r>
             <a:endParaRPr lang="en-US" dirty="0"/>
           </a:p>
@@ -7761,7 +9668,7 @@
 </p:sld>
 </file>
 
-<file path=ppt/slides/slide7.xml><?xml version="1.0" encoding="utf-8"?>
+<file path=ppt/slides/slide9.xml><?xml version="1.0" encoding="utf-8"?>
 <p:sld xmlns:a="http://schemas.openxmlformats.org/drawingml/2006/main" xmlns:r="http://schemas.openxmlformats.org/officeDocument/2006/relationships" xmlns:p="http://schemas.openxmlformats.org/presentationml/2006/main">
   <p:cSld>
     <p:spTree>
@@ -7805,7 +9712,7 @@
             </a:r>
             <a:r>
               <a:rPr lang="en-US" altLang="zh-CN" dirty="0"/>
-              <a:t>Employee management</a:t>
+              <a:t>Employee / Basic info</a:t>
             </a:r>
             <a:endParaRPr lang="en-US" dirty="0"/>
           </a:p>
@@ -7904,217 +9811,6 @@
     <p:extLst>
       <p:ext uri="{BB962C8B-B14F-4D97-AF65-F5344CB8AC3E}">
         <p14:creationId xmlns:p14="http://schemas.microsoft.com/office/powerpoint/2010/main" val="96601646"/>
-      </p:ext>
-    </p:extLst>
-  </p:cSld>
-  <p:clrMapOvr>
-    <a:masterClrMapping/>
-  </p:clrMapOvr>
-</p:sld>
-</file>
-
-<file path=ppt/slides/slide8.xml><?xml version="1.0" encoding="utf-8"?>
-<p:sld xmlns:a="http://schemas.openxmlformats.org/drawingml/2006/main" xmlns:r="http://schemas.openxmlformats.org/officeDocument/2006/relationships" xmlns:p="http://schemas.openxmlformats.org/presentationml/2006/main">
-  <p:cSld>
-    <p:spTree>
-      <p:nvGrpSpPr>
-        <p:cNvPr id="1" name=""/>
-        <p:cNvGrpSpPr/>
-        <p:nvPr/>
-      </p:nvGrpSpPr>
-      <p:grpSpPr>
-        <a:xfrm>
-          <a:off x="0" y="0"/>
-          <a:ext cx="0" cy="0"/>
-          <a:chOff x="0" y="0"/>
-          <a:chExt cx="0" cy="0"/>
-        </a:xfrm>
-      </p:grpSpPr>
-      <p:sp>
-        <p:nvSpPr>
-          <p:cNvPr id="2" name="Title 1">
-            <a:extLst>
-              <a:ext uri="{FF2B5EF4-FFF2-40B4-BE49-F238E27FC236}">
-                <a16:creationId xmlns:a16="http://schemas.microsoft.com/office/drawing/2014/main" id="{751CC575-CAB5-47E1-A576-18EE767B90C2}"/>
-              </a:ext>
-            </a:extLst>
-          </p:cNvPr>
-          <p:cNvSpPr>
-            <a:spLocks noGrp="1"/>
-          </p:cNvSpPr>
-          <p:nvPr>
-            <p:ph type="title"/>
-          </p:nvPr>
-        </p:nvSpPr>
-        <p:spPr/>
-        <p:txBody>
-          <a:bodyPr/>
-          <a:lstStyle/>
-          <a:p>
-            <a:r>
-              <a:rPr lang="zh-CN" altLang="en-US" dirty="0"/>
-              <a:t>工资结算</a:t>
-            </a:r>
-            <a:r>
-              <a:rPr lang="en-US" altLang="zh-CN" dirty="0"/>
-              <a:t>Payroll calculation</a:t>
-            </a:r>
-            <a:endParaRPr lang="en-US" dirty="0"/>
-          </a:p>
-        </p:txBody>
-      </p:sp>
-      <p:sp>
-        <p:nvSpPr>
-          <p:cNvPr id="3" name="Content Placeholder 2">
-            <a:extLst>
-              <a:ext uri="{FF2B5EF4-FFF2-40B4-BE49-F238E27FC236}">
-                <a16:creationId xmlns:a16="http://schemas.microsoft.com/office/drawing/2014/main" id="{DBEB0881-329A-4A6D-A103-101F20A953CE}"/>
-              </a:ext>
-            </a:extLst>
-          </p:cNvPr>
-          <p:cNvSpPr>
-            <a:spLocks noGrp="1"/>
-          </p:cNvSpPr>
-          <p:nvPr>
-            <p:ph idx="1"/>
-          </p:nvPr>
-        </p:nvSpPr>
-        <p:spPr/>
-        <p:txBody>
-          <a:bodyPr>
-            <a:normAutofit fontScale="92500" lnSpcReduction="10000"/>
-          </a:bodyPr>
-          <a:lstStyle/>
-          <a:p>
-            <a:r>
-              <a:rPr lang="zh-CN" altLang="en-US" dirty="0"/>
-              <a:t>第一步</a:t>
-            </a:r>
-            <a:r>
-              <a:rPr lang="en-US" altLang="zh-CN" dirty="0"/>
-              <a:t>: </a:t>
-            </a:r>
-            <a:r>
-              <a:rPr lang="zh-CN" altLang="en-US" dirty="0"/>
-              <a:t>根据</a:t>
-            </a:r>
-            <a:r>
-              <a:rPr lang="en-US" altLang="zh-CN" dirty="0" err="1"/>
-              <a:t>CompanyCode</a:t>
-            </a:r>
-            <a:r>
-              <a:rPr lang="zh-CN" altLang="en-US" dirty="0"/>
-              <a:t>查询现有</a:t>
-            </a:r>
-            <a:r>
-              <a:rPr lang="en-US" altLang="zh-CN" dirty="0"/>
-              <a:t>Period </a:t>
-            </a:r>
-            <a:br>
-              <a:rPr lang="en-US" altLang="zh-CN" dirty="0"/>
-            </a:br>
-            <a:r>
-              <a:rPr lang="en-US" altLang="zh-CN" dirty="0"/>
-              <a:t>[Next Step]</a:t>
-            </a:r>
-            <a:br>
-              <a:rPr lang="en-US" altLang="zh-CN" dirty="0"/>
-            </a:br>
-            <a:r>
-              <a:rPr lang="en-US" altLang="zh-CN" dirty="0"/>
-              <a:t>/p/</a:t>
-            </a:r>
-            <a:r>
-              <a:rPr lang="en-US" altLang="zh-CN" dirty="0" err="1"/>
-              <a:t>select?c</a:t>
-            </a:r>
-            <a:r>
-              <a:rPr lang="en-US" altLang="zh-CN" dirty="0"/>
-              <a:t>=period.PeriodCode,period.PeriodType,period.CompanyCode,period.StartDate,period.EndDate&amp;w=Period.CompanyCode%20EQ%20cmp1&amp;o=_</a:t>
-            </a:r>
-            <a:r>
-              <a:rPr lang="en-US" altLang="zh-CN" dirty="0" err="1"/>
-              <a:t>period.StartDate</a:t>
-            </a:r>
-            <a:endParaRPr lang="en-US" altLang="zh-CN" dirty="0"/>
-          </a:p>
-          <a:p>
-            <a:r>
-              <a:rPr lang="zh-CN" altLang="en-US" dirty="0"/>
-              <a:t>第二步</a:t>
-            </a:r>
-            <a:r>
-              <a:rPr lang="en-US" altLang="zh-CN" dirty="0"/>
-              <a:t>: </a:t>
-            </a:r>
-            <a:r>
-              <a:rPr lang="zh-CN" altLang="en-US" dirty="0"/>
-              <a:t>缓存选中的</a:t>
-            </a:r>
-            <a:r>
-              <a:rPr lang="en-US" altLang="zh-CN" dirty="0"/>
-              <a:t>Period</a:t>
-            </a:r>
-            <a:r>
-              <a:rPr lang="zh-CN" altLang="en-US" dirty="0"/>
-              <a:t>区间，列出该公司所有员工</a:t>
-            </a:r>
-            <a:br>
-              <a:rPr lang="en-US" altLang="zh-CN" dirty="0"/>
-            </a:br>
-            <a:r>
-              <a:rPr lang="en-US" altLang="zh-CN" dirty="0"/>
-              <a:t>/p/select?c=payrolltrans.empcode,employee.fullchinesename,payrolltrans.payrollstatus&amp;g=payrolltrans.payrollstatus,payrolltrans.empcode,employee.fullchinesename</a:t>
-            </a:r>
-            <a:br>
-              <a:rPr lang="en-US" altLang="zh-CN" dirty="0"/>
-            </a:br>
-            <a:r>
-              <a:rPr lang="zh-CN" altLang="en-US" dirty="0"/>
-              <a:t>点 </a:t>
-            </a:r>
-            <a:r>
-              <a:rPr lang="en-US" altLang="zh-CN" dirty="0"/>
-              <a:t>[Start] </a:t>
-            </a:r>
-            <a:r>
-              <a:rPr lang="zh-CN" altLang="en-US"/>
-              <a:t>按钮</a:t>
-            </a:r>
-            <a:br>
-              <a:rPr lang="en-US" altLang="zh-CN" dirty="0"/>
-            </a:br>
-            <a:r>
-              <a:rPr lang="en-US" altLang="zh-CN" dirty="0"/>
-              <a:t>/p/select?c=employee.empcode,employee.FullChineseName,employee.gender&amp;w=employee.companycode%20EQ%20cmp1&amp;o=</a:t>
-            </a:r>
-            <a:r>
-              <a:rPr lang="en-US" altLang="zh-CN" dirty="0" err="1"/>
-              <a:t>employee.empcode</a:t>
-            </a:r>
-            <a:endParaRPr lang="en-US" altLang="zh-CN" dirty="0"/>
-          </a:p>
-          <a:p>
-            <a:r>
-              <a:rPr lang="zh-CN" altLang="en-US" dirty="0"/>
-              <a:t>第三步</a:t>
-            </a:r>
-            <a:r>
-              <a:rPr lang="en-US" altLang="zh-CN" dirty="0"/>
-              <a:t>: </a:t>
-            </a:r>
-            <a:r>
-              <a:rPr lang="zh-CN" altLang="en-US" dirty="0"/>
-              <a:t>生成报表</a:t>
-            </a:r>
-            <a:endParaRPr lang="en-US" dirty="0"/>
-          </a:p>
-        </p:txBody>
-      </p:sp>
-    </p:spTree>
-    <p:extLst>
-      <p:ext uri="{BB962C8B-B14F-4D97-AF65-F5344CB8AC3E}">
-        <p14:creationId xmlns:p14="http://schemas.microsoft.com/office/powerpoint/2010/main" val="2896626945"/>
       </p:ext>
     </p:extLst>
   </p:cSld>

--- a/doc/Payroll Web UI.pptx
+++ b/doc/Payroll Web UI.pptx
@@ -9651,6 +9651,29 @@
               <a:rPr lang="zh-CN" altLang="en-US" dirty="0"/>
               <a:t>跳转工资计算页（不能跳步）</a:t>
             </a:r>
+            <a:endParaRPr lang="en-US" altLang="zh-CN" dirty="0"/>
+          </a:p>
+          <a:p>
+            <a:r>
+              <a:rPr lang="en-US" dirty="0"/>
+              <a:t>Template: </a:t>
+            </a:r>
+            <a:r>
+              <a:rPr lang="zh-CN" altLang="en-US" dirty="0"/>
+              <a:t>跳转</a:t>
+            </a:r>
+            <a:r>
+              <a:rPr lang="en-US" altLang="zh-CN" dirty="0"/>
+              <a:t>Payroll Template</a:t>
+            </a:r>
+            <a:r>
+              <a:rPr lang="zh-CN" altLang="en-US" dirty="0"/>
+              <a:t>页面（用来</a:t>
+            </a:r>
+            <a:r>
+              <a:rPr lang="zh-CN" altLang="en-US"/>
+              <a:t>配置公式模板）</a:t>
+            </a:r>
             <a:endParaRPr lang="en-US" dirty="0"/>
           </a:p>
         </p:txBody>

--- a/doc/Payroll Web UI.pptx
+++ b/doc/Payroll Web UI.pptx
@@ -1339,7 +1339,7 @@
           <a:p>
             <a:fld id="{DA6193BC-4F03-4D50-9CD1-8060DE3917E8}" type="datetimeFigureOut">
               <a:rPr lang="en-US" smtClean="0"/>
-              <a:t>10/21/2017</a:t>
+              <a:t>10/22/2017</a:t>
             </a:fld>
             <a:endParaRPr lang="en-US"/>
           </a:p>
@@ -1577,7 +1577,7 @@
           <a:p>
             <a:fld id="{DA6193BC-4F03-4D50-9CD1-8060DE3917E8}" type="datetimeFigureOut">
               <a:rPr lang="en-US" smtClean="0"/>
-              <a:t>10/21/2017</a:t>
+              <a:t>10/22/2017</a:t>
             </a:fld>
             <a:endParaRPr lang="en-US"/>
           </a:p>
@@ -1757,7 +1757,7 @@
           <a:p>
             <a:fld id="{DA6193BC-4F03-4D50-9CD1-8060DE3917E8}" type="datetimeFigureOut">
               <a:rPr lang="en-US" smtClean="0"/>
-              <a:t>10/21/2017</a:t>
+              <a:t>10/22/2017</a:t>
             </a:fld>
             <a:endParaRPr lang="en-US"/>
           </a:p>
@@ -1927,7 +1927,7 @@
           <a:p>
             <a:fld id="{DA6193BC-4F03-4D50-9CD1-8060DE3917E8}" type="datetimeFigureOut">
               <a:rPr lang="en-US" smtClean="0"/>
-              <a:t>10/21/2017</a:t>
+              <a:t>10/22/2017</a:t>
             </a:fld>
             <a:endParaRPr lang="en-US"/>
           </a:p>
@@ -2203,7 +2203,7 @@
           <a:p>
             <a:fld id="{DA6193BC-4F03-4D50-9CD1-8060DE3917E8}" type="datetimeFigureOut">
               <a:rPr lang="en-US" smtClean="0"/>
-              <a:t>10/21/2017</a:t>
+              <a:t>10/22/2017</a:t>
             </a:fld>
             <a:endParaRPr lang="en-US"/>
           </a:p>
@@ -3404,7 +3404,7 @@
           <a:p>
             <a:fld id="{DA6193BC-4F03-4D50-9CD1-8060DE3917E8}" type="datetimeFigureOut">
               <a:rPr lang="en-US" smtClean="0"/>
-              <a:t>10/21/2017</a:t>
+              <a:t>10/22/2017</a:t>
             </a:fld>
             <a:endParaRPr lang="en-US"/>
           </a:p>
@@ -3794,7 +3794,7 @@
           <a:p>
             <a:fld id="{DA6193BC-4F03-4D50-9CD1-8060DE3917E8}" type="datetimeFigureOut">
               <a:rPr lang="en-US" smtClean="0"/>
-              <a:t>10/21/2017</a:t>
+              <a:t>10/22/2017</a:t>
             </a:fld>
             <a:endParaRPr lang="en-US"/>
           </a:p>
@@ -3917,7 +3917,7 @@
           <a:p>
             <a:fld id="{DA6193BC-4F03-4D50-9CD1-8060DE3917E8}" type="datetimeFigureOut">
               <a:rPr lang="en-US" smtClean="0"/>
-              <a:t>10/21/2017</a:t>
+              <a:t>10/22/2017</a:t>
             </a:fld>
             <a:endParaRPr lang="en-US"/>
           </a:p>
@@ -4012,7 +4012,7 @@
           <a:p>
             <a:fld id="{DA6193BC-4F03-4D50-9CD1-8060DE3917E8}" type="datetimeFigureOut">
               <a:rPr lang="en-US" smtClean="0"/>
-              <a:t>10/21/2017</a:t>
+              <a:t>10/22/2017</a:t>
             </a:fld>
             <a:endParaRPr lang="en-US"/>
           </a:p>
@@ -4775,7 +4775,7 @@
           <a:p>
             <a:fld id="{DA6193BC-4F03-4D50-9CD1-8060DE3917E8}" type="datetimeFigureOut">
               <a:rPr lang="en-US" smtClean="0"/>
-              <a:t>10/21/2017</a:t>
+              <a:t>10/22/2017</a:t>
             </a:fld>
             <a:endParaRPr lang="en-US"/>
           </a:p>
@@ -5615,7 +5615,7 @@
           <a:p>
             <a:fld id="{DA6193BC-4F03-4D50-9CD1-8060DE3917E8}" type="datetimeFigureOut">
               <a:rPr lang="en-US" smtClean="0"/>
-              <a:t>10/21/2017</a:t>
+              <a:t>10/22/2017</a:t>
             </a:fld>
             <a:endParaRPr lang="en-US"/>
           </a:p>
@@ -5842,7 +5842,7 @@
           <a:p>
             <a:fld id="{DA6193BC-4F03-4D50-9CD1-8060DE3917E8}" type="datetimeFigureOut">
               <a:rPr lang="en-US" smtClean="0"/>
-              <a:t>10/21/2017</a:t>
+              <a:t>10/22/2017</a:t>
             </a:fld>
             <a:endParaRPr lang="en-US"/>
           </a:p>
@@ -7033,6 +7033,10 @@
               <a:rPr lang="en-US" altLang="zh-CN" dirty="0"/>
               <a:t>Step 1 –Period</a:t>
             </a:r>
+            <a:r>
+              <a:rPr lang="zh-CN" altLang="en-US" dirty="0"/>
+              <a:t>区间</a:t>
+            </a:r>
             <a:endParaRPr lang="en-US" dirty="0"/>
           </a:p>
         </p:txBody>
@@ -7426,6 +7430,10 @@
               <a:rPr lang="en-US" altLang="zh-CN" dirty="0"/>
               <a:t>Step 2 – transaction</a:t>
             </a:r>
+            <a:r>
+              <a:rPr lang="zh-CN" altLang="en-US" dirty="0"/>
+              <a:t>事务</a:t>
+            </a:r>
             <a:endParaRPr lang="en-US" dirty="0"/>
           </a:p>
         </p:txBody>
@@ -7474,7 +7482,7 @@
             </a:br>
             <a:r>
               <a:rPr lang="en-US" altLang="zh-CN" dirty="0"/>
-              <a:t>1: Done</a:t>
+              <a:t>1: Preview</a:t>
             </a:r>
             <a:br>
               <a:rPr lang="en-US" altLang="zh-CN" dirty="0"/>
@@ -7659,15 +7667,7 @@
             </a:r>
             <a:r>
               <a:rPr lang="zh-CN" altLang="en-US" dirty="0"/>
-              <a:t>调用</a:t>
-            </a:r>
-            <a:r>
-              <a:rPr lang="en-US" altLang="zh-CN" dirty="0" err="1"/>
-              <a:t>AddTrans</a:t>
-            </a:r>
-            <a:r>
-              <a:rPr lang="en-US" altLang="zh-CN" dirty="0"/>
-              <a:t> &amp; </a:t>
+              <a:t>调用 </a:t>
             </a:r>
             <a:r>
               <a:rPr lang="en-US" altLang="zh-CN" dirty="0" err="1"/>
@@ -7699,11 +7699,35 @@
             </a:r>
             <a:r>
               <a:rPr lang="en-US" altLang="zh-CN" dirty="0"/>
-              <a:t>Done</a:t>
-            </a:r>
-            <a:r>
-              <a:rPr lang="zh-CN" altLang="en-US" dirty="0"/>
-              <a:t>状态，若</a:t>
+              <a:t>Preview</a:t>
+            </a:r>
+            <a:r>
+              <a:rPr lang="zh-CN" altLang="en-US" dirty="0"/>
+              <a:t>状态，若任意</a:t>
+            </a:r>
+            <a:r>
+              <a:rPr lang="en-US" altLang="zh-CN" dirty="0"/>
+              <a:t>API</a:t>
+            </a:r>
+            <a:r>
+              <a:rPr lang="zh-CN" altLang="en-US" dirty="0"/>
+              <a:t>返回</a:t>
+            </a:r>
+            <a:r>
+              <a:rPr lang="en-US" altLang="zh-CN" dirty="0"/>
+              <a:t>Code</a:t>
+            </a:r>
+            <a:r>
+              <a:rPr lang="zh-CN" altLang="en-US" dirty="0"/>
+              <a:t>不为</a:t>
+            </a:r>
+            <a:r>
+              <a:rPr lang="en-US" altLang="zh-CN" dirty="0"/>
+              <a:t>0</a:t>
+            </a:r>
+            <a:r>
+              <a:rPr lang="zh-CN" altLang="en-US" dirty="0"/>
+              <a:t>，显示</a:t>
             </a:r>
             <a:r>
               <a:rPr lang="en-US" altLang="zh-CN" dirty="0"/>
@@ -7711,31 +7735,7 @@
             </a:r>
             <a:r>
               <a:rPr lang="zh-CN" altLang="en-US" dirty="0"/>
-              <a:t>任意</a:t>
-            </a:r>
-            <a:r>
-              <a:rPr lang="en-US" altLang="zh-CN" dirty="0"/>
-              <a:t>API</a:t>
-            </a:r>
-            <a:r>
-              <a:rPr lang="zh-CN" altLang="en-US" dirty="0"/>
-              <a:t>返回</a:t>
-            </a:r>
-            <a:r>
-              <a:rPr lang="en-US" altLang="zh-CN" dirty="0"/>
-              <a:t>Code</a:t>
-            </a:r>
-            <a:r>
-              <a:rPr lang="zh-CN" altLang="en-US" dirty="0"/>
-              <a:t>不为</a:t>
-            </a:r>
-            <a:r>
-              <a:rPr lang="en-US" altLang="zh-CN" dirty="0"/>
-              <a:t>0</a:t>
-            </a:r>
-            <a:r>
-              <a:rPr lang="zh-CN" altLang="en-US" dirty="0"/>
-              <a:t>，显示状态</a:t>
+              <a:t>状态</a:t>
             </a:r>
             <a:r>
               <a:rPr lang="en-US" altLang="zh-CN" dirty="0"/>
@@ -7751,71 +7751,52 @@
             </a:r>
             <a:r>
               <a:rPr lang="zh-CN" altLang="en-US" dirty="0"/>
-              <a:t>能看到服务器返回的错误信息）</a:t>
+              <a:t>能看到服务器返回的错误信息）用户再次单击</a:t>
+            </a:r>
+            <a:r>
+              <a:rPr lang="en-US" altLang="zh-CN" dirty="0"/>
+              <a:t>Start</a:t>
+            </a:r>
+            <a:r>
+              <a:rPr lang="zh-CN" altLang="en-US" dirty="0"/>
+              <a:t>则重新开始该用户的计算</a:t>
             </a:r>
             <a:br>
               <a:rPr lang="en-US" altLang="zh-CN" dirty="0"/>
             </a:br>
             <a:r>
               <a:rPr lang="en-US" altLang="zh-CN" dirty="0"/>
-              <a:t>	</a:t>
-            </a:r>
-            <a:r>
-              <a:rPr lang="zh-CN" altLang="en-US" dirty="0"/>
-              <a:t>用户再次单击</a:t>
-            </a:r>
-            <a:r>
-              <a:rPr lang="en-US" altLang="zh-CN" dirty="0"/>
-              <a:t>Start</a:t>
-            </a:r>
-            <a:r>
-              <a:rPr lang="zh-CN" altLang="en-US" dirty="0"/>
-              <a:t>则重新开始该用户的计算</a:t>
+              <a:t>Report: </a:t>
+            </a:r>
+            <a:r>
+              <a:rPr lang="zh-CN" altLang="en-US" dirty="0"/>
+              <a:t>只在</a:t>
+            </a:r>
+            <a:r>
+              <a:rPr lang="en-US" altLang="zh-CN" dirty="0"/>
+              <a:t>Committed</a:t>
+            </a:r>
+            <a:r>
+              <a:rPr lang="zh-CN" altLang="en-US" dirty="0"/>
+              <a:t>状态时显示，跳转报表详情页面</a:t>
+            </a:r>
+            <a:endParaRPr lang="en-US" altLang="zh-CN" dirty="0"/>
+          </a:p>
+          <a:p>
+            <a:r>
+              <a:rPr lang="zh-CN" altLang="en-US" dirty="0"/>
+              <a:t>页操作按钮</a:t>
             </a:r>
             <a:br>
               <a:rPr lang="en-US" altLang="zh-CN" dirty="0"/>
             </a:br>
             <a:r>
               <a:rPr lang="en-US" altLang="zh-CN" dirty="0"/>
-              <a:t>Report: </a:t>
-            </a:r>
-            <a:r>
-              <a:rPr lang="zh-CN" altLang="en-US" dirty="0"/>
-              <a:t>只在</a:t>
-            </a:r>
-            <a:r>
-              <a:rPr lang="en-US" altLang="zh-CN" dirty="0"/>
-              <a:t>Committed</a:t>
-            </a:r>
-            <a:r>
-              <a:rPr lang="zh-CN" altLang="en-US" dirty="0"/>
-              <a:t>状态时显示，跳转报表详情页面</a:t>
-            </a:r>
-            <a:endParaRPr lang="en-US" altLang="zh-CN" dirty="0"/>
-          </a:p>
-          <a:p>
-            <a:r>
-              <a:rPr lang="zh-CN" altLang="en-US" dirty="0"/>
-              <a:t>页操作按钮</a:t>
-            </a:r>
-            <a:br>
-              <a:rPr lang="en-US" altLang="zh-CN" dirty="0"/>
-            </a:br>
-            <a:r>
-              <a:rPr lang="en-US" altLang="zh-CN" dirty="0"/>
               <a:t>Start All: </a:t>
             </a:r>
             <a:r>
               <a:rPr lang="zh-CN" altLang="en-US" dirty="0"/>
-              <a:t>循环遍历每一个员工依次调用</a:t>
-            </a:r>
-            <a:r>
-              <a:rPr lang="en-US" altLang="zh-CN" dirty="0" err="1"/>
-              <a:t>AddTrans</a:t>
-            </a:r>
-            <a:r>
-              <a:rPr lang="en-US" altLang="zh-CN" dirty="0"/>
-              <a:t> / </a:t>
+              <a:t>循环遍历每一个员工依次调用 </a:t>
             </a:r>
             <a:r>
               <a:rPr lang="en-US" altLang="zh-CN" dirty="0" err="1"/>
@@ -7887,7 +7868,7 @@
             </a:br>
             <a:r>
               <a:rPr lang="en-US" altLang="zh-CN" dirty="0"/>
-              <a:t>Generate Report: </a:t>
+              <a:t>Preview: </a:t>
             </a:r>
             <a:r>
               <a:rPr lang="zh-CN" altLang="en-US" dirty="0"/>
@@ -7895,11 +7876,30 @@
             </a:r>
             <a:r>
               <a:rPr lang="en-US" altLang="zh-CN" dirty="0"/>
-              <a:t>Done</a:t>
-            </a:r>
-            <a:r>
-              <a:rPr lang="zh-CN" altLang="en-US" dirty="0"/>
-              <a:t>或</a:t>
+              <a:t>Preview</a:t>
+            </a:r>
+            <a:r>
+              <a:rPr lang="zh-CN" altLang="en-US" dirty="0"/>
+              <a:t>时显示，跳转</a:t>
+            </a:r>
+            <a:r>
+              <a:rPr lang="en-US" altLang="zh-CN" dirty="0"/>
+              <a:t>Step 3</a:t>
+            </a:r>
+            <a:r>
+              <a:rPr lang="zh-CN" altLang="en-US" dirty="0"/>
+              <a:t>准备生成报表</a:t>
+            </a:r>
+            <a:br>
+              <a:rPr lang="en-US" altLang="zh-CN" dirty="0"/>
+            </a:br>
+            <a:r>
+              <a:rPr lang="en-US" altLang="zh-CN" dirty="0"/>
+              <a:t>View Report: </a:t>
+            </a:r>
+            <a:r>
+              <a:rPr lang="zh-CN" altLang="en-US" dirty="0"/>
+              <a:t>所有员工状态为</a:t>
             </a:r>
             <a:r>
               <a:rPr lang="en-US" altLang="zh-CN" dirty="0"/>
@@ -7907,15 +7907,7 @@
             </a:r>
             <a:r>
               <a:rPr lang="zh-CN" altLang="en-US" dirty="0"/>
-              <a:t>时显示，跳转</a:t>
-            </a:r>
-            <a:r>
-              <a:rPr lang="en-US" altLang="zh-CN" dirty="0"/>
-              <a:t>Step 3</a:t>
-            </a:r>
-            <a:r>
-              <a:rPr lang="zh-CN" altLang="en-US" dirty="0"/>
-              <a:t>准备生成报表</a:t>
+              <a:t>时显示，跳转报表详情页</a:t>
             </a:r>
             <a:endParaRPr lang="en-US" altLang="zh-CN" dirty="0"/>
           </a:p>
@@ -7985,7 +7977,11 @@
             </a:br>
             <a:r>
               <a:rPr lang="en-US" altLang="zh-CN" dirty="0"/>
-              <a:t>Step 3 – Report</a:t>
+              <a:t>Step 3 – Preview</a:t>
+            </a:r>
+            <a:r>
+              <a:rPr lang="zh-CN" altLang="en-US" dirty="0"/>
+              <a:t>预览</a:t>
             </a:r>
             <a:endParaRPr lang="en-US" dirty="0"/>
           </a:p>
@@ -8015,7 +8011,7 @@
         </p:spPr>
         <p:txBody>
           <a:bodyPr>
-            <a:normAutofit fontScale="92500" lnSpcReduction="20000"/>
+            <a:normAutofit fontScale="92500" lnSpcReduction="10000"/>
           </a:bodyPr>
           <a:lstStyle/>
           <a:p>
@@ -8031,57 +8027,64 @@
               <a:rPr lang="zh-CN" altLang="en-US" dirty="0"/>
               <a:t>内所有员工</a:t>
             </a:r>
-            <a:r>
-              <a:rPr lang="en-US" altLang="zh-CN" dirty="0"/>
-              <a:t>/p/select?c=payrolltrans.empcode,employee.fullchinesename,payrolltrans.payrollstatus,employee.companycode,payrolltrans.periodcode&amp;g=payrolltrans.payrollstatus,payrolltrans.empcode,employee.fullchinesename,employee.companycode,payrolltrans.periodcode&amp;w=employee.companycode LK </a:t>
-            </a:r>
-            <a:r>
-              <a:rPr lang="en-US" altLang="zh-CN" dirty="0" err="1">
-                <a:solidFill>
-                  <a:schemeClr val="accent5">
-                    <a:lumMod val="75000"/>
-                  </a:schemeClr>
-                </a:solidFill>
-              </a:rPr>
-              <a:t>TFHK</a:t>
+            <a:br>
+              <a:rPr lang="en-US" altLang="zh-CN" dirty="0"/>
+            </a:br>
+            <a:r>
+              <a:rPr lang="en-US" altLang="zh-CN" dirty="0"/>
+              <a:t>/p/</a:t>
             </a:r>
             <a:r>
               <a:rPr lang="en-US" altLang="zh-CN" dirty="0" err="1"/>
-              <a:t>,payrolltrans.periodcode</a:t>
-            </a:r>
-            <a:r>
-              <a:rPr lang="en-US" altLang="zh-CN" dirty="0"/>
-              <a:t> LK </a:t>
-            </a:r>
-            <a:r>
-              <a:rPr lang="en-US" altLang="zh-CN" dirty="0">
-                <a:solidFill>
-                  <a:schemeClr val="accent5">
-                    <a:lumMod val="75000"/>
-                  </a:schemeClr>
-                </a:solidFill>
-              </a:rPr>
-              <a:t>ltdpd1</a:t>
-            </a:r>
-            <a:r>
-              <a:rPr lang="en-US" altLang="zh-CN" dirty="0"/>
-              <a:t>,payrolltrans.payrollstatus EQ </a:t>
-            </a:r>
-            <a:r>
-              <a:rPr lang="en-US" altLang="zh-CN" dirty="0">
-                <a:solidFill>
-                  <a:schemeClr val="accent5">
-                    <a:lumMod val="75000"/>
-                  </a:schemeClr>
-                </a:solidFill>
-              </a:rPr>
-              <a:t>2</a:t>
+              <a:t>preview?periodcode</a:t>
+            </a:r>
+            <a:r>
+              <a:rPr lang="en-US" altLang="zh-CN" dirty="0"/>
+              <a:t>=[</a:t>
+            </a:r>
+            <a:r>
+              <a:rPr lang="zh-CN" altLang="en-US" dirty="0"/>
+              <a:t>区间</a:t>
+            </a:r>
+            <a:r>
+              <a:rPr lang="en-US" altLang="zh-CN" dirty="0"/>
+              <a:t>]&amp;</a:t>
+            </a:r>
+            <a:r>
+              <a:rPr lang="en-US" altLang="zh-CN" dirty="0" err="1"/>
+              <a:t>companycode</a:t>
+            </a:r>
+            <a:r>
+              <a:rPr lang="en-US" altLang="zh-CN" dirty="0"/>
+              <a:t>=[</a:t>
+            </a:r>
+            <a:r>
+              <a:rPr lang="zh-CN" altLang="en-US" dirty="0"/>
+              <a:t>公司</a:t>
+            </a:r>
+            <a:r>
+              <a:rPr lang="en-US" altLang="zh-CN" dirty="0"/>
+              <a:t>]&amp;</a:t>
+            </a:r>
+            <a:r>
+              <a:rPr lang="en-US" altLang="zh-CN" dirty="0" err="1"/>
+              <a:t>empcode</a:t>
+            </a:r>
+            <a:r>
+              <a:rPr lang="en-US" altLang="zh-CN" dirty="0"/>
+              <a:t>=[</a:t>
+            </a:r>
+            <a:r>
+              <a:rPr lang="zh-CN" altLang="en-US" dirty="0"/>
+              <a:t>员工（可选）</a:t>
+            </a:r>
+            <a:r>
+              <a:rPr lang="en-US" altLang="zh-CN" dirty="0"/>
+              <a:t>]</a:t>
             </a:r>
             <a:endParaRPr lang="en-US" altLang="zh-CN" b="1" dirty="0">
               <a:solidFill>
-                <a:schemeClr val="accent5">
-                  <a:lumMod val="75000"/>
-                </a:schemeClr>
+                <a:srgbClr val="FF0000"/>
               </a:solidFill>
             </a:endParaRPr>
           </a:p>
@@ -8139,7 +8142,7 @@
             </a:br>
             <a:r>
               <a:rPr lang="en-US" altLang="zh-CN" dirty="0"/>
-              <a:t>Start: </a:t>
+              <a:t>Generate: </a:t>
             </a:r>
             <a:r>
               <a:rPr lang="zh-CN" altLang="en-US" dirty="0"/>
@@ -8163,55 +8166,168 @@
             </a:r>
             <a:r>
               <a:rPr lang="zh-CN" altLang="en-US" dirty="0"/>
-              <a:t>直到</a:t>
+              <a:t>直到返回结果后设为</a:t>
+            </a:r>
+            <a:r>
+              <a:rPr lang="en-US" altLang="zh-CN" dirty="0"/>
+              <a:t>Committed</a:t>
+            </a:r>
+            <a:br>
+              <a:rPr lang="en-US" altLang="zh-CN" dirty="0"/>
+            </a:br>
+            <a:r>
+              <a:rPr lang="en-US" altLang="zh-CN" dirty="0"/>
+              <a:t>	</a:t>
+            </a:r>
+            <a:r>
+              <a:rPr lang="zh-CN" altLang="en-US" dirty="0"/>
+              <a:t>状态，若</a:t>
+            </a:r>
+            <a:r>
+              <a:rPr lang="en-US" altLang="zh-CN" dirty="0"/>
+              <a:t>API</a:t>
+            </a:r>
+            <a:r>
+              <a:rPr lang="zh-CN" altLang="en-US" dirty="0"/>
+              <a:t>返回出错，显示状态</a:t>
+            </a:r>
+            <a:r>
+              <a:rPr lang="en-US" altLang="zh-CN" dirty="0"/>
+              <a:t>Error</a:t>
+            </a:r>
+            <a:r>
+              <a:rPr lang="zh-CN" altLang="en-US" dirty="0"/>
+              <a:t>（用户单击</a:t>
+            </a:r>
+            <a:r>
+              <a:rPr lang="en-US" altLang="zh-CN" dirty="0"/>
+              <a:t>Error</a:t>
+            </a:r>
+            <a:r>
+              <a:rPr lang="zh-CN" altLang="en-US" dirty="0"/>
+              <a:t>能看到服务器返回的错误信息）</a:t>
+            </a:r>
+            <a:br>
+              <a:rPr lang="en-US" altLang="zh-CN" dirty="0"/>
+            </a:br>
+            <a:r>
+              <a:rPr lang="en-US" altLang="zh-CN" dirty="0"/>
+              <a:t>	</a:t>
+            </a:r>
+            <a:r>
+              <a:rPr lang="zh-CN" altLang="en-US" dirty="0"/>
+              <a:t>用户再次单击</a:t>
+            </a:r>
+            <a:r>
+              <a:rPr lang="en-US" altLang="zh-CN" dirty="0"/>
+              <a:t>Start</a:t>
+            </a:r>
+            <a:r>
+              <a:rPr lang="zh-CN" altLang="en-US" dirty="0"/>
+              <a:t>则重新开始生成该用户的报表 </a:t>
+            </a:r>
+            <a:br>
+              <a:rPr lang="en-US" altLang="zh-CN" dirty="0"/>
+            </a:br>
+            <a:r>
+              <a:rPr lang="en-US" altLang="zh-CN" dirty="0"/>
+              <a:t>	/p/</a:t>
             </a:r>
             <a:r>
               <a:rPr lang="en-US" altLang="zh-CN" dirty="0" err="1"/>
-              <a:t>NewReport</a:t>
-            </a:r>
-            <a:r>
-              <a:rPr lang="zh-CN" altLang="en-US" dirty="0"/>
-              <a:t>返回结果后设为</a:t>
-            </a:r>
-            <a:r>
-              <a:rPr lang="en-US" altLang="zh-CN" dirty="0"/>
-              <a:t>Done</a:t>
-            </a:r>
-            <a:r>
-              <a:rPr lang="zh-CN" altLang="en-US" dirty="0"/>
-              <a:t>状态，</a:t>
-            </a:r>
+              <a:t>generate?periodcode</a:t>
+            </a:r>
+            <a:r>
+              <a:rPr lang="en-US" altLang="zh-CN" dirty="0"/>
+              <a:t>=[</a:t>
+            </a:r>
+            <a:r>
+              <a:rPr lang="zh-CN" altLang="en-US" dirty="0"/>
+              <a:t>区间</a:t>
+            </a:r>
+            <a:r>
+              <a:rPr lang="en-US" altLang="zh-CN" dirty="0"/>
+              <a:t>] &amp;</a:t>
+            </a:r>
+            <a:r>
+              <a:rPr lang="en-US" altLang="zh-CN" dirty="0" err="1"/>
+              <a:t>empcode</a:t>
+            </a:r>
+            <a:r>
+              <a:rPr lang="en-US" altLang="zh-CN" dirty="0"/>
+              <a:t>=[</a:t>
+            </a:r>
+            <a:r>
+              <a:rPr lang="zh-CN" altLang="en-US" dirty="0"/>
+              <a:t>员工</a:t>
+            </a:r>
+            <a:r>
+              <a:rPr lang="en-US" altLang="zh-CN" dirty="0"/>
+              <a:t>]</a:t>
+            </a:r>
+            <a:br>
+              <a:rPr lang="en-US" altLang="zh-CN" dirty="0"/>
+            </a:br>
+            <a:r>
+              <a:rPr lang="en-US" altLang="zh-CN" dirty="0"/>
+              <a:t>Report: </a:t>
+            </a:r>
+            <a:r>
+              <a:rPr lang="zh-CN" altLang="en-US" dirty="0"/>
+              <a:t>只在</a:t>
+            </a:r>
+            <a:r>
+              <a:rPr lang="en-US" altLang="zh-CN" dirty="0"/>
+              <a:t>Committed</a:t>
+            </a:r>
+            <a:r>
+              <a:rPr lang="zh-CN" altLang="en-US" dirty="0"/>
+              <a:t>状态时显示，跳转报表详情页面</a:t>
+            </a:r>
+            <a:endParaRPr lang="en-US" altLang="zh-CN" dirty="0"/>
+          </a:p>
+          <a:p>
+            <a:r>
+              <a:rPr lang="zh-CN" altLang="en-US" dirty="0"/>
+              <a:t>页操作按钮</a:t>
+            </a:r>
+            <a:br>
+              <a:rPr lang="en-US" altLang="zh-CN" dirty="0"/>
+            </a:br>
+            <a:r>
+              <a:rPr lang="en-US" altLang="zh-CN" dirty="0"/>
+              <a:t>Generate All: </a:t>
+            </a:r>
+            <a:r>
+              <a:rPr lang="zh-CN" altLang="en-US" dirty="0"/>
+              <a:t>循环遍历每一个员工依次调用</a:t>
+            </a:r>
+            <a:r>
+              <a:rPr lang="en-US" altLang="zh-CN" dirty="0"/>
+              <a:t>New Report</a:t>
+            </a:r>
+            <a:r>
+              <a:rPr lang="zh-CN" altLang="en-US" dirty="0"/>
+              <a:t>（单击完后隐藏，显示</a:t>
+            </a:r>
+            <a:r>
+              <a:rPr lang="en-US" altLang="zh-CN" dirty="0"/>
+              <a:t>Stop All</a:t>
+            </a:r>
+            <a:r>
+              <a:rPr lang="zh-CN" altLang="en-US" dirty="0"/>
+              <a:t>）</a:t>
+            </a:r>
+            <a:br>
+              <a:rPr lang="en-US" altLang="zh-CN" dirty="0"/>
+            </a:br>
             <a:r>
               <a:rPr lang="en-US" altLang="zh-CN" dirty="0"/>
               <a:t>	</a:t>
             </a:r>
             <a:r>
               <a:rPr lang="zh-CN" altLang="en-US" dirty="0"/>
-              <a:t>若</a:t>
-            </a:r>
-            <a:r>
-              <a:rPr lang="en-US" altLang="zh-CN" dirty="0"/>
-              <a:t>API</a:t>
-            </a:r>
-            <a:r>
-              <a:rPr lang="zh-CN" altLang="en-US" dirty="0"/>
-              <a:t>返回</a:t>
-            </a:r>
-            <a:r>
-              <a:rPr lang="en-US" altLang="zh-CN" dirty="0"/>
-              <a:t>Code</a:t>
-            </a:r>
-            <a:r>
-              <a:rPr lang="zh-CN" altLang="en-US" dirty="0"/>
-              <a:t>不为</a:t>
-            </a:r>
-            <a:r>
-              <a:rPr lang="en-US" altLang="zh-CN" dirty="0"/>
-              <a:t>0</a:t>
-            </a:r>
-            <a:r>
-              <a:rPr lang="zh-CN" altLang="en-US" dirty="0"/>
-              <a:t>，显示状态</a:t>
+              <a:t>若某员工报表出错（状态为</a:t>
             </a:r>
             <a:r>
               <a:rPr lang="en-US" altLang="zh-CN" dirty="0"/>
@@ -8219,131 +8335,32 @@
             </a:r>
             <a:r>
               <a:rPr lang="zh-CN" altLang="en-US" dirty="0"/>
-              <a:t>（用户单击</a:t>
-            </a:r>
-            <a:r>
-              <a:rPr lang="en-US" altLang="zh-CN" dirty="0"/>
-              <a:t>Error</a:t>
-            </a:r>
-            <a:r>
-              <a:rPr lang="zh-CN" altLang="en-US" dirty="0"/>
-              <a:t>能看到服务器返回的错误信息）</a:t>
+              <a:t>），不影响其他员工计算，循环继续</a:t>
             </a:r>
             <a:br>
               <a:rPr lang="en-US" altLang="zh-CN" dirty="0"/>
             </a:br>
             <a:r>
               <a:rPr lang="en-US" altLang="zh-CN" dirty="0"/>
-              <a:t>	</a:t>
-            </a:r>
-            <a:r>
-              <a:rPr lang="zh-CN" altLang="en-US" dirty="0"/>
-              <a:t>用户再次单击</a:t>
-            </a:r>
-            <a:r>
-              <a:rPr lang="en-US" altLang="zh-CN" dirty="0"/>
-              <a:t>Start</a:t>
-            </a:r>
-            <a:r>
-              <a:rPr lang="zh-CN" altLang="en-US" dirty="0"/>
-              <a:t>则重新开始生成该用户的报表</a:t>
+              <a:t>Stop All: </a:t>
+            </a:r>
+            <a:r>
+              <a:rPr lang="zh-CN" altLang="en-US" dirty="0"/>
+              <a:t>当前员工完成后终止循环（单击后隐藏，显示</a:t>
+            </a:r>
+            <a:r>
+              <a:rPr lang="en-US" altLang="zh-CN" dirty="0"/>
+              <a:t>Start All</a:t>
+            </a:r>
+            <a:r>
+              <a:rPr lang="zh-CN" altLang="en-US" dirty="0"/>
+              <a:t>）</a:t>
             </a:r>
             <a:br>
               <a:rPr lang="en-US" altLang="zh-CN" dirty="0"/>
             </a:br>
             <a:r>
               <a:rPr lang="en-US" altLang="zh-CN" dirty="0"/>
-              <a:t>Report: </a:t>
-            </a:r>
-            <a:r>
-              <a:rPr lang="zh-CN" altLang="en-US" dirty="0"/>
-              <a:t>只在</a:t>
-            </a:r>
-            <a:r>
-              <a:rPr lang="en-US" altLang="zh-CN" dirty="0"/>
-              <a:t>Done</a:t>
-            </a:r>
-            <a:r>
-              <a:rPr lang="zh-CN" altLang="en-US" dirty="0"/>
-              <a:t>状态时显示，跳转报表详情页面</a:t>
-            </a:r>
-            <a:endParaRPr lang="en-US" altLang="zh-CN" dirty="0"/>
-          </a:p>
-          <a:p>
-            <a:r>
-              <a:rPr lang="zh-CN" altLang="en-US" dirty="0"/>
-              <a:t>页操作按钮</a:t>
-            </a:r>
-            <a:br>
-              <a:rPr lang="en-US" altLang="zh-CN" dirty="0"/>
-            </a:br>
-            <a:r>
-              <a:rPr lang="en-US" altLang="zh-CN" dirty="0"/>
-              <a:t>Start All: </a:t>
-            </a:r>
-            <a:r>
-              <a:rPr lang="zh-CN" altLang="en-US" dirty="0"/>
-              <a:t>循环遍历每一个员工依次调用</a:t>
-            </a:r>
-            <a:r>
-              <a:rPr lang="en-US" altLang="zh-CN" dirty="0"/>
-              <a:t>New Report</a:t>
-            </a:r>
-            <a:r>
-              <a:rPr lang="zh-CN" altLang="en-US" dirty="0"/>
-              <a:t>（单击完后隐藏，显示</a:t>
-            </a:r>
-            <a:r>
-              <a:rPr lang="en-US" altLang="zh-CN" dirty="0"/>
-              <a:t>Stop All</a:t>
-            </a:r>
-            <a:r>
-              <a:rPr lang="zh-CN" altLang="en-US" dirty="0"/>
-              <a:t>）</a:t>
-            </a:r>
-            <a:br>
-              <a:rPr lang="en-US" altLang="zh-CN" dirty="0"/>
-            </a:br>
-            <a:r>
-              <a:rPr lang="en-US" altLang="zh-CN" dirty="0"/>
-              <a:t>	</a:t>
-            </a:r>
-            <a:r>
-              <a:rPr lang="zh-CN" altLang="en-US" dirty="0"/>
-              <a:t>若某员工报表出错（状态为</a:t>
-            </a:r>
-            <a:r>
-              <a:rPr lang="en-US" altLang="zh-CN" dirty="0"/>
-              <a:t>Error</a:t>
-            </a:r>
-            <a:r>
-              <a:rPr lang="zh-CN" altLang="en-US" dirty="0"/>
-              <a:t>），不影响其他员工计算，循环继续</a:t>
-            </a:r>
-            <a:br>
-              <a:rPr lang="en-US" altLang="zh-CN" dirty="0"/>
-            </a:br>
-            <a:r>
-              <a:rPr lang="en-US" altLang="zh-CN" dirty="0"/>
-              <a:t>Stop All: </a:t>
-            </a:r>
-            <a:r>
-              <a:rPr lang="zh-CN" altLang="en-US" dirty="0"/>
-              <a:t>当前员工完成后终止循环（单击后隐藏，显示</a:t>
-            </a:r>
-            <a:r>
-              <a:rPr lang="en-US" altLang="zh-CN" dirty="0"/>
-              <a:t>Start All</a:t>
-            </a:r>
-            <a:r>
-              <a:rPr lang="zh-CN" altLang="en-US" dirty="0"/>
-              <a:t>）</a:t>
-            </a:r>
-            <a:br>
-              <a:rPr lang="en-US" altLang="zh-CN" dirty="0"/>
-            </a:br>
-            <a:r>
-              <a:rPr lang="en-US" altLang="zh-CN" dirty="0"/>
               <a:t>View Report: </a:t>
             </a:r>
             <a:r>
@@ -8352,7 +8369,7 @@
             </a:r>
             <a:r>
               <a:rPr lang="en-US" altLang="zh-CN" dirty="0"/>
-              <a:t>Done</a:t>
+              <a:t>Committed</a:t>
             </a:r>
             <a:r>
               <a:rPr lang="zh-CN" altLang="en-US" dirty="0"/>
@@ -8426,7 +8443,11 @@
             </a:br>
             <a:r>
               <a:rPr lang="en-US" altLang="zh-CN" dirty="0"/>
-              <a:t>Step 4 – summary</a:t>
+              <a:t>Step 4 – Report</a:t>
+            </a:r>
+            <a:r>
+              <a:rPr lang="zh-CN" altLang="en-US" dirty="0"/>
+              <a:t>报表</a:t>
             </a:r>
             <a:endParaRPr lang="en-US" dirty="0"/>
           </a:p>
@@ -9065,6 +9086,11 @@
               <a:rPr lang="en-US" dirty="0"/>
               <a:t>Payroll Template</a:t>
             </a:r>
+            <a:r>
+              <a:rPr lang="zh-CN" altLang="en-US" dirty="0"/>
+              <a:t>（配置计算公式）</a:t>
+            </a:r>
+            <a:endParaRPr lang="en-US" dirty="0"/>
           </a:p>
           <a:p>
             <a:r>
@@ -9078,6 +9104,10 @@
               <a:rPr lang="en-US" dirty="0"/>
               <a:t>Basic Info</a:t>
             </a:r>
+            <a:r>
+              <a:rPr lang="zh-CN" altLang="en-US" dirty="0"/>
+              <a:t>（员工基本信息）</a:t>
+            </a:r>
             <a:br>
               <a:rPr lang="en-US" dirty="0"/>
             </a:br>
@@ -9085,6 +9115,10 @@
               <a:rPr lang="en-US" dirty="0"/>
               <a:t>Package</a:t>
             </a:r>
+            <a:r>
+              <a:rPr lang="zh-CN" altLang="en-US" dirty="0"/>
+              <a:t>（员工薪资包）</a:t>
+            </a:r>
             <a:br>
               <a:rPr lang="en-US" dirty="0"/>
             </a:br>
@@ -9092,6 +9126,11 @@
               <a:rPr lang="en-US" dirty="0"/>
               <a:t>Pay Item</a:t>
             </a:r>
+            <a:r>
+              <a:rPr lang="zh-CN" altLang="en-US" dirty="0"/>
+              <a:t>（实报实销）</a:t>
+            </a:r>
+            <a:endParaRPr lang="en-US" dirty="0"/>
           </a:p>
           <a:p>
             <a:r>
@@ -9105,6 +9144,11 @@
               <a:rPr lang="en-US" dirty="0"/>
               <a:t>Import / Export</a:t>
             </a:r>
+            <a:r>
+              <a:rPr lang="zh-CN" altLang="en-US" dirty="0"/>
+              <a:t>（导入导出）</a:t>
+            </a:r>
+            <a:endParaRPr lang="en-US" dirty="0"/>
           </a:p>
         </p:txBody>
       </p:sp>

--- a/doc/Payroll Web UI.pptx
+++ b/doc/Payroll Web UI.pptx
@@ -7880,6 +7880,14 @@
             </a:r>
             <a:r>
               <a:rPr lang="zh-CN" altLang="en-US" dirty="0"/>
+              <a:t>或</a:t>
+            </a:r>
+            <a:r>
+              <a:rPr lang="en-US" altLang="zh-CN" dirty="0"/>
+              <a:t>Committed</a:t>
+            </a:r>
+            <a:r>
+              <a:rPr lang="zh-CN" altLang="en-US" dirty="0"/>
               <a:t>时显示，跳转</a:t>
             </a:r>
             <a:r>
@@ -8011,7 +8019,7 @@
         </p:spPr>
         <p:txBody>
           <a:bodyPr>
-            <a:normAutofit fontScale="92500" lnSpcReduction="10000"/>
+            <a:normAutofit fontScale="92500" lnSpcReduction="20000"/>
           </a:bodyPr>
           <a:lstStyle/>
           <a:p>
@@ -8123,6 +8131,33 @@
             <a:r>
               <a:rPr lang="en-US" altLang="zh-CN" dirty="0"/>
               <a:t>Transaction</a:t>
+            </a:r>
+            <a:br>
+              <a:rPr lang="en-US" altLang="zh-CN" dirty="0"/>
+            </a:br>
+            <a:r>
+              <a:rPr lang="en-US" altLang="zh-CN" dirty="0"/>
+              <a:t>/p/preview API</a:t>
+            </a:r>
+            <a:r>
+              <a:rPr lang="zh-CN" altLang="en-US" dirty="0"/>
+              <a:t>只返回</a:t>
+            </a:r>
+            <a:r>
+              <a:rPr lang="en-US" altLang="zh-CN" dirty="0"/>
+              <a:t>Preview</a:t>
+            </a:r>
+            <a:r>
+              <a:rPr lang="zh-CN" altLang="en-US" dirty="0"/>
+              <a:t>状态的员工的数据，</a:t>
+            </a:r>
+            <a:r>
+              <a:rPr lang="en-US" altLang="zh-CN" dirty="0"/>
+              <a:t>committed</a:t>
+            </a:r>
+            <a:r>
+              <a:rPr lang="zh-CN" altLang="en-US" dirty="0"/>
+              <a:t>状态的员工不返回</a:t>
             </a:r>
             <a:endParaRPr lang="en-US" altLang="zh-CN" dirty="0">
               <a:solidFill>
@@ -8142,7 +8177,7 @@
             </a:br>
             <a:r>
               <a:rPr lang="en-US" altLang="zh-CN" dirty="0"/>
-              <a:t>Generate: </a:t>
+              <a:t>Commit: </a:t>
             </a:r>
             <a:r>
               <a:rPr lang="zh-CN" altLang="en-US" dirty="0"/>
@@ -8296,7 +8331,7 @@
             </a:br>
             <a:r>
               <a:rPr lang="en-US" altLang="zh-CN" dirty="0"/>
-              <a:t>Generate All: </a:t>
+              <a:t>Commit All: </a:t>
             </a:r>
             <a:r>
               <a:rPr lang="zh-CN" altLang="en-US" dirty="0"/>

--- a/doc/Payroll Web UI.pptx
+++ b/doc/Payroll Web UI.pptx
@@ -18,6 +18,8 @@
     <p:sldId id="265" r:id="rId12"/>
     <p:sldId id="266" r:id="rId13"/>
     <p:sldId id="269" r:id="rId14"/>
+    <p:sldId id="270" r:id="rId15"/>
+    <p:sldId id="271" r:id="rId16"/>
   </p:sldIdLst>
   <p:sldSz cx="12192000" cy="6858000"/>
   <p:notesSz cx="6858000" cy="9144000"/>
@@ -1339,7 +1341,7 @@
           <a:p>
             <a:fld id="{DA6193BC-4F03-4D50-9CD1-8060DE3917E8}" type="datetimeFigureOut">
               <a:rPr lang="en-US" smtClean="0"/>
-              <a:t>10/22/2017</a:t>
+              <a:t>10/28/2017</a:t>
             </a:fld>
             <a:endParaRPr lang="en-US"/>
           </a:p>
@@ -1577,7 +1579,7 @@
           <a:p>
             <a:fld id="{DA6193BC-4F03-4D50-9CD1-8060DE3917E8}" type="datetimeFigureOut">
               <a:rPr lang="en-US" smtClean="0"/>
-              <a:t>10/22/2017</a:t>
+              <a:t>10/28/2017</a:t>
             </a:fld>
             <a:endParaRPr lang="en-US"/>
           </a:p>
@@ -1757,7 +1759,7 @@
           <a:p>
             <a:fld id="{DA6193BC-4F03-4D50-9CD1-8060DE3917E8}" type="datetimeFigureOut">
               <a:rPr lang="en-US" smtClean="0"/>
-              <a:t>10/22/2017</a:t>
+              <a:t>10/28/2017</a:t>
             </a:fld>
             <a:endParaRPr lang="en-US"/>
           </a:p>
@@ -1927,7 +1929,7 @@
           <a:p>
             <a:fld id="{DA6193BC-4F03-4D50-9CD1-8060DE3917E8}" type="datetimeFigureOut">
               <a:rPr lang="en-US" smtClean="0"/>
-              <a:t>10/22/2017</a:t>
+              <a:t>10/28/2017</a:t>
             </a:fld>
             <a:endParaRPr lang="en-US"/>
           </a:p>
@@ -2203,7 +2205,7 @@
           <a:p>
             <a:fld id="{DA6193BC-4F03-4D50-9CD1-8060DE3917E8}" type="datetimeFigureOut">
               <a:rPr lang="en-US" smtClean="0"/>
-              <a:t>10/22/2017</a:t>
+              <a:t>10/28/2017</a:t>
             </a:fld>
             <a:endParaRPr lang="en-US"/>
           </a:p>
@@ -3404,7 +3406,7 @@
           <a:p>
             <a:fld id="{DA6193BC-4F03-4D50-9CD1-8060DE3917E8}" type="datetimeFigureOut">
               <a:rPr lang="en-US" smtClean="0"/>
-              <a:t>10/22/2017</a:t>
+              <a:t>10/28/2017</a:t>
             </a:fld>
             <a:endParaRPr lang="en-US"/>
           </a:p>
@@ -3794,7 +3796,7 @@
           <a:p>
             <a:fld id="{DA6193BC-4F03-4D50-9CD1-8060DE3917E8}" type="datetimeFigureOut">
               <a:rPr lang="en-US" smtClean="0"/>
-              <a:t>10/22/2017</a:t>
+              <a:t>10/28/2017</a:t>
             </a:fld>
             <a:endParaRPr lang="en-US"/>
           </a:p>
@@ -3917,7 +3919,7 @@
           <a:p>
             <a:fld id="{DA6193BC-4F03-4D50-9CD1-8060DE3917E8}" type="datetimeFigureOut">
               <a:rPr lang="en-US" smtClean="0"/>
-              <a:t>10/22/2017</a:t>
+              <a:t>10/28/2017</a:t>
             </a:fld>
             <a:endParaRPr lang="en-US"/>
           </a:p>
@@ -4012,7 +4014,7 @@
           <a:p>
             <a:fld id="{DA6193BC-4F03-4D50-9CD1-8060DE3917E8}" type="datetimeFigureOut">
               <a:rPr lang="en-US" smtClean="0"/>
-              <a:t>10/22/2017</a:t>
+              <a:t>10/28/2017</a:t>
             </a:fld>
             <a:endParaRPr lang="en-US"/>
           </a:p>
@@ -4775,7 +4777,7 @@
           <a:p>
             <a:fld id="{DA6193BC-4F03-4D50-9CD1-8060DE3917E8}" type="datetimeFigureOut">
               <a:rPr lang="en-US" smtClean="0"/>
-              <a:t>10/22/2017</a:t>
+              <a:t>10/28/2017</a:t>
             </a:fld>
             <a:endParaRPr lang="en-US"/>
           </a:p>
@@ -5615,7 +5617,7 @@
           <a:p>
             <a:fld id="{DA6193BC-4F03-4D50-9CD1-8060DE3917E8}" type="datetimeFigureOut">
               <a:rPr lang="en-US" smtClean="0"/>
-              <a:t>10/22/2017</a:t>
+              <a:t>10/28/2017</a:t>
             </a:fld>
             <a:endParaRPr lang="en-US"/>
           </a:p>
@@ -5842,7 +5844,7 @@
           <a:p>
             <a:fld id="{DA6193BC-4F03-4D50-9CD1-8060DE3917E8}" type="datetimeFigureOut">
               <a:rPr lang="en-US" smtClean="0"/>
-              <a:t>10/22/2017</a:t>
+              <a:t>10/28/2017</a:t>
             </a:fld>
             <a:endParaRPr lang="en-US"/>
           </a:p>
@@ -8084,7 +8086,15 @@
             </a:r>
             <a:r>
               <a:rPr lang="zh-CN" altLang="en-US" dirty="0"/>
-              <a:t>员工（可选）</a:t>
+              <a:t>员工（可选参数</a:t>
+            </a:r>
+            <a:r>
+              <a:rPr lang="en-US" altLang="zh-CN" dirty="0"/>
+              <a:t>,</a:t>
+            </a:r>
+            <a:r>
+              <a:rPr lang="zh-CN" altLang="en-US" dirty="0"/>
+              <a:t>逗号分隔）</a:t>
             </a:r>
             <a:r>
               <a:rPr lang="en-US" altLang="zh-CN" dirty="0"/>
@@ -8184,93 +8194,89 @@
               <a:t>调用</a:t>
             </a:r>
             <a:r>
+              <a:rPr lang="en-US" altLang="zh-CN" dirty="0"/>
+              <a:t>Commit API</a:t>
+            </a:r>
+            <a:r>
+              <a:rPr lang="zh-CN" altLang="en-US" dirty="0"/>
+              <a:t>并设置状态为</a:t>
+            </a:r>
+            <a:r>
+              <a:rPr lang="en-US" altLang="zh-CN" dirty="0"/>
+              <a:t>In Progress</a:t>
+            </a:r>
+            <a:r>
+              <a:rPr lang="zh-CN" altLang="en-US" dirty="0"/>
+              <a:t>直到返回结果后设为</a:t>
+            </a:r>
+            <a:r>
+              <a:rPr lang="en-US" altLang="zh-CN" dirty="0"/>
+              <a:t>Committed</a:t>
+            </a:r>
+            <a:br>
+              <a:rPr lang="en-US" altLang="zh-CN" dirty="0"/>
+            </a:br>
+            <a:r>
+              <a:rPr lang="en-US" altLang="zh-CN" dirty="0"/>
+              <a:t>	</a:t>
+            </a:r>
+            <a:r>
+              <a:rPr lang="zh-CN" altLang="en-US" dirty="0"/>
+              <a:t>状态，若</a:t>
+            </a:r>
+            <a:r>
+              <a:rPr lang="en-US" altLang="zh-CN" dirty="0"/>
+              <a:t>API</a:t>
+            </a:r>
+            <a:r>
+              <a:rPr lang="zh-CN" altLang="en-US" dirty="0"/>
+              <a:t>返回出错，显示状态</a:t>
+            </a:r>
+            <a:r>
+              <a:rPr lang="en-US" altLang="zh-CN" dirty="0"/>
+              <a:t>Error</a:t>
+            </a:r>
+            <a:r>
+              <a:rPr lang="zh-CN" altLang="en-US" dirty="0"/>
+              <a:t>（用户单击</a:t>
+            </a:r>
+            <a:r>
+              <a:rPr lang="en-US" altLang="zh-CN" dirty="0"/>
+              <a:t>Error</a:t>
+            </a:r>
+            <a:r>
+              <a:rPr lang="zh-CN" altLang="en-US" dirty="0"/>
+              <a:t>能看到服务器返回的错误信息）</a:t>
+            </a:r>
+            <a:br>
+              <a:rPr lang="en-US" altLang="zh-CN" dirty="0"/>
+            </a:br>
+            <a:r>
+              <a:rPr lang="en-US" altLang="zh-CN" dirty="0"/>
+              <a:t>	</a:t>
+            </a:r>
+            <a:r>
+              <a:rPr lang="zh-CN" altLang="en-US" dirty="0"/>
+              <a:t>用户再次单击</a:t>
+            </a:r>
+            <a:r>
+              <a:rPr lang="en-US" altLang="zh-CN" dirty="0"/>
+              <a:t>Start</a:t>
+            </a:r>
+            <a:r>
+              <a:rPr lang="zh-CN" altLang="en-US" dirty="0"/>
+              <a:t>则重新开始生成该用户的报表 </a:t>
+            </a:r>
+            <a:br>
+              <a:rPr lang="en-US" altLang="zh-CN" dirty="0"/>
+            </a:br>
+            <a:r>
+              <a:rPr lang="en-US" altLang="zh-CN" dirty="0"/>
+              <a:t>	/p/</a:t>
+            </a:r>
+            <a:r>
               <a:rPr lang="en-US" altLang="zh-CN" dirty="0" err="1"/>
-              <a:t>NewReport</a:t>
-            </a:r>
-            <a:r>
-              <a:rPr lang="en-US" altLang="zh-CN" dirty="0"/>
-              <a:t> API</a:t>
-            </a:r>
-            <a:r>
-              <a:rPr lang="zh-CN" altLang="en-US" dirty="0"/>
-              <a:t>并设置状态为</a:t>
-            </a:r>
-            <a:r>
-              <a:rPr lang="en-US" altLang="zh-CN" dirty="0"/>
-              <a:t>In Progress</a:t>
-            </a:r>
-            <a:r>
-              <a:rPr lang="zh-CN" altLang="en-US" dirty="0"/>
-              <a:t>直到返回结果后设为</a:t>
-            </a:r>
-            <a:r>
-              <a:rPr lang="en-US" altLang="zh-CN" dirty="0"/>
-              <a:t>Committed</a:t>
-            </a:r>
-            <a:br>
-              <a:rPr lang="en-US" altLang="zh-CN" dirty="0"/>
-            </a:br>
-            <a:r>
-              <a:rPr lang="en-US" altLang="zh-CN" dirty="0"/>
-              <a:t>	</a:t>
-            </a:r>
-            <a:r>
-              <a:rPr lang="zh-CN" altLang="en-US" dirty="0"/>
-              <a:t>状态，若</a:t>
-            </a:r>
-            <a:r>
-              <a:rPr lang="en-US" altLang="zh-CN" dirty="0"/>
-              <a:t>API</a:t>
-            </a:r>
-            <a:r>
-              <a:rPr lang="zh-CN" altLang="en-US" dirty="0"/>
-              <a:t>返回出错，显示状态</a:t>
-            </a:r>
-            <a:r>
-              <a:rPr lang="en-US" altLang="zh-CN" dirty="0"/>
-              <a:t>Error</a:t>
-            </a:r>
-            <a:r>
-              <a:rPr lang="zh-CN" altLang="en-US" dirty="0"/>
-              <a:t>（用户单击</a:t>
-            </a:r>
-            <a:r>
-              <a:rPr lang="en-US" altLang="zh-CN" dirty="0"/>
-              <a:t>Error</a:t>
-            </a:r>
-            <a:r>
-              <a:rPr lang="zh-CN" altLang="en-US" dirty="0"/>
-              <a:t>能看到服务器返回的错误信息）</a:t>
-            </a:r>
-            <a:br>
-              <a:rPr lang="en-US" altLang="zh-CN" dirty="0"/>
-            </a:br>
-            <a:r>
-              <a:rPr lang="en-US" altLang="zh-CN" dirty="0"/>
-              <a:t>	</a:t>
-            </a:r>
-            <a:r>
-              <a:rPr lang="zh-CN" altLang="en-US" dirty="0"/>
-              <a:t>用户再次单击</a:t>
-            </a:r>
-            <a:r>
-              <a:rPr lang="en-US" altLang="zh-CN" dirty="0"/>
-              <a:t>Start</a:t>
-            </a:r>
-            <a:r>
-              <a:rPr lang="zh-CN" altLang="en-US" dirty="0"/>
-              <a:t>则重新开始生成该用户的报表 </a:t>
-            </a:r>
-            <a:br>
-              <a:rPr lang="en-US" altLang="zh-CN" dirty="0"/>
-            </a:br>
-            <a:r>
-              <a:rPr lang="en-US" altLang="zh-CN" dirty="0"/>
-              <a:t>	/p/</a:t>
-            </a:r>
-            <a:r>
-              <a:rPr lang="en-US" altLang="zh-CN" dirty="0" err="1"/>
-              <a:t>generate?periodcode</a:t>
+              <a:t>commit?periodcode</a:t>
             </a:r>
             <a:r>
               <a:rPr lang="en-US" altLang="zh-CN" dirty="0"/>
@@ -8339,7 +8345,7 @@
             </a:r>
             <a:r>
               <a:rPr lang="en-US" altLang="zh-CN" dirty="0"/>
-              <a:t>New Report</a:t>
+              <a:t>Commit API</a:t>
             </a:r>
             <a:r>
               <a:rPr lang="zh-CN" altLang="en-US" dirty="0"/>
@@ -8517,13 +8523,197 @@
           <a:lstStyle/>
           <a:p>
             <a:r>
-              <a:rPr lang="zh-CN" altLang="en-US"/>
-              <a:t>构思中</a:t>
-            </a:r>
-            <a:r>
-              <a:rPr lang="en-US" altLang="zh-CN" dirty="0"/>
-              <a:t>…</a:t>
-            </a:r>
+              <a:rPr lang="en-US" altLang="zh-CN" dirty="0"/>
+              <a:t>/p/</a:t>
+            </a:r>
+            <a:r>
+              <a:rPr lang="en-US" altLang="zh-CN" dirty="0" err="1"/>
+              <a:t>report?periodCode</a:t>
+            </a:r>
+            <a:r>
+              <a:rPr lang="en-US" altLang="zh-CN" dirty="0"/>
+              <a:t>=</a:t>
+            </a:r>
+            <a:r>
+              <a:rPr lang="en-US" altLang="zh-CN" b="1" dirty="0"/>
+              <a:t>[</a:t>
+            </a:r>
+            <a:r>
+              <a:rPr lang="en-US" altLang="zh-CN" b="1" dirty="0" err="1"/>
+              <a:t>PeriodCode</a:t>
+            </a:r>
+            <a:r>
+              <a:rPr lang="en-US" altLang="zh-CN" b="1" dirty="0"/>
+              <a:t>]</a:t>
+            </a:r>
+            <a:r>
+              <a:rPr lang="en-US" altLang="zh-CN" dirty="0"/>
+              <a:t>&amp;</a:t>
+            </a:r>
+            <a:r>
+              <a:rPr lang="en-US" altLang="zh-CN" dirty="0" err="1"/>
+              <a:t>companyCode</a:t>
+            </a:r>
+            <a:r>
+              <a:rPr lang="en-US" altLang="zh-CN" dirty="0"/>
+              <a:t>=</a:t>
+            </a:r>
+            <a:r>
+              <a:rPr lang="en-US" altLang="zh-CN" b="1" dirty="0"/>
+              <a:t>[</a:t>
+            </a:r>
+            <a:r>
+              <a:rPr lang="en-US" altLang="zh-CN" b="1" dirty="0" err="1"/>
+              <a:t>CompanyCode</a:t>
+            </a:r>
+            <a:r>
+              <a:rPr lang="en-US" altLang="zh-CN" b="1" dirty="0"/>
+              <a:t>]</a:t>
+            </a:r>
+            <a:r>
+              <a:rPr lang="en-US" altLang="zh-CN" dirty="0"/>
+              <a:t>&amp;</a:t>
+            </a:r>
+            <a:r>
+              <a:rPr lang="en-US" altLang="zh-CN" dirty="0" err="1"/>
+              <a:t>viewName</a:t>
+            </a:r>
+            <a:r>
+              <a:rPr lang="en-US" altLang="zh-CN" dirty="0"/>
+              <a:t>=</a:t>
+            </a:r>
+            <a:r>
+              <a:rPr lang="en-US" altLang="zh-CN" b="1" dirty="0"/>
+              <a:t>[</a:t>
+            </a:r>
+            <a:r>
+              <a:rPr lang="en-US" altLang="zh-CN" b="1" dirty="0" err="1"/>
+              <a:t>ViewName</a:t>
+            </a:r>
+            <a:r>
+              <a:rPr lang="en-US" altLang="zh-CN" b="1" dirty="0"/>
+              <a:t>]</a:t>
+            </a:r>
+            <a:r>
+              <a:rPr lang="en-US" altLang="zh-CN" dirty="0"/>
+              <a:t>&amp;</a:t>
+            </a:r>
+            <a:r>
+              <a:rPr lang="en-US" altLang="zh-CN" dirty="0" err="1"/>
+              <a:t>dir</a:t>
+            </a:r>
+            <a:r>
+              <a:rPr lang="en-US" altLang="zh-CN" dirty="0"/>
+              <a:t>=</a:t>
+            </a:r>
+            <a:r>
+              <a:rPr lang="en-US" altLang="zh-CN" b="1" dirty="0"/>
+              <a:t>[Direction (h/v)]</a:t>
+            </a:r>
+          </a:p>
+          <a:p>
+            <a:r>
+              <a:rPr lang="en-US" altLang="zh-CN" dirty="0" err="1"/>
+              <a:t>PeriodCode</a:t>
+            </a:r>
+            <a:r>
+              <a:rPr lang="en-US" altLang="zh-CN" dirty="0"/>
+              <a:t>: </a:t>
+            </a:r>
+            <a:r>
+              <a:rPr lang="zh-CN" altLang="en-US" dirty="0"/>
+              <a:t>缓存的</a:t>
+            </a:r>
+            <a:r>
+              <a:rPr lang="en-US" altLang="zh-CN" dirty="0"/>
+              <a:t>period</a:t>
+            </a:r>
+            <a:r>
+              <a:rPr lang="zh-CN" altLang="en-US" dirty="0"/>
+              <a:t>主键</a:t>
+            </a:r>
+            <a:endParaRPr lang="en-US" altLang="zh-CN" dirty="0"/>
+          </a:p>
+          <a:p>
+            <a:r>
+              <a:rPr lang="en-US" altLang="zh-CN" dirty="0" err="1"/>
+              <a:t>CompanyCode</a:t>
+            </a:r>
+            <a:r>
+              <a:rPr lang="en-US" altLang="zh-CN" dirty="0"/>
+              <a:t>: </a:t>
+            </a:r>
+            <a:r>
+              <a:rPr lang="zh-CN" altLang="en-US" dirty="0"/>
+              <a:t>缓存的公司主键</a:t>
+            </a:r>
+            <a:endParaRPr lang="en-US" altLang="zh-CN" dirty="0"/>
+          </a:p>
+          <a:p>
+            <a:r>
+              <a:rPr lang="en-US" altLang="zh-CN" dirty="0" err="1"/>
+              <a:t>ViewName</a:t>
+            </a:r>
+            <a:r>
+              <a:rPr lang="en-US" altLang="zh-CN" dirty="0"/>
+              <a:t>: </a:t>
+            </a:r>
+            <a:r>
+              <a:rPr lang="en-US" altLang="zh-CN" dirty="0" err="1"/>
+              <a:t>Payslip</a:t>
+            </a:r>
+            <a:r>
+              <a:rPr lang="en-US" altLang="zh-CN" dirty="0"/>
+              <a:t> / Report</a:t>
+            </a:r>
+            <a:r>
+              <a:rPr lang="zh-CN" altLang="en-US" dirty="0"/>
+              <a:t>，其中</a:t>
+            </a:r>
+            <a:r>
+              <a:rPr lang="en-US" altLang="zh-CN" dirty="0" err="1"/>
+              <a:t>Payslip</a:t>
+            </a:r>
+            <a:r>
+              <a:rPr lang="zh-CN" altLang="en-US" dirty="0"/>
+              <a:t>需要垂直显示（</a:t>
+            </a:r>
+            <a:r>
+              <a:rPr lang="en-US" altLang="zh-CN" dirty="0" err="1"/>
+              <a:t>dir</a:t>
+            </a:r>
+            <a:r>
+              <a:rPr lang="en-US" altLang="zh-CN" dirty="0"/>
+              <a:t>=v</a:t>
+            </a:r>
+            <a:r>
+              <a:rPr lang="zh-CN" altLang="en-US" dirty="0"/>
+              <a:t>），</a:t>
+            </a:r>
+            <a:r>
+              <a:rPr lang="en-US" altLang="zh-CN" dirty="0"/>
+              <a:t>Report</a:t>
+            </a:r>
+            <a:r>
+              <a:rPr lang="zh-CN" altLang="en-US" dirty="0"/>
+              <a:t>则为水平显示（</a:t>
+            </a:r>
+            <a:r>
+              <a:rPr lang="en-US" altLang="zh-CN" dirty="0" err="1"/>
+              <a:t>dir</a:t>
+            </a:r>
+            <a:r>
+              <a:rPr lang="en-US" altLang="zh-CN" dirty="0"/>
+              <a:t>=h</a:t>
+            </a:r>
+            <a:r>
+              <a:rPr lang="zh-CN" altLang="en-US" dirty="0"/>
+              <a:t>）</a:t>
+            </a:r>
+            <a:br>
+              <a:rPr lang="en-US" altLang="zh-CN" dirty="0"/>
+            </a:br>
+            <a:endParaRPr lang="en-US" altLang="zh-CN" dirty="0"/>
           </a:p>
         </p:txBody>
       </p:sp>
@@ -8531,6 +8721,426 @@
     <p:extLst>
       <p:ext uri="{BB962C8B-B14F-4D97-AF65-F5344CB8AC3E}">
         <p14:creationId xmlns:p14="http://schemas.microsoft.com/office/powerpoint/2010/main" val="1599971499"/>
+      </p:ext>
+    </p:extLst>
+  </p:cSld>
+  <p:clrMapOvr>
+    <a:masterClrMapping/>
+  </p:clrMapOvr>
+</p:sld>
+</file>
+
+<file path=ppt/slides/slide14.xml><?xml version="1.0" encoding="utf-8"?>
+<p:sld xmlns:a="http://schemas.openxmlformats.org/drawingml/2006/main" xmlns:r="http://schemas.openxmlformats.org/officeDocument/2006/relationships" xmlns:p="http://schemas.openxmlformats.org/presentationml/2006/main">
+  <p:cSld>
+    <p:spTree>
+      <p:nvGrpSpPr>
+        <p:cNvPr id="1" name=""/>
+        <p:cNvGrpSpPr/>
+        <p:nvPr/>
+      </p:nvGrpSpPr>
+      <p:grpSpPr>
+        <a:xfrm>
+          <a:off x="0" y="0"/>
+          <a:ext cx="0" cy="0"/>
+          <a:chOff x="0" y="0"/>
+          <a:chExt cx="0" cy="0"/>
+        </a:xfrm>
+      </p:grpSpPr>
+      <p:sp>
+        <p:nvSpPr>
+          <p:cNvPr id="2" name="Title 1">
+            <a:extLst>
+              <a:ext uri="{FF2B5EF4-FFF2-40B4-BE49-F238E27FC236}">
+                <a16:creationId xmlns:a16="http://schemas.microsoft.com/office/drawing/2014/main" id="{E20A3793-8CD1-445F-A14E-8A6A6112E57D}"/>
+              </a:ext>
+            </a:extLst>
+          </p:cNvPr>
+          <p:cNvSpPr>
+            <a:spLocks noGrp="1"/>
+          </p:cNvSpPr>
+          <p:nvPr>
+            <p:ph type="title"/>
+          </p:nvPr>
+        </p:nvSpPr>
+        <p:spPr/>
+        <p:txBody>
+          <a:bodyPr/>
+          <a:lstStyle/>
+          <a:p>
+            <a:r>
+              <a:rPr lang="zh-CN" altLang="en-US" dirty="0"/>
+              <a:t>工资结算</a:t>
+            </a:r>
+            <a:r>
+              <a:rPr lang="en-US" altLang="zh-CN" dirty="0"/>
+              <a:t>Payroll calculation</a:t>
+            </a:r>
+            <a:br>
+              <a:rPr lang="en-US" altLang="zh-CN" dirty="0"/>
+            </a:br>
+            <a:r>
+              <a:rPr lang="en-US" altLang="zh-CN" dirty="0"/>
+              <a:t>Step 4 – </a:t>
+            </a:r>
+            <a:r>
+              <a:rPr lang="zh-CN" altLang="en-US" dirty="0"/>
+              <a:t>垂直显示</a:t>
+            </a:r>
+            <a:endParaRPr lang="en-US" dirty="0"/>
+          </a:p>
+        </p:txBody>
+      </p:sp>
+      <p:pic>
+        <p:nvPicPr>
+          <p:cNvPr id="4" name="Content Placeholder 3">
+            <a:extLst>
+              <a:ext uri="{FF2B5EF4-FFF2-40B4-BE49-F238E27FC236}">
+                <a16:creationId xmlns:a16="http://schemas.microsoft.com/office/drawing/2014/main" id="{8D05760B-D548-4E63-9577-EFB9312D473B}"/>
+              </a:ext>
+            </a:extLst>
+          </p:cNvPr>
+          <p:cNvPicPr>
+            <a:picLocks noGrp="1" noChangeAspect="1"/>
+          </p:cNvPicPr>
+          <p:nvPr>
+            <p:ph idx="1"/>
+          </p:nvPr>
+        </p:nvPicPr>
+        <p:blipFill>
+          <a:blip r:embed="rId2"/>
+          <a:stretch>
+            <a:fillRect/>
+          </a:stretch>
+        </p:blipFill>
+        <p:spPr>
+          <a:xfrm>
+            <a:off x="1321269" y="1874516"/>
+            <a:ext cx="3487797" cy="4690707"/>
+          </a:xfrm>
+          <a:prstGeom prst="rect">
+            <a:avLst/>
+          </a:prstGeom>
+        </p:spPr>
+      </p:pic>
+      <p:pic>
+        <p:nvPicPr>
+          <p:cNvPr id="6" name="Picture 5">
+            <a:extLst>
+              <a:ext uri="{FF2B5EF4-FFF2-40B4-BE49-F238E27FC236}">
+                <a16:creationId xmlns:a16="http://schemas.microsoft.com/office/drawing/2014/main" id="{268124BD-051C-4DE6-A5CA-45508BC5E586}"/>
+              </a:ext>
+            </a:extLst>
+          </p:cNvPr>
+          <p:cNvPicPr>
+            <a:picLocks noChangeAspect="1"/>
+          </p:cNvPicPr>
+          <p:nvPr/>
+        </p:nvPicPr>
+        <p:blipFill>
+          <a:blip r:embed="rId3"/>
+          <a:stretch>
+            <a:fillRect/>
+          </a:stretch>
+        </p:blipFill>
+        <p:spPr>
+          <a:xfrm>
+            <a:off x="4878657" y="1874516"/>
+            <a:ext cx="4575808" cy="4681654"/>
+          </a:xfrm>
+          <a:prstGeom prst="rect">
+            <a:avLst/>
+          </a:prstGeom>
+        </p:spPr>
+      </p:pic>
+      <p:sp>
+        <p:nvSpPr>
+          <p:cNvPr id="7" name="TextBox 6">
+            <a:extLst>
+              <a:ext uri="{FF2B5EF4-FFF2-40B4-BE49-F238E27FC236}">
+                <a16:creationId xmlns:a16="http://schemas.microsoft.com/office/drawing/2014/main" id="{220B35F0-7E6F-4B01-BAFC-F37366575B8C}"/>
+              </a:ext>
+            </a:extLst>
+          </p:cNvPr>
+          <p:cNvSpPr txBox="1"/>
+          <p:nvPr/>
+        </p:nvSpPr>
+        <p:spPr>
+          <a:xfrm>
+            <a:off x="6975132" y="3846011"/>
+            <a:ext cx="3726735" cy="923330"/>
+          </a:xfrm>
+          <a:prstGeom prst="rect">
+            <a:avLst/>
+          </a:prstGeom>
+          <a:noFill/>
+        </p:spPr>
+        <p:txBody>
+          <a:bodyPr wrap="square" rtlCol="0">
+            <a:spAutoFit/>
+          </a:bodyPr>
+          <a:lstStyle/>
+          <a:p>
+            <a:r>
+              <a:rPr lang="en-US" dirty="0" err="1"/>
+              <a:t>DisplayIndex</a:t>
+            </a:r>
+            <a:r>
+              <a:rPr lang="en-US" dirty="0"/>
+              <a:t> </a:t>
+            </a:r>
+            <a:r>
+              <a:rPr lang="zh-CN" altLang="en-US" dirty="0"/>
+              <a:t>越大，显示地越下面</a:t>
+            </a:r>
+            <a:endParaRPr lang="en-US" altLang="zh-CN" dirty="0"/>
+          </a:p>
+          <a:p>
+            <a:r>
+              <a:rPr lang="en-US" altLang="zh-CN" dirty="0"/>
+              <a:t>Category</a:t>
+            </a:r>
+            <a:r>
+              <a:rPr lang="zh-CN" altLang="en-US" dirty="0"/>
+              <a:t>相同的显示 在一起并且显示各项求和 </a:t>
+            </a:r>
+            <a:endParaRPr lang="en-US" dirty="0"/>
+          </a:p>
+        </p:txBody>
+      </p:sp>
+    </p:spTree>
+    <p:extLst>
+      <p:ext uri="{BB962C8B-B14F-4D97-AF65-F5344CB8AC3E}">
+        <p14:creationId xmlns:p14="http://schemas.microsoft.com/office/powerpoint/2010/main" val="1308848189"/>
+      </p:ext>
+    </p:extLst>
+  </p:cSld>
+  <p:clrMapOvr>
+    <a:masterClrMapping/>
+  </p:clrMapOvr>
+</p:sld>
+</file>
+
+<file path=ppt/slides/slide15.xml><?xml version="1.0" encoding="utf-8"?>
+<p:sld xmlns:a="http://schemas.openxmlformats.org/drawingml/2006/main" xmlns:r="http://schemas.openxmlformats.org/officeDocument/2006/relationships" xmlns:p="http://schemas.openxmlformats.org/presentationml/2006/main">
+  <p:cSld>
+    <p:spTree>
+      <p:nvGrpSpPr>
+        <p:cNvPr id="1" name=""/>
+        <p:cNvGrpSpPr/>
+        <p:nvPr/>
+      </p:nvGrpSpPr>
+      <p:grpSpPr>
+        <a:xfrm>
+          <a:off x="0" y="0"/>
+          <a:ext cx="0" cy="0"/>
+          <a:chOff x="0" y="0"/>
+          <a:chExt cx="0" cy="0"/>
+        </a:xfrm>
+      </p:grpSpPr>
+      <p:sp>
+        <p:nvSpPr>
+          <p:cNvPr id="2" name="Title 1">
+            <a:extLst>
+              <a:ext uri="{FF2B5EF4-FFF2-40B4-BE49-F238E27FC236}">
+                <a16:creationId xmlns:a16="http://schemas.microsoft.com/office/drawing/2014/main" id="{E20A3793-8CD1-445F-A14E-8A6A6112E57D}"/>
+              </a:ext>
+            </a:extLst>
+          </p:cNvPr>
+          <p:cNvSpPr>
+            <a:spLocks noGrp="1"/>
+          </p:cNvSpPr>
+          <p:nvPr>
+            <p:ph type="title"/>
+          </p:nvPr>
+        </p:nvSpPr>
+        <p:spPr/>
+        <p:txBody>
+          <a:bodyPr/>
+          <a:lstStyle/>
+          <a:p>
+            <a:r>
+              <a:rPr lang="zh-CN" altLang="en-US" dirty="0"/>
+              <a:t>工资结算</a:t>
+            </a:r>
+            <a:r>
+              <a:rPr lang="en-US" altLang="zh-CN" dirty="0"/>
+              <a:t>Payroll calculation</a:t>
+            </a:r>
+            <a:br>
+              <a:rPr lang="en-US" altLang="zh-CN" dirty="0"/>
+            </a:br>
+            <a:r>
+              <a:rPr lang="en-US" altLang="zh-CN" dirty="0"/>
+              <a:t>Step 4 – </a:t>
+            </a:r>
+            <a:r>
+              <a:rPr lang="zh-CN" altLang="en-US" dirty="0"/>
+              <a:t>水平显示</a:t>
+            </a:r>
+            <a:endParaRPr lang="en-US" dirty="0"/>
+          </a:p>
+        </p:txBody>
+      </p:sp>
+      <p:sp>
+        <p:nvSpPr>
+          <p:cNvPr id="7" name="TextBox 6">
+            <a:extLst>
+              <a:ext uri="{FF2B5EF4-FFF2-40B4-BE49-F238E27FC236}">
+                <a16:creationId xmlns:a16="http://schemas.microsoft.com/office/drawing/2014/main" id="{220B35F0-7E6F-4B01-BAFC-F37366575B8C}"/>
+              </a:ext>
+            </a:extLst>
+          </p:cNvPr>
+          <p:cNvSpPr txBox="1"/>
+          <p:nvPr/>
+        </p:nvSpPr>
+        <p:spPr>
+          <a:xfrm>
+            <a:off x="4267200" y="3795211"/>
+            <a:ext cx="7857067" cy="923330"/>
+          </a:xfrm>
+          <a:prstGeom prst="rect">
+            <a:avLst/>
+          </a:prstGeom>
+          <a:noFill/>
+        </p:spPr>
+        <p:txBody>
+          <a:bodyPr wrap="square" rtlCol="0">
+            <a:spAutoFit/>
+          </a:bodyPr>
+          <a:lstStyle/>
+          <a:p>
+            <a:r>
+              <a:rPr lang="en-US" dirty="0" err="1"/>
+              <a:t>DisplayIndex</a:t>
+            </a:r>
+            <a:r>
+              <a:rPr lang="en-US" dirty="0"/>
+              <a:t> </a:t>
+            </a:r>
+            <a:r>
+              <a:rPr lang="zh-CN" altLang="en-US" dirty="0"/>
+              <a:t>越大，显示地越右面，带有</a:t>
+            </a:r>
+            <a:r>
+              <a:rPr lang="en-US" altLang="zh-CN" dirty="0" err="1"/>
+              <a:t>DisplayIndex</a:t>
+            </a:r>
+            <a:r>
+              <a:rPr lang="zh-CN" altLang="en-US" dirty="0"/>
+              <a:t>的列需要求和显示在最下面</a:t>
+            </a:r>
+            <a:endParaRPr lang="en-US" altLang="zh-CN" dirty="0"/>
+          </a:p>
+          <a:p>
+            <a:r>
+              <a:rPr lang="en-US" altLang="zh-CN" dirty="0"/>
+              <a:t>Category</a:t>
+            </a:r>
+            <a:r>
+              <a:rPr lang="zh-CN" altLang="en-US" dirty="0"/>
+              <a:t>相同的显示在一起并且单独显示一行标题</a:t>
+            </a:r>
+            <a:endParaRPr lang="en-US" altLang="zh-CN" dirty="0"/>
+          </a:p>
+        </p:txBody>
+      </p:sp>
+      <p:pic>
+        <p:nvPicPr>
+          <p:cNvPr id="8" name="Content Placeholder 7">
+            <a:extLst>
+              <a:ext uri="{FF2B5EF4-FFF2-40B4-BE49-F238E27FC236}">
+                <a16:creationId xmlns:a16="http://schemas.microsoft.com/office/drawing/2014/main" id="{25217654-5C30-45EE-863A-3CEA1D6CF2A4}"/>
+              </a:ext>
+            </a:extLst>
+          </p:cNvPr>
+          <p:cNvPicPr>
+            <a:picLocks noGrp="1" noChangeAspect="1"/>
+          </p:cNvPicPr>
+          <p:nvPr>
+            <p:ph idx="1"/>
+          </p:nvPr>
+        </p:nvPicPr>
+        <p:blipFill>
+          <a:blip r:embed="rId2"/>
+          <a:stretch>
+            <a:fillRect/>
+          </a:stretch>
+        </p:blipFill>
+        <p:spPr>
+          <a:xfrm>
+            <a:off x="1251678" y="1874517"/>
+            <a:ext cx="10179050" cy="1782684"/>
+          </a:xfrm>
+          <a:prstGeom prst="rect">
+            <a:avLst/>
+          </a:prstGeom>
+        </p:spPr>
+      </p:pic>
+      <p:pic>
+        <p:nvPicPr>
+          <p:cNvPr id="9" name="Picture 8">
+            <a:extLst>
+              <a:ext uri="{FF2B5EF4-FFF2-40B4-BE49-F238E27FC236}">
+                <a16:creationId xmlns:a16="http://schemas.microsoft.com/office/drawing/2014/main" id="{3C0DE36A-0566-4C74-9CEC-09E03DBC6454}"/>
+              </a:ext>
+            </a:extLst>
+          </p:cNvPr>
+          <p:cNvPicPr>
+            <a:picLocks noChangeAspect="1"/>
+          </p:cNvPicPr>
+          <p:nvPr/>
+        </p:nvPicPr>
+        <p:blipFill>
+          <a:blip r:embed="rId3"/>
+          <a:stretch>
+            <a:fillRect/>
+          </a:stretch>
+        </p:blipFill>
+        <p:spPr>
+          <a:xfrm>
+            <a:off x="1251678" y="3471296"/>
+            <a:ext cx="3015522" cy="3391121"/>
+          </a:xfrm>
+          <a:prstGeom prst="rect">
+            <a:avLst/>
+          </a:prstGeom>
+        </p:spPr>
+      </p:pic>
+      <p:pic>
+        <p:nvPicPr>
+          <p:cNvPr id="12" name="Picture 11">
+            <a:extLst>
+              <a:ext uri="{FF2B5EF4-FFF2-40B4-BE49-F238E27FC236}">
+                <a16:creationId xmlns:a16="http://schemas.microsoft.com/office/drawing/2014/main" id="{D06900E3-FF7A-49A1-B902-A482D39FFC02}"/>
+              </a:ext>
+            </a:extLst>
+          </p:cNvPr>
+          <p:cNvPicPr>
+            <a:picLocks noChangeAspect="1"/>
+          </p:cNvPicPr>
+          <p:nvPr/>
+        </p:nvPicPr>
+        <p:blipFill>
+          <a:blip r:embed="rId4"/>
+          <a:stretch>
+            <a:fillRect/>
+          </a:stretch>
+        </p:blipFill>
+        <p:spPr>
+          <a:xfrm>
+            <a:off x="6646332" y="4767189"/>
+            <a:ext cx="5545667" cy="2095228"/>
+          </a:xfrm>
+          <a:prstGeom prst="rect">
+            <a:avLst/>
+          </a:prstGeom>
+        </p:spPr>
+      </p:pic>
+    </p:spTree>
+    <p:extLst>
+      <p:ext uri="{BB962C8B-B14F-4D97-AF65-F5344CB8AC3E}">
+        <p14:creationId xmlns:p14="http://schemas.microsoft.com/office/powerpoint/2010/main" val="1752795323"/>
       </p:ext>
     </p:extLst>
   </p:cSld>

--- a/doc/Payroll Web UI.pptx
+++ b/doc/Payroll Web UI.pptx
@@ -12,14 +12,15 @@
     <p:sldId id="258" r:id="rId6"/>
     <p:sldId id="259" r:id="rId7"/>
     <p:sldId id="263" r:id="rId8"/>
-    <p:sldId id="260" r:id="rId9"/>
-    <p:sldId id="261" r:id="rId10"/>
-    <p:sldId id="262" r:id="rId11"/>
-    <p:sldId id="265" r:id="rId12"/>
-    <p:sldId id="266" r:id="rId13"/>
-    <p:sldId id="269" r:id="rId14"/>
-    <p:sldId id="270" r:id="rId15"/>
-    <p:sldId id="271" r:id="rId16"/>
+    <p:sldId id="272" r:id="rId9"/>
+    <p:sldId id="260" r:id="rId10"/>
+    <p:sldId id="261" r:id="rId11"/>
+    <p:sldId id="262" r:id="rId12"/>
+    <p:sldId id="265" r:id="rId13"/>
+    <p:sldId id="266" r:id="rId14"/>
+    <p:sldId id="269" r:id="rId15"/>
+    <p:sldId id="270" r:id="rId16"/>
+    <p:sldId id="271" r:id="rId17"/>
   </p:sldIdLst>
   <p:sldSz cx="12192000" cy="6858000"/>
   <p:notesSz cx="6858000" cy="9144000"/>
@@ -1341,7 +1342,7 @@
           <a:p>
             <a:fld id="{DA6193BC-4F03-4D50-9CD1-8060DE3917E8}" type="datetimeFigureOut">
               <a:rPr lang="en-US" smtClean="0"/>
-              <a:t>10/28/2017</a:t>
+              <a:t>11/2/2017</a:t>
             </a:fld>
             <a:endParaRPr lang="en-US"/>
           </a:p>
@@ -1579,7 +1580,7 @@
           <a:p>
             <a:fld id="{DA6193BC-4F03-4D50-9CD1-8060DE3917E8}" type="datetimeFigureOut">
               <a:rPr lang="en-US" smtClean="0"/>
-              <a:t>10/28/2017</a:t>
+              <a:t>11/2/2017</a:t>
             </a:fld>
             <a:endParaRPr lang="en-US"/>
           </a:p>
@@ -1759,7 +1760,7 @@
           <a:p>
             <a:fld id="{DA6193BC-4F03-4D50-9CD1-8060DE3917E8}" type="datetimeFigureOut">
               <a:rPr lang="en-US" smtClean="0"/>
-              <a:t>10/28/2017</a:t>
+              <a:t>11/2/2017</a:t>
             </a:fld>
             <a:endParaRPr lang="en-US"/>
           </a:p>
@@ -1929,7 +1930,7 @@
           <a:p>
             <a:fld id="{DA6193BC-4F03-4D50-9CD1-8060DE3917E8}" type="datetimeFigureOut">
               <a:rPr lang="en-US" smtClean="0"/>
-              <a:t>10/28/2017</a:t>
+              <a:t>11/2/2017</a:t>
             </a:fld>
             <a:endParaRPr lang="en-US"/>
           </a:p>
@@ -2205,7 +2206,7 @@
           <a:p>
             <a:fld id="{DA6193BC-4F03-4D50-9CD1-8060DE3917E8}" type="datetimeFigureOut">
               <a:rPr lang="en-US" smtClean="0"/>
-              <a:t>10/28/2017</a:t>
+              <a:t>11/2/2017</a:t>
             </a:fld>
             <a:endParaRPr lang="en-US"/>
           </a:p>
@@ -3406,7 +3407,7 @@
           <a:p>
             <a:fld id="{DA6193BC-4F03-4D50-9CD1-8060DE3917E8}" type="datetimeFigureOut">
               <a:rPr lang="en-US" smtClean="0"/>
-              <a:t>10/28/2017</a:t>
+              <a:t>11/2/2017</a:t>
             </a:fld>
             <a:endParaRPr lang="en-US"/>
           </a:p>
@@ -3796,7 +3797,7 @@
           <a:p>
             <a:fld id="{DA6193BC-4F03-4D50-9CD1-8060DE3917E8}" type="datetimeFigureOut">
               <a:rPr lang="en-US" smtClean="0"/>
-              <a:t>10/28/2017</a:t>
+              <a:t>11/2/2017</a:t>
             </a:fld>
             <a:endParaRPr lang="en-US"/>
           </a:p>
@@ -3919,7 +3920,7 @@
           <a:p>
             <a:fld id="{DA6193BC-4F03-4D50-9CD1-8060DE3917E8}" type="datetimeFigureOut">
               <a:rPr lang="en-US" smtClean="0"/>
-              <a:t>10/28/2017</a:t>
+              <a:t>11/2/2017</a:t>
             </a:fld>
             <a:endParaRPr lang="en-US"/>
           </a:p>
@@ -4014,7 +4015,7 @@
           <a:p>
             <a:fld id="{DA6193BC-4F03-4D50-9CD1-8060DE3917E8}" type="datetimeFigureOut">
               <a:rPr lang="en-US" smtClean="0"/>
-              <a:t>10/28/2017</a:t>
+              <a:t>11/2/2017</a:t>
             </a:fld>
             <a:endParaRPr lang="en-US"/>
           </a:p>
@@ -4777,7 +4778,7 @@
           <a:p>
             <a:fld id="{DA6193BC-4F03-4D50-9CD1-8060DE3917E8}" type="datetimeFigureOut">
               <a:rPr lang="en-US" smtClean="0"/>
-              <a:t>10/28/2017</a:t>
+              <a:t>11/2/2017</a:t>
             </a:fld>
             <a:endParaRPr lang="en-US"/>
           </a:p>
@@ -5617,7 +5618,7 @@
           <a:p>
             <a:fld id="{DA6193BC-4F03-4D50-9CD1-8060DE3917E8}" type="datetimeFigureOut">
               <a:rPr lang="en-US" smtClean="0"/>
-              <a:t>10/28/2017</a:t>
+              <a:t>11/2/2017</a:t>
             </a:fld>
             <a:endParaRPr lang="en-US"/>
           </a:p>
@@ -5844,7 +5845,7 @@
           <a:p>
             <a:fld id="{DA6193BC-4F03-4D50-9CD1-8060DE3917E8}" type="datetimeFigureOut">
               <a:rPr lang="en-US" smtClean="0"/>
-              <a:t>10/28/2017</a:t>
+              <a:t>11/2/2017</a:t>
             </a:fld>
             <a:endParaRPr lang="en-US"/>
           </a:p>
@@ -6945,19 +6946,27 @@
           <a:p>
             <a:r>
               <a:rPr lang="zh-CN" altLang="en-US" dirty="0"/>
+              <a:t>增删改</a:t>
+            </a:r>
+            <a:r>
+              <a:rPr lang="en-US" altLang="zh-CN" dirty="0"/>
+              <a:t>API	</a:t>
+            </a:r>
+            <a:r>
+              <a:rPr lang="zh-CN" altLang="en-US" dirty="0"/>
               <a:t>公司管理</a:t>
             </a:r>
+            <a:endParaRPr lang="en-US" altLang="zh-CN" dirty="0"/>
+          </a:p>
+          <a:p>
+            <a:r>
+              <a:rPr lang="zh-CN" altLang="en-US" dirty="0"/>
+              <a:t>员工管理</a:t>
+            </a:r>
             <a:r>
               <a:rPr lang="en-US" altLang="zh-CN" dirty="0"/>
               <a:t>	</a:t>
             </a:r>
-            <a:r>
-              <a:rPr lang="zh-CN" altLang="en-US" dirty="0"/>
-              <a:t>员工管理</a:t>
-            </a:r>
-            <a:endParaRPr lang="en-US" altLang="zh-CN" dirty="0"/>
-          </a:p>
-          <a:p>
             <a:r>
               <a:rPr lang="zh-CN" altLang="en-US" dirty="0"/>
               <a:t>工资结算</a:t>
@@ -7004,7 +7013,7 @@
           <p:cNvPr id="2" name="Title 1">
             <a:extLst>
               <a:ext uri="{FF2B5EF4-FFF2-40B4-BE49-F238E27FC236}">
-                <a16:creationId xmlns:a16="http://schemas.microsoft.com/office/drawing/2014/main" id="{751CC575-CAB5-47E1-A576-18EE767B90C2}"/>
+                <a16:creationId xmlns:a16="http://schemas.microsoft.com/office/drawing/2014/main" id="{434C5FAF-F4C7-4A2F-A589-60FC58452C0B}"/>
               </a:ext>
             </a:extLst>
           </p:cNvPr>
@@ -7022,22 +7031,11 @@
           <a:p>
             <a:r>
               <a:rPr lang="zh-CN" altLang="en-US" dirty="0"/>
-              <a:t>工资结算</a:t>
-            </a:r>
-            <a:r>
-              <a:rPr lang="en-US" altLang="zh-CN" dirty="0"/>
-              <a:t>Payroll calculation</a:t>
-            </a:r>
-            <a:br>
-              <a:rPr lang="en-US" altLang="zh-CN" dirty="0"/>
-            </a:br>
-            <a:r>
-              <a:rPr lang="en-US" altLang="zh-CN" dirty="0"/>
-              <a:t>Step 1 –Period</a:t>
-            </a:r>
-            <a:r>
-              <a:rPr lang="zh-CN" altLang="en-US" dirty="0"/>
-              <a:t>区间</a:t>
+              <a:t>员工管理</a:t>
+            </a:r>
+            <a:r>
+              <a:rPr lang="en-US" altLang="zh-CN" dirty="0"/>
+              <a:t>Employee / Basic info</a:t>
             </a:r>
             <a:endParaRPr lang="en-US" dirty="0"/>
           </a:p>
@@ -7048,7 +7046,7 @@
           <p:cNvPr id="3" name="Content Placeholder 2">
             <a:extLst>
               <a:ext uri="{FF2B5EF4-FFF2-40B4-BE49-F238E27FC236}">
-                <a16:creationId xmlns:a16="http://schemas.microsoft.com/office/drawing/2014/main" id="{DBEB0881-329A-4A6D-A103-101F20A953CE}"/>
+                <a16:creationId xmlns:a16="http://schemas.microsoft.com/office/drawing/2014/main" id="{08961FB3-729E-4EF5-A19D-0EE91B83D493}"/>
               </a:ext>
             </a:extLst>
           </p:cNvPr>
@@ -7059,308 +7057,74 @@
             <p:ph idx="1"/>
           </p:nvPr>
         </p:nvSpPr>
-        <p:spPr>
-          <a:xfrm>
-            <a:off x="1251678" y="2286001"/>
-            <a:ext cx="10178322" cy="4423143"/>
-          </a:xfrm>
-        </p:spPr>
+        <p:spPr/>
         <p:txBody>
-          <a:bodyPr>
-            <a:normAutofit fontScale="92500" lnSpcReduction="20000"/>
-          </a:bodyPr>
+          <a:bodyPr/>
           <a:lstStyle/>
           <a:p>
             <a:r>
               <a:rPr lang="zh-CN" altLang="en-US" dirty="0"/>
-              <a:t>提供一个</a:t>
-            </a:r>
-            <a:r>
-              <a:rPr lang="en-US" altLang="zh-CN" dirty="0"/>
-              <a:t>Textbox</a:t>
-            </a:r>
-            <a:r>
-              <a:rPr lang="zh-CN" altLang="en-US" dirty="0"/>
-              <a:t>和</a:t>
-            </a:r>
-            <a:r>
-              <a:rPr lang="en-US" altLang="zh-CN" dirty="0"/>
-              <a:t>Search</a:t>
-            </a:r>
-            <a:r>
-              <a:rPr lang="zh-CN" altLang="en-US" dirty="0"/>
-              <a:t>按钮让用户查询</a:t>
-            </a:r>
-            <a:r>
-              <a:rPr lang="en-US" altLang="zh-CN" dirty="0" err="1"/>
-              <a:t>PeriodCode</a:t>
+              <a:t>显示所有</a:t>
+            </a:r>
+            <a:r>
+              <a:rPr lang="en-US" altLang="zh-CN" dirty="0"/>
+              <a:t>Employee</a:t>
+            </a:r>
+            <a:r>
+              <a:rPr lang="zh-CN" altLang="en-US" dirty="0"/>
+              <a:t>表的列</a:t>
+            </a:r>
+            <a:endParaRPr lang="en-US" altLang="zh-CN" dirty="0"/>
+          </a:p>
+          <a:p>
+            <a:r>
+              <a:rPr lang="zh-CN" altLang="en-US" dirty="0"/>
+              <a:t>操作放左边 </a:t>
+            </a:r>
+            <a:r>
+              <a:rPr lang="en-US" altLang="zh-CN" dirty="0"/>
+              <a:t>(Edit / Package / Workload)</a:t>
             </a:r>
             <a:br>
               <a:rPr lang="en-US" altLang="zh-CN" dirty="0"/>
             </a:br>
             <a:r>
-              <a:rPr lang="zh-CN" altLang="en-US" dirty="0"/>
-              <a:t>输入的关键字替换下面蓝色部分</a:t>
+              <a:rPr lang="en-US" altLang="zh-CN" dirty="0"/>
+              <a:t>Edit: Popup </a:t>
+            </a:r>
+            <a:r>
+              <a:rPr lang="zh-CN" altLang="en-US" dirty="0"/>
+              <a:t>修改员工基本信息</a:t>
             </a:r>
             <a:br>
               <a:rPr lang="en-US" altLang="zh-CN" dirty="0"/>
             </a:br>
             <a:r>
-              <a:rPr lang="zh-CN" altLang="en-US" dirty="0"/>
-              <a:t>不输入任何内容则去除</a:t>
-            </a:r>
-            <a:r>
-              <a:rPr lang="en-US" altLang="zh-CN" dirty="0"/>
-              <a:t>Period.PeriodCode%20LK%keyword</a:t>
-            </a:r>
-            <a:r>
-              <a:rPr lang="zh-CN" altLang="en-US" dirty="0"/>
-              <a:t>部分</a:t>
+              <a:rPr lang="en-US" altLang="zh-CN" dirty="0"/>
+              <a:t>Package: </a:t>
+            </a:r>
+            <a:r>
+              <a:rPr lang="zh-CN" altLang="en-US" dirty="0"/>
+              <a:t>跳转员工薪资包管理页面</a:t>
             </a:r>
             <a:br>
               <a:rPr lang="en-US" altLang="zh-CN" dirty="0"/>
             </a:br>
             <a:r>
               <a:rPr lang="en-US" altLang="zh-CN" dirty="0"/>
-              <a:t>keyword</a:t>
-            </a:r>
-            <a:r>
-              <a:rPr lang="zh-CN" altLang="en-US" dirty="0"/>
-              <a:t>为查询关键字（</a:t>
-            </a:r>
-            <a:r>
-              <a:rPr lang="en-US" altLang="zh-CN" dirty="0"/>
-              <a:t>%</a:t>
-            </a:r>
-            <a:r>
-              <a:rPr lang="zh-CN" altLang="en-US" dirty="0"/>
-              <a:t>：代表任意个数任意数字符，</a:t>
-            </a:r>
-            <a:r>
-              <a:rPr lang="en-US" altLang="zh-CN" dirty="0"/>
-              <a:t>_</a:t>
-            </a:r>
-            <a:r>
-              <a:rPr lang="zh-CN" altLang="en-US" dirty="0"/>
-              <a:t>：代表单个任意字符）</a:t>
-            </a:r>
-            <a:endParaRPr lang="en-US" altLang="zh-CN" dirty="0"/>
-          </a:p>
-          <a:p>
-            <a:r>
-              <a:rPr lang="zh-CN" altLang="en-US" dirty="0"/>
-              <a:t>根据</a:t>
-            </a:r>
-            <a:r>
-              <a:rPr lang="en-US" altLang="zh-CN" dirty="0" err="1"/>
-              <a:t>CompanyCode</a:t>
-            </a:r>
-            <a:r>
-              <a:rPr lang="zh-CN" altLang="en-US" dirty="0"/>
-              <a:t>查询现有</a:t>
-            </a:r>
-            <a:r>
-              <a:rPr lang="en-US" altLang="zh-CN" dirty="0"/>
-              <a:t>Period (</a:t>
-            </a:r>
-            <a:r>
-              <a:rPr lang="zh-CN" altLang="en-US" dirty="0"/>
-              <a:t>红色部分为</a:t>
-            </a:r>
-            <a:r>
-              <a:rPr lang="en-US" altLang="zh-CN" dirty="0" err="1"/>
-              <a:t>companyCode</a:t>
-            </a:r>
-            <a:r>
-              <a:rPr lang="en-US" altLang="zh-CN" dirty="0"/>
-              <a:t>)</a:t>
-            </a:r>
-            <a:br>
-              <a:rPr lang="en-US" altLang="zh-CN" dirty="0"/>
-            </a:br>
-            <a:r>
-              <a:rPr lang="en-US" altLang="zh-CN" dirty="0"/>
-              <a:t>/p/</a:t>
-            </a:r>
-            <a:r>
-              <a:rPr lang="en-US" altLang="zh-CN" dirty="0" err="1"/>
-              <a:t>select?c</a:t>
-            </a:r>
-            <a:r>
-              <a:rPr lang="en-US" altLang="zh-CN" dirty="0"/>
-              <a:t>=top 15,payrolltrans.PeriodCode,period.PeriodType,period.CompanyCode,period.StartDate,period.EndDate,$count(1)%20as%20Transactions&amp;o=_period.StartDate&amp;g=payrolltrans.periodcode,period.periodtype,period.companycode,period.startdate,period.enddate&amp;w=</a:t>
-            </a:r>
-            <a:r>
-              <a:rPr lang="en-US" altLang="zh-CN" b="1" dirty="0"/>
-              <a:t>Period.CompanyCode%20EQ%20</a:t>
-            </a:r>
-            <a:r>
-              <a:rPr lang="en-US" altLang="zh-CN" b="1" dirty="0">
-                <a:solidFill>
-                  <a:srgbClr val="FF0000"/>
-                </a:solidFill>
-              </a:rPr>
-              <a:t>Ltd</a:t>
-            </a:r>
-            <a:r>
-              <a:rPr lang="zh-CN" altLang="en-US" b="1" dirty="0">
-                <a:solidFill>
-                  <a:schemeClr val="tx1"/>
-                </a:solidFill>
-              </a:rPr>
-              <a:t>，</a:t>
-            </a:r>
-            <a:r>
-              <a:rPr lang="en-US" altLang="zh-CN" b="1" dirty="0">
-                <a:solidFill>
-                  <a:schemeClr val="tx1"/>
-                </a:solidFill>
-              </a:rPr>
-              <a:t>Period.PeriodCode%20LK%20</a:t>
-            </a:r>
-            <a:r>
-              <a:rPr lang="en-US" altLang="zh-CN" b="1" dirty="0">
-                <a:solidFill>
-                  <a:schemeClr val="accent3">
-                    <a:lumMod val="75000"/>
-                  </a:schemeClr>
-                </a:solidFill>
-              </a:rPr>
-              <a:t>%keyword%</a:t>
-            </a:r>
-          </a:p>
-          <a:p>
-            <a:r>
-              <a:rPr lang="zh-CN" altLang="en-US" dirty="0"/>
-              <a:t>行操作按钮：（</a:t>
-            </a:r>
-            <a:r>
-              <a:rPr lang="en-US" altLang="zh-CN" dirty="0"/>
-              <a:t>period</a:t>
-            </a:r>
-            <a:r>
-              <a:rPr lang="zh-CN" altLang="en-US" dirty="0"/>
-              <a:t>不提供编辑功能）</a:t>
-            </a:r>
-            <a:br>
-              <a:rPr lang="en-US" altLang="zh-CN" dirty="0"/>
-            </a:br>
-            <a:r>
-              <a:rPr lang="en-US" altLang="zh-CN" dirty="0"/>
-              <a:t>Details: </a:t>
-            </a:r>
-            <a:r>
-              <a:rPr lang="zh-CN" altLang="en-US" dirty="0"/>
-              <a:t>缓存</a:t>
-            </a:r>
-            <a:r>
-              <a:rPr lang="en-US" altLang="zh-CN" dirty="0" err="1"/>
-              <a:t>PeriodCode</a:t>
-            </a:r>
-            <a:r>
-              <a:rPr lang="zh-CN" altLang="en-US" dirty="0"/>
-              <a:t>，跳转第二步页面</a:t>
-            </a:r>
-            <a:br>
-              <a:rPr lang="en-US" altLang="zh-CN" dirty="0"/>
-            </a:br>
-            <a:r>
-              <a:rPr lang="en-US" altLang="zh-CN" dirty="0"/>
-              <a:t>Delete: </a:t>
-            </a:r>
-            <a:r>
-              <a:rPr lang="zh-CN" altLang="en-US" dirty="0"/>
-              <a:t>删除当前</a:t>
-            </a:r>
-            <a:r>
-              <a:rPr lang="en-US" altLang="zh-CN" dirty="0"/>
-              <a:t>Period</a:t>
-            </a:r>
-            <a:r>
-              <a:rPr lang="zh-CN" altLang="en-US" dirty="0"/>
-              <a:t>（如果</a:t>
-            </a:r>
-            <a:r>
-              <a:rPr lang="en-US" altLang="zh-CN" dirty="0"/>
-              <a:t>Transactions</a:t>
-            </a:r>
-            <a:r>
-              <a:rPr lang="zh-CN" altLang="en-US" dirty="0"/>
-              <a:t>列大于</a:t>
-            </a:r>
-            <a:r>
-              <a:rPr lang="en-US" altLang="zh-CN" dirty="0"/>
-              <a:t>0</a:t>
-            </a:r>
-            <a:r>
-              <a:rPr lang="zh-CN" altLang="en-US" dirty="0"/>
-              <a:t>，隐藏该按钮，删除</a:t>
-            </a:r>
-            <a:r>
-              <a:rPr lang="en-US" altLang="zh-CN" dirty="0"/>
-              <a:t>API</a:t>
-            </a:r>
-            <a:r>
-              <a:rPr lang="zh-CN" altLang="en-US" dirty="0"/>
-              <a:t>正在开发中</a:t>
-            </a:r>
-            <a:r>
-              <a:rPr lang="en-US" altLang="zh-CN" dirty="0"/>
-              <a:t>…</a:t>
-            </a:r>
-            <a:r>
-              <a:rPr lang="zh-CN" altLang="en-US" dirty="0"/>
-              <a:t>）</a:t>
-            </a:r>
-            <a:endParaRPr lang="en-US" altLang="zh-CN" dirty="0"/>
-          </a:p>
-          <a:p>
-            <a:r>
-              <a:rPr lang="zh-CN" altLang="en-US" dirty="0"/>
-              <a:t>页操作按钮：</a:t>
-            </a:r>
-            <a:br>
-              <a:rPr lang="en-US" altLang="zh-CN" dirty="0"/>
-            </a:br>
-            <a:r>
-              <a:rPr lang="en-US" altLang="zh-CN" dirty="0"/>
-              <a:t>Add: </a:t>
-            </a:r>
-            <a:r>
-              <a:rPr lang="zh-CN" altLang="en-US" dirty="0"/>
-              <a:t>添加新</a:t>
-            </a:r>
-            <a:r>
-              <a:rPr lang="en-US" altLang="zh-CN" dirty="0"/>
-              <a:t>Period</a:t>
-            </a:r>
-            <a:r>
-              <a:rPr lang="zh-CN" altLang="en-US" dirty="0"/>
-              <a:t>（弹出</a:t>
-            </a:r>
-            <a:r>
-              <a:rPr lang="en-US" altLang="zh-CN" dirty="0"/>
-              <a:t>Popup / </a:t>
-            </a:r>
-            <a:r>
-              <a:rPr lang="zh-CN" altLang="en-US" dirty="0"/>
-              <a:t>新窗口</a:t>
-            </a:r>
-            <a:r>
-              <a:rPr lang="en-US" altLang="zh-CN" dirty="0"/>
-              <a:t>, </a:t>
-            </a:r>
-            <a:r>
-              <a:rPr lang="zh-CN" altLang="en-US" dirty="0"/>
-              <a:t>保存</a:t>
-            </a:r>
-            <a:r>
-              <a:rPr lang="en-US" altLang="zh-CN" dirty="0"/>
-              <a:t>API</a:t>
-            </a:r>
-            <a:r>
-              <a:rPr lang="zh-CN" altLang="en-US" dirty="0"/>
-              <a:t>正在开发中）</a:t>
+              <a:t>Workload: </a:t>
+            </a:r>
+            <a:r>
+              <a:rPr lang="zh-CN" altLang="en-US" dirty="0"/>
+              <a:t>跳转员工加班 </a:t>
+            </a:r>
+            <a:r>
+              <a:rPr lang="en-US" altLang="zh-CN" dirty="0"/>
+              <a:t>/ </a:t>
+            </a:r>
+            <a:r>
+              <a:rPr lang="zh-CN" altLang="en-US" dirty="0"/>
+              <a:t>请假管理页面</a:t>
             </a:r>
             <a:endParaRPr lang="en-US" altLang="zh-CN" dirty="0"/>
           </a:p>
@@ -7369,7 +7133,7 @@
     </p:spTree>
     <p:extLst>
       <p:ext uri="{BB962C8B-B14F-4D97-AF65-F5344CB8AC3E}">
-        <p14:creationId xmlns:p14="http://schemas.microsoft.com/office/powerpoint/2010/main" val="2896626945"/>
+        <p14:creationId xmlns:p14="http://schemas.microsoft.com/office/powerpoint/2010/main" val="96601646"/>
       </p:ext>
     </p:extLst>
   </p:cSld>
@@ -7430,11 +7194,11 @@
             </a:br>
             <a:r>
               <a:rPr lang="en-US" altLang="zh-CN" dirty="0"/>
-              <a:t>Step 2 – transaction</a:t>
-            </a:r>
-            <a:r>
-              <a:rPr lang="zh-CN" altLang="en-US" dirty="0"/>
-              <a:t>事务</a:t>
+              <a:t>Step 1 –Period</a:t>
+            </a:r>
+            <a:r>
+              <a:rPr lang="zh-CN" altLang="en-US" dirty="0"/>
+              <a:t>区间</a:t>
             </a:r>
             <a:endParaRPr lang="en-US" dirty="0"/>
           </a:p>
@@ -7458,102 +7222,123 @@
         </p:nvSpPr>
         <p:spPr>
           <a:xfrm>
-            <a:off x="1251678" y="1874517"/>
-            <a:ext cx="10178322" cy="4877157"/>
+            <a:off x="1251678" y="2286001"/>
+            <a:ext cx="10178322" cy="4423143"/>
           </a:xfrm>
         </p:spPr>
         <p:txBody>
           <a:bodyPr>
-            <a:normAutofit fontScale="70000" lnSpcReduction="20000"/>
+            <a:normAutofit fontScale="92500" lnSpcReduction="20000"/>
           </a:bodyPr>
           <a:lstStyle/>
           <a:p>
             <a:r>
+              <a:rPr lang="zh-CN" altLang="en-US" dirty="0"/>
+              <a:t>提供一个</a:t>
+            </a:r>
+            <a:r>
+              <a:rPr lang="en-US" altLang="zh-CN" dirty="0"/>
+              <a:t>Textbox</a:t>
+            </a:r>
+            <a:r>
+              <a:rPr lang="zh-CN" altLang="en-US" dirty="0"/>
+              <a:t>和</a:t>
+            </a:r>
+            <a:r>
+              <a:rPr lang="en-US" altLang="zh-CN" dirty="0"/>
+              <a:t>Search</a:t>
+            </a:r>
+            <a:r>
+              <a:rPr lang="zh-CN" altLang="en-US" dirty="0"/>
+              <a:t>按钮让用户查询</a:t>
+            </a:r>
+            <a:r>
               <a:rPr lang="en-US" altLang="zh-CN" dirty="0" err="1"/>
-              <a:t>PayrollStatus</a:t>
+              <a:t>PeriodCode</a:t>
             </a:r>
             <a:br>
               <a:rPr lang="en-US" altLang="zh-CN" dirty="0"/>
             </a:br>
             <a:r>
-              <a:rPr lang="en-US" altLang="zh-CN" dirty="0"/>
-              <a:t>0: Initial</a:t>
+              <a:rPr lang="zh-CN" altLang="en-US" dirty="0"/>
+              <a:t>输入的关键字替换下面蓝色部分</a:t>
             </a:r>
             <a:br>
               <a:rPr lang="en-US" altLang="zh-CN" dirty="0"/>
             </a:br>
             <a:r>
-              <a:rPr lang="en-US" altLang="zh-CN" dirty="0"/>
-              <a:t>1: Preview</a:t>
+              <a:rPr lang="zh-CN" altLang="en-US" dirty="0"/>
+              <a:t>不输入任何内容则去除</a:t>
+            </a:r>
+            <a:r>
+              <a:rPr lang="en-US" altLang="zh-CN" dirty="0"/>
+              <a:t>Period.PeriodCode%20LK%keyword</a:t>
+            </a:r>
+            <a:r>
+              <a:rPr lang="zh-CN" altLang="en-US" dirty="0"/>
+              <a:t>部分</a:t>
             </a:r>
             <a:br>
               <a:rPr lang="en-US" altLang="zh-CN" dirty="0"/>
             </a:br>
             <a:r>
               <a:rPr lang="en-US" altLang="zh-CN" dirty="0"/>
-              <a:t>2: Committed</a:t>
+              <a:t>keyword</a:t>
+            </a:r>
+            <a:r>
+              <a:rPr lang="zh-CN" altLang="en-US" dirty="0"/>
+              <a:t>为查询关键字（</a:t>
+            </a:r>
+            <a:r>
+              <a:rPr lang="en-US" altLang="zh-CN" dirty="0"/>
+              <a:t>%</a:t>
+            </a:r>
+            <a:r>
+              <a:rPr lang="zh-CN" altLang="en-US" dirty="0"/>
+              <a:t>：代表任意个数任意数字符，</a:t>
+            </a:r>
+            <a:r>
+              <a:rPr lang="en-US" altLang="zh-CN" dirty="0"/>
+              <a:t>_</a:t>
+            </a:r>
+            <a:r>
+              <a:rPr lang="zh-CN" altLang="en-US" dirty="0"/>
+              <a:t>：代表单个任意字符）</a:t>
+            </a:r>
+            <a:endParaRPr lang="en-US" altLang="zh-CN" dirty="0"/>
+          </a:p>
+          <a:p>
+            <a:r>
+              <a:rPr lang="zh-CN" altLang="en-US" dirty="0"/>
+              <a:t>根据</a:t>
+            </a:r>
+            <a:r>
+              <a:rPr lang="en-US" altLang="zh-CN" dirty="0" err="1"/>
+              <a:t>CompanyCode</a:t>
+            </a:r>
+            <a:r>
+              <a:rPr lang="zh-CN" altLang="en-US" dirty="0"/>
+              <a:t>查询现有</a:t>
+            </a:r>
+            <a:r>
+              <a:rPr lang="en-US" altLang="zh-CN" dirty="0"/>
+              <a:t>Period (</a:t>
+            </a:r>
+            <a:r>
+              <a:rPr lang="zh-CN" altLang="en-US" dirty="0"/>
+              <a:t>红色部分为</a:t>
+            </a:r>
+            <a:r>
+              <a:rPr lang="en-US" altLang="zh-CN" dirty="0" err="1"/>
+              <a:t>companyCode</a:t>
+            </a:r>
+            <a:r>
+              <a:rPr lang="en-US" altLang="zh-CN" dirty="0"/>
+              <a:t>)</a:t>
             </a:r>
             <a:br>
               <a:rPr lang="en-US" altLang="zh-CN" dirty="0"/>
             </a:br>
-            <a:r>
-              <a:rPr lang="en-US" altLang="zh-CN" dirty="0"/>
-              <a:t>3: Error</a:t>
-            </a:r>
-            <a:br>
-              <a:rPr lang="en-US" altLang="zh-CN" dirty="0"/>
-            </a:br>
-            <a:r>
-              <a:rPr lang="zh-CN" altLang="en-US" dirty="0"/>
-              <a:t>（若发现同一个</a:t>
-            </a:r>
-            <a:r>
-              <a:rPr lang="en-US" altLang="zh-CN" dirty="0" err="1"/>
-              <a:t>EmpCode</a:t>
-            </a:r>
-            <a:r>
-              <a:rPr lang="zh-CN" altLang="en-US" dirty="0"/>
-              <a:t>对应多条</a:t>
-            </a:r>
-            <a:r>
-              <a:rPr lang="en-US" altLang="zh-CN" dirty="0" err="1"/>
-              <a:t>PayrollStatus</a:t>
-            </a:r>
-            <a:r>
-              <a:rPr lang="zh-CN" altLang="en-US" dirty="0"/>
-              <a:t>，取第一条记录并且将该条记录</a:t>
-            </a:r>
-            <a:r>
-              <a:rPr lang="en-US" altLang="zh-CN" dirty="0" err="1"/>
-              <a:t>PayrollStatus</a:t>
-            </a:r>
-            <a:r>
-              <a:rPr lang="zh-CN" altLang="en-US" dirty="0"/>
-              <a:t>设为</a:t>
-            </a:r>
-            <a:r>
-              <a:rPr lang="en-US" altLang="zh-CN" dirty="0"/>
-              <a:t>Error</a:t>
-            </a:r>
-            <a:r>
-              <a:rPr lang="zh-CN" altLang="en-US" dirty="0"/>
-              <a:t>）</a:t>
-            </a:r>
-            <a:endParaRPr lang="en-US" altLang="zh-CN" dirty="0"/>
-          </a:p>
-          <a:p>
-            <a:r>
-              <a:rPr lang="zh-CN" altLang="en-US" dirty="0"/>
-              <a:t>列出该公司该</a:t>
-            </a:r>
-            <a:r>
-              <a:rPr lang="en-US" altLang="zh-CN" dirty="0"/>
-              <a:t>Period</a:t>
-            </a:r>
-            <a:r>
-              <a:rPr lang="zh-CN" altLang="en-US" dirty="0"/>
-              <a:t>内所有员工</a:t>
-            </a:r>
             <a:r>
               <a:rPr lang="en-US" altLang="zh-CN" dirty="0"/>
               <a:t>/p/</a:t>
@@ -7564,148 +7349,171 @@
             </a:r>
             <a:r>
               <a:rPr lang="en-US" altLang="zh-CN" dirty="0"/>
-              <a:t>=payrolltrans.empcode,employee.fullchinesename,payrolltrans.payrollstatus,employee.companycode,payrolltrans.periodcode&amp;g=payrolltrans.payrollstatus,payrolltrans.empcode,employee.fullchinesename,employee.companycode,payrolltrans.periodcode&amp;w=</a:t>
-            </a:r>
-            <a:r>
-              <a:rPr lang="en-US" altLang="zh-CN" dirty="0" err="1"/>
-              <a:t>employee.companycode</a:t>
-            </a:r>
-            <a:r>
-              <a:rPr lang="en-US" altLang="zh-CN" dirty="0"/>
-              <a:t> LK </a:t>
-            </a:r>
-            <a:r>
-              <a:rPr lang="en-US" altLang="zh-CN" dirty="0" err="1">
+              <a:t>=top 15,payrolltrans.PeriodCode,period.PeriodType,period.CompanyCode,period.StartDate,period.EndDate,$count(1)%20as%20Transactions&amp;o=_period.StartDate&amp;g=payrolltrans.periodcode,period.periodtype,period.companycode,period.startdate,period.enddate&amp;w=</a:t>
+            </a:r>
+            <a:r>
+              <a:rPr lang="en-US" altLang="zh-CN" b="1" dirty="0"/>
+              <a:t>Period.CompanyCode%20EQ%20</a:t>
+            </a:r>
+            <a:r>
+              <a:rPr lang="en-US" altLang="zh-CN" b="1" dirty="0">
                 <a:solidFill>
-                  <a:schemeClr val="accent5">
+                  <a:srgbClr val="FF0000"/>
+                </a:solidFill>
+              </a:rPr>
+              <a:t>Ltd</a:t>
+            </a:r>
+            <a:r>
+              <a:rPr lang="zh-CN" altLang="en-US" b="1" dirty="0">
+                <a:solidFill>
+                  <a:schemeClr val="tx1"/>
+                </a:solidFill>
+              </a:rPr>
+              <a:t>，</a:t>
+            </a:r>
+            <a:r>
+              <a:rPr lang="en-US" altLang="zh-CN" b="1" dirty="0">
+                <a:solidFill>
+                  <a:schemeClr val="tx1"/>
+                </a:solidFill>
+              </a:rPr>
+              <a:t>Period.PeriodCode%20LK%20</a:t>
+            </a:r>
+            <a:r>
+              <a:rPr lang="en-US" altLang="zh-CN" b="1" dirty="0">
+                <a:solidFill>
+                  <a:schemeClr val="accent3">
                     <a:lumMod val="75000"/>
                   </a:schemeClr>
                 </a:solidFill>
               </a:rPr>
-              <a:t>TFHK</a:t>
+              <a:t>%keyword%</a:t>
+            </a:r>
+          </a:p>
+          <a:p>
+            <a:r>
+              <a:rPr lang="zh-CN" altLang="en-US" dirty="0"/>
+              <a:t>行操作按钮：（</a:t>
+            </a:r>
+            <a:r>
+              <a:rPr lang="en-US" altLang="zh-CN" dirty="0"/>
+              <a:t>period</a:t>
+            </a:r>
+            <a:r>
+              <a:rPr lang="zh-CN" altLang="en-US" dirty="0"/>
+              <a:t>不提供编辑功能）</a:t>
+            </a:r>
+            <a:br>
+              <a:rPr lang="en-US" altLang="zh-CN" dirty="0"/>
+            </a:br>
+            <a:r>
+              <a:rPr lang="en-US" altLang="zh-CN" dirty="0"/>
+              <a:t>Details: </a:t>
+            </a:r>
+            <a:r>
+              <a:rPr lang="zh-CN" altLang="en-US" dirty="0"/>
+              <a:t>缓存</a:t>
             </a:r>
             <a:r>
               <a:rPr lang="en-US" altLang="zh-CN" dirty="0" err="1"/>
-              <a:t>,payrolltrans.periodcode</a:t>
-            </a:r>
-            <a:r>
-              <a:rPr lang="en-US" altLang="zh-CN" dirty="0"/>
-              <a:t> LK </a:t>
-            </a:r>
-            <a:r>
-              <a:rPr lang="en-US" altLang="zh-CN" dirty="0">
-                <a:solidFill>
-                  <a:schemeClr val="accent5">
-                    <a:lumMod val="75000"/>
-                  </a:schemeClr>
-                </a:solidFill>
-              </a:rPr>
-              <a:t>ltdpd1</a:t>
+              <a:t>PeriodCode</a:t>
+            </a:r>
+            <a:r>
+              <a:rPr lang="zh-CN" altLang="en-US" dirty="0"/>
+              <a:t>，跳转第二步页面</a:t>
+            </a:r>
+            <a:br>
+              <a:rPr lang="en-US" altLang="zh-CN" dirty="0"/>
+            </a:br>
+            <a:r>
+              <a:rPr lang="en-US" altLang="zh-CN" dirty="0"/>
+              <a:t>Delete: </a:t>
+            </a:r>
+            <a:r>
+              <a:rPr lang="zh-CN" altLang="en-US" dirty="0"/>
+              <a:t>删除当前</a:t>
+            </a:r>
+            <a:r>
+              <a:rPr lang="en-US" altLang="zh-CN" dirty="0"/>
+              <a:t>Period</a:t>
+            </a:r>
+            <a:r>
+              <a:rPr lang="zh-CN" altLang="en-US" dirty="0"/>
+              <a:t>（如果</a:t>
+            </a:r>
+            <a:r>
+              <a:rPr lang="en-US" altLang="zh-CN" dirty="0"/>
+              <a:t>Transactions</a:t>
+            </a:r>
+            <a:r>
+              <a:rPr lang="zh-CN" altLang="en-US" dirty="0"/>
+              <a:t>列大于</a:t>
+            </a:r>
+            <a:r>
+              <a:rPr lang="en-US" altLang="zh-CN" dirty="0"/>
+              <a:t>0</a:t>
+            </a:r>
+            <a:r>
+              <a:rPr lang="zh-CN" altLang="en-US" dirty="0"/>
+              <a:t>，隐藏该按钮，删除</a:t>
+            </a:r>
+            <a:r>
+              <a:rPr lang="en-US" altLang="zh-CN" dirty="0"/>
+              <a:t>API</a:t>
+            </a:r>
+            <a:r>
+              <a:rPr lang="zh-CN" altLang="en-US" dirty="0"/>
+              <a:t>正在开发中</a:t>
+            </a:r>
+            <a:r>
+              <a:rPr lang="en-US" altLang="zh-CN" dirty="0"/>
+              <a:t>…</a:t>
+            </a:r>
+            <a:r>
+              <a:rPr lang="zh-CN" altLang="en-US" dirty="0"/>
+              <a:t>）</a:t>
             </a:r>
             <a:endParaRPr lang="en-US" altLang="zh-CN" dirty="0"/>
           </a:p>
           <a:p>
             <a:r>
               <a:rPr lang="zh-CN" altLang="en-US" dirty="0"/>
-              <a:t>若上面查询返回数据为空，则使用下面查询得到该公司所有员工的相同信息并增加</a:t>
-            </a:r>
-            <a:r>
-              <a:rPr lang="en-US" altLang="zh-CN" dirty="0" err="1"/>
-              <a:t>payrollstatus</a:t>
-            </a:r>
-            <a:r>
-              <a:rPr lang="zh-CN" altLang="en-US" dirty="0"/>
-              <a:t>列并显示初始状态 </a:t>
-            </a:r>
-            <a:r>
-              <a:rPr lang="en-US" altLang="zh-CN" dirty="0"/>
-              <a:t>Initial</a:t>
+              <a:t>页操作按钮：</a:t>
             </a:r>
             <a:br>
               <a:rPr lang="en-US" altLang="zh-CN" dirty="0"/>
             </a:br>
             <a:r>
               <a:rPr lang="en-US" altLang="zh-CN" dirty="0"/>
-              <a:t>/p/</a:t>
-            </a:r>
-            <a:r>
-              <a:rPr lang="en-US" altLang="zh-CN" dirty="0" err="1"/>
-              <a:t>select?c</a:t>
-            </a:r>
-            <a:r>
-              <a:rPr lang="en-US" altLang="zh-CN" dirty="0"/>
-              <a:t>= </a:t>
-            </a:r>
-            <a:r>
-              <a:rPr lang="en-US" altLang="zh-CN" dirty="0" err="1"/>
-              <a:t>employee.empcode,employee.fullchinesename&amp;w</a:t>
-            </a:r>
-            <a:r>
-              <a:rPr lang="en-US" altLang="zh-CN" dirty="0"/>
-              <a:t>=employee.companycode%20LK%20</a:t>
-            </a:r>
-            <a:r>
-              <a:rPr lang="en-US" altLang="zh-CN" dirty="0">
-                <a:solidFill>
-                  <a:schemeClr val="accent5">
-                    <a:lumMod val="75000"/>
-                  </a:schemeClr>
-                </a:solidFill>
-              </a:rPr>
-              <a:t>Ltd</a:t>
-            </a:r>
-          </a:p>
-          <a:p>
-            <a:r>
-              <a:rPr lang="zh-CN" altLang="en-US" dirty="0"/>
-              <a:t>行操作按钮</a:t>
-            </a:r>
-            <a:br>
-              <a:rPr lang="en-US" altLang="zh-CN" dirty="0"/>
-            </a:br>
-            <a:r>
-              <a:rPr lang="en-US" altLang="zh-CN" dirty="0"/>
-              <a:t>Start: </a:t>
-            </a:r>
-            <a:r>
-              <a:rPr lang="zh-CN" altLang="en-US" dirty="0"/>
-              <a:t>调用 </a:t>
-            </a:r>
-            <a:r>
-              <a:rPr lang="en-US" altLang="zh-CN" dirty="0" err="1"/>
-              <a:t>CalcTrans</a:t>
-            </a:r>
-            <a:r>
-              <a:rPr lang="en-US" altLang="zh-CN" dirty="0"/>
-              <a:t> API</a:t>
-            </a:r>
-            <a:r>
-              <a:rPr lang="zh-CN" altLang="en-US" dirty="0"/>
-              <a:t>并设置状态为</a:t>
-            </a:r>
-            <a:r>
-              <a:rPr lang="en-US" altLang="zh-CN" dirty="0"/>
-              <a:t>In Progress</a:t>
-            </a:r>
-            <a:r>
-              <a:rPr lang="zh-CN" altLang="en-US" dirty="0"/>
-              <a:t>直到</a:t>
-            </a:r>
-            <a:r>
-              <a:rPr lang="en-US" altLang="zh-CN" dirty="0" err="1"/>
-              <a:t>CalcTrans</a:t>
-            </a:r>
-            <a:r>
-              <a:rPr lang="zh-CN" altLang="en-US" dirty="0"/>
-              <a:t>返回结果后设为</a:t>
-            </a:r>
-            <a:r>
-              <a:rPr lang="en-US" altLang="zh-CN" dirty="0"/>
-              <a:t>Preview</a:t>
-            </a:r>
-            <a:r>
-              <a:rPr lang="zh-CN" altLang="en-US" dirty="0"/>
-              <a:t>状态，若任意</a:t>
+              <a:t>Add: </a:t>
+            </a:r>
+            <a:r>
+              <a:rPr lang="zh-CN" altLang="en-US" dirty="0"/>
+              <a:t>添加新</a:t>
+            </a:r>
+            <a:r>
+              <a:rPr lang="en-US" altLang="zh-CN" dirty="0"/>
+              <a:t>Period</a:t>
+            </a:r>
+            <a:r>
+              <a:rPr lang="zh-CN" altLang="en-US" dirty="0"/>
+              <a:t>（弹出</a:t>
+            </a:r>
+            <a:r>
+              <a:rPr lang="en-US" altLang="zh-CN" dirty="0"/>
+              <a:t>Popup / </a:t>
+            </a:r>
+            <a:r>
+              <a:rPr lang="zh-CN" altLang="en-US" dirty="0"/>
+              <a:t>新窗口</a:t>
+            </a:r>
+            <a:r>
+              <a:rPr lang="en-US" altLang="zh-CN" dirty="0"/>
+              <a:t>, </a:t>
+            </a:r>
+            <a:r>
+              <a:rPr lang="zh-CN" altLang="en-US" dirty="0"/>
+              <a:t>保存</a:t>
             </a:r>
             <a:r>
               <a:rPr lang="en-US" altLang="zh-CN" dirty="0"/>
@@ -7713,211 +7521,7 @@
             </a:r>
             <a:r>
               <a:rPr lang="zh-CN" altLang="en-US" dirty="0"/>
-              <a:t>返回</a:t>
-            </a:r>
-            <a:r>
-              <a:rPr lang="en-US" altLang="zh-CN" dirty="0"/>
-              <a:t>Code</a:t>
-            </a:r>
-            <a:r>
-              <a:rPr lang="zh-CN" altLang="en-US" dirty="0"/>
-              <a:t>不为</a:t>
-            </a:r>
-            <a:r>
-              <a:rPr lang="en-US" altLang="zh-CN" dirty="0"/>
-              <a:t>0</a:t>
-            </a:r>
-            <a:r>
-              <a:rPr lang="zh-CN" altLang="en-US" dirty="0"/>
-              <a:t>，显示</a:t>
-            </a:r>
-            <a:r>
-              <a:rPr lang="en-US" altLang="zh-CN" dirty="0"/>
-              <a:t>	</a:t>
-            </a:r>
-            <a:r>
-              <a:rPr lang="zh-CN" altLang="en-US" dirty="0"/>
-              <a:t>状态</a:t>
-            </a:r>
-            <a:r>
-              <a:rPr lang="en-US" altLang="zh-CN" dirty="0"/>
-              <a:t>Error</a:t>
-            </a:r>
-            <a:r>
-              <a:rPr lang="zh-CN" altLang="en-US" dirty="0"/>
-              <a:t>（用户单击</a:t>
-            </a:r>
-            <a:r>
-              <a:rPr lang="en-US" altLang="zh-CN" dirty="0"/>
-              <a:t>Error</a:t>
-            </a:r>
-            <a:r>
-              <a:rPr lang="zh-CN" altLang="en-US" dirty="0"/>
-              <a:t>能看到服务器返回的错误信息）用户再次单击</a:t>
-            </a:r>
-            <a:r>
-              <a:rPr lang="en-US" altLang="zh-CN" dirty="0"/>
-              <a:t>Start</a:t>
-            </a:r>
-            <a:r>
-              <a:rPr lang="zh-CN" altLang="en-US" dirty="0"/>
-              <a:t>则重新开始该用户的计算</a:t>
-            </a:r>
-            <a:br>
-              <a:rPr lang="en-US" altLang="zh-CN" dirty="0"/>
-            </a:br>
-            <a:r>
-              <a:rPr lang="en-US" altLang="zh-CN" dirty="0"/>
-              <a:t>Report: </a:t>
-            </a:r>
-            <a:r>
-              <a:rPr lang="zh-CN" altLang="en-US" dirty="0"/>
-              <a:t>只在</a:t>
-            </a:r>
-            <a:r>
-              <a:rPr lang="en-US" altLang="zh-CN" dirty="0"/>
-              <a:t>Committed</a:t>
-            </a:r>
-            <a:r>
-              <a:rPr lang="zh-CN" altLang="en-US" dirty="0"/>
-              <a:t>状态时显示，跳转报表详情页面</a:t>
-            </a:r>
-            <a:endParaRPr lang="en-US" altLang="zh-CN" dirty="0"/>
-          </a:p>
-          <a:p>
-            <a:r>
-              <a:rPr lang="zh-CN" altLang="en-US" dirty="0"/>
-              <a:t>页操作按钮</a:t>
-            </a:r>
-            <a:br>
-              <a:rPr lang="en-US" altLang="zh-CN" dirty="0"/>
-            </a:br>
-            <a:r>
-              <a:rPr lang="en-US" altLang="zh-CN" dirty="0"/>
-              <a:t>Start All: </a:t>
-            </a:r>
-            <a:r>
-              <a:rPr lang="zh-CN" altLang="en-US" dirty="0"/>
-              <a:t>循环遍历每一个员工依次调用 </a:t>
-            </a:r>
-            <a:r>
-              <a:rPr lang="en-US" altLang="zh-CN" dirty="0" err="1"/>
-              <a:t>CalcTrans</a:t>
-            </a:r>
-            <a:r>
-              <a:rPr lang="zh-CN" altLang="en-US" dirty="0"/>
-              <a:t>（单击完后隐藏，显示</a:t>
-            </a:r>
-            <a:r>
-              <a:rPr lang="en-US" altLang="zh-CN" dirty="0"/>
-              <a:t>Stop All</a:t>
-            </a:r>
-            <a:r>
-              <a:rPr lang="zh-CN" altLang="en-US" dirty="0"/>
-              <a:t>）</a:t>
-            </a:r>
-            <a:br>
-              <a:rPr lang="en-US" altLang="zh-CN" dirty="0"/>
-            </a:br>
-            <a:r>
-              <a:rPr lang="en-US" altLang="zh-CN" dirty="0"/>
-              <a:t>	</a:t>
-            </a:r>
-            <a:r>
-              <a:rPr lang="zh-CN" altLang="en-US" dirty="0"/>
-              <a:t>若某员工计算出错（状态为</a:t>
-            </a:r>
-            <a:r>
-              <a:rPr lang="en-US" altLang="zh-CN" dirty="0"/>
-              <a:t>Error</a:t>
-            </a:r>
-            <a:r>
-              <a:rPr lang="zh-CN" altLang="en-US" dirty="0"/>
-              <a:t>），不影响其他员工计算，循环继续</a:t>
-            </a:r>
-            <a:br>
-              <a:rPr lang="en-US" altLang="zh-CN" dirty="0"/>
-            </a:br>
-            <a:r>
-              <a:rPr lang="en-US" altLang="zh-CN" dirty="0"/>
-              <a:t>	</a:t>
-            </a:r>
-            <a:r>
-              <a:rPr lang="zh-CN" altLang="en-US" dirty="0"/>
-              <a:t>若所有员工</a:t>
-            </a:r>
-            <a:br>
-              <a:rPr lang="en-US" altLang="zh-CN" dirty="0"/>
-            </a:br>
-            <a:r>
-              <a:rPr lang="en-US" altLang="zh-CN" dirty="0"/>
-              <a:t>Stop All: </a:t>
-            </a:r>
-            <a:r>
-              <a:rPr lang="zh-CN" altLang="en-US" dirty="0"/>
-              <a:t>当前员工计算完成后终止循环（单击后隐藏，显示</a:t>
-            </a:r>
-            <a:r>
-              <a:rPr lang="en-US" altLang="zh-CN" dirty="0"/>
-              <a:t>Start All</a:t>
-            </a:r>
-            <a:r>
-              <a:rPr lang="zh-CN" altLang="en-US" dirty="0"/>
-              <a:t>）</a:t>
-            </a:r>
-            <a:br>
-              <a:rPr lang="en-US" altLang="zh-CN" dirty="0"/>
-            </a:br>
-            <a:r>
-              <a:rPr lang="en-US" altLang="zh-CN" dirty="0"/>
-              <a:t>Preview: </a:t>
-            </a:r>
-            <a:r>
-              <a:rPr lang="zh-CN" altLang="en-US" dirty="0"/>
-              <a:t>所有员工状态为</a:t>
-            </a:r>
-            <a:r>
-              <a:rPr lang="en-US" altLang="zh-CN" dirty="0"/>
-              <a:t>Preview</a:t>
-            </a:r>
-            <a:r>
-              <a:rPr lang="zh-CN" altLang="en-US" dirty="0"/>
-              <a:t>或</a:t>
-            </a:r>
-            <a:r>
-              <a:rPr lang="en-US" altLang="zh-CN" dirty="0"/>
-              <a:t>Committed</a:t>
-            </a:r>
-            <a:r>
-              <a:rPr lang="zh-CN" altLang="en-US" dirty="0"/>
-              <a:t>时显示，跳转</a:t>
-            </a:r>
-            <a:r>
-              <a:rPr lang="en-US" altLang="zh-CN" dirty="0"/>
-              <a:t>Step 3</a:t>
-            </a:r>
-            <a:r>
-              <a:rPr lang="zh-CN" altLang="en-US" dirty="0"/>
-              <a:t>准备生成报表</a:t>
-            </a:r>
-            <a:br>
-              <a:rPr lang="en-US" altLang="zh-CN" dirty="0"/>
-            </a:br>
-            <a:r>
-              <a:rPr lang="en-US" altLang="zh-CN" dirty="0"/>
-              <a:t>View Report: </a:t>
-            </a:r>
-            <a:r>
-              <a:rPr lang="zh-CN" altLang="en-US" dirty="0"/>
-              <a:t>所有员工状态为</a:t>
-            </a:r>
-            <a:r>
-              <a:rPr lang="en-US" altLang="zh-CN" dirty="0"/>
-              <a:t>Committed</a:t>
-            </a:r>
-            <a:r>
-              <a:rPr lang="zh-CN" altLang="en-US" dirty="0"/>
-              <a:t>时显示，跳转报表详情页</a:t>
+              <a:t>正在开发中）</a:t>
             </a:r>
             <a:endParaRPr lang="en-US" altLang="zh-CN" dirty="0"/>
           </a:p>
@@ -7926,7 +7530,7 @@
     </p:spTree>
     <p:extLst>
       <p:ext uri="{BB962C8B-B14F-4D97-AF65-F5344CB8AC3E}">
-        <p14:creationId xmlns:p14="http://schemas.microsoft.com/office/powerpoint/2010/main" val="1889258840"/>
+        <p14:creationId xmlns:p14="http://schemas.microsoft.com/office/powerpoint/2010/main" val="2896626945"/>
       </p:ext>
     </p:extLst>
   </p:cSld>
@@ -7987,11 +7591,11 @@
             </a:br>
             <a:r>
               <a:rPr lang="en-US" altLang="zh-CN" dirty="0"/>
-              <a:t>Step 3 – Preview</a:t>
-            </a:r>
-            <a:r>
-              <a:rPr lang="zh-CN" altLang="en-US" dirty="0"/>
-              <a:t>预览</a:t>
+              <a:t>Step 2 – transaction</a:t>
+            </a:r>
+            <a:r>
+              <a:rPr lang="zh-CN" altLang="en-US" dirty="0"/>
+              <a:t>事务</a:t>
             </a:r>
             <a:endParaRPr lang="en-US" dirty="0"/>
           </a:p>
@@ -8021,11 +7625,85 @@
         </p:spPr>
         <p:txBody>
           <a:bodyPr>
-            <a:normAutofit fontScale="92500" lnSpcReduction="20000"/>
+            <a:normAutofit fontScale="70000" lnSpcReduction="20000"/>
           </a:bodyPr>
           <a:lstStyle/>
           <a:p>
             <a:r>
+              <a:rPr lang="en-US" altLang="zh-CN" dirty="0" err="1"/>
+              <a:t>PayrollStatus</a:t>
+            </a:r>
+            <a:br>
+              <a:rPr lang="en-US" altLang="zh-CN" dirty="0"/>
+            </a:br>
+            <a:r>
+              <a:rPr lang="en-US" altLang="zh-CN" dirty="0"/>
+              <a:t>0: Initial</a:t>
+            </a:r>
+            <a:br>
+              <a:rPr lang="en-US" altLang="zh-CN" dirty="0"/>
+            </a:br>
+            <a:r>
+              <a:rPr lang="en-US" altLang="zh-CN" dirty="0"/>
+              <a:t>1: Preview</a:t>
+            </a:r>
+            <a:br>
+              <a:rPr lang="en-US" altLang="zh-CN" dirty="0"/>
+            </a:br>
+            <a:r>
+              <a:rPr lang="en-US" altLang="zh-CN" dirty="0"/>
+              <a:t>2: Committed</a:t>
+            </a:r>
+            <a:br>
+              <a:rPr lang="en-US" altLang="zh-CN" dirty="0"/>
+            </a:br>
+            <a:r>
+              <a:rPr lang="en-US" altLang="zh-CN" dirty="0"/>
+              <a:t>3: Error</a:t>
+            </a:r>
+            <a:br>
+              <a:rPr lang="en-US" altLang="zh-CN" dirty="0"/>
+            </a:br>
+            <a:r>
+              <a:rPr lang="zh-CN" altLang="en-US" dirty="0"/>
+              <a:t>（若发现同一个</a:t>
+            </a:r>
+            <a:r>
+              <a:rPr lang="en-US" altLang="zh-CN" dirty="0" err="1"/>
+              <a:t>EmpCode</a:t>
+            </a:r>
+            <a:r>
+              <a:rPr lang="zh-CN" altLang="en-US" dirty="0"/>
+              <a:t>对应多条</a:t>
+            </a:r>
+            <a:r>
+              <a:rPr lang="en-US" altLang="zh-CN" dirty="0" err="1"/>
+              <a:t>PayrollStatus</a:t>
+            </a:r>
+            <a:r>
+              <a:rPr lang="zh-CN" altLang="en-US" dirty="0"/>
+              <a:t>，取第一条记录并且将该条记录</a:t>
+            </a:r>
+            <a:r>
+              <a:rPr lang="en-US" altLang="zh-CN" dirty="0" err="1"/>
+              <a:t>PayrollStatus</a:t>
+            </a:r>
+            <a:r>
+              <a:rPr lang="zh-CN" altLang="en-US" dirty="0"/>
+              <a:t>设为</a:t>
+            </a:r>
+            <a:r>
+              <a:rPr lang="en-US" altLang="zh-CN" dirty="0"/>
+              <a:t>Error</a:t>
+            </a:r>
+            <a:r>
+              <a:rPr lang="zh-CN" altLang="en-US" dirty="0"/>
+              <a:t>）</a:t>
+            </a:r>
+            <a:endParaRPr lang="en-US" altLang="zh-CN" dirty="0"/>
+          </a:p>
+          <a:p>
+            <a:r>
               <a:rPr lang="zh-CN" altLang="en-US" dirty="0"/>
               <a:t>列出该公司该</a:t>
             </a:r>
@@ -8037,6 +7715,73 @@
               <a:rPr lang="zh-CN" altLang="en-US" dirty="0"/>
               <a:t>内所有员工</a:t>
             </a:r>
+            <a:r>
+              <a:rPr lang="en-US" altLang="zh-CN" dirty="0"/>
+              <a:t>/p/</a:t>
+            </a:r>
+            <a:r>
+              <a:rPr lang="en-US" altLang="zh-CN" dirty="0" err="1"/>
+              <a:t>select?c</a:t>
+            </a:r>
+            <a:r>
+              <a:rPr lang="en-US" altLang="zh-CN" dirty="0"/>
+              <a:t>=payrolltrans.empcode,employee.fullchinesename,payrolltrans.payrollstatus,employee.companycode,payrolltrans.periodcode&amp;g=payrolltrans.payrollstatus,payrolltrans.empcode,employee.fullchinesename,employee.companycode,payrolltrans.periodcode&amp;w=</a:t>
+            </a:r>
+            <a:r>
+              <a:rPr lang="en-US" altLang="zh-CN" dirty="0" err="1"/>
+              <a:t>employee.companycode</a:t>
+            </a:r>
+            <a:r>
+              <a:rPr lang="en-US" altLang="zh-CN" dirty="0"/>
+              <a:t> LK </a:t>
+            </a:r>
+            <a:r>
+              <a:rPr lang="en-US" altLang="zh-CN" dirty="0" err="1">
+                <a:solidFill>
+                  <a:schemeClr val="accent5">
+                    <a:lumMod val="75000"/>
+                  </a:schemeClr>
+                </a:solidFill>
+              </a:rPr>
+              <a:t>TFHK</a:t>
+            </a:r>
+            <a:r>
+              <a:rPr lang="en-US" altLang="zh-CN" dirty="0" err="1"/>
+              <a:t>,payrolltrans.periodcode</a:t>
+            </a:r>
+            <a:r>
+              <a:rPr lang="en-US" altLang="zh-CN" dirty="0"/>
+              <a:t> LK </a:t>
+            </a:r>
+            <a:r>
+              <a:rPr lang="en-US" altLang="zh-CN" dirty="0">
+                <a:solidFill>
+                  <a:schemeClr val="accent5">
+                    <a:lumMod val="75000"/>
+                  </a:schemeClr>
+                </a:solidFill>
+              </a:rPr>
+              <a:t>ltdpd1</a:t>
+            </a:r>
+            <a:endParaRPr lang="en-US" altLang="zh-CN" dirty="0"/>
+          </a:p>
+          <a:p>
+            <a:r>
+              <a:rPr lang="zh-CN" altLang="en-US" dirty="0"/>
+              <a:t>若上面查询返回数据为空，则使用下面查询得到该公司所有员工的相同信息并增加</a:t>
+            </a:r>
+            <a:r>
+              <a:rPr lang="en-US" altLang="zh-CN" dirty="0" err="1"/>
+              <a:t>payrollstatus</a:t>
+            </a:r>
+            <a:r>
+              <a:rPr lang="zh-CN" altLang="en-US" dirty="0"/>
+              <a:t>列并显示初始状态 </a:t>
+            </a:r>
+            <a:r>
+              <a:rPr lang="en-US" altLang="zh-CN" dirty="0"/>
+              <a:t>Initial</a:t>
+            </a:r>
             <a:br>
               <a:rPr lang="en-US" altLang="zh-CN" dirty="0"/>
             </a:br>
@@ -8046,112 +7791,251 @@
             </a:r>
             <a:r>
               <a:rPr lang="en-US" altLang="zh-CN" dirty="0" err="1"/>
-              <a:t>preview?periodcode</a:t>
-            </a:r>
-            <a:r>
-              <a:rPr lang="en-US" altLang="zh-CN" dirty="0"/>
-              <a:t>=[</a:t>
-            </a:r>
-            <a:r>
-              <a:rPr lang="zh-CN" altLang="en-US" dirty="0"/>
-              <a:t>区间</a:t>
-            </a:r>
-            <a:r>
-              <a:rPr lang="en-US" altLang="zh-CN" dirty="0"/>
-              <a:t>]&amp;</a:t>
+              <a:t>select?c</a:t>
+            </a:r>
+            <a:r>
+              <a:rPr lang="en-US" altLang="zh-CN" dirty="0"/>
+              <a:t>= </a:t>
             </a:r>
             <a:r>
               <a:rPr lang="en-US" altLang="zh-CN" dirty="0" err="1"/>
-              <a:t>companycode</a:t>
-            </a:r>
-            <a:r>
-              <a:rPr lang="en-US" altLang="zh-CN" dirty="0"/>
-              <a:t>=[</a:t>
-            </a:r>
-            <a:r>
-              <a:rPr lang="zh-CN" altLang="en-US" dirty="0"/>
-              <a:t>公司</a:t>
-            </a:r>
-            <a:r>
-              <a:rPr lang="en-US" altLang="zh-CN" dirty="0"/>
-              <a:t>]&amp;</a:t>
+              <a:t>employee.empcode,employee.fullchinesename&amp;w</a:t>
+            </a:r>
+            <a:r>
+              <a:rPr lang="en-US" altLang="zh-CN" dirty="0"/>
+              <a:t>=employee.companycode%20LK%20</a:t>
+            </a:r>
+            <a:r>
+              <a:rPr lang="en-US" altLang="zh-CN" dirty="0">
+                <a:solidFill>
+                  <a:schemeClr val="accent5">
+                    <a:lumMod val="75000"/>
+                  </a:schemeClr>
+                </a:solidFill>
+              </a:rPr>
+              <a:t>Ltd</a:t>
+            </a:r>
+          </a:p>
+          <a:p>
+            <a:r>
+              <a:rPr lang="zh-CN" altLang="en-US" dirty="0"/>
+              <a:t>行操作按钮</a:t>
+            </a:r>
+            <a:br>
+              <a:rPr lang="en-US" altLang="zh-CN" dirty="0"/>
+            </a:br>
+            <a:r>
+              <a:rPr lang="en-US" altLang="zh-CN" dirty="0"/>
+              <a:t>Start: </a:t>
+            </a:r>
+            <a:r>
+              <a:rPr lang="zh-CN" altLang="en-US" dirty="0"/>
+              <a:t>调用 </a:t>
             </a:r>
             <a:r>
               <a:rPr lang="en-US" altLang="zh-CN" dirty="0" err="1"/>
-              <a:t>empcode</a:t>
-            </a:r>
-            <a:r>
-              <a:rPr lang="en-US" altLang="zh-CN" dirty="0"/>
-              <a:t>=[</a:t>
-            </a:r>
-            <a:r>
-              <a:rPr lang="zh-CN" altLang="en-US" dirty="0"/>
-              <a:t>员工（可选参数</a:t>
-            </a:r>
-            <a:r>
-              <a:rPr lang="en-US" altLang="zh-CN" dirty="0"/>
-              <a:t>,</a:t>
-            </a:r>
-            <a:r>
-              <a:rPr lang="zh-CN" altLang="en-US" dirty="0"/>
-              <a:t>逗号分隔）</a:t>
-            </a:r>
-            <a:r>
-              <a:rPr lang="en-US" altLang="zh-CN" dirty="0"/>
-              <a:t>]</a:t>
-            </a:r>
-            <a:endParaRPr lang="en-US" altLang="zh-CN" b="1" dirty="0">
-              <a:solidFill>
-                <a:srgbClr val="FF0000"/>
-              </a:solidFill>
-            </a:endParaRPr>
-          </a:p>
-          <a:p>
-            <a:r>
-              <a:rPr lang="zh-CN" altLang="en-US" dirty="0"/>
-              <a:t>若上面查询返回数据为空，提示错误信息：</a:t>
-            </a:r>
-            <a:r>
-              <a:rPr lang="en-US" altLang="zh-CN" dirty="0"/>
-              <a:t>Invalid transaction status, cannot generate report.</a:t>
+              <a:t>CalcTrans</a:t>
+            </a:r>
+            <a:r>
+              <a:rPr lang="en-US" altLang="zh-CN" dirty="0"/>
+              <a:t> API</a:t>
+            </a:r>
+            <a:r>
+              <a:rPr lang="zh-CN" altLang="en-US" dirty="0"/>
+              <a:t>并设置状态为</a:t>
+            </a:r>
+            <a:r>
+              <a:rPr lang="en-US" altLang="zh-CN" dirty="0"/>
+              <a:t>In Progress</a:t>
+            </a:r>
+            <a:r>
+              <a:rPr lang="zh-CN" altLang="en-US" dirty="0"/>
+              <a:t>直到</a:t>
+            </a:r>
+            <a:r>
+              <a:rPr lang="en-US" altLang="zh-CN" dirty="0" err="1"/>
+              <a:t>CalcTrans</a:t>
+            </a:r>
+            <a:r>
+              <a:rPr lang="zh-CN" altLang="en-US" dirty="0"/>
+              <a:t>返回结果后设为</a:t>
+            </a:r>
+            <a:r>
+              <a:rPr lang="en-US" altLang="zh-CN" dirty="0"/>
+              <a:t>Preview</a:t>
+            </a:r>
+            <a:r>
+              <a:rPr lang="zh-CN" altLang="en-US" dirty="0"/>
+              <a:t>状态，若任意</a:t>
+            </a:r>
+            <a:r>
+              <a:rPr lang="en-US" altLang="zh-CN" dirty="0"/>
+              <a:t>API</a:t>
+            </a:r>
+            <a:r>
+              <a:rPr lang="zh-CN" altLang="en-US" dirty="0"/>
+              <a:t>返回</a:t>
+            </a:r>
+            <a:r>
+              <a:rPr lang="en-US" altLang="zh-CN" dirty="0"/>
+              <a:t>Code</a:t>
+            </a:r>
+            <a:r>
+              <a:rPr lang="zh-CN" altLang="en-US" dirty="0"/>
+              <a:t>不为</a:t>
+            </a:r>
+            <a:r>
+              <a:rPr lang="en-US" altLang="zh-CN" dirty="0"/>
+              <a:t>0</a:t>
+            </a:r>
+            <a:r>
+              <a:rPr lang="zh-CN" altLang="en-US" dirty="0"/>
+              <a:t>，显示</a:t>
+            </a:r>
+            <a:r>
+              <a:rPr lang="en-US" altLang="zh-CN" dirty="0"/>
+              <a:t>	</a:t>
+            </a:r>
+            <a:r>
+              <a:rPr lang="zh-CN" altLang="en-US" dirty="0"/>
+              <a:t>状态</a:t>
+            </a:r>
+            <a:r>
+              <a:rPr lang="en-US" altLang="zh-CN" dirty="0"/>
+              <a:t>Error</a:t>
+            </a:r>
+            <a:r>
+              <a:rPr lang="zh-CN" altLang="en-US" dirty="0"/>
+              <a:t>（用户单击</a:t>
+            </a:r>
+            <a:r>
+              <a:rPr lang="en-US" altLang="zh-CN" dirty="0"/>
+              <a:t>Error</a:t>
+            </a:r>
+            <a:r>
+              <a:rPr lang="zh-CN" altLang="en-US" dirty="0"/>
+              <a:t>能看到服务器返回的错误信息）用户再次单击</a:t>
+            </a:r>
+            <a:r>
+              <a:rPr lang="en-US" altLang="zh-CN" dirty="0"/>
+              <a:t>Start</a:t>
+            </a:r>
+            <a:r>
+              <a:rPr lang="zh-CN" altLang="en-US" dirty="0"/>
+              <a:t>则重新开始该用户的计算</a:t>
             </a:r>
             <a:br>
               <a:rPr lang="en-US" altLang="zh-CN" dirty="0"/>
             </a:br>
             <a:r>
-              <a:rPr lang="zh-CN" altLang="en-US" dirty="0"/>
-              <a:t>并显示按钮</a:t>
-            </a:r>
-            <a:r>
-              <a:rPr lang="en-US" altLang="zh-CN" dirty="0"/>
-              <a:t>Go Back</a:t>
-            </a:r>
-            <a:r>
-              <a:rPr lang="zh-CN" altLang="en-US" dirty="0"/>
-              <a:t>单击后跳转</a:t>
-            </a:r>
-            <a:r>
-              <a:rPr lang="en-US" altLang="zh-CN" dirty="0"/>
-              <a:t>Step 2</a:t>
-            </a:r>
-            <a:r>
-              <a:rPr lang="zh-CN" altLang="en-US" dirty="0"/>
-              <a:t>重新计算</a:t>
-            </a:r>
-            <a:r>
-              <a:rPr lang="en-US" altLang="zh-CN" dirty="0"/>
-              <a:t>Transaction</a:t>
+              <a:rPr lang="en-US" altLang="zh-CN" dirty="0"/>
+              <a:t>Report: </a:t>
+            </a:r>
+            <a:r>
+              <a:rPr lang="zh-CN" altLang="en-US" dirty="0"/>
+              <a:t>只在</a:t>
+            </a:r>
+            <a:r>
+              <a:rPr lang="en-US" altLang="zh-CN" dirty="0"/>
+              <a:t>Committed</a:t>
+            </a:r>
+            <a:r>
+              <a:rPr lang="zh-CN" altLang="en-US" dirty="0"/>
+              <a:t>状态时显示，跳转报表详情页面</a:t>
+            </a:r>
+            <a:endParaRPr lang="en-US" altLang="zh-CN" dirty="0"/>
+          </a:p>
+          <a:p>
+            <a:r>
+              <a:rPr lang="zh-CN" altLang="en-US" dirty="0"/>
+              <a:t>页操作按钮</a:t>
             </a:r>
             <a:br>
               <a:rPr lang="en-US" altLang="zh-CN" dirty="0"/>
             </a:br>
             <a:r>
               <a:rPr lang="en-US" altLang="zh-CN" dirty="0"/>
-              <a:t>/p/preview API</a:t>
-            </a:r>
-            <a:r>
-              <a:rPr lang="zh-CN" altLang="en-US" dirty="0"/>
-              <a:t>只返回</a:t>
+              <a:t>Start All: </a:t>
+            </a:r>
+            <a:r>
+              <a:rPr lang="zh-CN" altLang="en-US" dirty="0"/>
+              <a:t>循环遍历每一个员工依次调用 </a:t>
+            </a:r>
+            <a:r>
+              <a:rPr lang="en-US" altLang="zh-CN" dirty="0" err="1"/>
+              <a:t>CalcTrans</a:t>
+            </a:r>
+            <a:r>
+              <a:rPr lang="zh-CN" altLang="en-US" dirty="0"/>
+              <a:t>（单击完后隐藏，显示</a:t>
+            </a:r>
+            <a:r>
+              <a:rPr lang="en-US" altLang="zh-CN" dirty="0"/>
+              <a:t>Stop All</a:t>
+            </a:r>
+            <a:r>
+              <a:rPr lang="zh-CN" altLang="en-US" dirty="0"/>
+              <a:t>）</a:t>
+            </a:r>
+            <a:br>
+              <a:rPr lang="en-US" altLang="zh-CN" dirty="0"/>
+            </a:br>
+            <a:r>
+              <a:rPr lang="en-US" altLang="zh-CN" dirty="0"/>
+              <a:t>	</a:t>
+            </a:r>
+            <a:r>
+              <a:rPr lang="zh-CN" altLang="en-US" dirty="0"/>
+              <a:t>若某员工计算出错（状态为</a:t>
+            </a:r>
+            <a:r>
+              <a:rPr lang="en-US" altLang="zh-CN" dirty="0"/>
+              <a:t>Error</a:t>
+            </a:r>
+            <a:r>
+              <a:rPr lang="zh-CN" altLang="en-US" dirty="0"/>
+              <a:t>），不影响其他员工计算，循环继续</a:t>
+            </a:r>
+            <a:br>
+              <a:rPr lang="en-US" altLang="zh-CN" dirty="0"/>
+            </a:br>
+            <a:r>
+              <a:rPr lang="en-US" altLang="zh-CN" dirty="0"/>
+              <a:t>	</a:t>
+            </a:r>
+            <a:r>
+              <a:rPr lang="zh-CN" altLang="en-US" dirty="0"/>
+              <a:t>若所有员工</a:t>
+            </a:r>
+            <a:br>
+              <a:rPr lang="en-US" altLang="zh-CN" dirty="0"/>
+            </a:br>
+            <a:r>
+              <a:rPr lang="en-US" altLang="zh-CN" dirty="0"/>
+              <a:t>Stop All: </a:t>
+            </a:r>
+            <a:r>
+              <a:rPr lang="zh-CN" altLang="en-US" dirty="0"/>
+              <a:t>当前员工计算完成后终止循环（单击后隐藏，显示</a:t>
+            </a:r>
+            <a:r>
+              <a:rPr lang="en-US" altLang="zh-CN" dirty="0"/>
+              <a:t>Start All</a:t>
+            </a:r>
+            <a:r>
+              <a:rPr lang="zh-CN" altLang="en-US" dirty="0"/>
+              <a:t>）</a:t>
+            </a:r>
+            <a:br>
+              <a:rPr lang="en-US" altLang="zh-CN" dirty="0"/>
+            </a:br>
+            <a:r>
+              <a:rPr lang="en-US" altLang="zh-CN" dirty="0"/>
+              <a:t>Preview: </a:t>
+            </a:r>
+            <a:r>
+              <a:rPr lang="zh-CN" altLang="en-US" dirty="0"/>
+              <a:t>所有员工状态为</a:t>
             </a:r>
             <a:r>
               <a:rPr lang="en-US" altLang="zh-CN" dirty="0"/>
@@ -8159,262 +8043,42 @@
             </a:r>
             <a:r>
               <a:rPr lang="zh-CN" altLang="en-US" dirty="0"/>
-              <a:t>状态的员工的数据，</a:t>
-            </a:r>
-            <a:r>
-              <a:rPr lang="en-US" altLang="zh-CN" dirty="0"/>
-              <a:t>committed</a:t>
-            </a:r>
-            <a:r>
-              <a:rPr lang="zh-CN" altLang="en-US" dirty="0"/>
-              <a:t>状态的员工不返回</a:t>
-            </a:r>
-            <a:endParaRPr lang="en-US" altLang="zh-CN" dirty="0">
-              <a:solidFill>
-                <a:schemeClr val="accent5">
-                  <a:lumMod val="75000"/>
-                </a:schemeClr>
-              </a:solidFill>
-            </a:endParaRPr>
-          </a:p>
-          <a:p>
-            <a:r>
-              <a:rPr lang="zh-CN" altLang="en-US" dirty="0"/>
-              <a:t>行操作按钮</a:t>
+              <a:t>或</a:t>
+            </a:r>
+            <a:r>
+              <a:rPr lang="en-US" altLang="zh-CN" dirty="0"/>
+              <a:t>Committed</a:t>
+            </a:r>
+            <a:r>
+              <a:rPr lang="zh-CN" altLang="en-US" dirty="0"/>
+              <a:t>时显示，跳转</a:t>
+            </a:r>
+            <a:r>
+              <a:rPr lang="en-US" altLang="zh-CN" dirty="0"/>
+              <a:t>Step 3</a:t>
+            </a:r>
+            <a:r>
+              <a:rPr lang="zh-CN" altLang="en-US" dirty="0"/>
+              <a:t>准备生成报表</a:t>
             </a:r>
             <a:br>
               <a:rPr lang="en-US" altLang="zh-CN" dirty="0"/>
             </a:br>
             <a:r>
               <a:rPr lang="en-US" altLang="zh-CN" dirty="0"/>
-              <a:t>Commit: </a:t>
-            </a:r>
-            <a:r>
-              <a:rPr lang="zh-CN" altLang="en-US" dirty="0"/>
-              <a:t>调用</a:t>
-            </a:r>
-            <a:r>
-              <a:rPr lang="en-US" altLang="zh-CN" dirty="0"/>
-              <a:t>Commit API</a:t>
-            </a:r>
-            <a:r>
-              <a:rPr lang="zh-CN" altLang="en-US" dirty="0"/>
-              <a:t>并设置状态为</a:t>
-            </a:r>
-            <a:r>
-              <a:rPr lang="en-US" altLang="zh-CN" dirty="0"/>
-              <a:t>In Progress</a:t>
-            </a:r>
-            <a:r>
-              <a:rPr lang="zh-CN" altLang="en-US" dirty="0"/>
-              <a:t>直到返回结果后设为</a:t>
+              <a:t>View Report: </a:t>
+            </a:r>
+            <a:r>
+              <a:rPr lang="zh-CN" altLang="en-US" dirty="0"/>
+              <a:t>所有员工状态为</a:t>
             </a:r>
             <a:r>
               <a:rPr lang="en-US" altLang="zh-CN" dirty="0"/>
               <a:t>Committed</a:t>
             </a:r>
-            <a:br>
-              <a:rPr lang="en-US" altLang="zh-CN" dirty="0"/>
-            </a:br>
-            <a:r>
-              <a:rPr lang="en-US" altLang="zh-CN" dirty="0"/>
-              <a:t>	</a:t>
-            </a:r>
-            <a:r>
-              <a:rPr lang="zh-CN" altLang="en-US" dirty="0"/>
-              <a:t>状态，若</a:t>
-            </a:r>
-            <a:r>
-              <a:rPr lang="en-US" altLang="zh-CN" dirty="0"/>
-              <a:t>API</a:t>
-            </a:r>
-            <a:r>
-              <a:rPr lang="zh-CN" altLang="en-US" dirty="0"/>
-              <a:t>返回出错，显示状态</a:t>
-            </a:r>
-            <a:r>
-              <a:rPr lang="en-US" altLang="zh-CN" dirty="0"/>
-              <a:t>Error</a:t>
-            </a:r>
-            <a:r>
-              <a:rPr lang="zh-CN" altLang="en-US" dirty="0"/>
-              <a:t>（用户单击</a:t>
-            </a:r>
-            <a:r>
-              <a:rPr lang="en-US" altLang="zh-CN" dirty="0"/>
-              <a:t>Error</a:t>
-            </a:r>
-            <a:r>
-              <a:rPr lang="zh-CN" altLang="en-US" dirty="0"/>
-              <a:t>能看到服务器返回的错误信息）</a:t>
-            </a:r>
-            <a:br>
-              <a:rPr lang="en-US" altLang="zh-CN" dirty="0"/>
-            </a:br>
-            <a:r>
-              <a:rPr lang="en-US" altLang="zh-CN" dirty="0"/>
-              <a:t>	</a:t>
-            </a:r>
-            <a:r>
-              <a:rPr lang="zh-CN" altLang="en-US" dirty="0"/>
-              <a:t>用户再次单击</a:t>
-            </a:r>
-            <a:r>
-              <a:rPr lang="en-US" altLang="zh-CN" dirty="0"/>
-              <a:t>Start</a:t>
-            </a:r>
-            <a:r>
-              <a:rPr lang="zh-CN" altLang="en-US" dirty="0"/>
-              <a:t>则重新开始生成该用户的报表 </a:t>
-            </a:r>
-            <a:br>
-              <a:rPr lang="en-US" altLang="zh-CN" dirty="0"/>
-            </a:br>
-            <a:r>
-              <a:rPr lang="en-US" altLang="zh-CN" dirty="0"/>
-              <a:t>	/p/</a:t>
-            </a:r>
-            <a:r>
-              <a:rPr lang="en-US" altLang="zh-CN" dirty="0" err="1"/>
-              <a:t>commit?periodcode</a:t>
-            </a:r>
-            <a:r>
-              <a:rPr lang="en-US" altLang="zh-CN" dirty="0"/>
-              <a:t>=[</a:t>
-            </a:r>
-            <a:r>
-              <a:rPr lang="zh-CN" altLang="en-US" dirty="0"/>
-              <a:t>区间</a:t>
-            </a:r>
-            <a:r>
-              <a:rPr lang="en-US" altLang="zh-CN" dirty="0"/>
-              <a:t>] &amp;</a:t>
-            </a:r>
-            <a:r>
-              <a:rPr lang="en-US" altLang="zh-CN" dirty="0" err="1"/>
-              <a:t>empcode</a:t>
-            </a:r>
-            <a:r>
-              <a:rPr lang="en-US" altLang="zh-CN" dirty="0"/>
-              <a:t>=[</a:t>
-            </a:r>
-            <a:r>
-              <a:rPr lang="zh-CN" altLang="en-US" dirty="0"/>
-              <a:t>员工</a:t>
-            </a:r>
-            <a:r>
-              <a:rPr lang="en-US" altLang="zh-CN" dirty="0"/>
-              <a:t>]</a:t>
-            </a:r>
-            <a:br>
-              <a:rPr lang="en-US" altLang="zh-CN" dirty="0"/>
-            </a:br>
-            <a:r>
-              <a:rPr lang="en-US" altLang="zh-CN" dirty="0"/>
-              <a:t>Report: </a:t>
-            </a:r>
-            <a:r>
-              <a:rPr lang="zh-CN" altLang="en-US" dirty="0"/>
-              <a:t>只在</a:t>
-            </a:r>
-            <a:r>
-              <a:rPr lang="en-US" altLang="zh-CN" dirty="0"/>
-              <a:t>Committed</a:t>
-            </a:r>
-            <a:r>
-              <a:rPr lang="zh-CN" altLang="en-US" dirty="0"/>
-              <a:t>状态时显示，跳转报表详情页面</a:t>
-            </a:r>
-            <a:endParaRPr lang="en-US" altLang="zh-CN" dirty="0"/>
-          </a:p>
-          <a:p>
-            <a:r>
-              <a:rPr lang="zh-CN" altLang="en-US" dirty="0"/>
-              <a:t>页操作按钮</a:t>
-            </a:r>
-            <a:br>
-              <a:rPr lang="en-US" altLang="zh-CN" dirty="0"/>
-            </a:br>
-            <a:r>
-              <a:rPr lang="en-US" altLang="zh-CN" dirty="0"/>
-              <a:t>Commit All: </a:t>
-            </a:r>
-            <a:r>
-              <a:rPr lang="zh-CN" altLang="en-US" dirty="0"/>
-              <a:t>循环遍历每一个员工依次调用</a:t>
-            </a:r>
-            <a:r>
-              <a:rPr lang="en-US" altLang="zh-CN" dirty="0"/>
-              <a:t>Commit API</a:t>
-            </a:r>
-            <a:r>
-              <a:rPr lang="zh-CN" altLang="en-US" dirty="0"/>
-              <a:t>（单击完后隐藏，显示</a:t>
-            </a:r>
-            <a:r>
-              <a:rPr lang="en-US" altLang="zh-CN" dirty="0"/>
-              <a:t>Stop All</a:t>
-            </a:r>
-            <a:r>
-              <a:rPr lang="zh-CN" altLang="en-US" dirty="0"/>
-              <a:t>）</a:t>
-            </a:r>
-            <a:br>
-              <a:rPr lang="en-US" altLang="zh-CN" dirty="0"/>
-            </a:br>
-            <a:r>
-              <a:rPr lang="en-US" altLang="zh-CN" dirty="0"/>
-              <a:t>	</a:t>
-            </a:r>
-            <a:r>
-              <a:rPr lang="zh-CN" altLang="en-US" dirty="0"/>
-              <a:t>若某员工报表出错（状态为</a:t>
-            </a:r>
-            <a:r>
-              <a:rPr lang="en-US" altLang="zh-CN" dirty="0"/>
-              <a:t>Error</a:t>
-            </a:r>
-            <a:r>
-              <a:rPr lang="zh-CN" altLang="en-US" dirty="0"/>
-              <a:t>），不影响其他员工计算，循环继续</a:t>
-            </a:r>
-            <a:br>
-              <a:rPr lang="en-US" altLang="zh-CN" dirty="0"/>
-            </a:br>
-            <a:r>
-              <a:rPr lang="en-US" altLang="zh-CN" dirty="0"/>
-              <a:t>Stop All: </a:t>
-            </a:r>
-            <a:r>
-              <a:rPr lang="zh-CN" altLang="en-US" dirty="0"/>
-              <a:t>当前员工完成后终止循环（单击后隐藏，显示</a:t>
-            </a:r>
-            <a:r>
-              <a:rPr lang="en-US" altLang="zh-CN" dirty="0"/>
-              <a:t>Start All</a:t>
-            </a:r>
-            <a:r>
-              <a:rPr lang="zh-CN" altLang="en-US" dirty="0"/>
-              <a:t>）</a:t>
-            </a:r>
-            <a:br>
-              <a:rPr lang="en-US" altLang="zh-CN" dirty="0"/>
-            </a:br>
-            <a:r>
-              <a:rPr lang="en-US" altLang="zh-CN" dirty="0"/>
-              <a:t>View Report: </a:t>
-            </a:r>
-            <a:r>
-              <a:rPr lang="zh-CN" altLang="en-US" dirty="0"/>
-              <a:t>所有员工状态为</a:t>
-            </a:r>
-            <a:r>
-              <a:rPr lang="en-US" altLang="zh-CN" dirty="0"/>
-              <a:t>Committed</a:t>
-            </a:r>
-            <a:r>
-              <a:rPr lang="zh-CN" altLang="en-US" dirty="0"/>
-              <a:t>时显示，跳转报表详情页面</a:t>
+            <a:r>
+              <a:rPr lang="zh-CN" altLang="en-US" dirty="0"/>
+              <a:t>时显示，跳转报表详情页</a:t>
             </a:r>
             <a:endParaRPr lang="en-US" altLang="zh-CN" dirty="0"/>
           </a:p>
@@ -8423,7 +8087,7 @@
     </p:spTree>
     <p:extLst>
       <p:ext uri="{BB962C8B-B14F-4D97-AF65-F5344CB8AC3E}">
-        <p14:creationId xmlns:p14="http://schemas.microsoft.com/office/powerpoint/2010/main" val="2566509248"/>
+        <p14:creationId xmlns:p14="http://schemas.microsoft.com/office/powerpoint/2010/main" val="1889258840"/>
       </p:ext>
     </p:extLst>
   </p:cSld>
@@ -8484,6 +8148,503 @@
             </a:br>
             <a:r>
               <a:rPr lang="en-US" altLang="zh-CN" dirty="0"/>
+              <a:t>Step 3 – Preview</a:t>
+            </a:r>
+            <a:r>
+              <a:rPr lang="zh-CN" altLang="en-US" dirty="0"/>
+              <a:t>预览</a:t>
+            </a:r>
+            <a:endParaRPr lang="en-US" dirty="0"/>
+          </a:p>
+        </p:txBody>
+      </p:sp>
+      <p:sp>
+        <p:nvSpPr>
+          <p:cNvPr id="3" name="Content Placeholder 2">
+            <a:extLst>
+              <a:ext uri="{FF2B5EF4-FFF2-40B4-BE49-F238E27FC236}">
+                <a16:creationId xmlns:a16="http://schemas.microsoft.com/office/drawing/2014/main" id="{DBEB0881-329A-4A6D-A103-101F20A953CE}"/>
+              </a:ext>
+            </a:extLst>
+          </p:cNvPr>
+          <p:cNvSpPr>
+            <a:spLocks noGrp="1"/>
+          </p:cNvSpPr>
+          <p:nvPr>
+            <p:ph idx="1"/>
+          </p:nvPr>
+        </p:nvSpPr>
+        <p:spPr>
+          <a:xfrm>
+            <a:off x="1251678" y="1874517"/>
+            <a:ext cx="10178322" cy="4877157"/>
+          </a:xfrm>
+        </p:spPr>
+        <p:txBody>
+          <a:bodyPr>
+            <a:normAutofit fontScale="92500" lnSpcReduction="20000"/>
+          </a:bodyPr>
+          <a:lstStyle/>
+          <a:p>
+            <a:r>
+              <a:rPr lang="zh-CN" altLang="en-US" dirty="0"/>
+              <a:t>列出该公司该</a:t>
+            </a:r>
+            <a:r>
+              <a:rPr lang="en-US" altLang="zh-CN" dirty="0"/>
+              <a:t>Period</a:t>
+            </a:r>
+            <a:r>
+              <a:rPr lang="zh-CN" altLang="en-US" dirty="0"/>
+              <a:t>内所有员工</a:t>
+            </a:r>
+            <a:br>
+              <a:rPr lang="en-US" altLang="zh-CN" dirty="0"/>
+            </a:br>
+            <a:r>
+              <a:rPr lang="en-US" altLang="zh-CN" dirty="0"/>
+              <a:t>/p/</a:t>
+            </a:r>
+            <a:r>
+              <a:rPr lang="en-US" altLang="zh-CN" dirty="0" err="1"/>
+              <a:t>preview?periodcode</a:t>
+            </a:r>
+            <a:r>
+              <a:rPr lang="en-US" altLang="zh-CN" dirty="0"/>
+              <a:t>=[</a:t>
+            </a:r>
+            <a:r>
+              <a:rPr lang="zh-CN" altLang="en-US" dirty="0"/>
+              <a:t>区间</a:t>
+            </a:r>
+            <a:r>
+              <a:rPr lang="en-US" altLang="zh-CN" dirty="0"/>
+              <a:t>]&amp;</a:t>
+            </a:r>
+            <a:r>
+              <a:rPr lang="en-US" altLang="zh-CN" dirty="0" err="1"/>
+              <a:t>companycode</a:t>
+            </a:r>
+            <a:r>
+              <a:rPr lang="en-US" altLang="zh-CN" dirty="0"/>
+              <a:t>=[</a:t>
+            </a:r>
+            <a:r>
+              <a:rPr lang="zh-CN" altLang="en-US" dirty="0"/>
+              <a:t>公司</a:t>
+            </a:r>
+            <a:r>
+              <a:rPr lang="en-US" altLang="zh-CN" dirty="0"/>
+              <a:t>]&amp;</a:t>
+            </a:r>
+            <a:r>
+              <a:rPr lang="en-US" altLang="zh-CN" dirty="0" err="1"/>
+              <a:t>empcode</a:t>
+            </a:r>
+            <a:r>
+              <a:rPr lang="en-US" altLang="zh-CN" dirty="0"/>
+              <a:t>=[</a:t>
+            </a:r>
+            <a:r>
+              <a:rPr lang="zh-CN" altLang="en-US" dirty="0"/>
+              <a:t>员工（可选参数</a:t>
+            </a:r>
+            <a:r>
+              <a:rPr lang="en-US" altLang="zh-CN" dirty="0"/>
+              <a:t>,</a:t>
+            </a:r>
+            <a:r>
+              <a:rPr lang="zh-CN" altLang="en-US" dirty="0"/>
+              <a:t>逗号分隔）</a:t>
+            </a:r>
+            <a:r>
+              <a:rPr lang="en-US" altLang="zh-CN" dirty="0"/>
+              <a:t>]</a:t>
+            </a:r>
+            <a:endParaRPr lang="en-US" altLang="zh-CN" b="1" dirty="0">
+              <a:solidFill>
+                <a:srgbClr val="FF0000"/>
+              </a:solidFill>
+            </a:endParaRPr>
+          </a:p>
+          <a:p>
+            <a:r>
+              <a:rPr lang="zh-CN" altLang="en-US" dirty="0"/>
+              <a:t>若上面查询返回数据为空，提示错误信息：</a:t>
+            </a:r>
+            <a:r>
+              <a:rPr lang="en-US" altLang="zh-CN" dirty="0"/>
+              <a:t>Invalid transaction status, cannot generate report.</a:t>
+            </a:r>
+            <a:br>
+              <a:rPr lang="en-US" altLang="zh-CN" dirty="0"/>
+            </a:br>
+            <a:r>
+              <a:rPr lang="zh-CN" altLang="en-US" dirty="0"/>
+              <a:t>并显示按钮</a:t>
+            </a:r>
+            <a:r>
+              <a:rPr lang="en-US" altLang="zh-CN" dirty="0"/>
+              <a:t>Go Back</a:t>
+            </a:r>
+            <a:r>
+              <a:rPr lang="zh-CN" altLang="en-US" dirty="0"/>
+              <a:t>单击后跳转</a:t>
+            </a:r>
+            <a:r>
+              <a:rPr lang="en-US" altLang="zh-CN" dirty="0"/>
+              <a:t>Step 2</a:t>
+            </a:r>
+            <a:r>
+              <a:rPr lang="zh-CN" altLang="en-US" dirty="0"/>
+              <a:t>重新计算</a:t>
+            </a:r>
+            <a:r>
+              <a:rPr lang="en-US" altLang="zh-CN" dirty="0"/>
+              <a:t>Transaction</a:t>
+            </a:r>
+            <a:br>
+              <a:rPr lang="en-US" altLang="zh-CN" dirty="0"/>
+            </a:br>
+            <a:r>
+              <a:rPr lang="en-US" altLang="zh-CN" dirty="0"/>
+              <a:t>/p/preview API</a:t>
+            </a:r>
+            <a:r>
+              <a:rPr lang="zh-CN" altLang="en-US" dirty="0"/>
+              <a:t>只返回</a:t>
+            </a:r>
+            <a:r>
+              <a:rPr lang="en-US" altLang="zh-CN" dirty="0"/>
+              <a:t>Preview</a:t>
+            </a:r>
+            <a:r>
+              <a:rPr lang="zh-CN" altLang="en-US" dirty="0"/>
+              <a:t>状态的员工的数据，</a:t>
+            </a:r>
+            <a:r>
+              <a:rPr lang="en-US" altLang="zh-CN" dirty="0"/>
+              <a:t>committed</a:t>
+            </a:r>
+            <a:r>
+              <a:rPr lang="zh-CN" altLang="en-US" dirty="0"/>
+              <a:t>状态的员工不返回</a:t>
+            </a:r>
+            <a:endParaRPr lang="en-US" altLang="zh-CN" dirty="0">
+              <a:solidFill>
+                <a:schemeClr val="accent5">
+                  <a:lumMod val="75000"/>
+                </a:schemeClr>
+              </a:solidFill>
+            </a:endParaRPr>
+          </a:p>
+          <a:p>
+            <a:r>
+              <a:rPr lang="zh-CN" altLang="en-US" dirty="0"/>
+              <a:t>行操作按钮</a:t>
+            </a:r>
+            <a:br>
+              <a:rPr lang="en-US" altLang="zh-CN" dirty="0"/>
+            </a:br>
+            <a:r>
+              <a:rPr lang="en-US" altLang="zh-CN" dirty="0"/>
+              <a:t>Commit: </a:t>
+            </a:r>
+            <a:r>
+              <a:rPr lang="zh-CN" altLang="en-US" dirty="0"/>
+              <a:t>调用</a:t>
+            </a:r>
+            <a:r>
+              <a:rPr lang="en-US" altLang="zh-CN" dirty="0"/>
+              <a:t>Commit API</a:t>
+            </a:r>
+            <a:r>
+              <a:rPr lang="zh-CN" altLang="en-US" dirty="0"/>
+              <a:t>并设置状态为</a:t>
+            </a:r>
+            <a:r>
+              <a:rPr lang="en-US" altLang="zh-CN" dirty="0"/>
+              <a:t>In Progress</a:t>
+            </a:r>
+            <a:r>
+              <a:rPr lang="zh-CN" altLang="en-US" dirty="0"/>
+              <a:t>直到返回结果后设为</a:t>
+            </a:r>
+            <a:r>
+              <a:rPr lang="en-US" altLang="zh-CN" dirty="0"/>
+              <a:t>Committed</a:t>
+            </a:r>
+            <a:br>
+              <a:rPr lang="en-US" altLang="zh-CN" dirty="0"/>
+            </a:br>
+            <a:r>
+              <a:rPr lang="en-US" altLang="zh-CN" dirty="0"/>
+              <a:t>	</a:t>
+            </a:r>
+            <a:r>
+              <a:rPr lang="zh-CN" altLang="en-US" dirty="0"/>
+              <a:t>状态，若</a:t>
+            </a:r>
+            <a:r>
+              <a:rPr lang="en-US" altLang="zh-CN" dirty="0"/>
+              <a:t>API</a:t>
+            </a:r>
+            <a:r>
+              <a:rPr lang="zh-CN" altLang="en-US" dirty="0"/>
+              <a:t>返回出错，显示状态</a:t>
+            </a:r>
+            <a:r>
+              <a:rPr lang="en-US" altLang="zh-CN" dirty="0"/>
+              <a:t>Error</a:t>
+            </a:r>
+            <a:r>
+              <a:rPr lang="zh-CN" altLang="en-US" dirty="0"/>
+              <a:t>（用户单击</a:t>
+            </a:r>
+            <a:r>
+              <a:rPr lang="en-US" altLang="zh-CN" dirty="0"/>
+              <a:t>Error</a:t>
+            </a:r>
+            <a:r>
+              <a:rPr lang="zh-CN" altLang="en-US" dirty="0"/>
+              <a:t>能看到服务器返回的错误信息）</a:t>
+            </a:r>
+            <a:br>
+              <a:rPr lang="en-US" altLang="zh-CN" dirty="0"/>
+            </a:br>
+            <a:r>
+              <a:rPr lang="en-US" altLang="zh-CN" dirty="0"/>
+              <a:t>	</a:t>
+            </a:r>
+            <a:r>
+              <a:rPr lang="zh-CN" altLang="en-US" dirty="0"/>
+              <a:t>用户再次单击</a:t>
+            </a:r>
+            <a:r>
+              <a:rPr lang="en-US" altLang="zh-CN" dirty="0"/>
+              <a:t>Start</a:t>
+            </a:r>
+            <a:r>
+              <a:rPr lang="zh-CN" altLang="en-US" dirty="0"/>
+              <a:t>则重新开始生成该用户的报表 </a:t>
+            </a:r>
+            <a:br>
+              <a:rPr lang="en-US" altLang="zh-CN" dirty="0"/>
+            </a:br>
+            <a:r>
+              <a:rPr lang="en-US" altLang="zh-CN" dirty="0"/>
+              <a:t>	/p/</a:t>
+            </a:r>
+            <a:r>
+              <a:rPr lang="en-US" altLang="zh-CN" dirty="0" err="1"/>
+              <a:t>commit?periodcode</a:t>
+            </a:r>
+            <a:r>
+              <a:rPr lang="en-US" altLang="zh-CN" dirty="0"/>
+              <a:t>=[</a:t>
+            </a:r>
+            <a:r>
+              <a:rPr lang="zh-CN" altLang="en-US" dirty="0"/>
+              <a:t>区间</a:t>
+            </a:r>
+            <a:r>
+              <a:rPr lang="en-US" altLang="zh-CN" dirty="0"/>
+              <a:t>] &amp;</a:t>
+            </a:r>
+            <a:r>
+              <a:rPr lang="en-US" altLang="zh-CN" dirty="0" err="1"/>
+              <a:t>empcode</a:t>
+            </a:r>
+            <a:r>
+              <a:rPr lang="en-US" altLang="zh-CN" dirty="0"/>
+              <a:t>=[</a:t>
+            </a:r>
+            <a:r>
+              <a:rPr lang="zh-CN" altLang="en-US" dirty="0"/>
+              <a:t>员工</a:t>
+            </a:r>
+            <a:r>
+              <a:rPr lang="en-US" altLang="zh-CN" dirty="0"/>
+              <a:t>]</a:t>
+            </a:r>
+            <a:br>
+              <a:rPr lang="en-US" altLang="zh-CN" dirty="0"/>
+            </a:br>
+            <a:r>
+              <a:rPr lang="en-US" altLang="zh-CN" dirty="0"/>
+              <a:t>Report: </a:t>
+            </a:r>
+            <a:r>
+              <a:rPr lang="zh-CN" altLang="en-US" dirty="0"/>
+              <a:t>只在</a:t>
+            </a:r>
+            <a:r>
+              <a:rPr lang="en-US" altLang="zh-CN" dirty="0"/>
+              <a:t>Committed</a:t>
+            </a:r>
+            <a:r>
+              <a:rPr lang="zh-CN" altLang="en-US" dirty="0"/>
+              <a:t>状态时显示，跳转报表详情页面</a:t>
+            </a:r>
+            <a:endParaRPr lang="en-US" altLang="zh-CN" dirty="0"/>
+          </a:p>
+          <a:p>
+            <a:r>
+              <a:rPr lang="zh-CN" altLang="en-US" dirty="0"/>
+              <a:t>页操作按钮</a:t>
+            </a:r>
+            <a:br>
+              <a:rPr lang="en-US" altLang="zh-CN" dirty="0"/>
+            </a:br>
+            <a:r>
+              <a:rPr lang="en-US" altLang="zh-CN" dirty="0"/>
+              <a:t>Commit All: </a:t>
+            </a:r>
+            <a:r>
+              <a:rPr lang="zh-CN" altLang="en-US" dirty="0"/>
+              <a:t>循环遍历每一个员工依次调用</a:t>
+            </a:r>
+            <a:r>
+              <a:rPr lang="en-US" altLang="zh-CN" dirty="0"/>
+              <a:t>Commit API</a:t>
+            </a:r>
+            <a:r>
+              <a:rPr lang="zh-CN" altLang="en-US" dirty="0"/>
+              <a:t>（单击完后隐藏，显示</a:t>
+            </a:r>
+            <a:r>
+              <a:rPr lang="en-US" altLang="zh-CN" dirty="0"/>
+              <a:t>Stop All</a:t>
+            </a:r>
+            <a:r>
+              <a:rPr lang="zh-CN" altLang="en-US" dirty="0"/>
+              <a:t>）</a:t>
+            </a:r>
+            <a:br>
+              <a:rPr lang="en-US" altLang="zh-CN" dirty="0"/>
+            </a:br>
+            <a:r>
+              <a:rPr lang="en-US" altLang="zh-CN" dirty="0"/>
+              <a:t>	</a:t>
+            </a:r>
+            <a:r>
+              <a:rPr lang="zh-CN" altLang="en-US" dirty="0"/>
+              <a:t>若某员工报表出错（状态为</a:t>
+            </a:r>
+            <a:r>
+              <a:rPr lang="en-US" altLang="zh-CN" dirty="0"/>
+              <a:t>Error</a:t>
+            </a:r>
+            <a:r>
+              <a:rPr lang="zh-CN" altLang="en-US" dirty="0"/>
+              <a:t>），不影响其他员工计算，循环继续</a:t>
+            </a:r>
+            <a:br>
+              <a:rPr lang="en-US" altLang="zh-CN" dirty="0"/>
+            </a:br>
+            <a:r>
+              <a:rPr lang="en-US" altLang="zh-CN" dirty="0"/>
+              <a:t>Stop All: </a:t>
+            </a:r>
+            <a:r>
+              <a:rPr lang="zh-CN" altLang="en-US" dirty="0"/>
+              <a:t>当前员工完成后终止循环（单击后隐藏，显示</a:t>
+            </a:r>
+            <a:r>
+              <a:rPr lang="en-US" altLang="zh-CN" dirty="0"/>
+              <a:t>Start All</a:t>
+            </a:r>
+            <a:r>
+              <a:rPr lang="zh-CN" altLang="en-US" dirty="0"/>
+              <a:t>）</a:t>
+            </a:r>
+            <a:br>
+              <a:rPr lang="en-US" altLang="zh-CN" dirty="0"/>
+            </a:br>
+            <a:r>
+              <a:rPr lang="en-US" altLang="zh-CN" dirty="0"/>
+              <a:t>View Report: </a:t>
+            </a:r>
+            <a:r>
+              <a:rPr lang="zh-CN" altLang="en-US" dirty="0"/>
+              <a:t>所有员工状态为</a:t>
+            </a:r>
+            <a:r>
+              <a:rPr lang="en-US" altLang="zh-CN" dirty="0"/>
+              <a:t>Committed</a:t>
+            </a:r>
+            <a:r>
+              <a:rPr lang="zh-CN" altLang="en-US" dirty="0"/>
+              <a:t>时显示，跳转报表详情页面</a:t>
+            </a:r>
+            <a:endParaRPr lang="en-US" altLang="zh-CN" dirty="0"/>
+          </a:p>
+        </p:txBody>
+      </p:sp>
+    </p:spTree>
+    <p:extLst>
+      <p:ext uri="{BB962C8B-B14F-4D97-AF65-F5344CB8AC3E}">
+        <p14:creationId xmlns:p14="http://schemas.microsoft.com/office/powerpoint/2010/main" val="2566509248"/>
+      </p:ext>
+    </p:extLst>
+  </p:cSld>
+  <p:clrMapOvr>
+    <a:masterClrMapping/>
+  </p:clrMapOvr>
+</p:sld>
+</file>
+
+<file path=ppt/slides/slide14.xml><?xml version="1.0" encoding="utf-8"?>
+<p:sld xmlns:a="http://schemas.openxmlformats.org/drawingml/2006/main" xmlns:r="http://schemas.openxmlformats.org/officeDocument/2006/relationships" xmlns:p="http://schemas.openxmlformats.org/presentationml/2006/main">
+  <p:cSld>
+    <p:spTree>
+      <p:nvGrpSpPr>
+        <p:cNvPr id="1" name=""/>
+        <p:cNvGrpSpPr/>
+        <p:nvPr/>
+      </p:nvGrpSpPr>
+      <p:grpSpPr>
+        <a:xfrm>
+          <a:off x="0" y="0"/>
+          <a:ext cx="0" cy="0"/>
+          <a:chOff x="0" y="0"/>
+          <a:chExt cx="0" cy="0"/>
+        </a:xfrm>
+      </p:grpSpPr>
+      <p:sp>
+        <p:nvSpPr>
+          <p:cNvPr id="2" name="Title 1">
+            <a:extLst>
+              <a:ext uri="{FF2B5EF4-FFF2-40B4-BE49-F238E27FC236}">
+                <a16:creationId xmlns:a16="http://schemas.microsoft.com/office/drawing/2014/main" id="{751CC575-CAB5-47E1-A576-18EE767B90C2}"/>
+              </a:ext>
+            </a:extLst>
+          </p:cNvPr>
+          <p:cNvSpPr>
+            <a:spLocks noGrp="1"/>
+          </p:cNvSpPr>
+          <p:nvPr>
+            <p:ph type="title"/>
+          </p:nvPr>
+        </p:nvSpPr>
+        <p:spPr/>
+        <p:txBody>
+          <a:bodyPr/>
+          <a:lstStyle/>
+          <a:p>
+            <a:r>
+              <a:rPr lang="zh-CN" altLang="en-US" dirty="0"/>
+              <a:t>工资结算</a:t>
+            </a:r>
+            <a:r>
+              <a:rPr lang="en-US" altLang="zh-CN" dirty="0"/>
+              <a:t>Payroll calculation</a:t>
+            </a:r>
+            <a:br>
+              <a:rPr lang="en-US" altLang="zh-CN" dirty="0"/>
+            </a:br>
+            <a:r>
+              <a:rPr lang="en-US" altLang="zh-CN" dirty="0"/>
               <a:t>Step 4 – Report</a:t>
             </a:r>
             <a:r>
@@ -8730,7 +8891,7 @@
 </p:sld>
 </file>
 
-<file path=ppt/slides/slide14.xml><?xml version="1.0" encoding="utf-8"?>
+<file path=ppt/slides/slide15.xml><?xml version="1.0" encoding="utf-8"?>
 <p:sld xmlns:a="http://schemas.openxmlformats.org/drawingml/2006/main" xmlns:r="http://schemas.openxmlformats.org/officeDocument/2006/relationships" xmlns:p="http://schemas.openxmlformats.org/presentationml/2006/main">
   <p:cSld>
     <p:spTree>
@@ -8921,7 +9082,7 @@
 </p:sld>
 </file>
 
-<file path=ppt/slides/slide15.xml><?xml version="1.0" encoding="utf-8"?>
+<file path=ppt/slides/slide16.xml><?xml version="1.0" encoding="utf-8"?>
 <p:sld xmlns:a="http://schemas.openxmlformats.org/drawingml/2006/main" xmlns:r="http://schemas.openxmlformats.org/officeDocument/2006/relationships" xmlns:p="http://schemas.openxmlformats.org/presentationml/2006/main">
   <p:cSld>
     <p:spTree>
@@ -10240,7 +10401,7 @@
           <p:cNvPr id="2" name="Title 1">
             <a:extLst>
               <a:ext uri="{FF2B5EF4-FFF2-40B4-BE49-F238E27FC236}">
-                <a16:creationId xmlns:a16="http://schemas.microsoft.com/office/drawing/2014/main" id="{9A00D3BB-EBEC-49E7-8730-4DA34AF0760F}"/>
+                <a16:creationId xmlns:a16="http://schemas.microsoft.com/office/drawing/2014/main" id="{B4B89A2E-FEDC-46BF-9948-F29CE0D7F5CD}"/>
               </a:ext>
             </a:extLst>
           </p:cNvPr>
@@ -10258,11 +10419,11 @@
           <a:p>
             <a:r>
               <a:rPr lang="zh-CN" altLang="en-US" dirty="0"/>
-              <a:t>公司管理</a:t>
-            </a:r>
-            <a:r>
-              <a:rPr lang="en-US" altLang="zh-CN" dirty="0"/>
-              <a:t>Company / Basic info</a:t>
+              <a:t>增删改</a:t>
+            </a:r>
+            <a:r>
+              <a:rPr lang="en-US" altLang="zh-CN" dirty="0"/>
+              <a:t>API</a:t>
             </a:r>
             <a:endParaRPr lang="en-US" dirty="0"/>
           </a:p>
@@ -10273,7 +10434,7 @@
           <p:cNvPr id="3" name="Content Placeholder 2">
             <a:extLst>
               <a:ext uri="{FF2B5EF4-FFF2-40B4-BE49-F238E27FC236}">
-                <a16:creationId xmlns:a16="http://schemas.microsoft.com/office/drawing/2014/main" id="{FBAAA976-ECEB-441D-8710-D734B363C9E3}"/>
+                <a16:creationId xmlns:a16="http://schemas.microsoft.com/office/drawing/2014/main" id="{0A9F51A1-B007-4F8C-9840-6E50424B0BB1}"/>
               </a:ext>
             </a:extLst>
           </p:cNvPr>
@@ -10290,79 +10451,56 @@
           <a:lstStyle/>
           <a:p>
             <a:r>
-              <a:rPr lang="en-US" dirty="0" err="1"/>
-              <a:t>CompanyCode</a:t>
-            </a:r>
-            <a:r>
               <a:rPr lang="en-US" dirty="0"/>
-              <a:t> / </a:t>
-            </a:r>
-            <a:r>
-              <a:rPr lang="en-US" dirty="0" err="1"/>
-              <a:t>CompanyName</a:t>
-            </a:r>
+              <a:t>POST /p/update</a:t>
+            </a:r>
+          </a:p>
+          <a:p>
             <a:r>
               <a:rPr lang="en-US" dirty="0"/>
-              <a:t> / Employees Count / Edit / Employee / Payroll</a:t>
-            </a:r>
-          </a:p>
-          <a:p>
-            <a:endParaRPr lang="en-US" dirty="0"/>
-          </a:p>
-          <a:p>
-            <a:r>
+              <a:t>Body </a:t>
+            </a:r>
+            <a:br>
               <a:rPr lang="en-US" dirty="0"/>
-              <a:t>Edit: </a:t>
-            </a:r>
-            <a:r>
-              <a:rPr lang="zh-CN" altLang="en-US" dirty="0"/>
-              <a:t>公司（增删改查）</a:t>
-            </a:r>
-            <a:endParaRPr lang="en-US" altLang="zh-CN" dirty="0"/>
-          </a:p>
-          <a:p>
+            </a:br>
             <a:r>
               <a:rPr lang="en-US" dirty="0"/>
-              <a:t>Employee: </a:t>
-            </a:r>
-            <a:r>
-              <a:rPr lang="zh-CN" altLang="en-US" dirty="0"/>
-              <a:t>跳转员工列表页（增删改查）</a:t>
-            </a:r>
-            <a:endParaRPr lang="en-US" altLang="zh-CN" dirty="0"/>
-          </a:p>
-          <a:p>
-            <a:r>
+              <a:t>{update:{Employee:[{EmpCode:‘emp1’,Gender:0}]}} </a:t>
+            </a:r>
+            <a:r>
+              <a:rPr lang="zh-CN" altLang="en-US" dirty="0"/>
+              <a:t>添加 </a:t>
+            </a:r>
+            <a:r>
+              <a:rPr lang="en-US" altLang="zh-CN" dirty="0"/>
+              <a:t>/ </a:t>
+            </a:r>
+            <a:r>
+              <a:rPr lang="zh-CN" altLang="en-US" dirty="0"/>
+              <a:t>修改记</a:t>
+            </a:r>
+            <a:r>
+              <a:rPr lang="zh-CN" altLang="en-US"/>
+              <a:t>录（主键不</a:t>
+            </a:r>
+            <a:r>
+              <a:rPr lang="zh-CN" altLang="en-US" dirty="0"/>
+              <a:t>存在即添加）</a:t>
+            </a:r>
+            <a:br>
               <a:rPr lang="en-US" dirty="0"/>
-              <a:t>Payroll: </a:t>
-            </a:r>
-            <a:r>
-              <a:rPr lang="zh-CN" altLang="en-US" dirty="0"/>
-              <a:t>跳转工资计算页（不能跳步）</a:t>
-            </a:r>
-            <a:endParaRPr lang="en-US" altLang="zh-CN" dirty="0"/>
-          </a:p>
-          <a:p>
+            </a:br>
             <a:r>
               <a:rPr lang="en-US" dirty="0"/>
-              <a:t>Template: </a:t>
-            </a:r>
-            <a:r>
-              <a:rPr lang="zh-CN" altLang="en-US" dirty="0"/>
-              <a:t>跳转</a:t>
-            </a:r>
-            <a:r>
-              <a:rPr lang="en-US" altLang="zh-CN" dirty="0"/>
-              <a:t>Payroll Template</a:t>
-            </a:r>
-            <a:r>
-              <a:rPr lang="zh-CN" altLang="en-US" dirty="0"/>
-              <a:t>页面（用来</a:t>
-            </a:r>
-            <a:r>
-              <a:rPr lang="zh-CN" altLang="en-US"/>
-              <a:t>配置公式模板）</a:t>
-            </a:r>
+              <a:t>{delete:{Employee:[{EmpCode:‘emp1’}]}} </a:t>
+            </a:r>
+            <a:r>
+              <a:rPr lang="zh-CN" altLang="en-US" dirty="0"/>
+              <a:t>删除记录（主键存在即删除）</a:t>
+            </a:r>
+            <a:br>
+              <a:rPr lang="en-US" dirty="0"/>
+            </a:br>
             <a:endParaRPr lang="en-US" dirty="0"/>
           </a:p>
         </p:txBody>
@@ -10370,7 +10508,7 @@
     </p:spTree>
     <p:extLst>
       <p:ext uri="{BB962C8B-B14F-4D97-AF65-F5344CB8AC3E}">
-        <p14:creationId xmlns:p14="http://schemas.microsoft.com/office/powerpoint/2010/main" val="1247487436"/>
+        <p14:creationId xmlns:p14="http://schemas.microsoft.com/office/powerpoint/2010/main" val="3641806210"/>
       </p:ext>
     </p:extLst>
   </p:cSld>
@@ -10402,7 +10540,7 @@
           <p:cNvPr id="2" name="Title 1">
             <a:extLst>
               <a:ext uri="{FF2B5EF4-FFF2-40B4-BE49-F238E27FC236}">
-                <a16:creationId xmlns:a16="http://schemas.microsoft.com/office/drawing/2014/main" id="{434C5FAF-F4C7-4A2F-A589-60FC58452C0B}"/>
+                <a16:creationId xmlns:a16="http://schemas.microsoft.com/office/drawing/2014/main" id="{9A00D3BB-EBEC-49E7-8730-4DA34AF0760F}"/>
               </a:ext>
             </a:extLst>
           </p:cNvPr>
@@ -10420,11 +10558,11 @@
           <a:p>
             <a:r>
               <a:rPr lang="zh-CN" altLang="en-US" dirty="0"/>
-              <a:t>员工管理</a:t>
-            </a:r>
-            <a:r>
-              <a:rPr lang="en-US" altLang="zh-CN" dirty="0"/>
-              <a:t>Employee / Basic info</a:t>
+              <a:t>公司管理</a:t>
+            </a:r>
+            <a:r>
+              <a:rPr lang="en-US" altLang="zh-CN" dirty="0"/>
+              <a:t>Company / Basic info</a:t>
             </a:r>
             <a:endParaRPr lang="en-US" dirty="0"/>
           </a:p>
@@ -10435,7 +10573,7 @@
           <p:cNvPr id="3" name="Content Placeholder 2">
             <a:extLst>
               <a:ext uri="{FF2B5EF4-FFF2-40B4-BE49-F238E27FC236}">
-                <a16:creationId xmlns:a16="http://schemas.microsoft.com/office/drawing/2014/main" id="{08961FB3-729E-4EF5-A19D-0EE91B83D493}"/>
+                <a16:creationId xmlns:a16="http://schemas.microsoft.com/office/drawing/2014/main" id="{FBAAA976-ECEB-441D-8710-D734B363C9E3}"/>
               </a:ext>
             </a:extLst>
           </p:cNvPr>
@@ -10452,77 +10590,87 @@
           <a:lstStyle/>
           <a:p>
             <a:r>
-              <a:rPr lang="zh-CN" altLang="en-US" dirty="0"/>
-              <a:t>显示所有</a:t>
-            </a:r>
-            <a:r>
-              <a:rPr lang="en-US" altLang="zh-CN" dirty="0"/>
-              <a:t>Employee</a:t>
-            </a:r>
-            <a:r>
-              <a:rPr lang="zh-CN" altLang="en-US" dirty="0"/>
-              <a:t>表的列</a:t>
+              <a:rPr lang="en-US" dirty="0" err="1"/>
+              <a:t>CompanyCode</a:t>
+            </a:r>
+            <a:r>
+              <a:rPr lang="en-US" dirty="0"/>
+              <a:t> / </a:t>
+            </a:r>
+            <a:r>
+              <a:rPr lang="en-US" dirty="0" err="1"/>
+              <a:t>CompanyName</a:t>
+            </a:r>
+            <a:r>
+              <a:rPr lang="en-US" dirty="0"/>
+              <a:t> / Employees Count / Edit / Employee / Payroll</a:t>
+            </a:r>
+          </a:p>
+          <a:p>
+            <a:endParaRPr lang="en-US" dirty="0"/>
+          </a:p>
+          <a:p>
+            <a:r>
+              <a:rPr lang="en-US" dirty="0"/>
+              <a:t>Edit: </a:t>
+            </a:r>
+            <a:r>
+              <a:rPr lang="zh-CN" altLang="en-US" dirty="0"/>
+              <a:t>公司（增删改查）</a:t>
             </a:r>
             <a:endParaRPr lang="en-US" altLang="zh-CN" dirty="0"/>
           </a:p>
           <a:p>
             <a:r>
-              <a:rPr lang="zh-CN" altLang="en-US" dirty="0"/>
-              <a:t>操作放左边 </a:t>
-            </a:r>
-            <a:r>
-              <a:rPr lang="en-US" altLang="zh-CN" dirty="0"/>
-              <a:t>(Edit / Package / Workload)</a:t>
-            </a:r>
-            <a:br>
-              <a:rPr lang="en-US" altLang="zh-CN" dirty="0"/>
-            </a:br>
-            <a:r>
-              <a:rPr lang="en-US" altLang="zh-CN" dirty="0"/>
-              <a:t>Edit: Popup </a:t>
-            </a:r>
-            <a:r>
-              <a:rPr lang="zh-CN" altLang="en-US" dirty="0"/>
-              <a:t>修改员工基本信息</a:t>
-            </a:r>
-            <a:br>
-              <a:rPr lang="en-US" altLang="zh-CN" dirty="0"/>
-            </a:br>
-            <a:r>
-              <a:rPr lang="en-US" altLang="zh-CN" dirty="0"/>
-              <a:t>Package: </a:t>
-            </a:r>
-            <a:r>
-              <a:rPr lang="zh-CN" altLang="en-US" dirty="0"/>
-              <a:t>跳转员工薪资包管理页面</a:t>
-            </a:r>
-            <a:br>
-              <a:rPr lang="en-US" altLang="zh-CN" dirty="0"/>
-            </a:br>
-            <a:r>
-              <a:rPr lang="en-US" altLang="zh-CN" dirty="0"/>
-              <a:t>Workload: </a:t>
-            </a:r>
-            <a:r>
-              <a:rPr lang="zh-CN" altLang="en-US" dirty="0"/>
-              <a:t>跳转员工加班 </a:t>
-            </a:r>
-            <a:r>
-              <a:rPr lang="en-US" altLang="zh-CN" dirty="0"/>
-              <a:t>/ </a:t>
-            </a:r>
-            <a:r>
-              <a:rPr lang="zh-CN" altLang="en-US" dirty="0"/>
-              <a:t>请假管理页面</a:t>
+              <a:rPr lang="en-US" dirty="0"/>
+              <a:t>Employee: </a:t>
+            </a:r>
+            <a:r>
+              <a:rPr lang="zh-CN" altLang="en-US" dirty="0"/>
+              <a:t>跳转员工列表页（增删改查）</a:t>
             </a:r>
             <a:endParaRPr lang="en-US" altLang="zh-CN" dirty="0"/>
+          </a:p>
+          <a:p>
+            <a:r>
+              <a:rPr lang="en-US" dirty="0"/>
+              <a:t>Payroll: </a:t>
+            </a:r>
+            <a:r>
+              <a:rPr lang="zh-CN" altLang="en-US" dirty="0"/>
+              <a:t>跳转工资计算页（不能跳步）</a:t>
+            </a:r>
+            <a:endParaRPr lang="en-US" altLang="zh-CN" dirty="0"/>
+          </a:p>
+          <a:p>
+            <a:r>
+              <a:rPr lang="en-US" dirty="0"/>
+              <a:t>Template: </a:t>
+            </a:r>
+            <a:r>
+              <a:rPr lang="zh-CN" altLang="en-US" dirty="0"/>
+              <a:t>跳转</a:t>
+            </a:r>
+            <a:r>
+              <a:rPr lang="en-US" altLang="zh-CN" dirty="0"/>
+              <a:t>Payroll Template</a:t>
+            </a:r>
+            <a:r>
+              <a:rPr lang="zh-CN" altLang="en-US" dirty="0"/>
+              <a:t>页面（用来</a:t>
+            </a:r>
+            <a:r>
+              <a:rPr lang="zh-CN" altLang="en-US"/>
+              <a:t>配置公式模板）</a:t>
+            </a:r>
+            <a:endParaRPr lang="en-US" dirty="0"/>
           </a:p>
         </p:txBody>
       </p:sp>
     </p:spTree>
     <p:extLst>
       <p:ext uri="{BB962C8B-B14F-4D97-AF65-F5344CB8AC3E}">
-        <p14:creationId xmlns:p14="http://schemas.microsoft.com/office/powerpoint/2010/main" val="96601646"/>
+        <p14:creationId xmlns:p14="http://schemas.microsoft.com/office/powerpoint/2010/main" val="1247487436"/>
       </p:ext>
     </p:extLst>
   </p:cSld>

--- a/doc/Payroll Web UI.pptx
+++ b/doc/Payroll Web UI.pptx
@@ -1342,7 +1342,7 @@
           <a:p>
             <a:fld id="{DA6193BC-4F03-4D50-9CD1-8060DE3917E8}" type="datetimeFigureOut">
               <a:rPr lang="en-US" smtClean="0"/>
-              <a:t>11/2/2017</a:t>
+              <a:t>11/4/2017</a:t>
             </a:fld>
             <a:endParaRPr lang="en-US"/>
           </a:p>
@@ -1580,7 +1580,7 @@
           <a:p>
             <a:fld id="{DA6193BC-4F03-4D50-9CD1-8060DE3917E8}" type="datetimeFigureOut">
               <a:rPr lang="en-US" smtClean="0"/>
-              <a:t>11/2/2017</a:t>
+              <a:t>11/4/2017</a:t>
             </a:fld>
             <a:endParaRPr lang="en-US"/>
           </a:p>
@@ -1760,7 +1760,7 @@
           <a:p>
             <a:fld id="{DA6193BC-4F03-4D50-9CD1-8060DE3917E8}" type="datetimeFigureOut">
               <a:rPr lang="en-US" smtClean="0"/>
-              <a:t>11/2/2017</a:t>
+              <a:t>11/4/2017</a:t>
             </a:fld>
             <a:endParaRPr lang="en-US"/>
           </a:p>
@@ -1930,7 +1930,7 @@
           <a:p>
             <a:fld id="{DA6193BC-4F03-4D50-9CD1-8060DE3917E8}" type="datetimeFigureOut">
               <a:rPr lang="en-US" smtClean="0"/>
-              <a:t>11/2/2017</a:t>
+              <a:t>11/4/2017</a:t>
             </a:fld>
             <a:endParaRPr lang="en-US"/>
           </a:p>
@@ -2206,7 +2206,7 @@
           <a:p>
             <a:fld id="{DA6193BC-4F03-4D50-9CD1-8060DE3917E8}" type="datetimeFigureOut">
               <a:rPr lang="en-US" smtClean="0"/>
-              <a:t>11/2/2017</a:t>
+              <a:t>11/4/2017</a:t>
             </a:fld>
             <a:endParaRPr lang="en-US"/>
           </a:p>
@@ -3407,7 +3407,7 @@
           <a:p>
             <a:fld id="{DA6193BC-4F03-4D50-9CD1-8060DE3917E8}" type="datetimeFigureOut">
               <a:rPr lang="en-US" smtClean="0"/>
-              <a:t>11/2/2017</a:t>
+              <a:t>11/4/2017</a:t>
             </a:fld>
             <a:endParaRPr lang="en-US"/>
           </a:p>
@@ -3797,7 +3797,7 @@
           <a:p>
             <a:fld id="{DA6193BC-4F03-4D50-9CD1-8060DE3917E8}" type="datetimeFigureOut">
               <a:rPr lang="en-US" smtClean="0"/>
-              <a:t>11/2/2017</a:t>
+              <a:t>11/4/2017</a:t>
             </a:fld>
             <a:endParaRPr lang="en-US"/>
           </a:p>
@@ -3920,7 +3920,7 @@
           <a:p>
             <a:fld id="{DA6193BC-4F03-4D50-9CD1-8060DE3917E8}" type="datetimeFigureOut">
               <a:rPr lang="en-US" smtClean="0"/>
-              <a:t>11/2/2017</a:t>
+              <a:t>11/4/2017</a:t>
             </a:fld>
             <a:endParaRPr lang="en-US"/>
           </a:p>
@@ -4015,7 +4015,7 @@
           <a:p>
             <a:fld id="{DA6193BC-4F03-4D50-9CD1-8060DE3917E8}" type="datetimeFigureOut">
               <a:rPr lang="en-US" smtClean="0"/>
-              <a:t>11/2/2017</a:t>
+              <a:t>11/4/2017</a:t>
             </a:fld>
             <a:endParaRPr lang="en-US"/>
           </a:p>
@@ -4778,7 +4778,7 @@
           <a:p>
             <a:fld id="{DA6193BC-4F03-4D50-9CD1-8060DE3917E8}" type="datetimeFigureOut">
               <a:rPr lang="en-US" smtClean="0"/>
-              <a:t>11/2/2017</a:t>
+              <a:t>11/4/2017</a:t>
             </a:fld>
             <a:endParaRPr lang="en-US"/>
           </a:p>
@@ -5618,7 +5618,7 @@
           <a:p>
             <a:fld id="{DA6193BC-4F03-4D50-9CD1-8060DE3917E8}" type="datetimeFigureOut">
               <a:rPr lang="en-US" smtClean="0"/>
-              <a:t>11/2/2017</a:t>
+              <a:t>11/4/2017</a:t>
             </a:fld>
             <a:endParaRPr lang="en-US"/>
           </a:p>
@@ -5845,7 +5845,7 @@
           <a:p>
             <a:fld id="{DA6193BC-4F03-4D50-9CD1-8060DE3917E8}" type="datetimeFigureOut">
               <a:rPr lang="en-US" smtClean="0"/>
-              <a:t>11/2/2017</a:t>
+              <a:t>11/4/2017</a:t>
             </a:fld>
             <a:endParaRPr lang="en-US"/>
           </a:p>
@@ -7228,7 +7228,7 @@
         </p:spPr>
         <p:txBody>
           <a:bodyPr>
-            <a:normAutofit fontScale="92500" lnSpcReduction="20000"/>
+            <a:normAutofit fontScale="85000" lnSpcReduction="20000"/>
           </a:bodyPr>
           <a:lstStyle/>
           <a:p>
@@ -7306,6 +7306,23 @@
               <a:t>：代表单个任意字符）</a:t>
             </a:r>
             <a:endParaRPr lang="en-US" altLang="zh-CN" dirty="0"/>
+          </a:p>
+          <a:p>
+            <a:r>
+              <a:rPr lang="zh-CN" altLang="en-US" dirty="0"/>
+              <a:t>查询新添加的</a:t>
+            </a:r>
+            <a:r>
+              <a:rPr lang="en-US" altLang="zh-CN" dirty="0"/>
+              <a:t>period</a:t>
+            </a:r>
+            <a:br>
+              <a:rPr lang="en-US" altLang="zh-CN" dirty="0"/>
+            </a:br>
+            <a:r>
+              <a:rPr lang="en-US" altLang="zh-CN" dirty="0"/>
+              <a:t>/p/select?c=period.*,payrolltrans.transuid&amp;w=payrolltrans.transuid%20IS%20null</a:t>
+            </a:r>
           </a:p>
           <a:p>
             <a:r>

--- a/doc/Payroll Web UI.pptx
+++ b/doc/Payroll Web UI.pptx
@@ -15,12 +15,15 @@
     <p:sldId id="272" r:id="rId9"/>
     <p:sldId id="260" r:id="rId10"/>
     <p:sldId id="261" r:id="rId11"/>
-    <p:sldId id="262" r:id="rId12"/>
-    <p:sldId id="265" r:id="rId13"/>
-    <p:sldId id="266" r:id="rId14"/>
-    <p:sldId id="269" r:id="rId15"/>
-    <p:sldId id="270" r:id="rId16"/>
-    <p:sldId id="271" r:id="rId17"/>
+    <p:sldId id="273" r:id="rId12"/>
+    <p:sldId id="274" r:id="rId13"/>
+    <p:sldId id="275" r:id="rId14"/>
+    <p:sldId id="262" r:id="rId15"/>
+    <p:sldId id="265" r:id="rId16"/>
+    <p:sldId id="266" r:id="rId17"/>
+    <p:sldId id="269" r:id="rId18"/>
+    <p:sldId id="270" r:id="rId19"/>
+    <p:sldId id="271" r:id="rId20"/>
   </p:sldIdLst>
   <p:sldSz cx="12192000" cy="6858000"/>
   <p:notesSz cx="6858000" cy="9144000"/>
@@ -1342,7 +1345,7 @@
           <a:p>
             <a:fld id="{DA6193BC-4F03-4D50-9CD1-8060DE3917E8}" type="datetimeFigureOut">
               <a:rPr lang="en-US" smtClean="0"/>
-              <a:t>11/4/2017</a:t>
+              <a:t>11/8/2017</a:t>
             </a:fld>
             <a:endParaRPr lang="en-US"/>
           </a:p>
@@ -1580,7 +1583,7 @@
           <a:p>
             <a:fld id="{DA6193BC-4F03-4D50-9CD1-8060DE3917E8}" type="datetimeFigureOut">
               <a:rPr lang="en-US" smtClean="0"/>
-              <a:t>11/4/2017</a:t>
+              <a:t>11/8/2017</a:t>
             </a:fld>
             <a:endParaRPr lang="en-US"/>
           </a:p>
@@ -1760,7 +1763,7 @@
           <a:p>
             <a:fld id="{DA6193BC-4F03-4D50-9CD1-8060DE3917E8}" type="datetimeFigureOut">
               <a:rPr lang="en-US" smtClean="0"/>
-              <a:t>11/4/2017</a:t>
+              <a:t>11/8/2017</a:t>
             </a:fld>
             <a:endParaRPr lang="en-US"/>
           </a:p>
@@ -1930,7 +1933,7 @@
           <a:p>
             <a:fld id="{DA6193BC-4F03-4D50-9CD1-8060DE3917E8}" type="datetimeFigureOut">
               <a:rPr lang="en-US" smtClean="0"/>
-              <a:t>11/4/2017</a:t>
+              <a:t>11/8/2017</a:t>
             </a:fld>
             <a:endParaRPr lang="en-US"/>
           </a:p>
@@ -2206,7 +2209,7 @@
           <a:p>
             <a:fld id="{DA6193BC-4F03-4D50-9CD1-8060DE3917E8}" type="datetimeFigureOut">
               <a:rPr lang="en-US" smtClean="0"/>
-              <a:t>11/4/2017</a:t>
+              <a:t>11/8/2017</a:t>
             </a:fld>
             <a:endParaRPr lang="en-US"/>
           </a:p>
@@ -3407,7 +3410,7 @@
           <a:p>
             <a:fld id="{DA6193BC-4F03-4D50-9CD1-8060DE3917E8}" type="datetimeFigureOut">
               <a:rPr lang="en-US" smtClean="0"/>
-              <a:t>11/4/2017</a:t>
+              <a:t>11/8/2017</a:t>
             </a:fld>
             <a:endParaRPr lang="en-US"/>
           </a:p>
@@ -3797,7 +3800,7 @@
           <a:p>
             <a:fld id="{DA6193BC-4F03-4D50-9CD1-8060DE3917E8}" type="datetimeFigureOut">
               <a:rPr lang="en-US" smtClean="0"/>
-              <a:t>11/4/2017</a:t>
+              <a:t>11/8/2017</a:t>
             </a:fld>
             <a:endParaRPr lang="en-US"/>
           </a:p>
@@ -3920,7 +3923,7 @@
           <a:p>
             <a:fld id="{DA6193BC-4F03-4D50-9CD1-8060DE3917E8}" type="datetimeFigureOut">
               <a:rPr lang="en-US" smtClean="0"/>
-              <a:t>11/4/2017</a:t>
+              <a:t>11/8/2017</a:t>
             </a:fld>
             <a:endParaRPr lang="en-US"/>
           </a:p>
@@ -4015,7 +4018,7 @@
           <a:p>
             <a:fld id="{DA6193BC-4F03-4D50-9CD1-8060DE3917E8}" type="datetimeFigureOut">
               <a:rPr lang="en-US" smtClean="0"/>
-              <a:t>11/4/2017</a:t>
+              <a:t>11/8/2017</a:t>
             </a:fld>
             <a:endParaRPr lang="en-US"/>
           </a:p>
@@ -4778,7 +4781,7 @@
           <a:p>
             <a:fld id="{DA6193BC-4F03-4D50-9CD1-8060DE3917E8}" type="datetimeFigureOut">
               <a:rPr lang="en-US" smtClean="0"/>
-              <a:t>11/4/2017</a:t>
+              <a:t>11/8/2017</a:t>
             </a:fld>
             <a:endParaRPr lang="en-US"/>
           </a:p>
@@ -5618,7 +5621,7 @@
           <a:p>
             <a:fld id="{DA6193BC-4F03-4D50-9CD1-8060DE3917E8}" type="datetimeFigureOut">
               <a:rPr lang="en-US" smtClean="0"/>
-              <a:t>11/4/2017</a:t>
+              <a:t>11/8/2017</a:t>
             </a:fld>
             <a:endParaRPr lang="en-US"/>
           </a:p>
@@ -5845,7 +5848,7 @@
           <a:p>
             <a:fld id="{DA6193BC-4F03-4D50-9CD1-8060DE3917E8}" type="datetimeFigureOut">
               <a:rPr lang="en-US" smtClean="0"/>
-              <a:t>11/4/2017</a:t>
+              <a:t>11/8/2017</a:t>
             </a:fld>
             <a:endParaRPr lang="en-US"/>
           </a:p>
@@ -7128,6 +7131,26 @@
             </a:r>
             <a:endParaRPr lang="en-US" altLang="zh-CN" dirty="0"/>
           </a:p>
+          <a:p>
+            <a:r>
+              <a:rPr lang="zh-CN" altLang="en-US" dirty="0"/>
+              <a:t>自己员工：</a:t>
+            </a:r>
+            <a:r>
+              <a:rPr lang="en-US" altLang="zh-CN" dirty="0"/>
+              <a:t>Clerk</a:t>
+            </a:r>
+          </a:p>
+          <a:p>
+            <a:r>
+              <a:rPr lang="zh-CN" altLang="en-US" dirty="0"/>
+              <a:t>外包员工：</a:t>
+            </a:r>
+            <a:r>
+              <a:rPr lang="en-US" altLang="zh-CN" dirty="0"/>
+              <a:t>Contractor</a:t>
+            </a:r>
+          </a:p>
         </p:txBody>
       </p:sp>
     </p:spTree>
@@ -7165,7 +7188,7 @@
           <p:cNvPr id="2" name="Title 1">
             <a:extLst>
               <a:ext uri="{FF2B5EF4-FFF2-40B4-BE49-F238E27FC236}">
-                <a16:creationId xmlns:a16="http://schemas.microsoft.com/office/drawing/2014/main" id="{751CC575-CAB5-47E1-A576-18EE767B90C2}"/>
+                <a16:creationId xmlns:a16="http://schemas.microsoft.com/office/drawing/2014/main" id="{5AF597F0-CE91-4018-9E63-D76FE34207BD}"/>
               </a:ext>
             </a:extLst>
           </p:cNvPr>
@@ -7182,25 +7205,9 @@
           <a:lstStyle/>
           <a:p>
             <a:r>
-              <a:rPr lang="zh-CN" altLang="en-US" dirty="0"/>
-              <a:t>工资结算</a:t>
-            </a:r>
-            <a:r>
-              <a:rPr lang="en-US" altLang="zh-CN" dirty="0"/>
-              <a:t>Payroll calculation</a:t>
-            </a:r>
-            <a:br>
-              <a:rPr lang="en-US" altLang="zh-CN" dirty="0"/>
-            </a:br>
-            <a:r>
-              <a:rPr lang="en-US" altLang="zh-CN" dirty="0"/>
-              <a:t>Step 1 –Period</a:t>
-            </a:r>
-            <a:r>
-              <a:rPr lang="zh-CN" altLang="en-US" dirty="0"/>
-              <a:t>区间</a:t>
-            </a:r>
-            <a:endParaRPr lang="en-US" dirty="0"/>
+              <a:rPr lang="en-US" dirty="0"/>
+              <a:t>Payroll template</a:t>
+            </a:r>
           </a:p>
         </p:txBody>
       </p:sp>
@@ -7209,7 +7216,7 @@
           <p:cNvPr id="3" name="Content Placeholder 2">
             <a:extLst>
               <a:ext uri="{FF2B5EF4-FFF2-40B4-BE49-F238E27FC236}">
-                <a16:creationId xmlns:a16="http://schemas.microsoft.com/office/drawing/2014/main" id="{DBEB0881-329A-4A6D-A103-101F20A953CE}"/>
+                <a16:creationId xmlns:a16="http://schemas.microsoft.com/office/drawing/2014/main" id="{821C009F-A315-431A-A658-CDDD1D61B41C}"/>
               </a:ext>
             </a:extLst>
           </p:cNvPr>
@@ -7220,334 +7227,35 @@
             <p:ph idx="1"/>
           </p:nvPr>
         </p:nvSpPr>
-        <p:spPr>
-          <a:xfrm>
-            <a:off x="1251678" y="2286001"/>
-            <a:ext cx="10178322" cy="4423143"/>
-          </a:xfrm>
-        </p:spPr>
+        <p:spPr/>
         <p:txBody>
-          <a:bodyPr>
-            <a:normAutofit fontScale="85000" lnSpcReduction="20000"/>
-          </a:bodyPr>
+          <a:bodyPr/>
           <a:lstStyle/>
           <a:p>
             <a:r>
-              <a:rPr lang="zh-CN" altLang="en-US" dirty="0"/>
-              <a:t>提供一个</a:t>
-            </a:r>
-            <a:r>
-              <a:rPr lang="en-US" altLang="zh-CN" dirty="0"/>
-              <a:t>Textbox</a:t>
-            </a:r>
-            <a:r>
-              <a:rPr lang="zh-CN" altLang="en-US" dirty="0"/>
-              <a:t>和</a:t>
-            </a:r>
-            <a:r>
-              <a:rPr lang="en-US" altLang="zh-CN" dirty="0"/>
-              <a:t>Search</a:t>
-            </a:r>
-            <a:r>
-              <a:rPr lang="zh-CN" altLang="en-US" dirty="0"/>
-              <a:t>按钮让用户查询</a:t>
-            </a:r>
-            <a:r>
-              <a:rPr lang="en-US" altLang="zh-CN" dirty="0" err="1"/>
-              <a:t>PeriodCode</a:t>
-            </a:r>
-            <a:br>
-              <a:rPr lang="en-US" altLang="zh-CN" dirty="0"/>
-            </a:br>
-            <a:r>
-              <a:rPr lang="zh-CN" altLang="en-US" dirty="0"/>
-              <a:t>输入的关键字替换下面蓝色部分</a:t>
-            </a:r>
-            <a:br>
-              <a:rPr lang="en-US" altLang="zh-CN" dirty="0"/>
-            </a:br>
-            <a:r>
-              <a:rPr lang="zh-CN" altLang="en-US" dirty="0"/>
-              <a:t>不输入任何内容则去除</a:t>
-            </a:r>
-            <a:r>
-              <a:rPr lang="en-US" altLang="zh-CN" dirty="0"/>
-              <a:t>Period.PeriodCode%20LK%keyword</a:t>
-            </a:r>
-            <a:r>
-              <a:rPr lang="zh-CN" altLang="en-US" dirty="0"/>
-              <a:t>部分</a:t>
-            </a:r>
-            <a:br>
-              <a:rPr lang="en-US" altLang="zh-CN" dirty="0"/>
-            </a:br>
-            <a:r>
-              <a:rPr lang="en-US" altLang="zh-CN" dirty="0"/>
-              <a:t>keyword</a:t>
-            </a:r>
-            <a:r>
-              <a:rPr lang="zh-CN" altLang="en-US" dirty="0"/>
-              <a:t>为查询关键字（</a:t>
-            </a:r>
-            <a:r>
-              <a:rPr lang="en-US" altLang="zh-CN" dirty="0"/>
-              <a:t>%</a:t>
-            </a:r>
-            <a:r>
-              <a:rPr lang="zh-CN" altLang="en-US" dirty="0"/>
-              <a:t>：代表任意个数任意数字符，</a:t>
-            </a:r>
-            <a:r>
-              <a:rPr lang="en-US" altLang="zh-CN" dirty="0"/>
-              <a:t>_</a:t>
-            </a:r>
-            <a:r>
-              <a:rPr lang="zh-CN" altLang="en-US" dirty="0"/>
-              <a:t>：代表单个任意字符）</a:t>
-            </a:r>
-            <a:endParaRPr lang="en-US" altLang="zh-CN" dirty="0"/>
-          </a:p>
-          <a:p>
-            <a:r>
-              <a:rPr lang="zh-CN" altLang="en-US" dirty="0"/>
-              <a:t>查询新添加的</a:t>
-            </a:r>
-            <a:r>
-              <a:rPr lang="en-US" altLang="zh-CN" dirty="0"/>
-              <a:t>period</a:t>
-            </a:r>
-            <a:br>
-              <a:rPr lang="en-US" altLang="zh-CN" dirty="0"/>
-            </a:br>
-            <a:r>
-              <a:rPr lang="en-US" altLang="zh-CN" dirty="0"/>
-              <a:t>/p/select?c=period.*,payrolltrans.transuid&amp;w=payrolltrans.transuid%20IS%20null</a:t>
-            </a:r>
-          </a:p>
-          <a:p>
-            <a:r>
-              <a:rPr lang="zh-CN" altLang="en-US" dirty="0"/>
-              <a:t>根据</a:t>
-            </a:r>
-            <a:r>
-              <a:rPr lang="en-US" altLang="zh-CN" dirty="0" err="1"/>
-              <a:t>CompanyCode</a:t>
-            </a:r>
-            <a:r>
-              <a:rPr lang="zh-CN" altLang="en-US" dirty="0"/>
-              <a:t>查询现有</a:t>
-            </a:r>
-            <a:r>
-              <a:rPr lang="en-US" altLang="zh-CN" dirty="0"/>
-              <a:t>Period (</a:t>
-            </a:r>
-            <a:r>
-              <a:rPr lang="zh-CN" altLang="en-US" dirty="0"/>
-              <a:t>红色部分为</a:t>
-            </a:r>
-            <a:r>
-              <a:rPr lang="en-US" altLang="zh-CN" dirty="0" err="1"/>
-              <a:t>companyCode</a:t>
-            </a:r>
-            <a:r>
-              <a:rPr lang="en-US" altLang="zh-CN" dirty="0"/>
-              <a:t>)</a:t>
-            </a:r>
-            <a:br>
-              <a:rPr lang="en-US" altLang="zh-CN" dirty="0"/>
-            </a:br>
-            <a:r>
-              <a:rPr lang="en-US" altLang="zh-CN" dirty="0"/>
+              <a:rPr lang="en-US" dirty="0"/>
               <a:t>/p/</a:t>
             </a:r>
             <a:r>
-              <a:rPr lang="en-US" altLang="zh-CN" dirty="0" err="1"/>
+              <a:rPr lang="en-US" dirty="0" err="1"/>
               <a:t>select?c</a:t>
             </a:r>
             <a:r>
-              <a:rPr lang="en-US" altLang="zh-CN" dirty="0"/>
-              <a:t>=top 15,payrolltrans.PeriodCode,period.PeriodType,period.CompanyCode,period.StartDate,period.EndDate,$count(1)%20as%20Transactions&amp;o=_period.StartDate&amp;g=payrolltrans.periodcode,period.periodtype,period.companycode,period.startdate,period.enddate&amp;w=</a:t>
-            </a:r>
-            <a:r>
-              <a:rPr lang="en-US" altLang="zh-CN" b="1" dirty="0"/>
-              <a:t>Period.CompanyCode%20EQ%20</a:t>
-            </a:r>
-            <a:r>
-              <a:rPr lang="en-US" altLang="zh-CN" b="1" dirty="0">
-                <a:solidFill>
-                  <a:srgbClr val="FF0000"/>
-                </a:solidFill>
-              </a:rPr>
-              <a:t>Ltd</a:t>
-            </a:r>
-            <a:r>
-              <a:rPr lang="zh-CN" altLang="en-US" b="1" dirty="0">
-                <a:solidFill>
-                  <a:schemeClr val="tx1"/>
-                </a:solidFill>
-              </a:rPr>
-              <a:t>，</a:t>
-            </a:r>
-            <a:r>
-              <a:rPr lang="en-US" altLang="zh-CN" b="1" dirty="0">
-                <a:solidFill>
-                  <a:schemeClr val="tx1"/>
-                </a:solidFill>
-              </a:rPr>
-              <a:t>Period.PeriodCode%20LK%20</a:t>
-            </a:r>
-            <a:r>
-              <a:rPr lang="en-US" altLang="zh-CN" b="1" dirty="0">
-                <a:solidFill>
-                  <a:schemeClr val="accent3">
-                    <a:lumMod val="75000"/>
-                  </a:schemeClr>
-                </a:solidFill>
-              </a:rPr>
-              <a:t>%keyword%</a:t>
-            </a:r>
-          </a:p>
-          <a:p>
-            <a:r>
-              <a:rPr lang="zh-CN" altLang="en-US" dirty="0"/>
-              <a:t>行操作按钮：（</a:t>
-            </a:r>
-            <a:r>
-              <a:rPr lang="en-US" altLang="zh-CN" dirty="0"/>
-              <a:t>period</a:t>
-            </a:r>
-            <a:r>
-              <a:rPr lang="zh-CN" altLang="en-US" dirty="0"/>
-              <a:t>不提供编辑功能）</a:t>
-            </a:r>
-            <a:br>
-              <a:rPr lang="en-US" altLang="zh-CN" dirty="0"/>
-            </a:br>
-            <a:r>
-              <a:rPr lang="en-US" altLang="zh-CN" dirty="0"/>
-              <a:t>Details: </a:t>
-            </a:r>
-            <a:r>
-              <a:rPr lang="zh-CN" altLang="en-US" dirty="0"/>
-              <a:t>缓存</a:t>
-            </a:r>
-            <a:r>
-              <a:rPr lang="en-US" altLang="zh-CN" dirty="0" err="1"/>
-              <a:t>PeriodCode</a:t>
-            </a:r>
-            <a:r>
-              <a:rPr lang="zh-CN" altLang="en-US" dirty="0"/>
-              <a:t>，跳转第二步页面</a:t>
-            </a:r>
-            <a:br>
-              <a:rPr lang="en-US" altLang="zh-CN" dirty="0"/>
-            </a:br>
-            <a:r>
-              <a:rPr lang="en-US" altLang="zh-CN" dirty="0"/>
-              <a:t>Delete: </a:t>
-            </a:r>
-            <a:r>
-              <a:rPr lang="zh-CN" altLang="en-US" dirty="0"/>
-              <a:t>删除当前</a:t>
-            </a:r>
-            <a:r>
-              <a:rPr lang="en-US" altLang="zh-CN" dirty="0"/>
-              <a:t>Period</a:t>
-            </a:r>
-            <a:r>
-              <a:rPr lang="zh-CN" altLang="en-US" dirty="0"/>
-              <a:t>（如果</a:t>
-            </a:r>
-            <a:r>
-              <a:rPr lang="en-US" altLang="zh-CN" dirty="0"/>
-              <a:t>Transactions</a:t>
-            </a:r>
-            <a:r>
-              <a:rPr lang="zh-CN" altLang="en-US" dirty="0"/>
-              <a:t>列大于</a:t>
-            </a:r>
-            <a:r>
-              <a:rPr lang="en-US" altLang="zh-CN" dirty="0"/>
-              <a:t>0</a:t>
-            </a:r>
-            <a:r>
-              <a:rPr lang="zh-CN" altLang="en-US" dirty="0"/>
-              <a:t>，隐藏该按钮，删除</a:t>
-            </a:r>
-            <a:r>
-              <a:rPr lang="en-US" altLang="zh-CN" dirty="0"/>
-              <a:t>API</a:t>
-            </a:r>
-            <a:r>
-              <a:rPr lang="zh-CN" altLang="en-US" dirty="0"/>
-              <a:t>正在开发中</a:t>
-            </a:r>
-            <a:r>
-              <a:rPr lang="en-US" altLang="zh-CN" dirty="0"/>
-              <a:t>…</a:t>
-            </a:r>
-            <a:r>
-              <a:rPr lang="zh-CN" altLang="en-US" dirty="0"/>
-              <a:t>）</a:t>
-            </a:r>
-            <a:endParaRPr lang="en-US" altLang="zh-CN" dirty="0"/>
-          </a:p>
-          <a:p>
-            <a:r>
-              <a:rPr lang="zh-CN" altLang="en-US" dirty="0"/>
-              <a:t>页操作按钮：</a:t>
-            </a:r>
-            <a:br>
-              <a:rPr lang="en-US" altLang="zh-CN" dirty="0"/>
-            </a:br>
-            <a:r>
-              <a:rPr lang="en-US" altLang="zh-CN" dirty="0"/>
-              <a:t>Add: </a:t>
-            </a:r>
-            <a:r>
-              <a:rPr lang="zh-CN" altLang="en-US" dirty="0"/>
-              <a:t>添加新</a:t>
-            </a:r>
-            <a:r>
-              <a:rPr lang="en-US" altLang="zh-CN" dirty="0"/>
-              <a:t>Period</a:t>
-            </a:r>
-            <a:r>
-              <a:rPr lang="zh-CN" altLang="en-US" dirty="0"/>
-              <a:t>（弹出</a:t>
-            </a:r>
-            <a:r>
-              <a:rPr lang="en-US" altLang="zh-CN" dirty="0"/>
-              <a:t>Popup / </a:t>
-            </a:r>
-            <a:r>
-              <a:rPr lang="zh-CN" altLang="en-US" dirty="0"/>
-              <a:t>新窗口</a:t>
-            </a:r>
-            <a:r>
-              <a:rPr lang="en-US" altLang="zh-CN" dirty="0"/>
-              <a:t>, </a:t>
-            </a:r>
-            <a:r>
-              <a:rPr lang="zh-CN" altLang="en-US" dirty="0"/>
-              <a:t>保存</a:t>
-            </a:r>
-            <a:r>
-              <a:rPr lang="en-US" altLang="zh-CN" dirty="0"/>
-              <a:t>API</a:t>
-            </a:r>
-            <a:r>
-              <a:rPr lang="zh-CN" altLang="en-US" dirty="0"/>
-              <a:t>正在开发中）</a:t>
-            </a:r>
-            <a:endParaRPr lang="en-US" altLang="zh-CN" dirty="0"/>
+              <a:rPr lang="en-US" dirty="0"/>
+              <a:t>=payitemtemplate.TemplateCode,payitemtemplate.FunctionName,payitemtemplate.DisplayName,payitemtemplate.Description,payitemtemplate.CompanyCode,payitemtemplate.PayType,payitemtemplate.Amount,payitemtemplate.Function&amp;o=</a:t>
+            </a:r>
+            <a:r>
+              <a:rPr lang="en-US" dirty="0" err="1"/>
+              <a:t>PayItemTemplate.CompanyCode,PayItemTemplate.FunctionName</a:t>
+            </a:r>
+            <a:endParaRPr lang="en-US" dirty="0"/>
           </a:p>
         </p:txBody>
       </p:sp>
     </p:spTree>
     <p:extLst>
       <p:ext uri="{BB962C8B-B14F-4D97-AF65-F5344CB8AC3E}">
-        <p14:creationId xmlns:p14="http://schemas.microsoft.com/office/powerpoint/2010/main" val="2896626945"/>
+        <p14:creationId xmlns:p14="http://schemas.microsoft.com/office/powerpoint/2010/main" val="3344546502"/>
       </p:ext>
     </p:extLst>
   </p:cSld>
@@ -7579,7 +7287,7 @@
           <p:cNvPr id="2" name="Title 1">
             <a:extLst>
               <a:ext uri="{FF2B5EF4-FFF2-40B4-BE49-F238E27FC236}">
-                <a16:creationId xmlns:a16="http://schemas.microsoft.com/office/drawing/2014/main" id="{751CC575-CAB5-47E1-A576-18EE767B90C2}"/>
+                <a16:creationId xmlns:a16="http://schemas.microsoft.com/office/drawing/2014/main" id="{AE43AD45-F1DC-4D3B-B95F-DA17B5B8A84E}"/>
               </a:ext>
             </a:extLst>
           </p:cNvPr>
@@ -7596,25 +7304,9 @@
           <a:lstStyle/>
           <a:p>
             <a:r>
-              <a:rPr lang="zh-CN" altLang="en-US" dirty="0"/>
-              <a:t>工资结算</a:t>
-            </a:r>
-            <a:r>
-              <a:rPr lang="en-US" altLang="zh-CN" dirty="0"/>
-              <a:t>Payroll calculation</a:t>
-            </a:r>
-            <a:br>
-              <a:rPr lang="en-US" altLang="zh-CN" dirty="0"/>
-            </a:br>
-            <a:r>
-              <a:rPr lang="en-US" altLang="zh-CN" dirty="0"/>
-              <a:t>Step 2 – transaction</a:t>
-            </a:r>
-            <a:r>
-              <a:rPr lang="zh-CN" altLang="en-US" dirty="0"/>
-              <a:t>事务</a:t>
-            </a:r>
-            <a:endParaRPr lang="en-US" dirty="0"/>
+              <a:rPr lang="en-US" dirty="0"/>
+              <a:t>Employee Package</a:t>
+            </a:r>
           </a:p>
         </p:txBody>
       </p:sp>
@@ -7623,7 +7315,7 @@
           <p:cNvPr id="3" name="Content Placeholder 2">
             <a:extLst>
               <a:ext uri="{FF2B5EF4-FFF2-40B4-BE49-F238E27FC236}">
-                <a16:creationId xmlns:a16="http://schemas.microsoft.com/office/drawing/2014/main" id="{DBEB0881-329A-4A6D-A103-101F20A953CE}"/>
+                <a16:creationId xmlns:a16="http://schemas.microsoft.com/office/drawing/2014/main" id="{CE06DE1A-7F45-4FA4-AE79-9D9E233EBA3F}"/>
               </a:ext>
             </a:extLst>
           </p:cNvPr>
@@ -7634,477 +7326,46 @@
             <p:ph idx="1"/>
           </p:nvPr>
         </p:nvSpPr>
-        <p:spPr>
-          <a:xfrm>
-            <a:off x="1251678" y="1874517"/>
-            <a:ext cx="10178322" cy="4877157"/>
-          </a:xfrm>
-        </p:spPr>
+        <p:spPr/>
         <p:txBody>
-          <a:bodyPr>
-            <a:normAutofit fontScale="70000" lnSpcReduction="20000"/>
-          </a:bodyPr>
+          <a:bodyPr/>
           <a:lstStyle/>
           <a:p>
             <a:r>
-              <a:rPr lang="en-US" altLang="zh-CN" dirty="0" err="1"/>
-              <a:t>PayrollStatus</a:t>
-            </a:r>
-            <a:br>
-              <a:rPr lang="en-US" altLang="zh-CN" dirty="0"/>
-            </a:br>
-            <a:r>
-              <a:rPr lang="en-US" altLang="zh-CN" dirty="0"/>
-              <a:t>0: Initial</a:t>
-            </a:r>
-            <a:br>
-              <a:rPr lang="en-US" altLang="zh-CN" dirty="0"/>
-            </a:br>
-            <a:r>
-              <a:rPr lang="en-US" altLang="zh-CN" dirty="0"/>
-              <a:t>1: Preview</a:t>
-            </a:r>
-            <a:br>
-              <a:rPr lang="en-US" altLang="zh-CN" dirty="0"/>
-            </a:br>
-            <a:r>
-              <a:rPr lang="en-US" altLang="zh-CN" dirty="0"/>
-              <a:t>2: Committed</a:t>
-            </a:r>
-            <a:br>
-              <a:rPr lang="en-US" altLang="zh-CN" dirty="0"/>
-            </a:br>
-            <a:r>
-              <a:rPr lang="en-US" altLang="zh-CN" dirty="0"/>
-              <a:t>3: Error</a:t>
-            </a:r>
-            <a:br>
-              <a:rPr lang="en-US" altLang="zh-CN" dirty="0"/>
-            </a:br>
-            <a:r>
-              <a:rPr lang="zh-CN" altLang="en-US" dirty="0"/>
-              <a:t>（若发现同一个</a:t>
-            </a:r>
-            <a:r>
-              <a:rPr lang="en-US" altLang="zh-CN" dirty="0" err="1"/>
-              <a:t>EmpCode</a:t>
-            </a:r>
-            <a:r>
-              <a:rPr lang="zh-CN" altLang="en-US" dirty="0"/>
-              <a:t>对应多条</a:t>
-            </a:r>
-            <a:r>
-              <a:rPr lang="en-US" altLang="zh-CN" dirty="0" err="1"/>
-              <a:t>PayrollStatus</a:t>
-            </a:r>
-            <a:r>
-              <a:rPr lang="zh-CN" altLang="en-US" dirty="0"/>
-              <a:t>，取第一条记录并且将该条记录</a:t>
-            </a:r>
-            <a:r>
-              <a:rPr lang="en-US" altLang="zh-CN" dirty="0" err="1"/>
-              <a:t>PayrollStatus</a:t>
-            </a:r>
-            <a:r>
-              <a:rPr lang="zh-CN" altLang="en-US" dirty="0"/>
-              <a:t>设为</a:t>
-            </a:r>
-            <a:r>
-              <a:rPr lang="en-US" altLang="zh-CN" dirty="0"/>
-              <a:t>Error</a:t>
-            </a:r>
-            <a:r>
-              <a:rPr lang="zh-CN" altLang="en-US" dirty="0"/>
-              <a:t>）</a:t>
-            </a:r>
-            <a:endParaRPr lang="en-US" altLang="zh-CN" dirty="0"/>
-          </a:p>
-          <a:p>
-            <a:r>
-              <a:rPr lang="zh-CN" altLang="en-US" dirty="0"/>
-              <a:t>列出该公司该</a:t>
-            </a:r>
-            <a:r>
-              <a:rPr lang="en-US" altLang="zh-CN" dirty="0"/>
-              <a:t>Period</a:t>
-            </a:r>
-            <a:r>
-              <a:rPr lang="zh-CN" altLang="en-US" dirty="0"/>
-              <a:t>内所有员工</a:t>
-            </a:r>
-            <a:r>
-              <a:rPr lang="en-US" altLang="zh-CN" dirty="0"/>
-              <a:t>/p/</a:t>
-            </a:r>
-            <a:r>
-              <a:rPr lang="en-US" altLang="zh-CN" dirty="0" err="1"/>
-              <a:t>select?c</a:t>
-            </a:r>
-            <a:r>
-              <a:rPr lang="en-US" altLang="zh-CN" dirty="0"/>
-              <a:t>=payrolltrans.empcode,employee.fullchinesename,payrolltrans.payrollstatus,employee.companycode,payrolltrans.periodcode&amp;g=payrolltrans.payrollstatus,payrolltrans.empcode,employee.fullchinesename,employee.companycode,payrolltrans.periodcode&amp;w=</a:t>
-            </a:r>
-            <a:r>
-              <a:rPr lang="en-US" altLang="zh-CN" dirty="0" err="1"/>
-              <a:t>employee.companycode</a:t>
-            </a:r>
-            <a:r>
-              <a:rPr lang="en-US" altLang="zh-CN" dirty="0"/>
-              <a:t> LK </a:t>
-            </a:r>
-            <a:r>
-              <a:rPr lang="en-US" altLang="zh-CN" dirty="0" err="1">
+              <a:rPr lang="en-US" dirty="0"/>
+              <a:t>https://localhost/p/select?c=PackageItem.PackageItemUid,Employee.EmpCode,Employee.FullChineseName,PackageItem.Templatecode,PackageItem.CompanyCode,PackageItem.Amount,PackageItem.Function,PackageItem.EffectiveDate,PackageItem.PackageUid&amp;o=Employee.EmpCode,PackageItem.PackageUid&amp;w=Employee.EmpCode EQ </a:t>
+            </a:r>
+            <a:r>
+              <a:rPr lang="en-US" dirty="0">
                 <a:solidFill>
-                  <a:schemeClr val="accent5">
-                    <a:lumMod val="75000"/>
-                  </a:schemeClr>
+                  <a:srgbClr val="FF0000"/>
                 </a:solidFill>
               </a:rPr>
-              <a:t>TFHK</a:t>
-            </a:r>
-            <a:r>
-              <a:rPr lang="en-US" altLang="zh-CN" dirty="0" err="1"/>
-              <a:t>,payrolltrans.periodcode</a:t>
-            </a:r>
-            <a:r>
-              <a:rPr lang="en-US" altLang="zh-CN" dirty="0"/>
-              <a:t> LK </a:t>
-            </a:r>
-            <a:r>
-              <a:rPr lang="en-US" altLang="zh-CN" dirty="0">
+              <a:t>[</a:t>
+            </a:r>
+            <a:r>
+              <a:rPr lang="zh-CN" altLang="en-US" dirty="0">
                 <a:solidFill>
-                  <a:schemeClr val="accent5">
-                    <a:lumMod val="75000"/>
-                  </a:schemeClr>
+                  <a:srgbClr val="FF0000"/>
                 </a:solidFill>
               </a:rPr>
-              <a:t>ltdpd1</a:t>
-            </a:r>
-            <a:endParaRPr lang="en-US" altLang="zh-CN" dirty="0"/>
-          </a:p>
-          <a:p>
-            <a:r>
-              <a:rPr lang="zh-CN" altLang="en-US" dirty="0"/>
-              <a:t>若上面查询返回数据为空，则使用下面查询得到该公司所有员工的相同信息并增加</a:t>
-            </a:r>
-            <a:r>
-              <a:rPr lang="en-US" altLang="zh-CN" dirty="0" err="1"/>
-              <a:t>payrollstatus</a:t>
-            </a:r>
-            <a:r>
-              <a:rPr lang="zh-CN" altLang="en-US" dirty="0"/>
-              <a:t>列并显示初始状态 </a:t>
-            </a:r>
-            <a:r>
-              <a:rPr lang="en-US" altLang="zh-CN" dirty="0"/>
-              <a:t>Initial</a:t>
-            </a:r>
-            <a:br>
-              <a:rPr lang="en-US" altLang="zh-CN" dirty="0"/>
-            </a:br>
-            <a:r>
-              <a:rPr lang="en-US" altLang="zh-CN" dirty="0"/>
-              <a:t>/p/</a:t>
-            </a:r>
-            <a:r>
-              <a:rPr lang="en-US" altLang="zh-CN" dirty="0" err="1"/>
-              <a:t>select?c</a:t>
-            </a:r>
-            <a:r>
-              <a:rPr lang="en-US" altLang="zh-CN" dirty="0"/>
-              <a:t>= </a:t>
-            </a:r>
-            <a:r>
-              <a:rPr lang="en-US" altLang="zh-CN" dirty="0" err="1"/>
-              <a:t>employee.empcode,employee.fullchinesename&amp;w</a:t>
-            </a:r>
-            <a:r>
-              <a:rPr lang="en-US" altLang="zh-CN" dirty="0"/>
-              <a:t>=employee.companycode%20LK%20</a:t>
-            </a:r>
-            <a:r>
-              <a:rPr lang="en-US" altLang="zh-CN" dirty="0">
+              <a:t>工号</a:t>
+            </a:r>
+            <a:r>
+              <a:rPr lang="en-US" dirty="0">
                 <a:solidFill>
-                  <a:schemeClr val="accent5">
-                    <a:lumMod val="75000"/>
-                  </a:schemeClr>
+                  <a:srgbClr val="FF0000"/>
                 </a:solidFill>
               </a:rPr>
-              <a:t>Ltd</a:t>
-            </a:r>
-          </a:p>
-          <a:p>
-            <a:r>
-              <a:rPr lang="zh-CN" altLang="en-US" dirty="0"/>
-              <a:t>行操作按钮</a:t>
-            </a:r>
-            <a:br>
-              <a:rPr lang="en-US" altLang="zh-CN" dirty="0"/>
-            </a:br>
-            <a:r>
-              <a:rPr lang="en-US" altLang="zh-CN" dirty="0"/>
-              <a:t>Start: </a:t>
-            </a:r>
-            <a:r>
-              <a:rPr lang="zh-CN" altLang="en-US" dirty="0"/>
-              <a:t>调用 </a:t>
-            </a:r>
-            <a:r>
-              <a:rPr lang="en-US" altLang="zh-CN" dirty="0" err="1"/>
-              <a:t>CalcTrans</a:t>
-            </a:r>
-            <a:r>
-              <a:rPr lang="en-US" altLang="zh-CN" dirty="0"/>
-              <a:t> API</a:t>
-            </a:r>
-            <a:r>
-              <a:rPr lang="zh-CN" altLang="en-US" dirty="0"/>
-              <a:t>并设置状态为</a:t>
-            </a:r>
-            <a:r>
-              <a:rPr lang="en-US" altLang="zh-CN" dirty="0"/>
-              <a:t>In Progress</a:t>
-            </a:r>
-            <a:r>
-              <a:rPr lang="zh-CN" altLang="en-US" dirty="0"/>
-              <a:t>直到</a:t>
-            </a:r>
-            <a:r>
-              <a:rPr lang="en-US" altLang="zh-CN" dirty="0" err="1"/>
-              <a:t>CalcTrans</a:t>
-            </a:r>
-            <a:r>
-              <a:rPr lang="zh-CN" altLang="en-US" dirty="0"/>
-              <a:t>返回结果后设为</a:t>
-            </a:r>
-            <a:r>
-              <a:rPr lang="en-US" altLang="zh-CN" dirty="0"/>
-              <a:t>Preview</a:t>
-            </a:r>
-            <a:r>
-              <a:rPr lang="zh-CN" altLang="en-US" dirty="0"/>
-              <a:t>状态，若任意</a:t>
-            </a:r>
-            <a:r>
-              <a:rPr lang="en-US" altLang="zh-CN" dirty="0"/>
-              <a:t>API</a:t>
-            </a:r>
-            <a:r>
-              <a:rPr lang="zh-CN" altLang="en-US" dirty="0"/>
-              <a:t>返回</a:t>
-            </a:r>
-            <a:r>
-              <a:rPr lang="en-US" altLang="zh-CN" dirty="0"/>
-              <a:t>Code</a:t>
-            </a:r>
-            <a:r>
-              <a:rPr lang="zh-CN" altLang="en-US" dirty="0"/>
-              <a:t>不为</a:t>
-            </a:r>
-            <a:r>
-              <a:rPr lang="en-US" altLang="zh-CN" dirty="0"/>
-              <a:t>0</a:t>
-            </a:r>
-            <a:r>
-              <a:rPr lang="zh-CN" altLang="en-US" dirty="0"/>
-              <a:t>，显示</a:t>
-            </a:r>
-            <a:r>
-              <a:rPr lang="en-US" altLang="zh-CN" dirty="0"/>
-              <a:t>	</a:t>
-            </a:r>
-            <a:r>
-              <a:rPr lang="zh-CN" altLang="en-US" dirty="0"/>
-              <a:t>状态</a:t>
-            </a:r>
-            <a:r>
-              <a:rPr lang="en-US" altLang="zh-CN" dirty="0"/>
-              <a:t>Error</a:t>
-            </a:r>
-            <a:r>
-              <a:rPr lang="zh-CN" altLang="en-US" dirty="0"/>
-              <a:t>（用户单击</a:t>
-            </a:r>
-            <a:r>
-              <a:rPr lang="en-US" altLang="zh-CN" dirty="0"/>
-              <a:t>Error</a:t>
-            </a:r>
-            <a:r>
-              <a:rPr lang="zh-CN" altLang="en-US" dirty="0"/>
-              <a:t>能看到服务器返回的错误信息）用户再次单击</a:t>
-            </a:r>
-            <a:r>
-              <a:rPr lang="en-US" altLang="zh-CN" dirty="0"/>
-              <a:t>Start</a:t>
-            </a:r>
-            <a:r>
-              <a:rPr lang="zh-CN" altLang="en-US" dirty="0"/>
-              <a:t>则重新开始该用户的计算</a:t>
-            </a:r>
-            <a:br>
-              <a:rPr lang="en-US" altLang="zh-CN" dirty="0"/>
-            </a:br>
-            <a:r>
-              <a:rPr lang="en-US" altLang="zh-CN" dirty="0"/>
-              <a:t>Report: </a:t>
-            </a:r>
-            <a:r>
-              <a:rPr lang="zh-CN" altLang="en-US" dirty="0"/>
-              <a:t>只在</a:t>
-            </a:r>
-            <a:r>
-              <a:rPr lang="en-US" altLang="zh-CN" dirty="0"/>
-              <a:t>Committed</a:t>
-            </a:r>
-            <a:r>
-              <a:rPr lang="zh-CN" altLang="en-US" dirty="0"/>
-              <a:t>状态时显示，跳转报表详情页面</a:t>
-            </a:r>
-            <a:endParaRPr lang="en-US" altLang="zh-CN" dirty="0"/>
-          </a:p>
-          <a:p>
-            <a:r>
-              <a:rPr lang="zh-CN" altLang="en-US" dirty="0"/>
-              <a:t>页操作按钮</a:t>
-            </a:r>
-            <a:br>
-              <a:rPr lang="en-US" altLang="zh-CN" dirty="0"/>
-            </a:br>
-            <a:r>
-              <a:rPr lang="en-US" altLang="zh-CN" dirty="0"/>
-              <a:t>Start All: </a:t>
-            </a:r>
-            <a:r>
-              <a:rPr lang="zh-CN" altLang="en-US" dirty="0"/>
-              <a:t>循环遍历每一个员工依次调用 </a:t>
-            </a:r>
-            <a:r>
-              <a:rPr lang="en-US" altLang="zh-CN" dirty="0" err="1"/>
-              <a:t>CalcTrans</a:t>
-            </a:r>
-            <a:r>
-              <a:rPr lang="zh-CN" altLang="en-US" dirty="0"/>
-              <a:t>（单击完后隐藏，显示</a:t>
-            </a:r>
-            <a:r>
-              <a:rPr lang="en-US" altLang="zh-CN" dirty="0"/>
-              <a:t>Stop All</a:t>
-            </a:r>
-            <a:r>
-              <a:rPr lang="zh-CN" altLang="en-US" dirty="0"/>
-              <a:t>）</a:t>
-            </a:r>
-            <a:br>
-              <a:rPr lang="en-US" altLang="zh-CN" dirty="0"/>
-            </a:br>
-            <a:r>
-              <a:rPr lang="en-US" altLang="zh-CN" dirty="0"/>
-              <a:t>	</a:t>
-            </a:r>
-            <a:r>
-              <a:rPr lang="zh-CN" altLang="en-US" dirty="0"/>
-              <a:t>若某员工计算出错（状态为</a:t>
-            </a:r>
-            <a:r>
-              <a:rPr lang="en-US" altLang="zh-CN" dirty="0"/>
-              <a:t>Error</a:t>
-            </a:r>
-            <a:r>
-              <a:rPr lang="zh-CN" altLang="en-US" dirty="0"/>
-              <a:t>），不影响其他员工计算，循环继续</a:t>
-            </a:r>
-            <a:br>
-              <a:rPr lang="en-US" altLang="zh-CN" dirty="0"/>
-            </a:br>
-            <a:r>
-              <a:rPr lang="en-US" altLang="zh-CN" dirty="0"/>
-              <a:t>	</a:t>
-            </a:r>
-            <a:r>
-              <a:rPr lang="zh-CN" altLang="en-US" dirty="0"/>
-              <a:t>若所有员工</a:t>
-            </a:r>
-            <a:br>
-              <a:rPr lang="en-US" altLang="zh-CN" dirty="0"/>
-            </a:br>
-            <a:r>
-              <a:rPr lang="en-US" altLang="zh-CN" dirty="0"/>
-              <a:t>Stop All: </a:t>
-            </a:r>
-            <a:r>
-              <a:rPr lang="zh-CN" altLang="en-US" dirty="0"/>
-              <a:t>当前员工计算完成后终止循环（单击后隐藏，显示</a:t>
-            </a:r>
-            <a:r>
-              <a:rPr lang="en-US" altLang="zh-CN" dirty="0"/>
-              <a:t>Start All</a:t>
-            </a:r>
-            <a:r>
-              <a:rPr lang="zh-CN" altLang="en-US" dirty="0"/>
-              <a:t>）</a:t>
-            </a:r>
-            <a:br>
-              <a:rPr lang="en-US" altLang="zh-CN" dirty="0"/>
-            </a:br>
-            <a:r>
-              <a:rPr lang="en-US" altLang="zh-CN" dirty="0"/>
-              <a:t>Preview: </a:t>
-            </a:r>
-            <a:r>
-              <a:rPr lang="zh-CN" altLang="en-US" dirty="0"/>
-              <a:t>所有员工状态为</a:t>
-            </a:r>
-            <a:r>
-              <a:rPr lang="en-US" altLang="zh-CN" dirty="0"/>
-              <a:t>Preview</a:t>
-            </a:r>
-            <a:r>
-              <a:rPr lang="zh-CN" altLang="en-US" dirty="0"/>
-              <a:t>或</a:t>
-            </a:r>
-            <a:r>
-              <a:rPr lang="en-US" altLang="zh-CN" dirty="0"/>
-              <a:t>Committed</a:t>
-            </a:r>
-            <a:r>
-              <a:rPr lang="zh-CN" altLang="en-US" dirty="0"/>
-              <a:t>时显示，跳转</a:t>
-            </a:r>
-            <a:r>
-              <a:rPr lang="en-US" altLang="zh-CN" dirty="0"/>
-              <a:t>Step 3</a:t>
-            </a:r>
-            <a:r>
-              <a:rPr lang="zh-CN" altLang="en-US" dirty="0"/>
-              <a:t>准备生成报表</a:t>
-            </a:r>
-            <a:br>
-              <a:rPr lang="en-US" altLang="zh-CN" dirty="0"/>
-            </a:br>
-            <a:r>
-              <a:rPr lang="en-US" altLang="zh-CN" dirty="0"/>
-              <a:t>View Report: </a:t>
-            </a:r>
-            <a:r>
-              <a:rPr lang="zh-CN" altLang="en-US" dirty="0"/>
-              <a:t>所有员工状态为</a:t>
-            </a:r>
-            <a:r>
-              <a:rPr lang="en-US" altLang="zh-CN" dirty="0"/>
-              <a:t>Committed</a:t>
-            </a:r>
-            <a:r>
-              <a:rPr lang="zh-CN" altLang="en-US" dirty="0"/>
-              <a:t>时显示，跳转报表详情页</a:t>
-            </a:r>
-            <a:endParaRPr lang="en-US" altLang="zh-CN" dirty="0"/>
+              <a:t>]</a:t>
+            </a:r>
           </a:p>
         </p:txBody>
       </p:sp>
     </p:spTree>
     <p:extLst>
       <p:ext uri="{BB962C8B-B14F-4D97-AF65-F5344CB8AC3E}">
-        <p14:creationId xmlns:p14="http://schemas.microsoft.com/office/powerpoint/2010/main" val="1889258840"/>
+        <p14:creationId xmlns:p14="http://schemas.microsoft.com/office/powerpoint/2010/main" val="1056348499"/>
       </p:ext>
     </p:extLst>
   </p:cSld>
@@ -8136,7 +7397,7 @@
           <p:cNvPr id="2" name="Title 1">
             <a:extLst>
               <a:ext uri="{FF2B5EF4-FFF2-40B4-BE49-F238E27FC236}">
-                <a16:creationId xmlns:a16="http://schemas.microsoft.com/office/drawing/2014/main" id="{751CC575-CAB5-47E1-A576-18EE767B90C2}"/>
+                <a16:creationId xmlns:a16="http://schemas.microsoft.com/office/drawing/2014/main" id="{AE43AD45-F1DC-4D3B-B95F-DA17B5B8A84E}"/>
               </a:ext>
             </a:extLst>
           </p:cNvPr>
@@ -8153,25 +7414,9 @@
           <a:lstStyle/>
           <a:p>
             <a:r>
-              <a:rPr lang="zh-CN" altLang="en-US" dirty="0"/>
-              <a:t>工资结算</a:t>
-            </a:r>
-            <a:r>
-              <a:rPr lang="en-US" altLang="zh-CN" dirty="0"/>
-              <a:t>Payroll calculation</a:t>
-            </a:r>
-            <a:br>
-              <a:rPr lang="en-US" altLang="zh-CN" dirty="0"/>
-            </a:br>
-            <a:r>
-              <a:rPr lang="en-US" altLang="zh-CN" dirty="0"/>
-              <a:t>Step 3 – Preview</a:t>
-            </a:r>
-            <a:r>
-              <a:rPr lang="zh-CN" altLang="en-US" dirty="0"/>
-              <a:t>预览</a:t>
-            </a:r>
-            <a:endParaRPr lang="en-US" dirty="0"/>
+              <a:rPr lang="en-US" dirty="0"/>
+              <a:t>Pay item</a:t>
+            </a:r>
           </a:p>
         </p:txBody>
       </p:sp>
@@ -8180,7 +7425,7 @@
           <p:cNvPr id="3" name="Content Placeholder 2">
             <a:extLst>
               <a:ext uri="{FF2B5EF4-FFF2-40B4-BE49-F238E27FC236}">
-                <a16:creationId xmlns:a16="http://schemas.microsoft.com/office/drawing/2014/main" id="{DBEB0881-329A-4A6D-A103-101F20A953CE}"/>
+                <a16:creationId xmlns:a16="http://schemas.microsoft.com/office/drawing/2014/main" id="{CE06DE1A-7F45-4FA4-AE79-9D9E233EBA3F}"/>
               </a:ext>
             </a:extLst>
           </p:cNvPr>
@@ -8191,417 +7436,86 @@
             <p:ph idx="1"/>
           </p:nvPr>
         </p:nvSpPr>
-        <p:spPr>
-          <a:xfrm>
-            <a:off x="1251678" y="1874517"/>
-            <a:ext cx="10178322" cy="4877157"/>
-          </a:xfrm>
-        </p:spPr>
+        <p:spPr/>
         <p:txBody>
-          <a:bodyPr>
-            <a:normAutofit fontScale="92500" lnSpcReduction="20000"/>
-          </a:bodyPr>
+          <a:bodyPr/>
           <a:lstStyle/>
           <a:p>
             <a:r>
-              <a:rPr lang="zh-CN" altLang="en-US" dirty="0"/>
-              <a:t>列出该公司该</a:t>
-            </a:r>
-            <a:r>
-              <a:rPr lang="en-US" altLang="zh-CN" dirty="0"/>
-              <a:t>Period</a:t>
-            </a:r>
-            <a:r>
-              <a:rPr lang="zh-CN" altLang="en-US" dirty="0"/>
-              <a:t>内所有员工</a:t>
-            </a:r>
-            <a:br>
-              <a:rPr lang="en-US" altLang="zh-CN" dirty="0"/>
-            </a:br>
-            <a:r>
-              <a:rPr lang="en-US" altLang="zh-CN" dirty="0"/>
-              <a:t>/p/</a:t>
-            </a:r>
-            <a:r>
-              <a:rPr lang="en-US" altLang="zh-CN" dirty="0" err="1"/>
-              <a:t>preview?periodcode</a:t>
-            </a:r>
-            <a:r>
-              <a:rPr lang="en-US" altLang="zh-CN" dirty="0"/>
-              <a:t>=[</a:t>
-            </a:r>
-            <a:r>
-              <a:rPr lang="zh-CN" altLang="en-US" dirty="0"/>
-              <a:t>区间</a:t>
-            </a:r>
-            <a:r>
-              <a:rPr lang="en-US" altLang="zh-CN" dirty="0"/>
-              <a:t>]&amp;</a:t>
-            </a:r>
-            <a:r>
-              <a:rPr lang="en-US" altLang="zh-CN" dirty="0" err="1"/>
-              <a:t>companycode</a:t>
-            </a:r>
-            <a:r>
-              <a:rPr lang="en-US" altLang="zh-CN" dirty="0"/>
-              <a:t>=[</a:t>
-            </a:r>
-            <a:r>
-              <a:rPr lang="zh-CN" altLang="en-US" dirty="0"/>
-              <a:t>公司</a:t>
-            </a:r>
-            <a:r>
-              <a:rPr lang="en-US" altLang="zh-CN" dirty="0"/>
-              <a:t>]&amp;</a:t>
-            </a:r>
-            <a:r>
-              <a:rPr lang="en-US" altLang="zh-CN" dirty="0" err="1"/>
-              <a:t>empcode</a:t>
-            </a:r>
-            <a:r>
-              <a:rPr lang="en-US" altLang="zh-CN" dirty="0"/>
-              <a:t>=[</a:t>
-            </a:r>
-            <a:r>
-              <a:rPr lang="zh-CN" altLang="en-US" dirty="0"/>
-              <a:t>员工（可选参数</a:t>
-            </a:r>
-            <a:r>
-              <a:rPr lang="en-US" altLang="zh-CN" dirty="0"/>
-              <a:t>,</a:t>
-            </a:r>
-            <a:r>
-              <a:rPr lang="zh-CN" altLang="en-US" dirty="0"/>
-              <a:t>逗号分隔）</a:t>
-            </a:r>
-            <a:r>
-              <a:rPr lang="en-US" altLang="zh-CN" dirty="0"/>
+              <a:rPr lang="en-US" dirty="0"/>
+              <a:t>https://localhost/p/select?c=PayItem.PayItemUid,Employee.EmpCode,Employee.FullChineseName,PayItem.Templatecode, </a:t>
+            </a:r>
+            <a:r>
+              <a:rPr lang="en-US" dirty="0" err="1"/>
+              <a:t>PayItem.CompanyCode</a:t>
+            </a:r>
+            <a:r>
+              <a:rPr lang="en-US" dirty="0"/>
+              <a:t>, </a:t>
+            </a:r>
+            <a:r>
+              <a:rPr lang="en-US" dirty="0" err="1"/>
+              <a:t>PayItem.Amount</a:t>
+            </a:r>
+            <a:r>
+              <a:rPr lang="en-US" dirty="0"/>
+              <a:t>, </a:t>
+            </a:r>
+            <a:r>
+              <a:rPr lang="en-US" dirty="0" err="1"/>
+              <a:t>PayItem.Function</a:t>
+            </a:r>
+            <a:r>
+              <a:rPr lang="en-US" dirty="0"/>
+              <a:t>, </a:t>
+            </a:r>
+            <a:r>
+              <a:rPr lang="en-US" dirty="0" err="1"/>
+              <a:t>PayItem.EffectiveDate&amp;o</a:t>
+            </a:r>
+            <a:r>
+              <a:rPr lang="en-US" dirty="0"/>
+              <a:t>=</a:t>
+            </a:r>
+            <a:r>
+              <a:rPr lang="en-US" dirty="0" err="1"/>
+              <a:t>Employee.EmpCode&amp;w</a:t>
+            </a:r>
+            <a:r>
+              <a:rPr lang="en-US" dirty="0"/>
+              <a:t>=Employee.EmpCode EQ </a:t>
+            </a:r>
+            <a:r>
+              <a:rPr lang="en-US" dirty="0">
+                <a:solidFill>
+                  <a:srgbClr val="FF0000"/>
+                </a:solidFill>
+              </a:rPr>
+              <a:t>[</a:t>
+            </a:r>
+            <a:r>
+              <a:rPr lang="zh-CN" altLang="en-US" dirty="0">
+                <a:solidFill>
+                  <a:srgbClr val="FF0000"/>
+                </a:solidFill>
+              </a:rPr>
+              <a:t>工号</a:t>
+            </a:r>
+            <a:r>
+              <a:rPr lang="en-US" dirty="0">
+                <a:solidFill>
+                  <a:srgbClr val="FF0000"/>
+                </a:solidFill>
+              </a:rPr>
               <a:t>]</a:t>
             </a:r>
-            <a:endParaRPr lang="en-US" altLang="zh-CN" b="1" dirty="0">
-              <a:solidFill>
-                <a:srgbClr val="FF0000"/>
-              </a:solidFill>
-            </a:endParaRPr>
-          </a:p>
-          <a:p>
-            <a:r>
-              <a:rPr lang="zh-CN" altLang="en-US" dirty="0"/>
-              <a:t>若上面查询返回数据为空，提示错误信息：</a:t>
-            </a:r>
-            <a:r>
-              <a:rPr lang="en-US" altLang="zh-CN" dirty="0"/>
-              <a:t>Invalid transaction status, cannot generate report.</a:t>
-            </a:r>
-            <a:br>
-              <a:rPr lang="en-US" altLang="zh-CN" dirty="0"/>
-            </a:br>
-            <a:r>
-              <a:rPr lang="zh-CN" altLang="en-US" dirty="0"/>
-              <a:t>并显示按钮</a:t>
-            </a:r>
-            <a:r>
-              <a:rPr lang="en-US" altLang="zh-CN" dirty="0"/>
-              <a:t>Go Back</a:t>
-            </a:r>
-            <a:r>
-              <a:rPr lang="zh-CN" altLang="en-US" dirty="0"/>
-              <a:t>单击后跳转</a:t>
-            </a:r>
-            <a:r>
-              <a:rPr lang="en-US" altLang="zh-CN" dirty="0"/>
-              <a:t>Step 2</a:t>
-            </a:r>
-            <a:r>
-              <a:rPr lang="zh-CN" altLang="en-US" dirty="0"/>
-              <a:t>重新计算</a:t>
-            </a:r>
-            <a:r>
-              <a:rPr lang="en-US" altLang="zh-CN" dirty="0"/>
-              <a:t>Transaction</a:t>
-            </a:r>
-            <a:br>
-              <a:rPr lang="en-US" altLang="zh-CN" dirty="0"/>
-            </a:br>
-            <a:r>
-              <a:rPr lang="en-US" altLang="zh-CN" dirty="0"/>
-              <a:t>/p/preview API</a:t>
-            </a:r>
-            <a:r>
-              <a:rPr lang="zh-CN" altLang="en-US" dirty="0"/>
-              <a:t>只返回</a:t>
-            </a:r>
-            <a:r>
-              <a:rPr lang="en-US" altLang="zh-CN" dirty="0"/>
-              <a:t>Preview</a:t>
-            </a:r>
-            <a:r>
-              <a:rPr lang="zh-CN" altLang="en-US" dirty="0"/>
-              <a:t>状态的员工的数据，</a:t>
-            </a:r>
-            <a:r>
-              <a:rPr lang="en-US" altLang="zh-CN" dirty="0"/>
-              <a:t>committed</a:t>
-            </a:r>
-            <a:r>
-              <a:rPr lang="zh-CN" altLang="en-US" dirty="0"/>
-              <a:t>状态的员工不返回</a:t>
-            </a:r>
-            <a:endParaRPr lang="en-US" altLang="zh-CN" dirty="0">
-              <a:solidFill>
-                <a:schemeClr val="accent5">
-                  <a:lumMod val="75000"/>
-                </a:schemeClr>
-              </a:solidFill>
-            </a:endParaRPr>
-          </a:p>
-          <a:p>
-            <a:r>
-              <a:rPr lang="zh-CN" altLang="en-US" dirty="0"/>
-              <a:t>行操作按钮</a:t>
-            </a:r>
-            <a:br>
-              <a:rPr lang="en-US" altLang="zh-CN" dirty="0"/>
-            </a:br>
-            <a:r>
-              <a:rPr lang="en-US" altLang="zh-CN" dirty="0"/>
-              <a:t>Commit: </a:t>
-            </a:r>
-            <a:r>
-              <a:rPr lang="zh-CN" altLang="en-US" dirty="0"/>
-              <a:t>调用</a:t>
-            </a:r>
-            <a:r>
-              <a:rPr lang="en-US" altLang="zh-CN" dirty="0"/>
-              <a:t>Commit API</a:t>
-            </a:r>
-            <a:r>
-              <a:rPr lang="zh-CN" altLang="en-US" dirty="0"/>
-              <a:t>并设置状态为</a:t>
-            </a:r>
-            <a:r>
-              <a:rPr lang="en-US" altLang="zh-CN" dirty="0"/>
-              <a:t>In Progress</a:t>
-            </a:r>
-            <a:r>
-              <a:rPr lang="zh-CN" altLang="en-US" dirty="0"/>
-              <a:t>直到返回结果后设为</a:t>
-            </a:r>
-            <a:r>
-              <a:rPr lang="en-US" altLang="zh-CN" dirty="0"/>
-              <a:t>Committed</a:t>
-            </a:r>
-            <a:br>
-              <a:rPr lang="en-US" altLang="zh-CN" dirty="0"/>
-            </a:br>
-            <a:r>
-              <a:rPr lang="en-US" altLang="zh-CN" dirty="0"/>
-              <a:t>	</a:t>
-            </a:r>
-            <a:r>
-              <a:rPr lang="zh-CN" altLang="en-US" dirty="0"/>
-              <a:t>状态，若</a:t>
-            </a:r>
-            <a:r>
-              <a:rPr lang="en-US" altLang="zh-CN" dirty="0"/>
-              <a:t>API</a:t>
-            </a:r>
-            <a:r>
-              <a:rPr lang="zh-CN" altLang="en-US" dirty="0"/>
-              <a:t>返回出错，显示状态</a:t>
-            </a:r>
-            <a:r>
-              <a:rPr lang="en-US" altLang="zh-CN" dirty="0"/>
-              <a:t>Error</a:t>
-            </a:r>
-            <a:r>
-              <a:rPr lang="zh-CN" altLang="en-US" dirty="0"/>
-              <a:t>（用户单击</a:t>
-            </a:r>
-            <a:r>
-              <a:rPr lang="en-US" altLang="zh-CN" dirty="0"/>
-              <a:t>Error</a:t>
-            </a:r>
-            <a:r>
-              <a:rPr lang="zh-CN" altLang="en-US" dirty="0"/>
-              <a:t>能看到服务器返回的错误信息）</a:t>
-            </a:r>
-            <a:br>
-              <a:rPr lang="en-US" altLang="zh-CN" dirty="0"/>
-            </a:br>
-            <a:r>
-              <a:rPr lang="en-US" altLang="zh-CN" dirty="0"/>
-              <a:t>	</a:t>
-            </a:r>
-            <a:r>
-              <a:rPr lang="zh-CN" altLang="en-US" dirty="0"/>
-              <a:t>用户再次单击</a:t>
-            </a:r>
-            <a:r>
-              <a:rPr lang="en-US" altLang="zh-CN" dirty="0"/>
-              <a:t>Start</a:t>
-            </a:r>
-            <a:r>
-              <a:rPr lang="zh-CN" altLang="en-US" dirty="0"/>
-              <a:t>则重新开始生成该用户的报表 </a:t>
-            </a:r>
-            <a:br>
-              <a:rPr lang="en-US" altLang="zh-CN" dirty="0"/>
-            </a:br>
-            <a:r>
-              <a:rPr lang="en-US" altLang="zh-CN" dirty="0"/>
-              <a:t>	/p/</a:t>
-            </a:r>
-            <a:r>
-              <a:rPr lang="en-US" altLang="zh-CN" dirty="0" err="1"/>
-              <a:t>commit?periodcode</a:t>
-            </a:r>
-            <a:r>
-              <a:rPr lang="en-US" altLang="zh-CN" dirty="0"/>
-              <a:t>=[</a:t>
-            </a:r>
-            <a:r>
-              <a:rPr lang="zh-CN" altLang="en-US" dirty="0"/>
-              <a:t>区间</a:t>
-            </a:r>
-            <a:r>
-              <a:rPr lang="en-US" altLang="zh-CN" dirty="0"/>
-              <a:t>] &amp;</a:t>
-            </a:r>
-            <a:r>
-              <a:rPr lang="en-US" altLang="zh-CN" dirty="0" err="1"/>
-              <a:t>empcode</a:t>
-            </a:r>
-            <a:r>
-              <a:rPr lang="en-US" altLang="zh-CN" dirty="0"/>
-              <a:t>=[</a:t>
-            </a:r>
-            <a:r>
-              <a:rPr lang="zh-CN" altLang="en-US" dirty="0"/>
-              <a:t>员工</a:t>
-            </a:r>
-            <a:r>
-              <a:rPr lang="en-US" altLang="zh-CN" dirty="0"/>
-              <a:t>]</a:t>
-            </a:r>
-            <a:br>
-              <a:rPr lang="en-US" altLang="zh-CN" dirty="0"/>
-            </a:br>
-            <a:r>
-              <a:rPr lang="en-US" altLang="zh-CN" dirty="0"/>
-              <a:t>Report: </a:t>
-            </a:r>
-            <a:r>
-              <a:rPr lang="zh-CN" altLang="en-US" dirty="0"/>
-              <a:t>只在</a:t>
-            </a:r>
-            <a:r>
-              <a:rPr lang="en-US" altLang="zh-CN" dirty="0"/>
-              <a:t>Committed</a:t>
-            </a:r>
-            <a:r>
-              <a:rPr lang="zh-CN" altLang="en-US" dirty="0"/>
-              <a:t>状态时显示，跳转报表详情页面</a:t>
-            </a:r>
-            <a:endParaRPr lang="en-US" altLang="zh-CN" dirty="0"/>
-          </a:p>
-          <a:p>
-            <a:r>
-              <a:rPr lang="zh-CN" altLang="en-US" dirty="0"/>
-              <a:t>页操作按钮</a:t>
-            </a:r>
-            <a:br>
-              <a:rPr lang="en-US" altLang="zh-CN" dirty="0"/>
-            </a:br>
-            <a:r>
-              <a:rPr lang="en-US" altLang="zh-CN" dirty="0"/>
-              <a:t>Commit All: </a:t>
-            </a:r>
-            <a:r>
-              <a:rPr lang="zh-CN" altLang="en-US" dirty="0"/>
-              <a:t>循环遍历每一个员工依次调用</a:t>
-            </a:r>
-            <a:r>
-              <a:rPr lang="en-US" altLang="zh-CN" dirty="0"/>
-              <a:t>Commit API</a:t>
-            </a:r>
-            <a:r>
-              <a:rPr lang="zh-CN" altLang="en-US" dirty="0"/>
-              <a:t>（单击完后隐藏，显示</a:t>
-            </a:r>
-            <a:r>
-              <a:rPr lang="en-US" altLang="zh-CN" dirty="0"/>
-              <a:t>Stop All</a:t>
-            </a:r>
-            <a:r>
-              <a:rPr lang="zh-CN" altLang="en-US" dirty="0"/>
-              <a:t>）</a:t>
-            </a:r>
-            <a:br>
-              <a:rPr lang="en-US" altLang="zh-CN" dirty="0"/>
-            </a:br>
-            <a:r>
-              <a:rPr lang="en-US" altLang="zh-CN" dirty="0"/>
-              <a:t>	</a:t>
-            </a:r>
-            <a:r>
-              <a:rPr lang="zh-CN" altLang="en-US" dirty="0"/>
-              <a:t>若某员工报表出错（状态为</a:t>
-            </a:r>
-            <a:r>
-              <a:rPr lang="en-US" altLang="zh-CN" dirty="0"/>
-              <a:t>Error</a:t>
-            </a:r>
-            <a:r>
-              <a:rPr lang="zh-CN" altLang="en-US" dirty="0"/>
-              <a:t>），不影响其他员工计算，循环继续</a:t>
-            </a:r>
-            <a:br>
-              <a:rPr lang="en-US" altLang="zh-CN" dirty="0"/>
-            </a:br>
-            <a:r>
-              <a:rPr lang="en-US" altLang="zh-CN" dirty="0"/>
-              <a:t>Stop All: </a:t>
-            </a:r>
-            <a:r>
-              <a:rPr lang="zh-CN" altLang="en-US" dirty="0"/>
-              <a:t>当前员工完成后终止循环（单击后隐藏，显示</a:t>
-            </a:r>
-            <a:r>
-              <a:rPr lang="en-US" altLang="zh-CN" dirty="0"/>
-              <a:t>Start All</a:t>
-            </a:r>
-            <a:r>
-              <a:rPr lang="zh-CN" altLang="en-US" dirty="0"/>
-              <a:t>）</a:t>
-            </a:r>
-            <a:br>
-              <a:rPr lang="en-US" altLang="zh-CN" dirty="0"/>
-            </a:br>
-            <a:r>
-              <a:rPr lang="en-US" altLang="zh-CN" dirty="0"/>
-              <a:t>View Report: </a:t>
-            </a:r>
-            <a:r>
-              <a:rPr lang="zh-CN" altLang="en-US" dirty="0"/>
-              <a:t>所有员工状态为</a:t>
-            </a:r>
-            <a:r>
-              <a:rPr lang="en-US" altLang="zh-CN" dirty="0"/>
-              <a:t>Committed</a:t>
-            </a:r>
-            <a:r>
-              <a:rPr lang="zh-CN" altLang="en-US" dirty="0"/>
-              <a:t>时显示，跳转报表详情页面</a:t>
-            </a:r>
-            <a:endParaRPr lang="en-US" altLang="zh-CN" dirty="0"/>
           </a:p>
         </p:txBody>
       </p:sp>
     </p:spTree>
     <p:extLst>
       <p:ext uri="{BB962C8B-B14F-4D97-AF65-F5344CB8AC3E}">
-        <p14:creationId xmlns:p14="http://schemas.microsoft.com/office/powerpoint/2010/main" val="2566509248"/>
+        <p14:creationId xmlns:p14="http://schemas.microsoft.com/office/powerpoint/2010/main" val="333302060"/>
       </p:ext>
     </p:extLst>
   </p:cSld>
@@ -8662,6 +7576,1474 @@
             </a:br>
             <a:r>
               <a:rPr lang="en-US" altLang="zh-CN" dirty="0"/>
+              <a:t>Step 1 –Period</a:t>
+            </a:r>
+            <a:r>
+              <a:rPr lang="zh-CN" altLang="en-US" dirty="0"/>
+              <a:t>区间</a:t>
+            </a:r>
+            <a:endParaRPr lang="en-US" dirty="0"/>
+          </a:p>
+        </p:txBody>
+      </p:sp>
+      <p:sp>
+        <p:nvSpPr>
+          <p:cNvPr id="3" name="Content Placeholder 2">
+            <a:extLst>
+              <a:ext uri="{FF2B5EF4-FFF2-40B4-BE49-F238E27FC236}">
+                <a16:creationId xmlns:a16="http://schemas.microsoft.com/office/drawing/2014/main" id="{DBEB0881-329A-4A6D-A103-101F20A953CE}"/>
+              </a:ext>
+            </a:extLst>
+          </p:cNvPr>
+          <p:cNvSpPr>
+            <a:spLocks noGrp="1"/>
+          </p:cNvSpPr>
+          <p:nvPr>
+            <p:ph idx="1"/>
+          </p:nvPr>
+        </p:nvSpPr>
+        <p:spPr>
+          <a:xfrm>
+            <a:off x="1251678" y="2286001"/>
+            <a:ext cx="10178322" cy="4423143"/>
+          </a:xfrm>
+        </p:spPr>
+        <p:txBody>
+          <a:bodyPr>
+            <a:normAutofit fontScale="85000" lnSpcReduction="20000"/>
+          </a:bodyPr>
+          <a:lstStyle/>
+          <a:p>
+            <a:r>
+              <a:rPr lang="zh-CN" altLang="en-US" dirty="0"/>
+              <a:t>提供一个</a:t>
+            </a:r>
+            <a:r>
+              <a:rPr lang="en-US" altLang="zh-CN" dirty="0"/>
+              <a:t>Textbox</a:t>
+            </a:r>
+            <a:r>
+              <a:rPr lang="zh-CN" altLang="en-US" dirty="0"/>
+              <a:t>和</a:t>
+            </a:r>
+            <a:r>
+              <a:rPr lang="en-US" altLang="zh-CN" dirty="0"/>
+              <a:t>Search</a:t>
+            </a:r>
+            <a:r>
+              <a:rPr lang="zh-CN" altLang="en-US" dirty="0"/>
+              <a:t>按钮让用户查询</a:t>
+            </a:r>
+            <a:r>
+              <a:rPr lang="en-US" altLang="zh-CN" dirty="0" err="1"/>
+              <a:t>PeriodCode</a:t>
+            </a:r>
+            <a:br>
+              <a:rPr lang="en-US" altLang="zh-CN" dirty="0"/>
+            </a:br>
+            <a:r>
+              <a:rPr lang="zh-CN" altLang="en-US" dirty="0"/>
+              <a:t>输入的关键字替换下面蓝色部分</a:t>
+            </a:r>
+            <a:br>
+              <a:rPr lang="en-US" altLang="zh-CN" dirty="0"/>
+            </a:br>
+            <a:r>
+              <a:rPr lang="zh-CN" altLang="en-US" dirty="0"/>
+              <a:t>不输入任何内容则去除</a:t>
+            </a:r>
+            <a:r>
+              <a:rPr lang="en-US" altLang="zh-CN" dirty="0"/>
+              <a:t>Period.PeriodCode%20LK%keyword</a:t>
+            </a:r>
+            <a:r>
+              <a:rPr lang="zh-CN" altLang="en-US" dirty="0"/>
+              <a:t>部分</a:t>
+            </a:r>
+            <a:br>
+              <a:rPr lang="en-US" altLang="zh-CN" dirty="0"/>
+            </a:br>
+            <a:r>
+              <a:rPr lang="en-US" altLang="zh-CN" dirty="0"/>
+              <a:t>keyword</a:t>
+            </a:r>
+            <a:r>
+              <a:rPr lang="zh-CN" altLang="en-US" dirty="0"/>
+              <a:t>为查询关键字（</a:t>
+            </a:r>
+            <a:r>
+              <a:rPr lang="en-US" altLang="zh-CN" dirty="0"/>
+              <a:t>%</a:t>
+            </a:r>
+            <a:r>
+              <a:rPr lang="zh-CN" altLang="en-US" dirty="0"/>
+              <a:t>：代表任意个数任意数字符，</a:t>
+            </a:r>
+            <a:r>
+              <a:rPr lang="en-US" altLang="zh-CN" dirty="0"/>
+              <a:t>_</a:t>
+            </a:r>
+            <a:r>
+              <a:rPr lang="zh-CN" altLang="en-US" dirty="0"/>
+              <a:t>：代表单个任意字符）</a:t>
+            </a:r>
+            <a:endParaRPr lang="en-US" altLang="zh-CN" dirty="0"/>
+          </a:p>
+          <a:p>
+            <a:r>
+              <a:rPr lang="zh-CN" altLang="en-US" dirty="0"/>
+              <a:t>查询新添加的</a:t>
+            </a:r>
+            <a:r>
+              <a:rPr lang="en-US" altLang="zh-CN" dirty="0"/>
+              <a:t>period</a:t>
+            </a:r>
+            <a:br>
+              <a:rPr lang="en-US" altLang="zh-CN" dirty="0"/>
+            </a:br>
+            <a:r>
+              <a:rPr lang="en-US" altLang="zh-CN" dirty="0"/>
+              <a:t>/p/select?c=period.*,payrolltrans.transuid&amp;w=payrolltrans.transuid%20IS%20null</a:t>
+            </a:r>
+          </a:p>
+          <a:p>
+            <a:r>
+              <a:rPr lang="zh-CN" altLang="en-US" dirty="0"/>
+              <a:t>根据</a:t>
+            </a:r>
+            <a:r>
+              <a:rPr lang="en-US" altLang="zh-CN" dirty="0" err="1"/>
+              <a:t>CompanyCode</a:t>
+            </a:r>
+            <a:r>
+              <a:rPr lang="zh-CN" altLang="en-US" dirty="0"/>
+              <a:t>查询现有</a:t>
+            </a:r>
+            <a:r>
+              <a:rPr lang="en-US" altLang="zh-CN" dirty="0"/>
+              <a:t>Period (</a:t>
+            </a:r>
+            <a:r>
+              <a:rPr lang="zh-CN" altLang="en-US" dirty="0"/>
+              <a:t>红色部分为</a:t>
+            </a:r>
+            <a:r>
+              <a:rPr lang="en-US" altLang="zh-CN" dirty="0" err="1"/>
+              <a:t>companyCode</a:t>
+            </a:r>
+            <a:r>
+              <a:rPr lang="en-US" altLang="zh-CN" dirty="0"/>
+              <a:t>)</a:t>
+            </a:r>
+            <a:br>
+              <a:rPr lang="en-US" altLang="zh-CN" dirty="0"/>
+            </a:br>
+            <a:r>
+              <a:rPr lang="en-US" altLang="zh-CN" dirty="0"/>
+              <a:t>/p/</a:t>
+            </a:r>
+            <a:r>
+              <a:rPr lang="en-US" altLang="zh-CN" dirty="0" err="1"/>
+              <a:t>select?c</a:t>
+            </a:r>
+            <a:r>
+              <a:rPr lang="en-US" altLang="zh-CN" dirty="0"/>
+              <a:t>=top 15,payrolltrans.PeriodCode,period.PeriodType,period.CompanyCode,period.StartDate,period.EndDate,$count(1)%20as%20Transactions&amp;o=_period.StartDate&amp;g=payrolltrans.periodcode,period.periodtype,period.companycode,period.startdate,period.enddate&amp;w=</a:t>
+            </a:r>
+            <a:r>
+              <a:rPr lang="en-US" altLang="zh-CN" b="1" dirty="0"/>
+              <a:t>Period.CompanyCode%20EQ%20</a:t>
+            </a:r>
+            <a:r>
+              <a:rPr lang="en-US" altLang="zh-CN" b="1" dirty="0">
+                <a:solidFill>
+                  <a:srgbClr val="FF0000"/>
+                </a:solidFill>
+              </a:rPr>
+              <a:t>Ltd</a:t>
+            </a:r>
+            <a:r>
+              <a:rPr lang="zh-CN" altLang="en-US" b="1" dirty="0">
+                <a:solidFill>
+                  <a:schemeClr val="tx1"/>
+                </a:solidFill>
+              </a:rPr>
+              <a:t>，</a:t>
+            </a:r>
+            <a:r>
+              <a:rPr lang="en-US" altLang="zh-CN" b="1" dirty="0">
+                <a:solidFill>
+                  <a:schemeClr val="tx1"/>
+                </a:solidFill>
+              </a:rPr>
+              <a:t>Period.PeriodCode%20LK%20</a:t>
+            </a:r>
+            <a:r>
+              <a:rPr lang="en-US" altLang="zh-CN" b="1" dirty="0">
+                <a:solidFill>
+                  <a:schemeClr val="accent3">
+                    <a:lumMod val="75000"/>
+                  </a:schemeClr>
+                </a:solidFill>
+              </a:rPr>
+              <a:t>%keyword%</a:t>
+            </a:r>
+          </a:p>
+          <a:p>
+            <a:r>
+              <a:rPr lang="zh-CN" altLang="en-US" dirty="0"/>
+              <a:t>行操作按钮：（</a:t>
+            </a:r>
+            <a:r>
+              <a:rPr lang="en-US" altLang="zh-CN" dirty="0"/>
+              <a:t>period</a:t>
+            </a:r>
+            <a:r>
+              <a:rPr lang="zh-CN" altLang="en-US" dirty="0"/>
+              <a:t>不提供编辑功能）</a:t>
+            </a:r>
+            <a:br>
+              <a:rPr lang="en-US" altLang="zh-CN" dirty="0"/>
+            </a:br>
+            <a:r>
+              <a:rPr lang="en-US" altLang="zh-CN" dirty="0"/>
+              <a:t>Details: </a:t>
+            </a:r>
+            <a:r>
+              <a:rPr lang="zh-CN" altLang="en-US" dirty="0"/>
+              <a:t>缓存</a:t>
+            </a:r>
+            <a:r>
+              <a:rPr lang="en-US" altLang="zh-CN" dirty="0" err="1"/>
+              <a:t>PeriodCode</a:t>
+            </a:r>
+            <a:r>
+              <a:rPr lang="zh-CN" altLang="en-US" dirty="0"/>
+              <a:t>，跳转第二步页面</a:t>
+            </a:r>
+            <a:br>
+              <a:rPr lang="en-US" altLang="zh-CN" dirty="0"/>
+            </a:br>
+            <a:r>
+              <a:rPr lang="en-US" altLang="zh-CN" dirty="0"/>
+              <a:t>Delete: </a:t>
+            </a:r>
+            <a:r>
+              <a:rPr lang="zh-CN" altLang="en-US" dirty="0"/>
+              <a:t>删除当前</a:t>
+            </a:r>
+            <a:r>
+              <a:rPr lang="en-US" altLang="zh-CN" dirty="0"/>
+              <a:t>Period</a:t>
+            </a:r>
+            <a:r>
+              <a:rPr lang="zh-CN" altLang="en-US" dirty="0"/>
+              <a:t>（如果</a:t>
+            </a:r>
+            <a:r>
+              <a:rPr lang="en-US" altLang="zh-CN" dirty="0"/>
+              <a:t>Transactions</a:t>
+            </a:r>
+            <a:r>
+              <a:rPr lang="zh-CN" altLang="en-US" dirty="0"/>
+              <a:t>列大于</a:t>
+            </a:r>
+            <a:r>
+              <a:rPr lang="en-US" altLang="zh-CN" dirty="0"/>
+              <a:t>0</a:t>
+            </a:r>
+            <a:r>
+              <a:rPr lang="zh-CN" altLang="en-US" dirty="0"/>
+              <a:t>，隐藏该按钮，删除</a:t>
+            </a:r>
+            <a:r>
+              <a:rPr lang="en-US" altLang="zh-CN" dirty="0"/>
+              <a:t>API</a:t>
+            </a:r>
+            <a:r>
+              <a:rPr lang="zh-CN" altLang="en-US" dirty="0"/>
+              <a:t>正在开发中</a:t>
+            </a:r>
+            <a:r>
+              <a:rPr lang="en-US" altLang="zh-CN" dirty="0"/>
+              <a:t>…</a:t>
+            </a:r>
+            <a:r>
+              <a:rPr lang="zh-CN" altLang="en-US" dirty="0"/>
+              <a:t>）</a:t>
+            </a:r>
+            <a:endParaRPr lang="en-US" altLang="zh-CN" dirty="0"/>
+          </a:p>
+          <a:p>
+            <a:r>
+              <a:rPr lang="zh-CN" altLang="en-US" dirty="0"/>
+              <a:t>页操作按钮：</a:t>
+            </a:r>
+            <a:br>
+              <a:rPr lang="en-US" altLang="zh-CN" dirty="0"/>
+            </a:br>
+            <a:r>
+              <a:rPr lang="en-US" altLang="zh-CN" dirty="0"/>
+              <a:t>Add: </a:t>
+            </a:r>
+            <a:r>
+              <a:rPr lang="zh-CN" altLang="en-US" dirty="0"/>
+              <a:t>添加新</a:t>
+            </a:r>
+            <a:r>
+              <a:rPr lang="en-US" altLang="zh-CN" dirty="0"/>
+              <a:t>Period</a:t>
+            </a:r>
+            <a:r>
+              <a:rPr lang="zh-CN" altLang="en-US" dirty="0"/>
+              <a:t>（弹出</a:t>
+            </a:r>
+            <a:r>
+              <a:rPr lang="en-US" altLang="zh-CN" dirty="0"/>
+              <a:t>Popup / </a:t>
+            </a:r>
+            <a:r>
+              <a:rPr lang="zh-CN" altLang="en-US" dirty="0"/>
+              <a:t>新窗口</a:t>
+            </a:r>
+            <a:r>
+              <a:rPr lang="en-US" altLang="zh-CN" dirty="0"/>
+              <a:t>, </a:t>
+            </a:r>
+            <a:r>
+              <a:rPr lang="zh-CN" altLang="en-US" dirty="0"/>
+              <a:t>保存</a:t>
+            </a:r>
+            <a:r>
+              <a:rPr lang="en-US" altLang="zh-CN" dirty="0"/>
+              <a:t>API</a:t>
+            </a:r>
+            <a:r>
+              <a:rPr lang="zh-CN" altLang="en-US" dirty="0"/>
+              <a:t>正在开发中）</a:t>
+            </a:r>
+            <a:endParaRPr lang="en-US" altLang="zh-CN" dirty="0"/>
+          </a:p>
+        </p:txBody>
+      </p:sp>
+    </p:spTree>
+    <p:extLst>
+      <p:ext uri="{BB962C8B-B14F-4D97-AF65-F5344CB8AC3E}">
+        <p14:creationId xmlns:p14="http://schemas.microsoft.com/office/powerpoint/2010/main" val="2896626945"/>
+      </p:ext>
+    </p:extLst>
+  </p:cSld>
+  <p:clrMapOvr>
+    <a:masterClrMapping/>
+  </p:clrMapOvr>
+</p:sld>
+</file>
+
+<file path=ppt/slides/slide15.xml><?xml version="1.0" encoding="utf-8"?>
+<p:sld xmlns:a="http://schemas.openxmlformats.org/drawingml/2006/main" xmlns:r="http://schemas.openxmlformats.org/officeDocument/2006/relationships" xmlns:p="http://schemas.openxmlformats.org/presentationml/2006/main">
+  <p:cSld>
+    <p:spTree>
+      <p:nvGrpSpPr>
+        <p:cNvPr id="1" name=""/>
+        <p:cNvGrpSpPr/>
+        <p:nvPr/>
+      </p:nvGrpSpPr>
+      <p:grpSpPr>
+        <a:xfrm>
+          <a:off x="0" y="0"/>
+          <a:ext cx="0" cy="0"/>
+          <a:chOff x="0" y="0"/>
+          <a:chExt cx="0" cy="0"/>
+        </a:xfrm>
+      </p:grpSpPr>
+      <p:sp>
+        <p:nvSpPr>
+          <p:cNvPr id="2" name="Title 1">
+            <a:extLst>
+              <a:ext uri="{FF2B5EF4-FFF2-40B4-BE49-F238E27FC236}">
+                <a16:creationId xmlns:a16="http://schemas.microsoft.com/office/drawing/2014/main" id="{751CC575-CAB5-47E1-A576-18EE767B90C2}"/>
+              </a:ext>
+            </a:extLst>
+          </p:cNvPr>
+          <p:cNvSpPr>
+            <a:spLocks noGrp="1"/>
+          </p:cNvSpPr>
+          <p:nvPr>
+            <p:ph type="title"/>
+          </p:nvPr>
+        </p:nvSpPr>
+        <p:spPr/>
+        <p:txBody>
+          <a:bodyPr/>
+          <a:lstStyle/>
+          <a:p>
+            <a:r>
+              <a:rPr lang="zh-CN" altLang="en-US" dirty="0"/>
+              <a:t>工资结算</a:t>
+            </a:r>
+            <a:r>
+              <a:rPr lang="en-US" altLang="zh-CN" dirty="0"/>
+              <a:t>Payroll calculation</a:t>
+            </a:r>
+            <a:br>
+              <a:rPr lang="en-US" altLang="zh-CN" dirty="0"/>
+            </a:br>
+            <a:r>
+              <a:rPr lang="en-US" altLang="zh-CN" dirty="0"/>
+              <a:t>Step 2 – transaction</a:t>
+            </a:r>
+            <a:r>
+              <a:rPr lang="zh-CN" altLang="en-US" dirty="0"/>
+              <a:t>事务</a:t>
+            </a:r>
+            <a:endParaRPr lang="en-US" dirty="0"/>
+          </a:p>
+        </p:txBody>
+      </p:sp>
+      <p:sp>
+        <p:nvSpPr>
+          <p:cNvPr id="3" name="Content Placeholder 2">
+            <a:extLst>
+              <a:ext uri="{FF2B5EF4-FFF2-40B4-BE49-F238E27FC236}">
+                <a16:creationId xmlns:a16="http://schemas.microsoft.com/office/drawing/2014/main" id="{DBEB0881-329A-4A6D-A103-101F20A953CE}"/>
+              </a:ext>
+            </a:extLst>
+          </p:cNvPr>
+          <p:cNvSpPr>
+            <a:spLocks noGrp="1"/>
+          </p:cNvSpPr>
+          <p:nvPr>
+            <p:ph idx="1"/>
+          </p:nvPr>
+        </p:nvSpPr>
+        <p:spPr>
+          <a:xfrm>
+            <a:off x="1251678" y="1874517"/>
+            <a:ext cx="10178322" cy="4877157"/>
+          </a:xfrm>
+        </p:spPr>
+        <p:txBody>
+          <a:bodyPr>
+            <a:normAutofit fontScale="70000" lnSpcReduction="20000"/>
+          </a:bodyPr>
+          <a:lstStyle/>
+          <a:p>
+            <a:r>
+              <a:rPr lang="en-US" altLang="zh-CN" dirty="0" err="1"/>
+              <a:t>PayrollStatus</a:t>
+            </a:r>
+            <a:br>
+              <a:rPr lang="en-US" altLang="zh-CN" dirty="0"/>
+            </a:br>
+            <a:r>
+              <a:rPr lang="en-US" altLang="zh-CN" dirty="0"/>
+              <a:t>0: Initial</a:t>
+            </a:r>
+            <a:br>
+              <a:rPr lang="en-US" altLang="zh-CN" dirty="0"/>
+            </a:br>
+            <a:r>
+              <a:rPr lang="en-US" altLang="zh-CN" dirty="0"/>
+              <a:t>1: Preview</a:t>
+            </a:r>
+            <a:br>
+              <a:rPr lang="en-US" altLang="zh-CN" dirty="0"/>
+            </a:br>
+            <a:r>
+              <a:rPr lang="en-US" altLang="zh-CN" dirty="0"/>
+              <a:t>2: Committed</a:t>
+            </a:r>
+            <a:br>
+              <a:rPr lang="en-US" altLang="zh-CN" dirty="0"/>
+            </a:br>
+            <a:r>
+              <a:rPr lang="en-US" altLang="zh-CN" dirty="0"/>
+              <a:t>3: Error</a:t>
+            </a:r>
+            <a:br>
+              <a:rPr lang="en-US" altLang="zh-CN" dirty="0"/>
+            </a:br>
+            <a:r>
+              <a:rPr lang="zh-CN" altLang="en-US" dirty="0"/>
+              <a:t>（若发现同一个</a:t>
+            </a:r>
+            <a:r>
+              <a:rPr lang="en-US" altLang="zh-CN" dirty="0" err="1"/>
+              <a:t>EmpCode</a:t>
+            </a:r>
+            <a:r>
+              <a:rPr lang="zh-CN" altLang="en-US" dirty="0"/>
+              <a:t>对应多条</a:t>
+            </a:r>
+            <a:r>
+              <a:rPr lang="en-US" altLang="zh-CN" dirty="0" err="1"/>
+              <a:t>PayrollStatus</a:t>
+            </a:r>
+            <a:r>
+              <a:rPr lang="zh-CN" altLang="en-US" dirty="0"/>
+              <a:t>，取第一条记录并且将该条记录</a:t>
+            </a:r>
+            <a:r>
+              <a:rPr lang="en-US" altLang="zh-CN" dirty="0" err="1"/>
+              <a:t>PayrollStatus</a:t>
+            </a:r>
+            <a:r>
+              <a:rPr lang="zh-CN" altLang="en-US" dirty="0"/>
+              <a:t>设为</a:t>
+            </a:r>
+            <a:r>
+              <a:rPr lang="en-US" altLang="zh-CN" dirty="0"/>
+              <a:t>Error</a:t>
+            </a:r>
+            <a:r>
+              <a:rPr lang="zh-CN" altLang="en-US" dirty="0"/>
+              <a:t>）</a:t>
+            </a:r>
+            <a:endParaRPr lang="en-US" altLang="zh-CN" dirty="0"/>
+          </a:p>
+          <a:p>
+            <a:r>
+              <a:rPr lang="zh-CN" altLang="en-US" dirty="0"/>
+              <a:t>列出该公司该</a:t>
+            </a:r>
+            <a:r>
+              <a:rPr lang="en-US" altLang="zh-CN" dirty="0"/>
+              <a:t>Period</a:t>
+            </a:r>
+            <a:r>
+              <a:rPr lang="zh-CN" altLang="en-US" dirty="0"/>
+              <a:t>内所有员工</a:t>
+            </a:r>
+            <a:r>
+              <a:rPr lang="en-US" altLang="zh-CN" dirty="0"/>
+              <a:t>/p/</a:t>
+            </a:r>
+            <a:r>
+              <a:rPr lang="en-US" altLang="zh-CN" dirty="0" err="1"/>
+              <a:t>select?c</a:t>
+            </a:r>
+            <a:r>
+              <a:rPr lang="en-US" altLang="zh-CN" dirty="0"/>
+              <a:t>=payrolltrans.empcode,employee.fullchinesename,payrolltrans.payrollstatus,employee.companycode,payrolltrans.periodcode&amp;g=payrolltrans.payrollstatus,payrolltrans.empcode,employee.fullchinesename,employee.companycode,payrolltrans.periodcode&amp;w=</a:t>
+            </a:r>
+            <a:r>
+              <a:rPr lang="en-US" altLang="zh-CN" dirty="0" err="1"/>
+              <a:t>employee.companycode</a:t>
+            </a:r>
+            <a:r>
+              <a:rPr lang="en-US" altLang="zh-CN" dirty="0"/>
+              <a:t> LK </a:t>
+            </a:r>
+            <a:r>
+              <a:rPr lang="en-US" altLang="zh-CN" dirty="0" err="1">
+                <a:solidFill>
+                  <a:schemeClr val="accent5">
+                    <a:lumMod val="75000"/>
+                  </a:schemeClr>
+                </a:solidFill>
+              </a:rPr>
+              <a:t>TFHK</a:t>
+            </a:r>
+            <a:r>
+              <a:rPr lang="en-US" altLang="zh-CN" dirty="0" err="1"/>
+              <a:t>,payrolltrans.periodcode</a:t>
+            </a:r>
+            <a:r>
+              <a:rPr lang="en-US" altLang="zh-CN" dirty="0"/>
+              <a:t> LK </a:t>
+            </a:r>
+            <a:r>
+              <a:rPr lang="en-US" altLang="zh-CN" dirty="0">
+                <a:solidFill>
+                  <a:schemeClr val="accent5">
+                    <a:lumMod val="75000"/>
+                  </a:schemeClr>
+                </a:solidFill>
+              </a:rPr>
+              <a:t>ltdpd1</a:t>
+            </a:r>
+            <a:endParaRPr lang="en-US" altLang="zh-CN" dirty="0"/>
+          </a:p>
+          <a:p>
+            <a:r>
+              <a:rPr lang="zh-CN" altLang="en-US" dirty="0"/>
+              <a:t>若上面查询返回数据为空，则使用下面查询得到该公司所有员工的相同信息并增加</a:t>
+            </a:r>
+            <a:r>
+              <a:rPr lang="en-US" altLang="zh-CN" dirty="0" err="1"/>
+              <a:t>payrollstatus</a:t>
+            </a:r>
+            <a:r>
+              <a:rPr lang="zh-CN" altLang="en-US" dirty="0"/>
+              <a:t>列并显示初始状态 </a:t>
+            </a:r>
+            <a:r>
+              <a:rPr lang="en-US" altLang="zh-CN" dirty="0"/>
+              <a:t>Initial</a:t>
+            </a:r>
+            <a:br>
+              <a:rPr lang="en-US" altLang="zh-CN" dirty="0"/>
+            </a:br>
+            <a:r>
+              <a:rPr lang="en-US" altLang="zh-CN" dirty="0"/>
+              <a:t>/p/</a:t>
+            </a:r>
+            <a:r>
+              <a:rPr lang="en-US" altLang="zh-CN" dirty="0" err="1"/>
+              <a:t>select?c</a:t>
+            </a:r>
+            <a:r>
+              <a:rPr lang="en-US" altLang="zh-CN" dirty="0"/>
+              <a:t>= </a:t>
+            </a:r>
+            <a:r>
+              <a:rPr lang="en-US" altLang="zh-CN" dirty="0" err="1"/>
+              <a:t>employee.empcode,employee.fullchinesename&amp;w</a:t>
+            </a:r>
+            <a:r>
+              <a:rPr lang="en-US" altLang="zh-CN" dirty="0"/>
+              <a:t>=employee.companycode%20LK%20</a:t>
+            </a:r>
+            <a:r>
+              <a:rPr lang="en-US" altLang="zh-CN" dirty="0">
+                <a:solidFill>
+                  <a:schemeClr val="accent5">
+                    <a:lumMod val="75000"/>
+                  </a:schemeClr>
+                </a:solidFill>
+              </a:rPr>
+              <a:t>Ltd</a:t>
+            </a:r>
+          </a:p>
+          <a:p>
+            <a:r>
+              <a:rPr lang="zh-CN" altLang="en-US" dirty="0"/>
+              <a:t>行操作按钮</a:t>
+            </a:r>
+            <a:br>
+              <a:rPr lang="en-US" altLang="zh-CN" dirty="0"/>
+            </a:br>
+            <a:r>
+              <a:rPr lang="en-US" altLang="zh-CN" dirty="0"/>
+              <a:t>Start: </a:t>
+            </a:r>
+            <a:r>
+              <a:rPr lang="zh-CN" altLang="en-US" dirty="0"/>
+              <a:t>调用 </a:t>
+            </a:r>
+            <a:r>
+              <a:rPr lang="en-US" altLang="zh-CN" dirty="0" err="1"/>
+              <a:t>CalcTrans</a:t>
+            </a:r>
+            <a:r>
+              <a:rPr lang="en-US" altLang="zh-CN" dirty="0"/>
+              <a:t> API</a:t>
+            </a:r>
+            <a:r>
+              <a:rPr lang="zh-CN" altLang="en-US" dirty="0"/>
+              <a:t>并设置状态为</a:t>
+            </a:r>
+            <a:r>
+              <a:rPr lang="en-US" altLang="zh-CN" dirty="0"/>
+              <a:t>In Progress</a:t>
+            </a:r>
+            <a:r>
+              <a:rPr lang="zh-CN" altLang="en-US" dirty="0"/>
+              <a:t>直到</a:t>
+            </a:r>
+            <a:r>
+              <a:rPr lang="en-US" altLang="zh-CN" dirty="0" err="1"/>
+              <a:t>CalcTrans</a:t>
+            </a:r>
+            <a:r>
+              <a:rPr lang="zh-CN" altLang="en-US" dirty="0"/>
+              <a:t>返回结果后设为</a:t>
+            </a:r>
+            <a:r>
+              <a:rPr lang="en-US" altLang="zh-CN" dirty="0"/>
+              <a:t>Preview</a:t>
+            </a:r>
+            <a:r>
+              <a:rPr lang="zh-CN" altLang="en-US" dirty="0"/>
+              <a:t>状态，若任意</a:t>
+            </a:r>
+            <a:r>
+              <a:rPr lang="en-US" altLang="zh-CN" dirty="0"/>
+              <a:t>API</a:t>
+            </a:r>
+            <a:r>
+              <a:rPr lang="zh-CN" altLang="en-US" dirty="0"/>
+              <a:t>返回</a:t>
+            </a:r>
+            <a:r>
+              <a:rPr lang="en-US" altLang="zh-CN" dirty="0"/>
+              <a:t>Code</a:t>
+            </a:r>
+            <a:r>
+              <a:rPr lang="zh-CN" altLang="en-US" dirty="0"/>
+              <a:t>不为</a:t>
+            </a:r>
+            <a:r>
+              <a:rPr lang="en-US" altLang="zh-CN" dirty="0"/>
+              <a:t>0</a:t>
+            </a:r>
+            <a:r>
+              <a:rPr lang="zh-CN" altLang="en-US" dirty="0"/>
+              <a:t>，显示</a:t>
+            </a:r>
+            <a:r>
+              <a:rPr lang="en-US" altLang="zh-CN" dirty="0"/>
+              <a:t>	</a:t>
+            </a:r>
+            <a:r>
+              <a:rPr lang="zh-CN" altLang="en-US" dirty="0"/>
+              <a:t>状态</a:t>
+            </a:r>
+            <a:r>
+              <a:rPr lang="en-US" altLang="zh-CN" dirty="0"/>
+              <a:t>Error</a:t>
+            </a:r>
+            <a:r>
+              <a:rPr lang="zh-CN" altLang="en-US" dirty="0"/>
+              <a:t>（用户单击</a:t>
+            </a:r>
+            <a:r>
+              <a:rPr lang="en-US" altLang="zh-CN" dirty="0"/>
+              <a:t>Error</a:t>
+            </a:r>
+            <a:r>
+              <a:rPr lang="zh-CN" altLang="en-US" dirty="0"/>
+              <a:t>能看到服务器返回的错误信息）用户再次单击</a:t>
+            </a:r>
+            <a:r>
+              <a:rPr lang="en-US" altLang="zh-CN" dirty="0"/>
+              <a:t>Start</a:t>
+            </a:r>
+            <a:r>
+              <a:rPr lang="zh-CN" altLang="en-US" dirty="0"/>
+              <a:t>则重新开始该用户的计算</a:t>
+            </a:r>
+            <a:br>
+              <a:rPr lang="en-US" altLang="zh-CN" dirty="0"/>
+            </a:br>
+            <a:r>
+              <a:rPr lang="en-US" altLang="zh-CN" dirty="0"/>
+              <a:t>Report: </a:t>
+            </a:r>
+            <a:r>
+              <a:rPr lang="zh-CN" altLang="en-US" dirty="0"/>
+              <a:t>只在</a:t>
+            </a:r>
+            <a:r>
+              <a:rPr lang="en-US" altLang="zh-CN" dirty="0"/>
+              <a:t>Committed</a:t>
+            </a:r>
+            <a:r>
+              <a:rPr lang="zh-CN" altLang="en-US" dirty="0"/>
+              <a:t>状态时显示，跳转报表详情页面</a:t>
+            </a:r>
+            <a:endParaRPr lang="en-US" altLang="zh-CN" dirty="0"/>
+          </a:p>
+          <a:p>
+            <a:r>
+              <a:rPr lang="zh-CN" altLang="en-US" dirty="0"/>
+              <a:t>页操作按钮</a:t>
+            </a:r>
+            <a:br>
+              <a:rPr lang="en-US" altLang="zh-CN" dirty="0"/>
+            </a:br>
+            <a:r>
+              <a:rPr lang="en-US" altLang="zh-CN" dirty="0"/>
+              <a:t>Start All: </a:t>
+            </a:r>
+            <a:r>
+              <a:rPr lang="zh-CN" altLang="en-US" dirty="0"/>
+              <a:t>循环遍历每一个员工依次调用 </a:t>
+            </a:r>
+            <a:r>
+              <a:rPr lang="en-US" altLang="zh-CN" dirty="0" err="1"/>
+              <a:t>CalcTrans</a:t>
+            </a:r>
+            <a:r>
+              <a:rPr lang="zh-CN" altLang="en-US" dirty="0"/>
+              <a:t>（单击完后隐藏，显示</a:t>
+            </a:r>
+            <a:r>
+              <a:rPr lang="en-US" altLang="zh-CN" dirty="0"/>
+              <a:t>Stop All</a:t>
+            </a:r>
+            <a:r>
+              <a:rPr lang="zh-CN" altLang="en-US" dirty="0"/>
+              <a:t>）</a:t>
+            </a:r>
+            <a:br>
+              <a:rPr lang="en-US" altLang="zh-CN" dirty="0"/>
+            </a:br>
+            <a:r>
+              <a:rPr lang="en-US" altLang="zh-CN" dirty="0"/>
+              <a:t>	</a:t>
+            </a:r>
+            <a:r>
+              <a:rPr lang="zh-CN" altLang="en-US" dirty="0"/>
+              <a:t>若某员工计算出错（状态为</a:t>
+            </a:r>
+            <a:r>
+              <a:rPr lang="en-US" altLang="zh-CN" dirty="0"/>
+              <a:t>Error</a:t>
+            </a:r>
+            <a:r>
+              <a:rPr lang="zh-CN" altLang="en-US" dirty="0"/>
+              <a:t>），不影响其他员工计算，循环继续</a:t>
+            </a:r>
+            <a:br>
+              <a:rPr lang="en-US" altLang="zh-CN" dirty="0"/>
+            </a:br>
+            <a:r>
+              <a:rPr lang="en-US" altLang="zh-CN" dirty="0"/>
+              <a:t>	</a:t>
+            </a:r>
+            <a:r>
+              <a:rPr lang="zh-CN" altLang="en-US" dirty="0"/>
+              <a:t>若所有员工</a:t>
+            </a:r>
+            <a:br>
+              <a:rPr lang="en-US" altLang="zh-CN" dirty="0"/>
+            </a:br>
+            <a:r>
+              <a:rPr lang="en-US" altLang="zh-CN" dirty="0"/>
+              <a:t>Stop All: </a:t>
+            </a:r>
+            <a:r>
+              <a:rPr lang="zh-CN" altLang="en-US" dirty="0"/>
+              <a:t>当前员工计算完成后终止循环（单击后隐藏，显示</a:t>
+            </a:r>
+            <a:r>
+              <a:rPr lang="en-US" altLang="zh-CN" dirty="0"/>
+              <a:t>Start All</a:t>
+            </a:r>
+            <a:r>
+              <a:rPr lang="zh-CN" altLang="en-US" dirty="0"/>
+              <a:t>）</a:t>
+            </a:r>
+            <a:br>
+              <a:rPr lang="en-US" altLang="zh-CN" dirty="0"/>
+            </a:br>
+            <a:r>
+              <a:rPr lang="en-US" altLang="zh-CN" dirty="0"/>
+              <a:t>Preview: </a:t>
+            </a:r>
+            <a:r>
+              <a:rPr lang="zh-CN" altLang="en-US" dirty="0"/>
+              <a:t>所有员工状态为</a:t>
+            </a:r>
+            <a:r>
+              <a:rPr lang="en-US" altLang="zh-CN" dirty="0"/>
+              <a:t>Preview</a:t>
+            </a:r>
+            <a:r>
+              <a:rPr lang="zh-CN" altLang="en-US" dirty="0"/>
+              <a:t>或</a:t>
+            </a:r>
+            <a:r>
+              <a:rPr lang="en-US" altLang="zh-CN" dirty="0"/>
+              <a:t>Committed</a:t>
+            </a:r>
+            <a:r>
+              <a:rPr lang="zh-CN" altLang="en-US" dirty="0"/>
+              <a:t>时显示，跳转</a:t>
+            </a:r>
+            <a:r>
+              <a:rPr lang="en-US" altLang="zh-CN" dirty="0"/>
+              <a:t>Step 3</a:t>
+            </a:r>
+            <a:r>
+              <a:rPr lang="zh-CN" altLang="en-US" dirty="0"/>
+              <a:t>准备生成报表</a:t>
+            </a:r>
+            <a:br>
+              <a:rPr lang="en-US" altLang="zh-CN" dirty="0"/>
+            </a:br>
+            <a:r>
+              <a:rPr lang="en-US" altLang="zh-CN" dirty="0"/>
+              <a:t>View Report: </a:t>
+            </a:r>
+            <a:r>
+              <a:rPr lang="zh-CN" altLang="en-US" dirty="0"/>
+              <a:t>所有员工状态为</a:t>
+            </a:r>
+            <a:r>
+              <a:rPr lang="en-US" altLang="zh-CN" dirty="0"/>
+              <a:t>Committed</a:t>
+            </a:r>
+            <a:r>
+              <a:rPr lang="zh-CN" altLang="en-US" dirty="0"/>
+              <a:t>时显示，跳转报表详情页</a:t>
+            </a:r>
+            <a:endParaRPr lang="en-US" altLang="zh-CN" dirty="0"/>
+          </a:p>
+        </p:txBody>
+      </p:sp>
+    </p:spTree>
+    <p:extLst>
+      <p:ext uri="{BB962C8B-B14F-4D97-AF65-F5344CB8AC3E}">
+        <p14:creationId xmlns:p14="http://schemas.microsoft.com/office/powerpoint/2010/main" val="1889258840"/>
+      </p:ext>
+    </p:extLst>
+  </p:cSld>
+  <p:clrMapOvr>
+    <a:masterClrMapping/>
+  </p:clrMapOvr>
+</p:sld>
+</file>
+
+<file path=ppt/slides/slide16.xml><?xml version="1.0" encoding="utf-8"?>
+<p:sld xmlns:a="http://schemas.openxmlformats.org/drawingml/2006/main" xmlns:r="http://schemas.openxmlformats.org/officeDocument/2006/relationships" xmlns:p="http://schemas.openxmlformats.org/presentationml/2006/main">
+  <p:cSld>
+    <p:spTree>
+      <p:nvGrpSpPr>
+        <p:cNvPr id="1" name=""/>
+        <p:cNvGrpSpPr/>
+        <p:nvPr/>
+      </p:nvGrpSpPr>
+      <p:grpSpPr>
+        <a:xfrm>
+          <a:off x="0" y="0"/>
+          <a:ext cx="0" cy="0"/>
+          <a:chOff x="0" y="0"/>
+          <a:chExt cx="0" cy="0"/>
+        </a:xfrm>
+      </p:grpSpPr>
+      <p:sp>
+        <p:nvSpPr>
+          <p:cNvPr id="2" name="Title 1">
+            <a:extLst>
+              <a:ext uri="{FF2B5EF4-FFF2-40B4-BE49-F238E27FC236}">
+                <a16:creationId xmlns:a16="http://schemas.microsoft.com/office/drawing/2014/main" id="{751CC575-CAB5-47E1-A576-18EE767B90C2}"/>
+              </a:ext>
+            </a:extLst>
+          </p:cNvPr>
+          <p:cNvSpPr>
+            <a:spLocks noGrp="1"/>
+          </p:cNvSpPr>
+          <p:nvPr>
+            <p:ph type="title"/>
+          </p:nvPr>
+        </p:nvSpPr>
+        <p:spPr/>
+        <p:txBody>
+          <a:bodyPr/>
+          <a:lstStyle/>
+          <a:p>
+            <a:r>
+              <a:rPr lang="zh-CN" altLang="en-US" dirty="0"/>
+              <a:t>工资结算</a:t>
+            </a:r>
+            <a:r>
+              <a:rPr lang="en-US" altLang="zh-CN" dirty="0"/>
+              <a:t>Payroll calculation</a:t>
+            </a:r>
+            <a:br>
+              <a:rPr lang="en-US" altLang="zh-CN" dirty="0"/>
+            </a:br>
+            <a:r>
+              <a:rPr lang="en-US" altLang="zh-CN" dirty="0"/>
+              <a:t>Step 3 – Preview</a:t>
+            </a:r>
+            <a:r>
+              <a:rPr lang="zh-CN" altLang="en-US" dirty="0"/>
+              <a:t>预览</a:t>
+            </a:r>
+            <a:endParaRPr lang="en-US" dirty="0"/>
+          </a:p>
+        </p:txBody>
+      </p:sp>
+      <p:sp>
+        <p:nvSpPr>
+          <p:cNvPr id="3" name="Content Placeholder 2">
+            <a:extLst>
+              <a:ext uri="{FF2B5EF4-FFF2-40B4-BE49-F238E27FC236}">
+                <a16:creationId xmlns:a16="http://schemas.microsoft.com/office/drawing/2014/main" id="{DBEB0881-329A-4A6D-A103-101F20A953CE}"/>
+              </a:ext>
+            </a:extLst>
+          </p:cNvPr>
+          <p:cNvSpPr>
+            <a:spLocks noGrp="1"/>
+          </p:cNvSpPr>
+          <p:nvPr>
+            <p:ph idx="1"/>
+          </p:nvPr>
+        </p:nvSpPr>
+        <p:spPr>
+          <a:xfrm>
+            <a:off x="1251678" y="1874517"/>
+            <a:ext cx="10178322" cy="4877157"/>
+          </a:xfrm>
+        </p:spPr>
+        <p:txBody>
+          <a:bodyPr>
+            <a:normAutofit fontScale="92500" lnSpcReduction="20000"/>
+          </a:bodyPr>
+          <a:lstStyle/>
+          <a:p>
+            <a:r>
+              <a:rPr lang="zh-CN" altLang="en-US" dirty="0"/>
+              <a:t>列出该公司该</a:t>
+            </a:r>
+            <a:r>
+              <a:rPr lang="en-US" altLang="zh-CN" dirty="0"/>
+              <a:t>Period</a:t>
+            </a:r>
+            <a:r>
+              <a:rPr lang="zh-CN" altLang="en-US" dirty="0"/>
+              <a:t>内所有员工</a:t>
+            </a:r>
+            <a:br>
+              <a:rPr lang="en-US" altLang="zh-CN" dirty="0"/>
+            </a:br>
+            <a:r>
+              <a:rPr lang="en-US" altLang="zh-CN" dirty="0"/>
+              <a:t>/p/</a:t>
+            </a:r>
+            <a:r>
+              <a:rPr lang="en-US" altLang="zh-CN" dirty="0" err="1"/>
+              <a:t>preview?periodcode</a:t>
+            </a:r>
+            <a:r>
+              <a:rPr lang="en-US" altLang="zh-CN" dirty="0"/>
+              <a:t>=[</a:t>
+            </a:r>
+            <a:r>
+              <a:rPr lang="zh-CN" altLang="en-US" dirty="0"/>
+              <a:t>区间</a:t>
+            </a:r>
+            <a:r>
+              <a:rPr lang="en-US" altLang="zh-CN" dirty="0"/>
+              <a:t>]&amp;</a:t>
+            </a:r>
+            <a:r>
+              <a:rPr lang="en-US" altLang="zh-CN" dirty="0" err="1"/>
+              <a:t>companycode</a:t>
+            </a:r>
+            <a:r>
+              <a:rPr lang="en-US" altLang="zh-CN" dirty="0"/>
+              <a:t>=[</a:t>
+            </a:r>
+            <a:r>
+              <a:rPr lang="zh-CN" altLang="en-US" dirty="0"/>
+              <a:t>公司</a:t>
+            </a:r>
+            <a:r>
+              <a:rPr lang="en-US" altLang="zh-CN" dirty="0"/>
+              <a:t>]&amp;</a:t>
+            </a:r>
+            <a:r>
+              <a:rPr lang="en-US" altLang="zh-CN" dirty="0" err="1"/>
+              <a:t>empcode</a:t>
+            </a:r>
+            <a:r>
+              <a:rPr lang="en-US" altLang="zh-CN" dirty="0"/>
+              <a:t>=[</a:t>
+            </a:r>
+            <a:r>
+              <a:rPr lang="zh-CN" altLang="en-US" dirty="0"/>
+              <a:t>员工（可选参数</a:t>
+            </a:r>
+            <a:r>
+              <a:rPr lang="en-US" altLang="zh-CN" dirty="0"/>
+              <a:t>,</a:t>
+            </a:r>
+            <a:r>
+              <a:rPr lang="zh-CN" altLang="en-US" dirty="0"/>
+              <a:t>逗号分隔）</a:t>
+            </a:r>
+            <a:r>
+              <a:rPr lang="en-US" altLang="zh-CN" dirty="0"/>
+              <a:t>]</a:t>
+            </a:r>
+            <a:endParaRPr lang="en-US" altLang="zh-CN" b="1" dirty="0">
+              <a:solidFill>
+                <a:srgbClr val="FF0000"/>
+              </a:solidFill>
+            </a:endParaRPr>
+          </a:p>
+          <a:p>
+            <a:r>
+              <a:rPr lang="zh-CN" altLang="en-US" dirty="0"/>
+              <a:t>若上面查询返回数据为空，提示错误信息：</a:t>
+            </a:r>
+            <a:r>
+              <a:rPr lang="en-US" altLang="zh-CN" dirty="0"/>
+              <a:t>Invalid transaction status, cannot generate report.</a:t>
+            </a:r>
+            <a:br>
+              <a:rPr lang="en-US" altLang="zh-CN" dirty="0"/>
+            </a:br>
+            <a:r>
+              <a:rPr lang="zh-CN" altLang="en-US" dirty="0"/>
+              <a:t>并显示按钮</a:t>
+            </a:r>
+            <a:r>
+              <a:rPr lang="en-US" altLang="zh-CN" dirty="0"/>
+              <a:t>Go Back</a:t>
+            </a:r>
+            <a:r>
+              <a:rPr lang="zh-CN" altLang="en-US" dirty="0"/>
+              <a:t>单击后跳转</a:t>
+            </a:r>
+            <a:r>
+              <a:rPr lang="en-US" altLang="zh-CN" dirty="0"/>
+              <a:t>Step 2</a:t>
+            </a:r>
+            <a:r>
+              <a:rPr lang="zh-CN" altLang="en-US" dirty="0"/>
+              <a:t>重新计算</a:t>
+            </a:r>
+            <a:r>
+              <a:rPr lang="en-US" altLang="zh-CN" dirty="0"/>
+              <a:t>Transaction</a:t>
+            </a:r>
+            <a:br>
+              <a:rPr lang="en-US" altLang="zh-CN" dirty="0"/>
+            </a:br>
+            <a:r>
+              <a:rPr lang="en-US" altLang="zh-CN" dirty="0"/>
+              <a:t>/p/preview API</a:t>
+            </a:r>
+            <a:r>
+              <a:rPr lang="zh-CN" altLang="en-US" dirty="0"/>
+              <a:t>只返回</a:t>
+            </a:r>
+            <a:r>
+              <a:rPr lang="en-US" altLang="zh-CN" dirty="0"/>
+              <a:t>Preview</a:t>
+            </a:r>
+            <a:r>
+              <a:rPr lang="zh-CN" altLang="en-US" dirty="0"/>
+              <a:t>状态的员工的数据，</a:t>
+            </a:r>
+            <a:r>
+              <a:rPr lang="en-US" altLang="zh-CN" dirty="0"/>
+              <a:t>committed</a:t>
+            </a:r>
+            <a:r>
+              <a:rPr lang="zh-CN" altLang="en-US" dirty="0"/>
+              <a:t>状态的员工不返回</a:t>
+            </a:r>
+            <a:endParaRPr lang="en-US" altLang="zh-CN" dirty="0">
+              <a:solidFill>
+                <a:schemeClr val="accent5">
+                  <a:lumMod val="75000"/>
+                </a:schemeClr>
+              </a:solidFill>
+            </a:endParaRPr>
+          </a:p>
+          <a:p>
+            <a:r>
+              <a:rPr lang="zh-CN" altLang="en-US" dirty="0"/>
+              <a:t>行操作按钮</a:t>
+            </a:r>
+            <a:br>
+              <a:rPr lang="en-US" altLang="zh-CN" dirty="0"/>
+            </a:br>
+            <a:r>
+              <a:rPr lang="en-US" altLang="zh-CN" dirty="0"/>
+              <a:t>Commit: </a:t>
+            </a:r>
+            <a:r>
+              <a:rPr lang="zh-CN" altLang="en-US" dirty="0"/>
+              <a:t>调用</a:t>
+            </a:r>
+            <a:r>
+              <a:rPr lang="en-US" altLang="zh-CN" dirty="0"/>
+              <a:t>Commit API</a:t>
+            </a:r>
+            <a:r>
+              <a:rPr lang="zh-CN" altLang="en-US" dirty="0"/>
+              <a:t>并设置状态为</a:t>
+            </a:r>
+            <a:r>
+              <a:rPr lang="en-US" altLang="zh-CN" dirty="0"/>
+              <a:t>In Progress</a:t>
+            </a:r>
+            <a:r>
+              <a:rPr lang="zh-CN" altLang="en-US" dirty="0"/>
+              <a:t>直到返回结果后设为</a:t>
+            </a:r>
+            <a:r>
+              <a:rPr lang="en-US" altLang="zh-CN" dirty="0"/>
+              <a:t>Committed</a:t>
+            </a:r>
+            <a:br>
+              <a:rPr lang="en-US" altLang="zh-CN" dirty="0"/>
+            </a:br>
+            <a:r>
+              <a:rPr lang="en-US" altLang="zh-CN" dirty="0"/>
+              <a:t>	</a:t>
+            </a:r>
+            <a:r>
+              <a:rPr lang="zh-CN" altLang="en-US" dirty="0"/>
+              <a:t>状态，若</a:t>
+            </a:r>
+            <a:r>
+              <a:rPr lang="en-US" altLang="zh-CN" dirty="0"/>
+              <a:t>API</a:t>
+            </a:r>
+            <a:r>
+              <a:rPr lang="zh-CN" altLang="en-US" dirty="0"/>
+              <a:t>返回出错，显示状态</a:t>
+            </a:r>
+            <a:r>
+              <a:rPr lang="en-US" altLang="zh-CN" dirty="0"/>
+              <a:t>Error</a:t>
+            </a:r>
+            <a:r>
+              <a:rPr lang="zh-CN" altLang="en-US" dirty="0"/>
+              <a:t>（用户单击</a:t>
+            </a:r>
+            <a:r>
+              <a:rPr lang="en-US" altLang="zh-CN" dirty="0"/>
+              <a:t>Error</a:t>
+            </a:r>
+            <a:r>
+              <a:rPr lang="zh-CN" altLang="en-US" dirty="0"/>
+              <a:t>能看到服务器返回的错误信息）</a:t>
+            </a:r>
+            <a:br>
+              <a:rPr lang="en-US" altLang="zh-CN" dirty="0"/>
+            </a:br>
+            <a:r>
+              <a:rPr lang="en-US" altLang="zh-CN" dirty="0"/>
+              <a:t>	</a:t>
+            </a:r>
+            <a:r>
+              <a:rPr lang="zh-CN" altLang="en-US" dirty="0"/>
+              <a:t>用户再次单击</a:t>
+            </a:r>
+            <a:r>
+              <a:rPr lang="en-US" altLang="zh-CN" dirty="0"/>
+              <a:t>Start</a:t>
+            </a:r>
+            <a:r>
+              <a:rPr lang="zh-CN" altLang="en-US" dirty="0"/>
+              <a:t>则重新开始生成该用户的报表 </a:t>
+            </a:r>
+            <a:br>
+              <a:rPr lang="en-US" altLang="zh-CN" dirty="0"/>
+            </a:br>
+            <a:r>
+              <a:rPr lang="en-US" altLang="zh-CN" dirty="0"/>
+              <a:t>	/p/</a:t>
+            </a:r>
+            <a:r>
+              <a:rPr lang="en-US" altLang="zh-CN" dirty="0" err="1"/>
+              <a:t>commit?periodcode</a:t>
+            </a:r>
+            <a:r>
+              <a:rPr lang="en-US" altLang="zh-CN" dirty="0"/>
+              <a:t>=[</a:t>
+            </a:r>
+            <a:r>
+              <a:rPr lang="zh-CN" altLang="en-US" dirty="0"/>
+              <a:t>区间</a:t>
+            </a:r>
+            <a:r>
+              <a:rPr lang="en-US" altLang="zh-CN" dirty="0"/>
+              <a:t>] &amp;</a:t>
+            </a:r>
+            <a:r>
+              <a:rPr lang="en-US" altLang="zh-CN" dirty="0" err="1"/>
+              <a:t>empcode</a:t>
+            </a:r>
+            <a:r>
+              <a:rPr lang="en-US" altLang="zh-CN" dirty="0"/>
+              <a:t>=[</a:t>
+            </a:r>
+            <a:r>
+              <a:rPr lang="zh-CN" altLang="en-US" dirty="0"/>
+              <a:t>员工</a:t>
+            </a:r>
+            <a:r>
+              <a:rPr lang="en-US" altLang="zh-CN" dirty="0"/>
+              <a:t>]</a:t>
+            </a:r>
+            <a:br>
+              <a:rPr lang="en-US" altLang="zh-CN" dirty="0"/>
+            </a:br>
+            <a:r>
+              <a:rPr lang="en-US" altLang="zh-CN" dirty="0"/>
+              <a:t>Report: </a:t>
+            </a:r>
+            <a:r>
+              <a:rPr lang="zh-CN" altLang="en-US" dirty="0"/>
+              <a:t>只在</a:t>
+            </a:r>
+            <a:r>
+              <a:rPr lang="en-US" altLang="zh-CN" dirty="0"/>
+              <a:t>Committed</a:t>
+            </a:r>
+            <a:r>
+              <a:rPr lang="zh-CN" altLang="en-US" dirty="0"/>
+              <a:t>状态时显示，跳转报表详情页面</a:t>
+            </a:r>
+            <a:endParaRPr lang="en-US" altLang="zh-CN" dirty="0"/>
+          </a:p>
+          <a:p>
+            <a:r>
+              <a:rPr lang="zh-CN" altLang="en-US" dirty="0"/>
+              <a:t>页操作按钮</a:t>
+            </a:r>
+            <a:br>
+              <a:rPr lang="en-US" altLang="zh-CN" dirty="0"/>
+            </a:br>
+            <a:r>
+              <a:rPr lang="en-US" altLang="zh-CN" dirty="0"/>
+              <a:t>Commit All: </a:t>
+            </a:r>
+            <a:r>
+              <a:rPr lang="zh-CN" altLang="en-US" dirty="0"/>
+              <a:t>循环遍历每一个员工依次调用</a:t>
+            </a:r>
+            <a:r>
+              <a:rPr lang="en-US" altLang="zh-CN" dirty="0"/>
+              <a:t>Commit API</a:t>
+            </a:r>
+            <a:r>
+              <a:rPr lang="zh-CN" altLang="en-US" dirty="0"/>
+              <a:t>（单击完后隐藏，显示</a:t>
+            </a:r>
+            <a:r>
+              <a:rPr lang="en-US" altLang="zh-CN" dirty="0"/>
+              <a:t>Stop All</a:t>
+            </a:r>
+            <a:r>
+              <a:rPr lang="zh-CN" altLang="en-US" dirty="0"/>
+              <a:t>）</a:t>
+            </a:r>
+            <a:br>
+              <a:rPr lang="en-US" altLang="zh-CN" dirty="0"/>
+            </a:br>
+            <a:r>
+              <a:rPr lang="en-US" altLang="zh-CN" dirty="0"/>
+              <a:t>	</a:t>
+            </a:r>
+            <a:r>
+              <a:rPr lang="zh-CN" altLang="en-US" dirty="0"/>
+              <a:t>若某员工报表出错（状态为</a:t>
+            </a:r>
+            <a:r>
+              <a:rPr lang="en-US" altLang="zh-CN" dirty="0"/>
+              <a:t>Error</a:t>
+            </a:r>
+            <a:r>
+              <a:rPr lang="zh-CN" altLang="en-US" dirty="0"/>
+              <a:t>），不影响其他员工计算，循环继续</a:t>
+            </a:r>
+            <a:br>
+              <a:rPr lang="en-US" altLang="zh-CN" dirty="0"/>
+            </a:br>
+            <a:r>
+              <a:rPr lang="en-US" altLang="zh-CN" dirty="0"/>
+              <a:t>Stop All: </a:t>
+            </a:r>
+            <a:r>
+              <a:rPr lang="zh-CN" altLang="en-US" dirty="0"/>
+              <a:t>当前员工完成后终止循环（单击后隐藏，显示</a:t>
+            </a:r>
+            <a:r>
+              <a:rPr lang="en-US" altLang="zh-CN" dirty="0"/>
+              <a:t>Start All</a:t>
+            </a:r>
+            <a:r>
+              <a:rPr lang="zh-CN" altLang="en-US" dirty="0"/>
+              <a:t>）</a:t>
+            </a:r>
+            <a:br>
+              <a:rPr lang="en-US" altLang="zh-CN" dirty="0"/>
+            </a:br>
+            <a:r>
+              <a:rPr lang="en-US" altLang="zh-CN" dirty="0"/>
+              <a:t>View Report: </a:t>
+            </a:r>
+            <a:r>
+              <a:rPr lang="zh-CN" altLang="en-US" dirty="0"/>
+              <a:t>所有员工状态为</a:t>
+            </a:r>
+            <a:r>
+              <a:rPr lang="en-US" altLang="zh-CN" dirty="0"/>
+              <a:t>Committed</a:t>
+            </a:r>
+            <a:r>
+              <a:rPr lang="zh-CN" altLang="en-US" dirty="0"/>
+              <a:t>时显示，跳转报表详情页面</a:t>
+            </a:r>
+            <a:endParaRPr lang="en-US" altLang="zh-CN" dirty="0"/>
+          </a:p>
+        </p:txBody>
+      </p:sp>
+    </p:spTree>
+    <p:extLst>
+      <p:ext uri="{BB962C8B-B14F-4D97-AF65-F5344CB8AC3E}">
+        <p14:creationId xmlns:p14="http://schemas.microsoft.com/office/powerpoint/2010/main" val="2566509248"/>
+      </p:ext>
+    </p:extLst>
+  </p:cSld>
+  <p:clrMapOvr>
+    <a:masterClrMapping/>
+  </p:clrMapOvr>
+</p:sld>
+</file>
+
+<file path=ppt/slides/slide17.xml><?xml version="1.0" encoding="utf-8"?>
+<p:sld xmlns:a="http://schemas.openxmlformats.org/drawingml/2006/main" xmlns:r="http://schemas.openxmlformats.org/officeDocument/2006/relationships" xmlns:p="http://schemas.openxmlformats.org/presentationml/2006/main">
+  <p:cSld>
+    <p:spTree>
+      <p:nvGrpSpPr>
+        <p:cNvPr id="1" name=""/>
+        <p:cNvGrpSpPr/>
+        <p:nvPr/>
+      </p:nvGrpSpPr>
+      <p:grpSpPr>
+        <a:xfrm>
+          <a:off x="0" y="0"/>
+          <a:ext cx="0" cy="0"/>
+          <a:chOff x="0" y="0"/>
+          <a:chExt cx="0" cy="0"/>
+        </a:xfrm>
+      </p:grpSpPr>
+      <p:sp>
+        <p:nvSpPr>
+          <p:cNvPr id="2" name="Title 1">
+            <a:extLst>
+              <a:ext uri="{FF2B5EF4-FFF2-40B4-BE49-F238E27FC236}">
+                <a16:creationId xmlns:a16="http://schemas.microsoft.com/office/drawing/2014/main" id="{751CC575-CAB5-47E1-A576-18EE767B90C2}"/>
+              </a:ext>
+            </a:extLst>
+          </p:cNvPr>
+          <p:cNvSpPr>
+            <a:spLocks noGrp="1"/>
+          </p:cNvSpPr>
+          <p:nvPr>
+            <p:ph type="title"/>
+          </p:nvPr>
+        </p:nvSpPr>
+        <p:spPr/>
+        <p:txBody>
+          <a:bodyPr/>
+          <a:lstStyle/>
+          <a:p>
+            <a:r>
+              <a:rPr lang="zh-CN" altLang="en-US" dirty="0"/>
+              <a:t>工资结算</a:t>
+            </a:r>
+            <a:r>
+              <a:rPr lang="en-US" altLang="zh-CN" dirty="0"/>
+              <a:t>Payroll calculation</a:t>
+            </a:r>
+            <a:br>
+              <a:rPr lang="en-US" altLang="zh-CN" dirty="0"/>
+            </a:br>
+            <a:r>
+              <a:rPr lang="en-US" altLang="zh-CN" dirty="0"/>
               <a:t>Step 4 – Report</a:t>
             </a:r>
             <a:r>
@@ -8908,7 +9290,7 @@
 </p:sld>
 </file>
 
-<file path=ppt/slides/slide15.xml><?xml version="1.0" encoding="utf-8"?>
+<file path=ppt/slides/slide18.xml><?xml version="1.0" encoding="utf-8"?>
 <p:sld xmlns:a="http://schemas.openxmlformats.org/drawingml/2006/main" xmlns:r="http://schemas.openxmlformats.org/officeDocument/2006/relationships" xmlns:p="http://schemas.openxmlformats.org/presentationml/2006/main">
   <p:cSld>
     <p:spTree>
@@ -9099,7 +9481,7 @@
 </p:sld>
 </file>
 
-<file path=ppt/slides/slide16.xml><?xml version="1.0" encoding="utf-8"?>
+<file path=ppt/slides/slide19.xml><?xml version="1.0" encoding="utf-8"?>
 <p:sld xmlns:a="http://schemas.openxmlformats.org/drawingml/2006/main" xmlns:r="http://schemas.openxmlformats.org/officeDocument/2006/relationships" xmlns:p="http://schemas.openxmlformats.org/presentationml/2006/main">
   <p:cSld>
     <p:spTree>
